--- a/Stock Trader Sample - Diagram.pptx
+++ b/Stock Trader Sample - Diagram.pptx
@@ -7,15 +7,17 @@
     <p:sldMasterId id="2147483742" r:id="rId3"/>
   </p:sldMasterIdLst>
   <p:notesMasterIdLst>
-    <p:notesMasterId r:id="rId7"/>
+    <p:notesMasterId r:id="rId9"/>
   </p:notesMasterIdLst>
   <p:handoutMasterIdLst>
-    <p:handoutMasterId r:id="rId8"/>
+    <p:handoutMasterId r:id="rId10"/>
   </p:handoutMasterIdLst>
   <p:sldIdLst>
     <p:sldId id="373" r:id="rId4"/>
-    <p:sldId id="518" r:id="rId5"/>
-    <p:sldId id="519" r:id="rId6"/>
+    <p:sldId id="520" r:id="rId5"/>
+    <p:sldId id="521" r:id="rId6"/>
+    <p:sldId id="518" r:id="rId7"/>
+    <p:sldId id="519" r:id="rId8"/>
   </p:sldIdLst>
   <p:sldSz cx="12188825" cy="6858000"/>
   <p:notesSz cx="7102475" cy="9388475"/>
@@ -229,7 +231,7 @@
             <a:fld id="{D0752B3F-16DD-4F19-ACDD-F2069BC5BD4E}" type="datetimeFigureOut">
               <a:rPr lang="en-US" smtClean="0"/>
               <a:pPr/>
-              <a:t>6/8/20</a:t>
+              <a:t>10/8/20</a:t>
             </a:fld>
             <a:endParaRPr lang="en-US"/>
           </a:p>
@@ -396,7 +398,7 @@
             <a:fld id="{9FA6D163-A0F5-498D-A72B-50DE16555140}" type="datetimeFigureOut">
               <a:rPr lang="en-US" smtClean="0"/>
               <a:pPr/>
-              <a:t>6/8/20</a:t>
+              <a:t>10/8/20</a:t>
             </a:fld>
             <a:endParaRPr lang="en-US"/>
           </a:p>
@@ -4912,7 +4914,7 @@
           </a:ln>
           <a:extLst>
             <a:ext uri="{C572A759-6A51-4108-AA02-DFA0A04FC94B}">
-              <ma14:wrappingTextBoxFlag xmlns:ma14="http://schemas.microsoft.com/office/mac/drawingml/2011/main" xmlns="" val="1"/>
+              <ma14:wrappingTextBoxFlag xmlns="" xmlns:ma14="http://schemas.microsoft.com/office/mac/drawingml/2011/main" val="1"/>
             </a:ext>
           </a:extLst>
         </p:spPr>
@@ -5401,17 +5403,17 @@
           </a:ln>
           <a:extLst>
             <a:ext uri="{FAA26D3D-D897-4be2-8F04-BA451C77F1D7}">
-              <ma14:placeholderFlag xmlns="" xmlns:ma14="http://schemas.microsoft.com/office/mac/drawingml/2011/main" val="1"/>
+              <ma14:placeholderFlag xmlns:ma14="http://schemas.microsoft.com/office/mac/drawingml/2011/main" xmlns="" val="1"/>
             </a:ext>
             <a:ext uri="{909E8E84-426E-40dd-AFC4-6F175D3DCCD1}">
-              <a14:hiddenFill xmlns="" xmlns:a14="http://schemas.microsoft.com/office/drawing/2010/main">
+              <a14:hiddenFill xmlns:a14="http://schemas.microsoft.com/office/drawing/2010/main" xmlns="">
                 <a:solidFill>
                   <a:srgbClr val="FFFFFF"/>
                 </a:solidFill>
               </a14:hiddenFill>
             </a:ext>
             <a:ext uri="{91240B29-F687-4f45-9708-019B960494DF}">
-              <a14:hiddenLine xmlns="" xmlns:a14="http://schemas.microsoft.com/office/drawing/2010/main" w="9525">
+              <a14:hiddenLine xmlns:a14="http://schemas.microsoft.com/office/drawing/2010/main" xmlns="" w="9525">
                 <a:solidFill>
                   <a:srgbClr val="000000"/>
                 </a:solidFill>
@@ -5945,17 +5947,17 @@
           </a:ln>
           <a:extLst>
             <a:ext uri="{FAA26D3D-D897-4be2-8F04-BA451C77F1D7}">
-              <ma14:placeholderFlag xmlns="" xmlns:ma14="http://schemas.microsoft.com/office/mac/drawingml/2011/main" val="1"/>
+              <ma14:placeholderFlag xmlns:ma14="http://schemas.microsoft.com/office/mac/drawingml/2011/main" xmlns="" val="1"/>
             </a:ext>
             <a:ext uri="{909E8E84-426E-40dd-AFC4-6F175D3DCCD1}">
-              <a14:hiddenFill xmlns="" xmlns:a14="http://schemas.microsoft.com/office/drawing/2010/main">
+              <a14:hiddenFill xmlns:a14="http://schemas.microsoft.com/office/drawing/2010/main" xmlns="">
                 <a:solidFill>
                   <a:srgbClr val="FFFFFF"/>
                 </a:solidFill>
               </a14:hiddenFill>
             </a:ext>
             <a:ext uri="{91240B29-F687-4f45-9708-019B960494DF}">
-              <a14:hiddenLine xmlns="" xmlns:a14="http://schemas.microsoft.com/office/drawing/2010/main" w="9525">
+              <a14:hiddenLine xmlns:a14="http://schemas.microsoft.com/office/drawing/2010/main" xmlns="" w="9525">
                 <a:solidFill>
                   <a:srgbClr val="000000"/>
                 </a:solidFill>
@@ -6429,17 +6431,17 @@
           </a:ln>
           <a:extLst>
             <a:ext uri="{FAA26D3D-D897-4be2-8F04-BA451C77F1D7}">
-              <ma14:placeholderFlag xmlns="" xmlns:ma14="http://schemas.microsoft.com/office/mac/drawingml/2011/main" val="1"/>
+              <ma14:placeholderFlag xmlns:ma14="http://schemas.microsoft.com/office/mac/drawingml/2011/main" xmlns="" val="1"/>
             </a:ext>
             <a:ext uri="{909E8E84-426E-40dd-AFC4-6F175D3DCCD1}">
-              <a14:hiddenFill xmlns="" xmlns:a14="http://schemas.microsoft.com/office/drawing/2010/main">
+              <a14:hiddenFill xmlns:a14="http://schemas.microsoft.com/office/drawing/2010/main" xmlns="">
                 <a:solidFill>
                   <a:srgbClr val="FFFFFF"/>
                 </a:solidFill>
               </a14:hiddenFill>
             </a:ext>
             <a:ext uri="{91240B29-F687-4f45-9708-019B960494DF}">
-              <a14:hiddenLine xmlns="" xmlns:a14="http://schemas.microsoft.com/office/drawing/2010/main" w="9525">
+              <a14:hiddenLine xmlns:a14="http://schemas.microsoft.com/office/drawing/2010/main" xmlns="" w="9525">
                 <a:solidFill>
                   <a:srgbClr val="000000"/>
                 </a:solidFill>
@@ -6543,17 +6545,17 @@
           </a:ln>
           <a:extLst>
             <a:ext uri="{FAA26D3D-D897-4be2-8F04-BA451C77F1D7}">
-              <ma14:placeholderFlag xmlns="" xmlns:ma14="http://schemas.microsoft.com/office/mac/drawingml/2011/main" val="1"/>
+              <ma14:placeholderFlag xmlns:ma14="http://schemas.microsoft.com/office/mac/drawingml/2011/main" xmlns="" val="1"/>
             </a:ext>
             <a:ext uri="{909E8E84-426E-40dd-AFC4-6F175D3DCCD1}">
-              <a14:hiddenFill xmlns="" xmlns:a14="http://schemas.microsoft.com/office/drawing/2010/main">
+              <a14:hiddenFill xmlns:a14="http://schemas.microsoft.com/office/drawing/2010/main" xmlns="">
                 <a:solidFill>
                   <a:srgbClr val="FFFFFF"/>
                 </a:solidFill>
               </a14:hiddenFill>
             </a:ext>
             <a:ext uri="{91240B29-F687-4f45-9708-019B960494DF}">
-              <a14:hiddenLine xmlns="" xmlns:a14="http://schemas.microsoft.com/office/drawing/2010/main" w="9525">
+              <a14:hiddenLine xmlns:a14="http://schemas.microsoft.com/office/drawing/2010/main" xmlns="" w="9525">
                 <a:solidFill>
                   <a:srgbClr val="000000"/>
                 </a:solidFill>
@@ -7770,17 +7772,17 @@
           </a:ln>
           <a:extLst>
             <a:ext uri="{FAA26D3D-D897-4be2-8F04-BA451C77F1D7}">
-              <ma14:placeholderFlag xmlns="" xmlns:ma14="http://schemas.microsoft.com/office/mac/drawingml/2011/main" val="1"/>
+              <ma14:placeholderFlag xmlns:ma14="http://schemas.microsoft.com/office/mac/drawingml/2011/main" xmlns="" val="1"/>
             </a:ext>
             <a:ext uri="{909E8E84-426E-40dd-AFC4-6F175D3DCCD1}">
-              <a14:hiddenFill xmlns="" xmlns:a14="http://schemas.microsoft.com/office/drawing/2010/main">
+              <a14:hiddenFill xmlns:a14="http://schemas.microsoft.com/office/drawing/2010/main" xmlns="">
                 <a:solidFill>
                   <a:srgbClr val="FFFFFF"/>
                 </a:solidFill>
               </a14:hiddenFill>
             </a:ext>
             <a:ext uri="{91240B29-F687-4f45-9708-019B960494DF}">
-              <a14:hiddenLine xmlns="" xmlns:a14="http://schemas.microsoft.com/office/drawing/2010/main" w="9525">
+              <a14:hiddenLine xmlns:a14="http://schemas.microsoft.com/office/drawing/2010/main" xmlns="" w="9525">
                 <a:solidFill>
                   <a:srgbClr val="000000"/>
                 </a:solidFill>
@@ -8663,17 +8665,17 @@
           </a:ln>
           <a:extLst>
             <a:ext uri="{FAA26D3D-D897-4be2-8F04-BA451C77F1D7}">
-              <ma14:placeholderFlag xmlns="" xmlns:ma14="http://schemas.microsoft.com/office/mac/drawingml/2011/main" val="1"/>
+              <ma14:placeholderFlag xmlns:ma14="http://schemas.microsoft.com/office/mac/drawingml/2011/main" xmlns="" val="1"/>
             </a:ext>
             <a:ext uri="{909E8E84-426E-40dd-AFC4-6F175D3DCCD1}">
-              <a14:hiddenFill xmlns="" xmlns:a14="http://schemas.microsoft.com/office/drawing/2010/main">
+              <a14:hiddenFill xmlns:a14="http://schemas.microsoft.com/office/drawing/2010/main" xmlns="">
                 <a:solidFill>
                   <a:srgbClr val="FFFFFF"/>
                 </a:solidFill>
               </a14:hiddenFill>
             </a:ext>
             <a:ext uri="{91240B29-F687-4f45-9708-019B960494DF}">
-              <a14:hiddenLine xmlns="" xmlns:a14="http://schemas.microsoft.com/office/drawing/2010/main" w="9525">
+              <a14:hiddenLine xmlns:a14="http://schemas.microsoft.com/office/drawing/2010/main" xmlns="" w="9525">
                 <a:solidFill>
                   <a:srgbClr val="000000"/>
                 </a:solidFill>
@@ -9390,17 +9392,17 @@
           </a:ln>
           <a:extLst>
             <a:ext uri="{FAA26D3D-D897-4be2-8F04-BA451C77F1D7}">
-              <ma14:placeholderFlag xmlns="" xmlns:ma14="http://schemas.microsoft.com/office/mac/drawingml/2011/main" val="1"/>
+              <ma14:placeholderFlag xmlns:ma14="http://schemas.microsoft.com/office/mac/drawingml/2011/main" xmlns="" val="1"/>
             </a:ext>
             <a:ext uri="{909E8E84-426E-40dd-AFC4-6F175D3DCCD1}">
-              <a14:hiddenFill xmlns="" xmlns:a14="http://schemas.microsoft.com/office/drawing/2010/main">
+              <a14:hiddenFill xmlns:a14="http://schemas.microsoft.com/office/drawing/2010/main" xmlns="">
                 <a:solidFill>
                   <a:srgbClr val="FFFFFF"/>
                 </a:solidFill>
               </a14:hiddenFill>
             </a:ext>
             <a:ext uri="{91240B29-F687-4f45-9708-019B960494DF}">
-              <a14:hiddenLine xmlns="" xmlns:a14="http://schemas.microsoft.com/office/drawing/2010/main" w="9525">
+              <a14:hiddenLine xmlns:a14="http://schemas.microsoft.com/office/drawing/2010/main" xmlns="" w="9525">
                 <a:solidFill>
                   <a:srgbClr val="000000"/>
                 </a:solidFill>
@@ -9874,17 +9876,17 @@
           </a:ln>
           <a:extLst>
             <a:ext uri="{FAA26D3D-D897-4be2-8F04-BA451C77F1D7}">
-              <ma14:placeholderFlag xmlns="" xmlns:ma14="http://schemas.microsoft.com/office/mac/drawingml/2011/main" val="1"/>
+              <ma14:placeholderFlag xmlns:ma14="http://schemas.microsoft.com/office/mac/drawingml/2011/main" xmlns="" val="1"/>
             </a:ext>
             <a:ext uri="{909E8E84-426E-40dd-AFC4-6F175D3DCCD1}">
-              <a14:hiddenFill xmlns="" xmlns:a14="http://schemas.microsoft.com/office/drawing/2010/main">
+              <a14:hiddenFill xmlns:a14="http://schemas.microsoft.com/office/drawing/2010/main" xmlns="">
                 <a:solidFill>
                   <a:srgbClr val="FFFFFF"/>
                 </a:solidFill>
               </a14:hiddenFill>
             </a:ext>
             <a:ext uri="{91240B29-F687-4f45-9708-019B960494DF}">
-              <a14:hiddenLine xmlns="" xmlns:a14="http://schemas.microsoft.com/office/drawing/2010/main" w="9525">
+              <a14:hiddenLine xmlns:a14="http://schemas.microsoft.com/office/drawing/2010/main" xmlns="" w="9525">
                 <a:solidFill>
                   <a:srgbClr val="000000"/>
                 </a:solidFill>
@@ -9988,17 +9990,17 @@
           </a:ln>
           <a:extLst>
             <a:ext uri="{FAA26D3D-D897-4be2-8F04-BA451C77F1D7}">
-              <ma14:placeholderFlag xmlns="" xmlns:ma14="http://schemas.microsoft.com/office/mac/drawingml/2011/main" val="1"/>
+              <ma14:placeholderFlag xmlns:ma14="http://schemas.microsoft.com/office/mac/drawingml/2011/main" xmlns="" val="1"/>
             </a:ext>
             <a:ext uri="{909E8E84-426E-40dd-AFC4-6F175D3DCCD1}">
-              <a14:hiddenFill xmlns="" xmlns:a14="http://schemas.microsoft.com/office/drawing/2010/main">
+              <a14:hiddenFill xmlns:a14="http://schemas.microsoft.com/office/drawing/2010/main" xmlns="">
                 <a:solidFill>
                   <a:srgbClr val="FFFFFF"/>
                 </a:solidFill>
               </a14:hiddenFill>
             </a:ext>
             <a:ext uri="{91240B29-F687-4f45-9708-019B960494DF}">
-              <a14:hiddenLine xmlns="" xmlns:a14="http://schemas.microsoft.com/office/drawing/2010/main" w="9525">
+              <a14:hiddenLine xmlns:a14="http://schemas.microsoft.com/office/drawing/2010/main" xmlns="" w="9525">
                 <a:solidFill>
                   <a:srgbClr val="000000"/>
                 </a:solidFill>
@@ -10939,17 +10941,17 @@
           </a:ln>
           <a:extLst>
             <a:ext uri="{FAA26D3D-D897-4be2-8F04-BA451C77F1D7}">
-              <ma14:placeholderFlag xmlns="" xmlns:ma14="http://schemas.microsoft.com/office/mac/drawingml/2011/main" val="1"/>
+              <ma14:placeholderFlag xmlns:ma14="http://schemas.microsoft.com/office/mac/drawingml/2011/main" xmlns="" val="1"/>
             </a:ext>
             <a:ext uri="{909E8E84-426E-40dd-AFC4-6F175D3DCCD1}">
-              <a14:hiddenFill xmlns="" xmlns:a14="http://schemas.microsoft.com/office/drawing/2010/main">
+              <a14:hiddenFill xmlns:a14="http://schemas.microsoft.com/office/drawing/2010/main" xmlns="">
                 <a:solidFill>
                   <a:srgbClr val="FFFFFF"/>
                 </a:solidFill>
               </a14:hiddenFill>
             </a:ext>
             <a:ext uri="{91240B29-F687-4f45-9708-019B960494DF}">
-              <a14:hiddenLine xmlns="" xmlns:a14="http://schemas.microsoft.com/office/drawing/2010/main" w="9525">
+              <a14:hiddenLine xmlns:a14="http://schemas.microsoft.com/office/drawing/2010/main" xmlns="" w="9525">
                 <a:solidFill>
                   <a:srgbClr val="000000"/>
                 </a:solidFill>
@@ -13288,17 +13290,17 @@
           </a:ln>
           <a:extLst>
             <a:ext uri="{FAA26D3D-D897-4be2-8F04-BA451C77F1D7}">
-              <ma14:placeholderFlag xmlns="" xmlns:ma14="http://schemas.microsoft.com/office/mac/drawingml/2011/main" val="1"/>
+              <ma14:placeholderFlag xmlns:ma14="http://schemas.microsoft.com/office/mac/drawingml/2011/main" xmlns="" val="1"/>
             </a:ext>
             <a:ext uri="{909E8E84-426E-40dd-AFC4-6F175D3DCCD1}">
-              <a14:hiddenFill xmlns="" xmlns:a14="http://schemas.microsoft.com/office/drawing/2010/main">
+              <a14:hiddenFill xmlns:a14="http://schemas.microsoft.com/office/drawing/2010/main" xmlns="">
                 <a:solidFill>
                   <a:srgbClr val="FFFFFF"/>
                 </a:solidFill>
               </a14:hiddenFill>
             </a:ext>
             <a:ext uri="{91240B29-F687-4f45-9708-019B960494DF}">
-              <a14:hiddenLine xmlns="" xmlns:a14="http://schemas.microsoft.com/office/drawing/2010/main" w="9525">
+              <a14:hiddenLine xmlns:a14="http://schemas.microsoft.com/office/drawing/2010/main" xmlns="" w="9525">
                 <a:solidFill>
                   <a:srgbClr val="000000"/>
                 </a:solidFill>
@@ -13382,14 +13384,14 @@
           </a:ln>
           <a:extLst>
             <a:ext uri="{909E8E84-426E-40dd-AFC4-6F175D3DCCD1}">
-              <a14:hiddenFill xmlns="" xmlns:a14="http://schemas.microsoft.com/office/drawing/2010/main">
+              <a14:hiddenFill xmlns:a14="http://schemas.microsoft.com/office/drawing/2010/main" xmlns="">
                 <a:solidFill>
                   <a:srgbClr val="FFFFFF"/>
                 </a:solidFill>
               </a14:hiddenFill>
             </a:ext>
             <a:ext uri="{91240B29-F687-4f45-9708-019B960494DF}">
-              <a14:hiddenLine xmlns="" xmlns:a14="http://schemas.microsoft.com/office/drawing/2010/main" w="9525">
+              <a14:hiddenLine xmlns:a14="http://schemas.microsoft.com/office/drawing/2010/main" xmlns="" w="9525">
                 <a:solidFill>
                   <a:srgbClr val="000000"/>
                 </a:solidFill>
@@ -13476,14 +13478,14 @@
           </a:ln>
           <a:extLst>
             <a:ext uri="{909E8E84-426E-40dd-AFC4-6F175D3DCCD1}">
-              <a14:hiddenFill xmlns="" xmlns:a14="http://schemas.microsoft.com/office/drawing/2010/main">
+              <a14:hiddenFill xmlns:a14="http://schemas.microsoft.com/office/drawing/2010/main" xmlns="">
                 <a:solidFill>
                   <a:srgbClr val="FFFFFF"/>
                 </a:solidFill>
               </a14:hiddenFill>
             </a:ext>
             <a:ext uri="{91240B29-F687-4f45-9708-019B960494DF}">
-              <a14:hiddenLine xmlns="" xmlns:a14="http://schemas.microsoft.com/office/drawing/2010/main" w="9525">
+              <a14:hiddenLine xmlns:a14="http://schemas.microsoft.com/office/drawing/2010/main" xmlns="" w="9525">
                 <a:solidFill>
                   <a:srgbClr val="000000"/>
                 </a:solidFill>
@@ -13563,14 +13565,14 @@
           </a:ln>
           <a:extLst>
             <a:ext uri="{909E8E84-426E-40dd-AFC4-6F175D3DCCD1}">
-              <a14:hiddenFill xmlns="" xmlns:a14="http://schemas.microsoft.com/office/drawing/2010/main">
+              <a14:hiddenFill xmlns:a14="http://schemas.microsoft.com/office/drawing/2010/main" xmlns="">
                 <a:solidFill>
                   <a:srgbClr val="FFFFFF"/>
                 </a:solidFill>
               </a14:hiddenFill>
             </a:ext>
             <a:ext uri="{91240B29-F687-4f45-9708-019B960494DF}">
-              <a14:hiddenLine xmlns="" xmlns:a14="http://schemas.microsoft.com/office/drawing/2010/main" w="9525">
+              <a14:hiddenLine xmlns:a14="http://schemas.microsoft.com/office/drawing/2010/main" xmlns="" w="9525">
                 <a:solidFill>
                   <a:srgbClr val="000000"/>
                 </a:solidFill>
@@ -14158,17 +14160,17 @@
           </a:ln>
           <a:extLst>
             <a:ext uri="{FAA26D3D-D897-4be2-8F04-BA451C77F1D7}">
-              <ma14:placeholderFlag xmlns="" xmlns:ma14="http://schemas.microsoft.com/office/mac/drawingml/2011/main" val="1"/>
+              <ma14:placeholderFlag xmlns:ma14="http://schemas.microsoft.com/office/mac/drawingml/2011/main" xmlns="" val="1"/>
             </a:ext>
             <a:ext uri="{909E8E84-426E-40dd-AFC4-6F175D3DCCD1}">
-              <a14:hiddenFill xmlns="" xmlns:a14="http://schemas.microsoft.com/office/drawing/2010/main">
+              <a14:hiddenFill xmlns:a14="http://schemas.microsoft.com/office/drawing/2010/main" xmlns="">
                 <a:solidFill>
                   <a:srgbClr val="FFFFFF"/>
                 </a:solidFill>
               </a14:hiddenFill>
             </a:ext>
             <a:ext uri="{91240B29-F687-4f45-9708-019B960494DF}">
-              <a14:hiddenLine xmlns="" xmlns:a14="http://schemas.microsoft.com/office/drawing/2010/main" w="9525">
+              <a14:hiddenLine xmlns:a14="http://schemas.microsoft.com/office/drawing/2010/main" xmlns="" w="9525">
                 <a:solidFill>
                   <a:srgbClr val="000000"/>
                 </a:solidFill>
@@ -14252,14 +14254,14 @@
           </a:ln>
           <a:extLst>
             <a:ext uri="{909E8E84-426E-40dd-AFC4-6F175D3DCCD1}">
-              <a14:hiddenFill xmlns="" xmlns:a14="http://schemas.microsoft.com/office/drawing/2010/main">
+              <a14:hiddenFill xmlns:a14="http://schemas.microsoft.com/office/drawing/2010/main" xmlns="">
                 <a:solidFill>
                   <a:srgbClr val="FFFFFF"/>
                 </a:solidFill>
               </a14:hiddenFill>
             </a:ext>
             <a:ext uri="{91240B29-F687-4f45-9708-019B960494DF}">
-              <a14:hiddenLine xmlns="" xmlns:a14="http://schemas.microsoft.com/office/drawing/2010/main" w="9525">
+              <a14:hiddenLine xmlns:a14="http://schemas.microsoft.com/office/drawing/2010/main" xmlns="" w="9525">
                 <a:solidFill>
                   <a:srgbClr val="000000"/>
                 </a:solidFill>
@@ -14346,14 +14348,14 @@
           </a:ln>
           <a:extLst>
             <a:ext uri="{909E8E84-426E-40dd-AFC4-6F175D3DCCD1}">
-              <a14:hiddenFill xmlns="" xmlns:a14="http://schemas.microsoft.com/office/drawing/2010/main">
+              <a14:hiddenFill xmlns:a14="http://schemas.microsoft.com/office/drawing/2010/main" xmlns="">
                 <a:solidFill>
                   <a:srgbClr val="FFFFFF"/>
                 </a:solidFill>
               </a14:hiddenFill>
             </a:ext>
             <a:ext uri="{91240B29-F687-4f45-9708-019B960494DF}">
-              <a14:hiddenLine xmlns="" xmlns:a14="http://schemas.microsoft.com/office/drawing/2010/main" w="9525">
+              <a14:hiddenLine xmlns:a14="http://schemas.microsoft.com/office/drawing/2010/main" xmlns="" w="9525">
                 <a:solidFill>
                   <a:srgbClr val="000000"/>
                 </a:solidFill>
@@ -14433,14 +14435,14 @@
           </a:ln>
           <a:extLst>
             <a:ext uri="{909E8E84-426E-40dd-AFC4-6F175D3DCCD1}">
-              <a14:hiddenFill xmlns="" xmlns:a14="http://schemas.microsoft.com/office/drawing/2010/main">
+              <a14:hiddenFill xmlns:a14="http://schemas.microsoft.com/office/drawing/2010/main" xmlns="">
                 <a:solidFill>
                   <a:srgbClr val="FFFFFF"/>
                 </a:solidFill>
               </a14:hiddenFill>
             </a:ext>
             <a:ext uri="{91240B29-F687-4f45-9708-019B960494DF}">
-              <a14:hiddenLine xmlns="" xmlns:a14="http://schemas.microsoft.com/office/drawing/2010/main" w="9525">
+              <a14:hiddenLine xmlns:a14="http://schemas.microsoft.com/office/drawing/2010/main" xmlns="" w="9525">
                 <a:solidFill>
                   <a:srgbClr val="000000"/>
                 </a:solidFill>
@@ -15125,7 +15127,7 @@
           <a:p>
             <a:r>
               <a:rPr lang="en-US" sz="2700" dirty="0"/>
-              <a:t>Stock Trader sample for OpenShift Container Platform (or IKS or ICP)</a:t>
+              <a:t>IBM Stock Trader sample for the OpenShift Container Platform</a:t>
             </a:r>
           </a:p>
         </p:txBody>
@@ -15814,12 +15816,9 @@
             <a:pPr algn="ctr"/>
             <a:r>
               <a:rPr lang="en-US" sz="1600" dirty="0"/>
-              <a:t>Functions </a:t>
-            </a:r>
-            <a:r>
-              <a:rPr lang="en-US" sz="1300" dirty="0"/>
-              <a:t>(OpenWhisk)</a:t>
-            </a:r>
+              <a:t>Functions</a:t>
+            </a:r>
+            <a:endParaRPr lang="en-US" sz="1300" dirty="0"/>
           </a:p>
         </p:txBody>
       </p:sp>
@@ -18715,6 +18714,4790 @@
 </file>
 
 <file path=ppt/slides/slide2.xml><?xml version="1.0" encoding="utf-8"?>
+<p:sld xmlns:a="http://schemas.openxmlformats.org/drawingml/2006/main" xmlns:r="http://schemas.openxmlformats.org/officeDocument/2006/relationships" xmlns:p="http://schemas.openxmlformats.org/presentationml/2006/main">
+  <p:cSld>
+    <p:spTree>
+      <p:nvGrpSpPr>
+        <p:cNvPr id="1" name=""/>
+        <p:cNvGrpSpPr/>
+        <p:nvPr/>
+      </p:nvGrpSpPr>
+      <p:grpSpPr>
+        <a:xfrm>
+          <a:off x="0" y="0"/>
+          <a:ext cx="0" cy="0"/>
+          <a:chOff x="0" y="0"/>
+          <a:chExt cx="0" cy="0"/>
+        </a:xfrm>
+      </p:grpSpPr>
+      <p:sp>
+        <p:nvSpPr>
+          <p:cNvPr id="2" name="Title 1">
+            <a:extLst>
+              <a:ext uri="{FF2B5EF4-FFF2-40B4-BE49-F238E27FC236}">
+                <a16:creationId xmlns:a16="http://schemas.microsoft.com/office/drawing/2014/main" id="{6D06C7FA-2B53-DB47-A902-586E09EFABAC}"/>
+              </a:ext>
+            </a:extLst>
+          </p:cNvPr>
+          <p:cNvSpPr>
+            <a:spLocks noGrp="1"/>
+          </p:cNvSpPr>
+          <p:nvPr>
+            <p:ph type="title"/>
+          </p:nvPr>
+        </p:nvSpPr>
+        <p:spPr>
+          <a:xfrm>
+            <a:off x="243776" y="265839"/>
+            <a:ext cx="11701272" cy="430887"/>
+          </a:xfrm>
+        </p:spPr>
+        <p:txBody>
+          <a:bodyPr/>
+          <a:lstStyle/>
+          <a:p>
+            <a:r>
+              <a:rPr lang="en-US" sz="2800" dirty="0"/>
+              <a:t>The “umbrella” operator for the IBM Stock Trader sample</a:t>
+            </a:r>
+          </a:p>
+        </p:txBody>
+      </p:sp>
+      <p:sp>
+        <p:nvSpPr>
+          <p:cNvPr id="3" name="TextBox 2">
+            <a:extLst>
+              <a:ext uri="{FF2B5EF4-FFF2-40B4-BE49-F238E27FC236}">
+                <a16:creationId xmlns:a16="http://schemas.microsoft.com/office/drawing/2014/main" id="{B49941EC-ABCF-6B49-A6E7-969000B80885}"/>
+              </a:ext>
+            </a:extLst>
+          </p:cNvPr>
+          <p:cNvSpPr txBox="1"/>
+          <p:nvPr/>
+        </p:nvSpPr>
+        <p:spPr>
+          <a:xfrm>
+            <a:off x="744718" y="999241"/>
+            <a:ext cx="11019934" cy="5478423"/>
+          </a:xfrm>
+          <a:prstGeom prst="rect">
+            <a:avLst/>
+          </a:prstGeom>
+          <a:noFill/>
+          <a:ln>
+            <a:noFill/>
+          </a:ln>
+        </p:spPr>
+        <p:txBody>
+          <a:bodyPr wrap="square" lIns="0" tIns="0" rIns="0" bIns="0" rtlCol="0">
+            <a:spAutoFit/>
+          </a:bodyPr>
+          <a:lstStyle/>
+          <a:p>
+            <a:pPr marL="342900" indent="-342900">
+              <a:buFont typeface="Wingdings" pitchFamily="2" charset="2"/>
+              <a:buChar char="Ø"/>
+            </a:pPr>
+            <a:r>
+              <a:rPr lang="en-US" sz="2400" kern="0" spc="-30" dirty="0">
+                <a:latin typeface="Arial"/>
+                <a:cs typeface="Arial"/>
+                <a:hlinkClick r:id="rId2"/>
+              </a:rPr>
+              <a:t>https://github.com/IBMStockTrader/stocktrader-operator</a:t>
+            </a:r>
+            <a:endParaRPr lang="en-US" sz="2400" kern="0" spc="-30" dirty="0">
+              <a:latin typeface="Arial"/>
+              <a:cs typeface="Arial"/>
+            </a:endParaRPr>
+          </a:p>
+          <a:p>
+            <a:pPr marL="800018" lvl="1" indent="-342900">
+              <a:buFont typeface="Wingdings" pitchFamily="2" charset="2"/>
+              <a:buChar char="Ø"/>
+            </a:pPr>
+            <a:r>
+              <a:rPr lang="en-US" sz="2000" kern="0" spc="-30" dirty="0">
+                <a:latin typeface="Arial"/>
+                <a:cs typeface="Arial"/>
+              </a:rPr>
+              <a:t>Wraps the helm chart at </a:t>
+            </a:r>
+            <a:r>
+              <a:rPr lang="en-US" sz="2000" kern="0" spc="-30" dirty="0">
+                <a:cs typeface="Arial"/>
+                <a:hlinkClick r:id="rId3"/>
+              </a:rPr>
+              <a:t>https://github.com/IBMStockTrader/stocktrader-helm</a:t>
+            </a:r>
+            <a:endParaRPr lang="en-US" sz="2000" kern="0" spc="-30" dirty="0">
+              <a:cs typeface="Arial"/>
+            </a:endParaRPr>
+          </a:p>
+          <a:p>
+            <a:pPr marL="800018" lvl="1" indent="-342900">
+              <a:buFont typeface="Wingdings" pitchFamily="2" charset="2"/>
+              <a:buChar char="Ø"/>
+            </a:pPr>
+            <a:r>
+              <a:rPr lang="en-US" sz="1600" kern="0" spc="-30" dirty="0">
+                <a:latin typeface="Arial"/>
+                <a:cs typeface="Arial"/>
+              </a:rPr>
+              <a:t>Described at </a:t>
+            </a:r>
+            <a:r>
+              <a:rPr lang="en-US" sz="1600" kern="0" spc="-30" dirty="0">
+                <a:cs typeface="Arial"/>
+                <a:hlinkClick r:id="rId4"/>
+              </a:rPr>
+              <a:t>https://medium.com/cloud-engagement-hub/the-ibm-stock-trader-operator-part-1-usage-9737a04b6848</a:t>
+            </a:r>
+            <a:endParaRPr lang="en-US" sz="1600" kern="0" spc="-30" dirty="0">
+              <a:latin typeface="Arial"/>
+              <a:cs typeface="Arial"/>
+            </a:endParaRPr>
+          </a:p>
+          <a:p>
+            <a:pPr marL="342900" indent="-342900">
+              <a:buFont typeface="Wingdings" pitchFamily="2" charset="2"/>
+              <a:buChar char="Ø"/>
+            </a:pPr>
+            <a:endParaRPr lang="en-US" sz="2400" kern="0" spc="-30" dirty="0">
+              <a:latin typeface="Arial"/>
+              <a:cs typeface="Arial"/>
+            </a:endParaRPr>
+          </a:p>
+          <a:p>
+            <a:pPr marL="342900" indent="-342900">
+              <a:buFont typeface="Wingdings" pitchFamily="2" charset="2"/>
+              <a:buChar char="Ø"/>
+            </a:pPr>
+            <a:r>
+              <a:rPr lang="en-US" sz="2400" kern="0" spc="-30" dirty="0">
+                <a:latin typeface="Arial"/>
+                <a:cs typeface="Arial"/>
+              </a:rPr>
+              <a:t>Handles installation and configuration of the sample</a:t>
+            </a:r>
+          </a:p>
+          <a:p>
+            <a:pPr marL="800018" lvl="1" indent="-342900">
+              <a:buFont typeface="Wingdings" pitchFamily="2" charset="2"/>
+              <a:buChar char="Ø"/>
+            </a:pPr>
+            <a:r>
+              <a:rPr lang="en-US" sz="2000" kern="0" spc="-30" dirty="0">
+                <a:latin typeface="Arial"/>
+                <a:cs typeface="Arial"/>
+              </a:rPr>
+              <a:t>No “day 2” operations – but does support altering the configuration and pushing that out</a:t>
+            </a:r>
+          </a:p>
+          <a:p>
+            <a:pPr lvl="1"/>
+            <a:endParaRPr lang="en-US" sz="2000" kern="0" spc="-30" dirty="0">
+              <a:latin typeface="Arial"/>
+              <a:cs typeface="Arial"/>
+            </a:endParaRPr>
+          </a:p>
+          <a:p>
+            <a:pPr marL="342900" indent="-342900">
+              <a:buFont typeface="Wingdings" pitchFamily="2" charset="2"/>
+              <a:buChar char="Ø"/>
+            </a:pPr>
+            <a:r>
+              <a:rPr lang="en-US" sz="2400" kern="0" spc="-30" dirty="0">
+                <a:latin typeface="Arial"/>
+                <a:cs typeface="Arial"/>
+              </a:rPr>
+              <a:t>All microservices installed by single operator</a:t>
+            </a:r>
+          </a:p>
+          <a:p>
+            <a:pPr marL="800018" lvl="1" indent="-342900">
+              <a:buFont typeface="Wingdings" pitchFamily="2" charset="2"/>
+              <a:buChar char="Ø"/>
+            </a:pPr>
+            <a:r>
+              <a:rPr lang="en-US" sz="2000" kern="0" spc="-30" dirty="0">
+                <a:latin typeface="Arial"/>
+                <a:cs typeface="Arial"/>
+              </a:rPr>
+              <a:t>The application as a whole is described by the CR you create from the CRD</a:t>
+            </a:r>
+          </a:p>
+          <a:p>
+            <a:pPr marL="800018" lvl="1" indent="-342900">
+              <a:buFont typeface="Wingdings" pitchFamily="2" charset="2"/>
+              <a:buChar char="Ø"/>
+            </a:pPr>
+            <a:r>
+              <a:rPr lang="en-US" sz="2000" kern="0" spc="-30" dirty="0">
+                <a:latin typeface="Arial"/>
+                <a:cs typeface="Arial"/>
+              </a:rPr>
+              <a:t>No having to install each microservice separately</a:t>
+            </a:r>
+          </a:p>
+          <a:p>
+            <a:pPr marL="800018" lvl="1" indent="-342900">
+              <a:buFont typeface="Wingdings" pitchFamily="2" charset="2"/>
+              <a:buChar char="Ø"/>
+            </a:pPr>
+            <a:r>
+              <a:rPr lang="en-US" sz="2000" kern="0" spc="-30" dirty="0">
+                <a:latin typeface="Arial"/>
+                <a:cs typeface="Arial"/>
+              </a:rPr>
+              <a:t>Can install the sample via a single “</a:t>
+            </a:r>
+            <a:r>
+              <a:rPr lang="en-US" sz="2000" kern="0" spc="-30" dirty="0" err="1">
+                <a:latin typeface="Arial"/>
+                <a:cs typeface="Arial"/>
+              </a:rPr>
+              <a:t>oc</a:t>
+            </a:r>
+            <a:r>
+              <a:rPr lang="en-US" sz="2000" kern="0" spc="-30" dirty="0">
+                <a:latin typeface="Arial"/>
+                <a:cs typeface="Arial"/>
+              </a:rPr>
+              <a:t> create -f stock-</a:t>
+            </a:r>
+            <a:r>
+              <a:rPr lang="en-US" sz="2000" kern="0" spc="-30" dirty="0" err="1">
+                <a:latin typeface="Arial"/>
+                <a:cs typeface="Arial"/>
+              </a:rPr>
+              <a:t>trader.yaml</a:t>
+            </a:r>
+            <a:r>
+              <a:rPr lang="en-US" sz="2000" kern="0" spc="-30" dirty="0">
+                <a:latin typeface="Arial"/>
+                <a:cs typeface="Arial"/>
+              </a:rPr>
+              <a:t>” command, or via the UI</a:t>
+            </a:r>
+          </a:p>
+          <a:p>
+            <a:pPr marL="342900" indent="-342900">
+              <a:buFont typeface="Wingdings" pitchFamily="2" charset="2"/>
+              <a:buChar char="Ø"/>
+            </a:pPr>
+            <a:endParaRPr lang="en-US" sz="2100" kern="0" spc="-30" dirty="0">
+              <a:latin typeface="Arial"/>
+              <a:cs typeface="Arial"/>
+            </a:endParaRPr>
+          </a:p>
+          <a:p>
+            <a:pPr marL="342900" indent="-342900">
+              <a:buFont typeface="Wingdings" pitchFamily="2" charset="2"/>
+              <a:buChar char="Ø"/>
+            </a:pPr>
+            <a:r>
+              <a:rPr lang="en-US" sz="2400" kern="0" spc="-30" dirty="0">
+                <a:latin typeface="Arial"/>
+                <a:cs typeface="Arial"/>
+              </a:rPr>
+              <a:t>Prerequisite services are NOT installed by this operator</a:t>
+            </a:r>
+          </a:p>
+          <a:p>
+            <a:pPr marL="800018" lvl="1" indent="-342900">
+              <a:buFont typeface="Wingdings" pitchFamily="2" charset="2"/>
+              <a:buChar char="Ø"/>
+            </a:pPr>
+            <a:r>
+              <a:rPr lang="en-US" sz="2000" kern="0" spc="-30" dirty="0">
+                <a:latin typeface="Arial"/>
+                <a:cs typeface="Arial"/>
+              </a:rPr>
+              <a:t>Helps configure connections to pre-provisioned </a:t>
+            </a:r>
+            <a:r>
+              <a:rPr lang="en-US" sz="2000" kern="0" spc="-30" dirty="0" err="1">
+                <a:latin typeface="Arial"/>
+                <a:cs typeface="Arial"/>
+              </a:rPr>
+              <a:t>prereq</a:t>
+            </a:r>
+            <a:r>
+              <a:rPr lang="en-US" sz="2000" kern="0" spc="-30" dirty="0">
+                <a:latin typeface="Arial"/>
+                <a:cs typeface="Arial"/>
+              </a:rPr>
+              <a:t> services</a:t>
+            </a:r>
+          </a:p>
+          <a:p>
+            <a:pPr marL="800018" lvl="1" indent="-342900">
+              <a:buFont typeface="Wingdings" pitchFamily="2" charset="2"/>
+              <a:buChar char="Ø"/>
+            </a:pPr>
+            <a:r>
+              <a:rPr lang="en-US" sz="2000" kern="0" spc="-30" dirty="0">
+                <a:latin typeface="Arial"/>
+                <a:cs typeface="Arial"/>
+              </a:rPr>
+              <a:t>Might be interesting to explore an “operator of operators” pattern</a:t>
+            </a:r>
+          </a:p>
+          <a:p>
+            <a:pPr marL="1257139" lvl="2" indent="-342900">
+              <a:buFont typeface="Wingdings" pitchFamily="2" charset="2"/>
+              <a:buChar char="Ø"/>
+            </a:pPr>
+            <a:r>
+              <a:rPr lang="en-US" sz="1800" kern="0" spc="-30" dirty="0">
+                <a:latin typeface="Arial"/>
+                <a:cs typeface="Arial"/>
+              </a:rPr>
+              <a:t>Could potentially drive the IBM Cloud operator to help with hooking up to resources out in our cloud</a:t>
+            </a:r>
+          </a:p>
+          <a:p>
+            <a:endParaRPr lang="en-US" sz="2100" kern="0" spc="-30" dirty="0" err="1">
+              <a:latin typeface="Arial"/>
+              <a:cs typeface="Arial"/>
+            </a:endParaRPr>
+          </a:p>
+        </p:txBody>
+      </p:sp>
+    </p:spTree>
+    <p:extLst>
+      <p:ext uri="{BB962C8B-B14F-4D97-AF65-F5344CB8AC3E}">
+        <p14:creationId xmlns:p14="http://schemas.microsoft.com/office/powerpoint/2010/main" val="772603108"/>
+      </p:ext>
+    </p:extLst>
+  </p:cSld>
+  <p:clrMapOvr>
+    <a:masterClrMapping/>
+  </p:clrMapOvr>
+</p:sld>
+</file>
+
+<file path=ppt/slides/slide3.xml><?xml version="1.0" encoding="utf-8"?>
+<p:sld xmlns:a="http://schemas.openxmlformats.org/drawingml/2006/main" xmlns:r="http://schemas.openxmlformats.org/officeDocument/2006/relationships" xmlns:p="http://schemas.openxmlformats.org/presentationml/2006/main">
+  <p:cSld>
+    <p:spTree>
+      <p:nvGrpSpPr>
+        <p:cNvPr id="1" name=""/>
+        <p:cNvGrpSpPr/>
+        <p:nvPr/>
+      </p:nvGrpSpPr>
+      <p:grpSpPr>
+        <a:xfrm>
+          <a:off x="0" y="0"/>
+          <a:ext cx="0" cy="0"/>
+          <a:chOff x="0" y="0"/>
+          <a:chExt cx="0" cy="0"/>
+        </a:xfrm>
+      </p:grpSpPr>
+      <p:sp>
+        <p:nvSpPr>
+          <p:cNvPr id="25" name="Rectangle 24"/>
+          <p:cNvSpPr/>
+          <p:nvPr/>
+        </p:nvSpPr>
+        <p:spPr>
+          <a:xfrm>
+            <a:off x="8401611" y="812800"/>
+            <a:ext cx="1986014" cy="5077578"/>
+          </a:xfrm>
+          <a:prstGeom prst="rect">
+            <a:avLst/>
+          </a:prstGeom>
+          <a:solidFill>
+            <a:srgbClr val="00B0F0"/>
+          </a:solidFill>
+          <a:ln>
+            <a:noFill/>
+          </a:ln>
+          <a:effectLst/>
+        </p:spPr>
+        <p:style>
+          <a:lnRef idx="1">
+            <a:schemeClr val="accent1"/>
+          </a:lnRef>
+          <a:fillRef idx="3">
+            <a:schemeClr val="accent1"/>
+          </a:fillRef>
+          <a:effectRef idx="2">
+            <a:schemeClr val="accent1"/>
+          </a:effectRef>
+          <a:fontRef idx="minor">
+            <a:schemeClr val="lt1"/>
+          </a:fontRef>
+        </p:style>
+        <p:txBody>
+          <a:bodyPr rtlCol="0" anchor="t" anchorCtr="0"/>
+          <a:lstStyle/>
+          <a:p>
+            <a:pPr algn="ctr"/>
+            <a:r>
+              <a:rPr lang="en-US" dirty="0">
+                <a:solidFill>
+                  <a:schemeClr val="tx1"/>
+                </a:solidFill>
+              </a:rPr>
+              <a:t>IBM Cloud</a:t>
+            </a:r>
+          </a:p>
+        </p:txBody>
+      </p:sp>
+      <p:sp>
+        <p:nvSpPr>
+          <p:cNvPr id="4" name="Rectangle 3"/>
+          <p:cNvSpPr/>
+          <p:nvPr/>
+        </p:nvSpPr>
+        <p:spPr>
+          <a:xfrm>
+            <a:off x="1828595" y="545341"/>
+            <a:ext cx="5969483" cy="6266957"/>
+          </a:xfrm>
+          <a:prstGeom prst="rect">
+            <a:avLst/>
+          </a:prstGeom>
+          <a:solidFill>
+            <a:schemeClr val="bg2">
+              <a:lumMod val="60000"/>
+              <a:lumOff val="40000"/>
+            </a:schemeClr>
+          </a:solidFill>
+          <a:ln>
+            <a:noFill/>
+          </a:ln>
+          <a:effectLst/>
+        </p:spPr>
+        <p:style>
+          <a:lnRef idx="1">
+            <a:schemeClr val="accent1"/>
+          </a:lnRef>
+          <a:fillRef idx="3">
+            <a:schemeClr val="accent1"/>
+          </a:fillRef>
+          <a:effectRef idx="2">
+            <a:schemeClr val="accent1"/>
+          </a:effectRef>
+          <a:fontRef idx="minor">
+            <a:schemeClr val="lt1"/>
+          </a:fontRef>
+        </p:style>
+        <p:txBody>
+          <a:bodyPr rtlCol="0" anchor="t" anchorCtr="0"/>
+          <a:lstStyle/>
+          <a:p>
+            <a:pPr algn="ctr"/>
+            <a:r>
+              <a:rPr lang="en-US" dirty="0">
+                <a:solidFill>
+                  <a:schemeClr val="tx1"/>
+                </a:solidFill>
+              </a:rPr>
+              <a:t>Red Hat OpenShift Container Platform</a:t>
+            </a:r>
+          </a:p>
+        </p:txBody>
+      </p:sp>
+      <p:sp>
+        <p:nvSpPr>
+          <p:cNvPr id="2" name="Title 1"/>
+          <p:cNvSpPr>
+            <a:spLocks noGrp="1"/>
+          </p:cNvSpPr>
+          <p:nvPr>
+            <p:ph type="title"/>
+          </p:nvPr>
+        </p:nvSpPr>
+        <p:spPr>
+          <a:xfrm>
+            <a:off x="169176" y="93121"/>
+            <a:ext cx="10803624" cy="415498"/>
+          </a:xfrm>
+        </p:spPr>
+        <p:txBody>
+          <a:bodyPr/>
+          <a:lstStyle/>
+          <a:p>
+            <a:r>
+              <a:rPr lang="en-US" sz="2700" dirty="0"/>
+              <a:t>Proposal for Sagas, adding Broker, Account, and Cloudant</a:t>
+            </a:r>
+          </a:p>
+        </p:txBody>
+      </p:sp>
+      <p:sp>
+        <p:nvSpPr>
+          <p:cNvPr id="3" name="Rounded Rectangle 2"/>
+          <p:cNvSpPr/>
+          <p:nvPr/>
+        </p:nvSpPr>
+        <p:spPr>
+          <a:xfrm>
+            <a:off x="2270966" y="1874971"/>
+            <a:ext cx="1143000" cy="685800"/>
+          </a:xfrm>
+          <a:prstGeom prst="roundRect">
+            <a:avLst/>
+          </a:prstGeom>
+          <a:solidFill>
+            <a:schemeClr val="accent1"/>
+          </a:solidFill>
+          <a:ln>
+            <a:noFill/>
+          </a:ln>
+          <a:effectLst/>
+        </p:spPr>
+        <p:style>
+          <a:lnRef idx="1">
+            <a:schemeClr val="accent1"/>
+          </a:lnRef>
+          <a:fillRef idx="3">
+            <a:schemeClr val="accent1"/>
+          </a:fillRef>
+          <a:effectRef idx="2">
+            <a:schemeClr val="accent1"/>
+          </a:effectRef>
+          <a:fontRef idx="minor">
+            <a:schemeClr val="lt1"/>
+          </a:fontRef>
+        </p:style>
+        <p:txBody>
+          <a:bodyPr rtlCol="0" anchor="ctr"/>
+          <a:lstStyle/>
+          <a:p>
+            <a:pPr algn="ctr"/>
+            <a:r>
+              <a:rPr lang="en-US" dirty="0"/>
+              <a:t>Trader (Java)</a:t>
+            </a:r>
+          </a:p>
+        </p:txBody>
+      </p:sp>
+      <p:sp>
+        <p:nvSpPr>
+          <p:cNvPr id="5" name="Rounded Rectangle 4"/>
+          <p:cNvSpPr/>
+          <p:nvPr/>
+        </p:nvSpPr>
+        <p:spPr>
+          <a:xfrm>
+            <a:off x="4396646" y="2913007"/>
+            <a:ext cx="1143000" cy="685800"/>
+          </a:xfrm>
+          <a:prstGeom prst="roundRect">
+            <a:avLst/>
+          </a:prstGeom>
+          <a:solidFill>
+            <a:schemeClr val="accent1"/>
+          </a:solidFill>
+          <a:ln>
+            <a:noFill/>
+          </a:ln>
+          <a:effectLst/>
+        </p:spPr>
+        <p:style>
+          <a:lnRef idx="1">
+            <a:schemeClr val="accent1"/>
+          </a:lnRef>
+          <a:fillRef idx="3">
+            <a:schemeClr val="accent1"/>
+          </a:fillRef>
+          <a:effectRef idx="2">
+            <a:schemeClr val="accent1"/>
+          </a:effectRef>
+          <a:fontRef idx="minor">
+            <a:schemeClr val="lt1"/>
+          </a:fontRef>
+        </p:style>
+        <p:txBody>
+          <a:bodyPr rtlCol="0" anchor="ctr"/>
+          <a:lstStyle/>
+          <a:p>
+            <a:pPr algn="ctr"/>
+            <a:r>
+              <a:rPr lang="en-US" dirty="0"/>
+              <a:t>Account</a:t>
+            </a:r>
+          </a:p>
+        </p:txBody>
+      </p:sp>
+      <p:sp>
+        <p:nvSpPr>
+          <p:cNvPr id="6" name="Rounded Rectangle 5"/>
+          <p:cNvSpPr/>
+          <p:nvPr/>
+        </p:nvSpPr>
+        <p:spPr>
+          <a:xfrm>
+            <a:off x="6376860" y="1881398"/>
+            <a:ext cx="1143000" cy="685800"/>
+          </a:xfrm>
+          <a:prstGeom prst="roundRect">
+            <a:avLst/>
+          </a:prstGeom>
+          <a:solidFill>
+            <a:srgbClr val="FF0000"/>
+          </a:solidFill>
+          <a:ln>
+            <a:noFill/>
+          </a:ln>
+          <a:effectLst/>
+        </p:spPr>
+        <p:style>
+          <a:lnRef idx="1">
+            <a:schemeClr val="accent1"/>
+          </a:lnRef>
+          <a:fillRef idx="3">
+            <a:schemeClr val="accent1"/>
+          </a:fillRef>
+          <a:effectRef idx="2">
+            <a:schemeClr val="accent1"/>
+          </a:effectRef>
+          <a:fontRef idx="minor">
+            <a:schemeClr val="lt1"/>
+          </a:fontRef>
+        </p:style>
+        <p:txBody>
+          <a:bodyPr rtlCol="0" anchor="ctr"/>
+          <a:lstStyle/>
+          <a:p>
+            <a:pPr algn="ctr"/>
+            <a:r>
+              <a:rPr lang="en-US" dirty="0"/>
+              <a:t>Stock Quote</a:t>
+            </a:r>
+          </a:p>
+        </p:txBody>
+      </p:sp>
+      <p:sp>
+        <p:nvSpPr>
+          <p:cNvPr id="7" name="Rounded Rectangle 6"/>
+          <p:cNvSpPr/>
+          <p:nvPr/>
+        </p:nvSpPr>
+        <p:spPr>
+          <a:xfrm>
+            <a:off x="6399412" y="3962172"/>
+            <a:ext cx="1143000" cy="685800"/>
+          </a:xfrm>
+          <a:prstGeom prst="roundRect">
+            <a:avLst/>
+          </a:prstGeom>
+          <a:solidFill>
+            <a:srgbClr val="00B050"/>
+          </a:solidFill>
+          <a:ln>
+            <a:noFill/>
+          </a:ln>
+          <a:effectLst/>
+        </p:spPr>
+        <p:style>
+          <a:lnRef idx="1">
+            <a:schemeClr val="accent1"/>
+          </a:lnRef>
+          <a:fillRef idx="3">
+            <a:schemeClr val="accent1"/>
+          </a:fillRef>
+          <a:effectRef idx="2">
+            <a:schemeClr val="accent1"/>
+          </a:effectRef>
+          <a:fontRef idx="minor">
+            <a:schemeClr val="lt1"/>
+          </a:fontRef>
+        </p:style>
+        <p:txBody>
+          <a:bodyPr rtlCol="0" anchor="ctr"/>
+          <a:lstStyle/>
+          <a:p>
+            <a:pPr algn="ctr"/>
+            <a:r>
+              <a:rPr lang="en-US" dirty="0"/>
+              <a:t>IBM</a:t>
+            </a:r>
+          </a:p>
+          <a:p>
+            <a:pPr algn="ctr"/>
+            <a:r>
+              <a:rPr lang="en-US" dirty="0"/>
+              <a:t>ODM</a:t>
+            </a:r>
+          </a:p>
+        </p:txBody>
+      </p:sp>
+      <p:sp>
+        <p:nvSpPr>
+          <p:cNvPr id="8" name="Rounded Rectangle 7"/>
+          <p:cNvSpPr/>
+          <p:nvPr/>
+        </p:nvSpPr>
+        <p:spPr>
+          <a:xfrm>
+            <a:off x="10906811" y="1874971"/>
+            <a:ext cx="990459" cy="685800"/>
+          </a:xfrm>
+          <a:prstGeom prst="roundRect">
+            <a:avLst/>
+          </a:prstGeom>
+          <a:solidFill>
+            <a:srgbClr val="FFC000"/>
+          </a:solidFill>
+          <a:ln>
+            <a:noFill/>
+          </a:ln>
+          <a:effectLst/>
+        </p:spPr>
+        <p:style>
+          <a:lnRef idx="1">
+            <a:schemeClr val="accent1"/>
+          </a:lnRef>
+          <a:fillRef idx="3">
+            <a:schemeClr val="accent1"/>
+          </a:fillRef>
+          <a:effectRef idx="2">
+            <a:schemeClr val="accent1"/>
+          </a:effectRef>
+          <a:fontRef idx="minor">
+            <a:schemeClr val="lt1"/>
+          </a:fontRef>
+        </p:style>
+        <p:txBody>
+          <a:bodyPr rtlCol="0" anchor="ctr"/>
+          <a:lstStyle/>
+          <a:p>
+            <a:pPr algn="ctr"/>
+            <a:r>
+              <a:rPr lang="en-US" dirty="0"/>
+              <a:t>IEX</a:t>
+            </a:r>
+          </a:p>
+        </p:txBody>
+      </p:sp>
+      <p:sp>
+        <p:nvSpPr>
+          <p:cNvPr id="9" name="Rounded Rectangle 8"/>
+          <p:cNvSpPr/>
+          <p:nvPr/>
+        </p:nvSpPr>
+        <p:spPr>
+          <a:xfrm>
+            <a:off x="10906812" y="4956280"/>
+            <a:ext cx="990458" cy="685800"/>
+          </a:xfrm>
+          <a:prstGeom prst="roundRect">
+            <a:avLst/>
+          </a:prstGeom>
+          <a:solidFill>
+            <a:srgbClr val="FFC000"/>
+          </a:solidFill>
+          <a:ln>
+            <a:noFill/>
+          </a:ln>
+          <a:effectLst/>
+        </p:spPr>
+        <p:style>
+          <a:lnRef idx="1">
+            <a:schemeClr val="accent1"/>
+          </a:lnRef>
+          <a:fillRef idx="3">
+            <a:schemeClr val="accent1"/>
+          </a:fillRef>
+          <a:effectRef idx="2">
+            <a:schemeClr val="accent1"/>
+          </a:effectRef>
+          <a:fontRef idx="minor">
+            <a:schemeClr val="lt1"/>
+          </a:fontRef>
+        </p:style>
+        <p:txBody>
+          <a:bodyPr rtlCol="0" anchor="ctr"/>
+          <a:lstStyle/>
+          <a:p>
+            <a:pPr algn="ctr"/>
+            <a:r>
+              <a:rPr lang="en-US" dirty="0"/>
+              <a:t>Slack</a:t>
+            </a:r>
+          </a:p>
+        </p:txBody>
+      </p:sp>
+      <p:cxnSp>
+        <p:nvCxnSpPr>
+          <p:cNvPr id="11" name="Straight Connector 10"/>
+          <p:cNvCxnSpPr>
+            <a:cxnSpLocks/>
+            <a:stCxn id="3" idx="2"/>
+            <a:endCxn id="97" idx="0"/>
+          </p:cNvCxnSpPr>
+          <p:nvPr/>
+        </p:nvCxnSpPr>
+        <p:spPr>
+          <a:xfrm>
+            <a:off x="2842466" y="2560771"/>
+            <a:ext cx="2340" cy="353334"/>
+          </a:xfrm>
+          <a:prstGeom prst="line">
+            <a:avLst/>
+          </a:prstGeom>
+          <a:ln w="19050">
+            <a:solidFill>
+              <a:schemeClr val="tx1"/>
+            </a:solidFill>
+            <a:tailEnd type="arrow"/>
+          </a:ln>
+        </p:spPr>
+        <p:style>
+          <a:lnRef idx="1">
+            <a:schemeClr val="accent1"/>
+          </a:lnRef>
+          <a:fillRef idx="0">
+            <a:schemeClr val="accent1"/>
+          </a:fillRef>
+          <a:effectRef idx="0">
+            <a:schemeClr val="accent1"/>
+          </a:effectRef>
+          <a:fontRef idx="minor">
+            <a:schemeClr val="tx1"/>
+          </a:fontRef>
+        </p:style>
+      </p:cxnSp>
+      <p:cxnSp>
+        <p:nvCxnSpPr>
+          <p:cNvPr id="15" name="Straight Connector 14"/>
+          <p:cNvCxnSpPr>
+            <a:cxnSpLocks/>
+            <a:stCxn id="142" idx="3"/>
+            <a:endCxn id="6" idx="1"/>
+          </p:cNvCxnSpPr>
+          <p:nvPr/>
+        </p:nvCxnSpPr>
+        <p:spPr>
+          <a:xfrm>
+            <a:off x="5540433" y="2219579"/>
+            <a:ext cx="836427" cy="4719"/>
+          </a:xfrm>
+          <a:prstGeom prst="line">
+            <a:avLst/>
+          </a:prstGeom>
+          <a:ln w="19050">
+            <a:solidFill>
+              <a:schemeClr val="tx1"/>
+            </a:solidFill>
+            <a:tailEnd type="arrow"/>
+          </a:ln>
+        </p:spPr>
+        <p:style>
+          <a:lnRef idx="1">
+            <a:schemeClr val="accent1"/>
+          </a:lnRef>
+          <a:fillRef idx="0">
+            <a:schemeClr val="accent1"/>
+          </a:fillRef>
+          <a:effectRef idx="0">
+            <a:schemeClr val="accent1"/>
+          </a:effectRef>
+          <a:fontRef idx="minor">
+            <a:schemeClr val="tx1"/>
+          </a:fontRef>
+        </p:style>
+      </p:cxnSp>
+      <p:cxnSp>
+        <p:nvCxnSpPr>
+          <p:cNvPr id="18" name="Straight Connector 17"/>
+          <p:cNvCxnSpPr>
+            <a:cxnSpLocks/>
+            <a:stCxn id="5" idx="3"/>
+            <a:endCxn id="7" idx="1"/>
+          </p:cNvCxnSpPr>
+          <p:nvPr/>
+        </p:nvCxnSpPr>
+        <p:spPr>
+          <a:xfrm>
+            <a:off x="5539646" y="3255907"/>
+            <a:ext cx="859766" cy="1049165"/>
+          </a:xfrm>
+          <a:prstGeom prst="line">
+            <a:avLst/>
+          </a:prstGeom>
+          <a:ln w="19050">
+            <a:solidFill>
+              <a:schemeClr val="tx1"/>
+            </a:solidFill>
+            <a:tailEnd type="arrow"/>
+          </a:ln>
+        </p:spPr>
+        <p:style>
+          <a:lnRef idx="1">
+            <a:schemeClr val="accent1"/>
+          </a:lnRef>
+          <a:fillRef idx="0">
+            <a:schemeClr val="accent1"/>
+          </a:fillRef>
+          <a:effectRef idx="0">
+            <a:schemeClr val="accent1"/>
+          </a:effectRef>
+          <a:fontRef idx="minor">
+            <a:schemeClr val="tx1"/>
+          </a:fontRef>
+        </p:style>
+      </p:cxnSp>
+      <p:sp>
+        <p:nvSpPr>
+          <p:cNvPr id="27" name="Rounded Rectangle 26"/>
+          <p:cNvSpPr/>
+          <p:nvPr/>
+        </p:nvSpPr>
+        <p:spPr>
+          <a:xfrm>
+            <a:off x="217935" y="2912265"/>
+            <a:ext cx="1143000" cy="685800"/>
+          </a:xfrm>
+          <a:prstGeom prst="roundRect">
+            <a:avLst/>
+          </a:prstGeom>
+          <a:solidFill>
+            <a:schemeClr val="tx1">
+              <a:lumMod val="50000"/>
+              <a:lumOff val="50000"/>
+            </a:schemeClr>
+          </a:solidFill>
+          <a:ln>
+            <a:noFill/>
+          </a:ln>
+          <a:effectLst/>
+        </p:spPr>
+        <p:style>
+          <a:lnRef idx="1">
+            <a:schemeClr val="accent1"/>
+          </a:lnRef>
+          <a:fillRef idx="3">
+            <a:schemeClr val="accent1"/>
+          </a:fillRef>
+          <a:effectRef idx="2">
+            <a:schemeClr val="accent1"/>
+          </a:effectRef>
+          <a:fontRef idx="minor">
+            <a:schemeClr val="lt1"/>
+          </a:fontRef>
+        </p:style>
+        <p:txBody>
+          <a:bodyPr rtlCol="0" anchor="ctr"/>
+          <a:lstStyle/>
+          <a:p>
+            <a:pPr algn="ctr"/>
+            <a:r>
+              <a:rPr lang="en-US" dirty="0"/>
+              <a:t>Browser</a:t>
+            </a:r>
+          </a:p>
+        </p:txBody>
+      </p:sp>
+      <p:cxnSp>
+        <p:nvCxnSpPr>
+          <p:cNvPr id="28" name="Straight Connector 27"/>
+          <p:cNvCxnSpPr>
+            <a:stCxn id="27" idx="3"/>
+            <a:endCxn id="3" idx="1"/>
+          </p:cNvCxnSpPr>
+          <p:nvPr/>
+        </p:nvCxnSpPr>
+        <p:spPr>
+          <a:xfrm flipV="1">
+            <a:off x="1360935" y="2217871"/>
+            <a:ext cx="910031" cy="1037294"/>
+          </a:xfrm>
+          <a:prstGeom prst="line">
+            <a:avLst/>
+          </a:prstGeom>
+          <a:ln w="19050">
+            <a:solidFill>
+              <a:schemeClr val="tx1"/>
+            </a:solidFill>
+            <a:tailEnd type="arrow"/>
+          </a:ln>
+        </p:spPr>
+        <p:style>
+          <a:lnRef idx="1">
+            <a:schemeClr val="accent1"/>
+          </a:lnRef>
+          <a:fillRef idx="0">
+            <a:schemeClr val="accent1"/>
+          </a:fillRef>
+          <a:effectRef idx="0">
+            <a:schemeClr val="accent1"/>
+          </a:effectRef>
+          <a:fontRef idx="minor">
+            <a:schemeClr val="tx1"/>
+          </a:fontRef>
+        </p:style>
+      </p:cxnSp>
+      <p:sp>
+        <p:nvSpPr>
+          <p:cNvPr id="31" name="TextBox 30"/>
+          <p:cNvSpPr txBox="1"/>
+          <p:nvPr/>
+        </p:nvSpPr>
+        <p:spPr>
+          <a:xfrm>
+            <a:off x="1890573" y="2718694"/>
+            <a:ext cx="903923" cy="184666"/>
+          </a:xfrm>
+          <a:prstGeom prst="rect">
+            <a:avLst/>
+          </a:prstGeom>
+          <a:noFill/>
+          <a:ln>
+            <a:noFill/>
+          </a:ln>
+        </p:spPr>
+        <p:txBody>
+          <a:bodyPr wrap="square" lIns="0" tIns="0" rIns="0" bIns="0" rtlCol="0">
+            <a:spAutoFit/>
+          </a:bodyPr>
+          <a:lstStyle/>
+          <a:p>
+            <a:pPr algn="r"/>
+            <a:r>
+              <a:rPr lang="en-US" sz="1200" i="1" kern="0" spc="-30" dirty="0">
+                <a:latin typeface="Arial"/>
+                <a:cs typeface="Arial"/>
+              </a:rPr>
+              <a:t>POST/GET</a:t>
+            </a:r>
+          </a:p>
+        </p:txBody>
+      </p:sp>
+      <p:sp>
+        <p:nvSpPr>
+          <p:cNvPr id="26" name="Rounded Rectangle 25"/>
+          <p:cNvSpPr/>
+          <p:nvPr/>
+        </p:nvSpPr>
+        <p:spPr>
+          <a:xfrm>
+            <a:off x="8835173" y="1874971"/>
+            <a:ext cx="1276618" cy="685800"/>
+          </a:xfrm>
+          <a:prstGeom prst="roundRect">
+            <a:avLst/>
+          </a:prstGeom>
+          <a:solidFill>
+            <a:schemeClr val="accent5">
+              <a:lumMod val="40000"/>
+              <a:lumOff val="60000"/>
+            </a:schemeClr>
+          </a:solidFill>
+          <a:ln>
+            <a:noFill/>
+          </a:ln>
+          <a:effectLst/>
+        </p:spPr>
+        <p:style>
+          <a:lnRef idx="1">
+            <a:schemeClr val="accent1"/>
+          </a:lnRef>
+          <a:fillRef idx="3">
+            <a:schemeClr val="accent1"/>
+          </a:fillRef>
+          <a:effectRef idx="2">
+            <a:schemeClr val="accent1"/>
+          </a:effectRef>
+          <a:fontRef idx="minor">
+            <a:schemeClr val="lt1"/>
+          </a:fontRef>
+        </p:style>
+        <p:txBody>
+          <a:bodyPr rtlCol="0" anchor="ctr"/>
+          <a:lstStyle/>
+          <a:p>
+            <a:pPr algn="ctr"/>
+            <a:r>
+              <a:rPr lang="en-US" dirty="0"/>
+              <a:t>API Connect</a:t>
+            </a:r>
+          </a:p>
+        </p:txBody>
+      </p:sp>
+      <p:sp>
+        <p:nvSpPr>
+          <p:cNvPr id="29" name="Rounded Rectangle 28"/>
+          <p:cNvSpPr/>
+          <p:nvPr/>
+        </p:nvSpPr>
+        <p:spPr>
+          <a:xfrm>
+            <a:off x="8851137" y="4956280"/>
+            <a:ext cx="1225829" cy="685800"/>
+          </a:xfrm>
+          <a:prstGeom prst="roundRect">
+            <a:avLst/>
+          </a:prstGeom>
+          <a:solidFill>
+            <a:schemeClr val="accent5">
+              <a:lumMod val="40000"/>
+              <a:lumOff val="60000"/>
+            </a:schemeClr>
+          </a:solidFill>
+          <a:ln>
+            <a:noFill/>
+          </a:ln>
+          <a:effectLst/>
+        </p:spPr>
+        <p:style>
+          <a:lnRef idx="1">
+            <a:schemeClr val="accent1"/>
+          </a:lnRef>
+          <a:fillRef idx="3">
+            <a:schemeClr val="accent1"/>
+          </a:fillRef>
+          <a:effectRef idx="2">
+            <a:schemeClr val="accent1"/>
+          </a:effectRef>
+          <a:fontRef idx="minor">
+            <a:schemeClr val="lt1"/>
+          </a:fontRef>
+        </p:style>
+        <p:txBody>
+          <a:bodyPr rtlCol="0" anchor="ctr"/>
+          <a:lstStyle/>
+          <a:p>
+            <a:pPr algn="ctr"/>
+            <a:r>
+              <a:rPr lang="en-US" sz="1600" dirty="0"/>
+              <a:t>Functions</a:t>
+            </a:r>
+            <a:endParaRPr lang="en-US" sz="1300" dirty="0"/>
+          </a:p>
+        </p:txBody>
+      </p:sp>
+      <p:cxnSp>
+        <p:nvCxnSpPr>
+          <p:cNvPr id="37" name="Straight Connector 36"/>
+          <p:cNvCxnSpPr>
+            <a:cxnSpLocks/>
+            <a:stCxn id="26" idx="3"/>
+            <a:endCxn id="8" idx="1"/>
+          </p:cNvCxnSpPr>
+          <p:nvPr/>
+        </p:nvCxnSpPr>
+        <p:spPr>
+          <a:xfrm>
+            <a:off x="10111791" y="2217871"/>
+            <a:ext cx="795020" cy="0"/>
+          </a:xfrm>
+          <a:prstGeom prst="line">
+            <a:avLst/>
+          </a:prstGeom>
+          <a:ln w="19050">
+            <a:solidFill>
+              <a:schemeClr val="tx1"/>
+            </a:solidFill>
+            <a:tailEnd type="arrow"/>
+          </a:ln>
+        </p:spPr>
+        <p:style>
+          <a:lnRef idx="1">
+            <a:schemeClr val="accent1"/>
+          </a:lnRef>
+          <a:fillRef idx="0">
+            <a:schemeClr val="accent1"/>
+          </a:fillRef>
+          <a:effectRef idx="0">
+            <a:schemeClr val="accent1"/>
+          </a:effectRef>
+          <a:fontRef idx="minor">
+            <a:schemeClr val="tx1"/>
+          </a:fontRef>
+        </p:style>
+      </p:cxnSp>
+      <p:cxnSp>
+        <p:nvCxnSpPr>
+          <p:cNvPr id="40" name="Straight Connector 39"/>
+          <p:cNvCxnSpPr>
+            <a:cxnSpLocks/>
+            <a:stCxn id="29" idx="3"/>
+            <a:endCxn id="9" idx="1"/>
+          </p:cNvCxnSpPr>
+          <p:nvPr/>
+        </p:nvCxnSpPr>
+        <p:spPr>
+          <a:xfrm>
+            <a:off x="10076966" y="5299180"/>
+            <a:ext cx="829846" cy="0"/>
+          </a:xfrm>
+          <a:prstGeom prst="line">
+            <a:avLst/>
+          </a:prstGeom>
+          <a:ln w="19050">
+            <a:solidFill>
+              <a:schemeClr val="tx1"/>
+            </a:solidFill>
+            <a:tailEnd type="arrow"/>
+          </a:ln>
+        </p:spPr>
+        <p:style>
+          <a:lnRef idx="1">
+            <a:schemeClr val="accent1"/>
+          </a:lnRef>
+          <a:fillRef idx="0">
+            <a:schemeClr val="accent1"/>
+          </a:fillRef>
+          <a:effectRef idx="0">
+            <a:schemeClr val="accent1"/>
+          </a:effectRef>
+          <a:fontRef idx="minor">
+            <a:schemeClr val="tx1"/>
+          </a:fontRef>
+        </p:style>
+      </p:cxnSp>
+      <p:sp>
+        <p:nvSpPr>
+          <p:cNvPr id="43" name="TextBox 42"/>
+          <p:cNvSpPr txBox="1"/>
+          <p:nvPr/>
+        </p:nvSpPr>
+        <p:spPr>
+          <a:xfrm>
+            <a:off x="6002730" y="2266558"/>
+            <a:ext cx="357149" cy="215444"/>
+          </a:xfrm>
+          <a:prstGeom prst="rect">
+            <a:avLst/>
+          </a:prstGeom>
+          <a:noFill/>
+          <a:ln>
+            <a:noFill/>
+          </a:ln>
+        </p:spPr>
+        <p:txBody>
+          <a:bodyPr wrap="none" lIns="0" tIns="0" rIns="0" bIns="0" rtlCol="0">
+            <a:spAutoFit/>
+          </a:bodyPr>
+          <a:lstStyle/>
+          <a:p>
+            <a:r>
+              <a:rPr lang="en-US" sz="1400" i="1" kern="0" spc="-30" dirty="0">
+                <a:latin typeface="Arial"/>
+                <a:cs typeface="Arial"/>
+              </a:rPr>
+              <a:t>GET</a:t>
+            </a:r>
+          </a:p>
+        </p:txBody>
+      </p:sp>
+      <p:sp>
+        <p:nvSpPr>
+          <p:cNvPr id="44" name="TextBox 43"/>
+          <p:cNvSpPr txBox="1"/>
+          <p:nvPr/>
+        </p:nvSpPr>
+        <p:spPr>
+          <a:xfrm>
+            <a:off x="6107465" y="3786616"/>
+            <a:ext cx="473528" cy="215444"/>
+          </a:xfrm>
+          <a:prstGeom prst="rect">
+            <a:avLst/>
+          </a:prstGeom>
+          <a:noFill/>
+          <a:ln>
+            <a:noFill/>
+          </a:ln>
+        </p:spPr>
+        <p:txBody>
+          <a:bodyPr wrap="none" lIns="0" tIns="0" rIns="0" bIns="0" rtlCol="0">
+            <a:spAutoFit/>
+          </a:bodyPr>
+          <a:lstStyle/>
+          <a:p>
+            <a:r>
+              <a:rPr lang="en-US" sz="1400" i="1" kern="0" spc="-30" dirty="0">
+                <a:latin typeface="Arial"/>
+                <a:cs typeface="Arial"/>
+              </a:rPr>
+              <a:t>POST</a:t>
+            </a:r>
+          </a:p>
+        </p:txBody>
+      </p:sp>
+      <p:sp>
+        <p:nvSpPr>
+          <p:cNvPr id="48" name="TextBox 47"/>
+          <p:cNvSpPr txBox="1"/>
+          <p:nvPr/>
+        </p:nvSpPr>
+        <p:spPr>
+          <a:xfrm>
+            <a:off x="8432441" y="2277415"/>
+            <a:ext cx="357149" cy="215444"/>
+          </a:xfrm>
+          <a:prstGeom prst="rect">
+            <a:avLst/>
+          </a:prstGeom>
+          <a:noFill/>
+          <a:ln>
+            <a:noFill/>
+          </a:ln>
+        </p:spPr>
+        <p:txBody>
+          <a:bodyPr wrap="none" lIns="0" tIns="0" rIns="0" bIns="0" rtlCol="0">
+            <a:spAutoFit/>
+          </a:bodyPr>
+          <a:lstStyle/>
+          <a:p>
+            <a:r>
+              <a:rPr lang="en-US" sz="1400" i="1" kern="0" spc="-30" dirty="0">
+                <a:latin typeface="Arial"/>
+                <a:cs typeface="Arial"/>
+              </a:rPr>
+              <a:t>GET</a:t>
+            </a:r>
+          </a:p>
+        </p:txBody>
+      </p:sp>
+      <p:sp>
+        <p:nvSpPr>
+          <p:cNvPr id="30" name="Rounded Rectangle 29"/>
+          <p:cNvSpPr/>
+          <p:nvPr/>
+        </p:nvSpPr>
+        <p:spPr>
+          <a:xfrm>
+            <a:off x="4396823" y="925868"/>
+            <a:ext cx="1143000" cy="613639"/>
+          </a:xfrm>
+          <a:prstGeom prst="roundRect">
+            <a:avLst/>
+          </a:prstGeom>
+          <a:solidFill>
+            <a:srgbClr val="00B050"/>
+          </a:solidFill>
+          <a:ln>
+            <a:noFill/>
+          </a:ln>
+          <a:effectLst/>
+        </p:spPr>
+        <p:style>
+          <a:lnRef idx="1">
+            <a:schemeClr val="accent1"/>
+          </a:lnRef>
+          <a:fillRef idx="3">
+            <a:schemeClr val="accent1"/>
+          </a:fillRef>
+          <a:effectRef idx="2">
+            <a:schemeClr val="accent1"/>
+          </a:effectRef>
+          <a:fontRef idx="minor">
+            <a:schemeClr val="lt1"/>
+          </a:fontRef>
+        </p:style>
+        <p:txBody>
+          <a:bodyPr rtlCol="0" anchor="ctr"/>
+          <a:lstStyle/>
+          <a:p>
+            <a:pPr algn="ctr"/>
+            <a:r>
+              <a:rPr lang="en-US" dirty="0"/>
+              <a:t>IBM</a:t>
+            </a:r>
+          </a:p>
+          <a:p>
+            <a:pPr algn="ctr"/>
+            <a:r>
+              <a:rPr lang="en-US" dirty="0"/>
+              <a:t>DB2</a:t>
+            </a:r>
+          </a:p>
+        </p:txBody>
+      </p:sp>
+      <p:cxnSp>
+        <p:nvCxnSpPr>
+          <p:cNvPr id="32" name="Straight Connector 31"/>
+          <p:cNvCxnSpPr>
+            <a:cxnSpLocks/>
+            <a:stCxn id="142" idx="0"/>
+            <a:endCxn id="30" idx="2"/>
+          </p:cNvCxnSpPr>
+          <p:nvPr/>
+        </p:nvCxnSpPr>
+        <p:spPr>
+          <a:xfrm flipH="1" flipV="1">
+            <a:off x="4968323" y="1539507"/>
+            <a:ext cx="610" cy="337172"/>
+          </a:xfrm>
+          <a:prstGeom prst="line">
+            <a:avLst/>
+          </a:prstGeom>
+          <a:ln w="19050">
+            <a:solidFill>
+              <a:schemeClr val="tx1"/>
+            </a:solidFill>
+            <a:tailEnd type="arrow"/>
+          </a:ln>
+        </p:spPr>
+        <p:style>
+          <a:lnRef idx="1">
+            <a:schemeClr val="accent1"/>
+          </a:lnRef>
+          <a:fillRef idx="0">
+            <a:schemeClr val="accent1"/>
+          </a:fillRef>
+          <a:effectRef idx="0">
+            <a:schemeClr val="accent1"/>
+          </a:effectRef>
+          <a:fontRef idx="minor">
+            <a:schemeClr val="tx1"/>
+          </a:fontRef>
+        </p:style>
+      </p:cxnSp>
+      <p:sp>
+        <p:nvSpPr>
+          <p:cNvPr id="33" name="Rounded Rectangle 32"/>
+          <p:cNvSpPr/>
+          <p:nvPr/>
+        </p:nvSpPr>
+        <p:spPr>
+          <a:xfrm>
+            <a:off x="4401205" y="3964243"/>
+            <a:ext cx="1143000" cy="685800"/>
+          </a:xfrm>
+          <a:prstGeom prst="roundRect">
+            <a:avLst/>
+          </a:prstGeom>
+          <a:solidFill>
+            <a:srgbClr val="00B050"/>
+          </a:solidFill>
+          <a:ln>
+            <a:noFill/>
+          </a:ln>
+          <a:effectLst/>
+        </p:spPr>
+        <p:style>
+          <a:lnRef idx="1">
+            <a:schemeClr val="accent1"/>
+          </a:lnRef>
+          <a:fillRef idx="3">
+            <a:schemeClr val="accent1"/>
+          </a:fillRef>
+          <a:effectRef idx="2">
+            <a:schemeClr val="accent1"/>
+          </a:effectRef>
+          <a:fontRef idx="minor">
+            <a:schemeClr val="lt1"/>
+          </a:fontRef>
+        </p:style>
+        <p:txBody>
+          <a:bodyPr rtlCol="0" anchor="ctr"/>
+          <a:lstStyle/>
+          <a:p>
+            <a:pPr algn="ctr"/>
+            <a:r>
+              <a:rPr lang="en-US" dirty="0"/>
+              <a:t>IBM</a:t>
+            </a:r>
+          </a:p>
+          <a:p>
+            <a:pPr algn="ctr"/>
+            <a:r>
+              <a:rPr lang="en-US" dirty="0"/>
+              <a:t>MQ</a:t>
+            </a:r>
+          </a:p>
+        </p:txBody>
+      </p:sp>
+      <p:cxnSp>
+        <p:nvCxnSpPr>
+          <p:cNvPr id="34" name="Straight Connector 33"/>
+          <p:cNvCxnSpPr>
+            <a:cxnSpLocks/>
+            <a:stCxn id="5" idx="2"/>
+            <a:endCxn id="33" idx="0"/>
+          </p:cNvCxnSpPr>
+          <p:nvPr/>
+        </p:nvCxnSpPr>
+        <p:spPr>
+          <a:xfrm>
+            <a:off x="4968146" y="3598807"/>
+            <a:ext cx="4559" cy="365436"/>
+          </a:xfrm>
+          <a:prstGeom prst="line">
+            <a:avLst/>
+          </a:prstGeom>
+          <a:ln w="19050">
+            <a:solidFill>
+              <a:schemeClr val="tx1"/>
+            </a:solidFill>
+            <a:tailEnd type="arrow"/>
+          </a:ln>
+        </p:spPr>
+        <p:style>
+          <a:lnRef idx="1">
+            <a:schemeClr val="accent1"/>
+          </a:lnRef>
+          <a:fillRef idx="0">
+            <a:schemeClr val="accent1"/>
+          </a:fillRef>
+          <a:effectRef idx="0">
+            <a:schemeClr val="accent1"/>
+          </a:effectRef>
+          <a:fontRef idx="minor">
+            <a:schemeClr val="tx1"/>
+          </a:fontRef>
+        </p:style>
+      </p:cxnSp>
+      <p:sp>
+        <p:nvSpPr>
+          <p:cNvPr id="36" name="TextBox 35"/>
+          <p:cNvSpPr txBox="1"/>
+          <p:nvPr/>
+        </p:nvSpPr>
+        <p:spPr>
+          <a:xfrm>
+            <a:off x="4535517" y="3771106"/>
+            <a:ext cx="347531" cy="215444"/>
+          </a:xfrm>
+          <a:prstGeom prst="rect">
+            <a:avLst/>
+          </a:prstGeom>
+          <a:noFill/>
+          <a:ln>
+            <a:noFill/>
+          </a:ln>
+        </p:spPr>
+        <p:txBody>
+          <a:bodyPr wrap="none" lIns="0" tIns="0" rIns="0" bIns="0" rtlCol="0">
+            <a:spAutoFit/>
+          </a:bodyPr>
+          <a:lstStyle/>
+          <a:p>
+            <a:r>
+              <a:rPr lang="en-US" sz="1400" i="1" kern="0" spc="-30" dirty="0">
+                <a:latin typeface="Arial"/>
+                <a:cs typeface="Arial"/>
+              </a:rPr>
+              <a:t>JMS</a:t>
+            </a:r>
+          </a:p>
+        </p:txBody>
+      </p:sp>
+      <p:sp>
+        <p:nvSpPr>
+          <p:cNvPr id="42" name="TextBox 41"/>
+          <p:cNvSpPr txBox="1"/>
+          <p:nvPr/>
+        </p:nvSpPr>
+        <p:spPr>
+          <a:xfrm>
+            <a:off x="5053637" y="1519561"/>
+            <a:ext cx="968855" cy="369332"/>
+          </a:xfrm>
+          <a:prstGeom prst="rect">
+            <a:avLst/>
+          </a:prstGeom>
+          <a:noFill/>
+          <a:ln>
+            <a:noFill/>
+          </a:ln>
+        </p:spPr>
+        <p:txBody>
+          <a:bodyPr wrap="none" lIns="0" tIns="0" rIns="0" bIns="0" rtlCol="0">
+            <a:spAutoFit/>
+          </a:bodyPr>
+          <a:lstStyle/>
+          <a:p>
+            <a:r>
+              <a:rPr lang="en-US" sz="1200" i="1" kern="0" spc="-30" dirty="0">
+                <a:latin typeface="Arial"/>
+                <a:cs typeface="Arial"/>
+              </a:rPr>
+              <a:t>Insert, Select,</a:t>
+            </a:r>
+          </a:p>
+          <a:p>
+            <a:r>
+              <a:rPr lang="en-US" sz="1200" i="1" kern="0" spc="-30" dirty="0">
+                <a:latin typeface="Arial"/>
+                <a:cs typeface="Arial"/>
+              </a:rPr>
+              <a:t>Update, Delete</a:t>
+            </a:r>
+          </a:p>
+        </p:txBody>
+      </p:sp>
+      <p:sp>
+        <p:nvSpPr>
+          <p:cNvPr id="45" name="Rounded Rectangle 44"/>
+          <p:cNvSpPr/>
+          <p:nvPr/>
+        </p:nvSpPr>
+        <p:spPr>
+          <a:xfrm>
+            <a:off x="6376860" y="932515"/>
+            <a:ext cx="1143000" cy="591398"/>
+          </a:xfrm>
+          <a:prstGeom prst="roundRect">
+            <a:avLst/>
+          </a:prstGeom>
+          <a:solidFill>
+            <a:srgbClr val="00B050"/>
+          </a:solidFill>
+          <a:ln>
+            <a:noFill/>
+          </a:ln>
+          <a:effectLst/>
+        </p:spPr>
+        <p:style>
+          <a:lnRef idx="1">
+            <a:schemeClr val="accent1"/>
+          </a:lnRef>
+          <a:fillRef idx="3">
+            <a:schemeClr val="accent1"/>
+          </a:fillRef>
+          <a:effectRef idx="2">
+            <a:schemeClr val="accent1"/>
+          </a:effectRef>
+          <a:fontRef idx="minor">
+            <a:schemeClr val="lt1"/>
+          </a:fontRef>
+        </p:style>
+        <p:txBody>
+          <a:bodyPr rtlCol="0" anchor="ctr"/>
+          <a:lstStyle/>
+          <a:p>
+            <a:pPr algn="ctr"/>
+            <a:r>
+              <a:rPr lang="en-US" dirty="0"/>
+              <a:t>Redis</a:t>
+            </a:r>
+          </a:p>
+        </p:txBody>
+      </p:sp>
+      <p:cxnSp>
+        <p:nvCxnSpPr>
+          <p:cNvPr id="46" name="Straight Connector 45"/>
+          <p:cNvCxnSpPr>
+            <a:cxnSpLocks/>
+            <a:stCxn id="6" idx="0"/>
+            <a:endCxn id="45" idx="2"/>
+          </p:cNvCxnSpPr>
+          <p:nvPr/>
+        </p:nvCxnSpPr>
+        <p:spPr>
+          <a:xfrm flipV="1">
+            <a:off x="6948360" y="1523913"/>
+            <a:ext cx="0" cy="357485"/>
+          </a:xfrm>
+          <a:prstGeom prst="line">
+            <a:avLst/>
+          </a:prstGeom>
+          <a:ln w="19050">
+            <a:solidFill>
+              <a:schemeClr val="tx1"/>
+            </a:solidFill>
+            <a:tailEnd type="arrow"/>
+          </a:ln>
+        </p:spPr>
+        <p:style>
+          <a:lnRef idx="1">
+            <a:schemeClr val="accent1"/>
+          </a:lnRef>
+          <a:fillRef idx="0">
+            <a:schemeClr val="accent1"/>
+          </a:fillRef>
+          <a:effectRef idx="0">
+            <a:schemeClr val="accent1"/>
+          </a:effectRef>
+          <a:fontRef idx="minor">
+            <a:schemeClr val="tx1"/>
+          </a:fontRef>
+        </p:style>
+      </p:cxnSp>
+      <p:sp>
+        <p:nvSpPr>
+          <p:cNvPr id="47" name="TextBox 46"/>
+          <p:cNvSpPr txBox="1"/>
+          <p:nvPr/>
+        </p:nvSpPr>
+        <p:spPr>
+          <a:xfrm>
+            <a:off x="7015422" y="1488939"/>
+            <a:ext cx="305853" cy="369332"/>
+          </a:xfrm>
+          <a:prstGeom prst="rect">
+            <a:avLst/>
+          </a:prstGeom>
+          <a:noFill/>
+          <a:ln>
+            <a:noFill/>
+          </a:ln>
+        </p:spPr>
+        <p:txBody>
+          <a:bodyPr wrap="none" lIns="0" tIns="0" rIns="0" bIns="0" rtlCol="0">
+            <a:spAutoFit/>
+          </a:bodyPr>
+          <a:lstStyle/>
+          <a:p>
+            <a:r>
+              <a:rPr lang="en-US" sz="1200" i="1" kern="0" spc="-30" dirty="0">
+                <a:latin typeface="Arial"/>
+                <a:cs typeface="Arial"/>
+              </a:rPr>
+              <a:t>GET</a:t>
+            </a:r>
+          </a:p>
+          <a:p>
+            <a:r>
+              <a:rPr lang="en-US" sz="1200" i="1" kern="0" spc="-30" dirty="0">
+                <a:latin typeface="Arial"/>
+                <a:cs typeface="Arial"/>
+              </a:rPr>
+              <a:t>SET</a:t>
+            </a:r>
+          </a:p>
+        </p:txBody>
+      </p:sp>
+      <p:cxnSp>
+        <p:nvCxnSpPr>
+          <p:cNvPr id="59" name="Straight Connector 58"/>
+          <p:cNvCxnSpPr>
+            <a:cxnSpLocks/>
+            <a:stCxn id="6" idx="3"/>
+            <a:endCxn id="26" idx="1"/>
+          </p:cNvCxnSpPr>
+          <p:nvPr/>
+        </p:nvCxnSpPr>
+        <p:spPr>
+          <a:xfrm flipV="1">
+            <a:off x="7519860" y="2217871"/>
+            <a:ext cx="1315313" cy="6427"/>
+          </a:xfrm>
+          <a:prstGeom prst="line">
+            <a:avLst/>
+          </a:prstGeom>
+          <a:ln w="19050">
+            <a:solidFill>
+              <a:schemeClr val="tx1"/>
+            </a:solidFill>
+            <a:tailEnd type="arrow"/>
+          </a:ln>
+        </p:spPr>
+        <p:style>
+          <a:lnRef idx="1">
+            <a:schemeClr val="accent1"/>
+          </a:lnRef>
+          <a:fillRef idx="0">
+            <a:schemeClr val="accent1"/>
+          </a:fillRef>
+          <a:effectRef idx="0">
+            <a:schemeClr val="accent1"/>
+          </a:effectRef>
+          <a:fontRef idx="minor">
+            <a:schemeClr val="tx1"/>
+          </a:fontRef>
+        </p:style>
+      </p:cxnSp>
+      <p:cxnSp>
+        <p:nvCxnSpPr>
+          <p:cNvPr id="62" name="Straight Connector 61"/>
+          <p:cNvCxnSpPr>
+            <a:cxnSpLocks/>
+            <a:stCxn id="60" idx="3"/>
+            <a:endCxn id="29" idx="1"/>
+          </p:cNvCxnSpPr>
+          <p:nvPr/>
+        </p:nvCxnSpPr>
+        <p:spPr>
+          <a:xfrm>
+            <a:off x="7547849" y="5299180"/>
+            <a:ext cx="1303288" cy="0"/>
+          </a:xfrm>
+          <a:prstGeom prst="line">
+            <a:avLst/>
+          </a:prstGeom>
+          <a:ln w="19050">
+            <a:solidFill>
+              <a:schemeClr val="tx1"/>
+            </a:solidFill>
+            <a:tailEnd type="arrow"/>
+          </a:ln>
+        </p:spPr>
+        <p:style>
+          <a:lnRef idx="1">
+            <a:schemeClr val="accent1"/>
+          </a:lnRef>
+          <a:fillRef idx="0">
+            <a:schemeClr val="accent1"/>
+          </a:fillRef>
+          <a:effectRef idx="0">
+            <a:schemeClr val="accent1"/>
+          </a:effectRef>
+          <a:fontRef idx="minor">
+            <a:schemeClr val="tx1"/>
+          </a:fontRef>
+        </p:style>
+      </p:cxnSp>
+      <p:sp>
+        <p:nvSpPr>
+          <p:cNvPr id="74" name="Rounded Rectangle 73"/>
+          <p:cNvSpPr/>
+          <p:nvPr/>
+        </p:nvSpPr>
+        <p:spPr>
+          <a:xfrm>
+            <a:off x="4372915" y="5020631"/>
+            <a:ext cx="1213655" cy="685800"/>
+          </a:xfrm>
+          <a:prstGeom prst="roundRect">
+            <a:avLst/>
+          </a:prstGeom>
+          <a:solidFill>
+            <a:schemeClr val="accent1"/>
+          </a:solidFill>
+          <a:ln>
+            <a:noFill/>
+          </a:ln>
+          <a:effectLst/>
+        </p:spPr>
+        <p:style>
+          <a:lnRef idx="1">
+            <a:schemeClr val="accent1"/>
+          </a:lnRef>
+          <a:fillRef idx="3">
+            <a:schemeClr val="accent1"/>
+          </a:fillRef>
+          <a:effectRef idx="2">
+            <a:schemeClr val="accent1"/>
+          </a:effectRef>
+          <a:fontRef idx="minor">
+            <a:schemeClr val="lt1"/>
+          </a:fontRef>
+        </p:style>
+        <p:txBody>
+          <a:bodyPr rtlCol="0" anchor="ctr"/>
+          <a:lstStyle/>
+          <a:p>
+            <a:pPr algn="ctr"/>
+            <a:r>
+              <a:rPr lang="en-US" sz="1500" dirty="0"/>
+              <a:t>Messaging</a:t>
+            </a:r>
+          </a:p>
+        </p:txBody>
+      </p:sp>
+      <p:cxnSp>
+        <p:nvCxnSpPr>
+          <p:cNvPr id="75" name="Straight Connector 74"/>
+          <p:cNvCxnSpPr>
+            <a:cxnSpLocks/>
+            <a:stCxn id="33" idx="2"/>
+            <a:endCxn id="74" idx="0"/>
+          </p:cNvCxnSpPr>
+          <p:nvPr/>
+        </p:nvCxnSpPr>
+        <p:spPr>
+          <a:xfrm>
+            <a:off x="4972705" y="4650043"/>
+            <a:ext cx="7038" cy="370588"/>
+          </a:xfrm>
+          <a:prstGeom prst="line">
+            <a:avLst/>
+          </a:prstGeom>
+          <a:ln w="19050">
+            <a:solidFill>
+              <a:schemeClr val="tx1"/>
+            </a:solidFill>
+            <a:tailEnd type="arrow"/>
+          </a:ln>
+        </p:spPr>
+        <p:style>
+          <a:lnRef idx="1">
+            <a:schemeClr val="accent1"/>
+          </a:lnRef>
+          <a:fillRef idx="0">
+            <a:schemeClr val="accent1"/>
+          </a:fillRef>
+          <a:effectRef idx="0">
+            <a:schemeClr val="accent1"/>
+          </a:effectRef>
+          <a:fontRef idx="minor">
+            <a:schemeClr val="tx1"/>
+          </a:fontRef>
+        </p:style>
+      </p:cxnSp>
+      <p:sp>
+        <p:nvSpPr>
+          <p:cNvPr id="50" name="Rounded Rectangle 49">
+            <a:extLst>
+              <a:ext uri="{FF2B5EF4-FFF2-40B4-BE49-F238E27FC236}">
+                <a16:creationId xmlns:a16="http://schemas.microsoft.com/office/drawing/2014/main" id="{4FC357A0-B537-3846-9CB5-66D95B8D76A8}"/>
+              </a:ext>
+            </a:extLst>
+          </p:cNvPr>
+          <p:cNvSpPr/>
+          <p:nvPr/>
+        </p:nvSpPr>
+        <p:spPr>
+          <a:xfrm>
+            <a:off x="2270966" y="3965857"/>
+            <a:ext cx="1143000" cy="685800"/>
+          </a:xfrm>
+          <a:prstGeom prst="roundRect">
+            <a:avLst/>
+          </a:prstGeom>
+          <a:solidFill>
+            <a:srgbClr val="F8EE00"/>
+          </a:solidFill>
+          <a:ln>
+            <a:noFill/>
+          </a:ln>
+          <a:effectLst/>
+        </p:spPr>
+        <p:style>
+          <a:lnRef idx="1">
+            <a:schemeClr val="accent1"/>
+          </a:lnRef>
+          <a:fillRef idx="3">
+            <a:schemeClr val="accent1"/>
+          </a:fillRef>
+          <a:effectRef idx="2">
+            <a:schemeClr val="accent1"/>
+          </a:effectRef>
+          <a:fontRef idx="minor">
+            <a:schemeClr val="lt1"/>
+          </a:fontRef>
+        </p:style>
+        <p:txBody>
+          <a:bodyPr rtlCol="0" anchor="ctr"/>
+          <a:lstStyle/>
+          <a:p>
+            <a:pPr algn="ctr"/>
+            <a:r>
+              <a:rPr lang="en-US" dirty="0"/>
+              <a:t>Tradr (Node)</a:t>
+            </a:r>
+          </a:p>
+        </p:txBody>
+      </p:sp>
+      <p:cxnSp>
+        <p:nvCxnSpPr>
+          <p:cNvPr id="51" name="Straight Connector 50">
+            <a:extLst>
+              <a:ext uri="{FF2B5EF4-FFF2-40B4-BE49-F238E27FC236}">
+                <a16:creationId xmlns:a16="http://schemas.microsoft.com/office/drawing/2014/main" id="{46DB6833-EB7B-634E-8F79-7E9380D0A847}"/>
+              </a:ext>
+            </a:extLst>
+          </p:cNvPr>
+          <p:cNvCxnSpPr>
+            <a:cxnSpLocks/>
+            <a:stCxn id="50" idx="0"/>
+            <a:endCxn id="97" idx="2"/>
+          </p:cNvCxnSpPr>
+          <p:nvPr/>
+        </p:nvCxnSpPr>
+        <p:spPr>
+          <a:xfrm flipV="1">
+            <a:off x="2842466" y="3599905"/>
+            <a:ext cx="2340" cy="365952"/>
+          </a:xfrm>
+          <a:prstGeom prst="line">
+            <a:avLst/>
+          </a:prstGeom>
+          <a:ln w="19050">
+            <a:solidFill>
+              <a:schemeClr val="tx1"/>
+            </a:solidFill>
+            <a:tailEnd type="arrow"/>
+          </a:ln>
+        </p:spPr>
+        <p:style>
+          <a:lnRef idx="1">
+            <a:schemeClr val="accent1"/>
+          </a:lnRef>
+          <a:fillRef idx="0">
+            <a:schemeClr val="accent1"/>
+          </a:fillRef>
+          <a:effectRef idx="0">
+            <a:schemeClr val="accent1"/>
+          </a:effectRef>
+          <a:fontRef idx="minor">
+            <a:schemeClr val="tx1"/>
+          </a:fontRef>
+        </p:style>
+      </p:cxnSp>
+      <p:cxnSp>
+        <p:nvCxnSpPr>
+          <p:cNvPr id="53" name="Straight Connector 52">
+            <a:extLst>
+              <a:ext uri="{FF2B5EF4-FFF2-40B4-BE49-F238E27FC236}">
+                <a16:creationId xmlns:a16="http://schemas.microsoft.com/office/drawing/2014/main" id="{FA720D8A-AE86-BE49-9ED3-8FA31BB6976C}"/>
+              </a:ext>
+            </a:extLst>
+          </p:cNvPr>
+          <p:cNvCxnSpPr>
+            <a:cxnSpLocks/>
+            <a:stCxn id="27" idx="3"/>
+            <a:endCxn id="50" idx="1"/>
+          </p:cNvCxnSpPr>
+          <p:nvPr/>
+        </p:nvCxnSpPr>
+        <p:spPr>
+          <a:xfrm>
+            <a:off x="1360935" y="3255165"/>
+            <a:ext cx="910031" cy="1053592"/>
+          </a:xfrm>
+          <a:prstGeom prst="line">
+            <a:avLst/>
+          </a:prstGeom>
+          <a:ln w="19050">
+            <a:solidFill>
+              <a:schemeClr val="tx1"/>
+            </a:solidFill>
+            <a:tailEnd type="arrow"/>
+          </a:ln>
+        </p:spPr>
+        <p:style>
+          <a:lnRef idx="1">
+            <a:schemeClr val="accent1"/>
+          </a:lnRef>
+          <a:fillRef idx="0">
+            <a:schemeClr val="accent1"/>
+          </a:fillRef>
+          <a:effectRef idx="0">
+            <a:schemeClr val="accent1"/>
+          </a:effectRef>
+          <a:fontRef idx="minor">
+            <a:schemeClr val="tx1"/>
+          </a:fontRef>
+        </p:style>
+      </p:cxnSp>
+      <p:sp>
+        <p:nvSpPr>
+          <p:cNvPr id="60" name="Rounded Rectangle 59">
+            <a:extLst>
+              <a:ext uri="{FF2B5EF4-FFF2-40B4-BE49-F238E27FC236}">
+                <a16:creationId xmlns:a16="http://schemas.microsoft.com/office/drawing/2014/main" id="{15C62E23-9FA9-0344-B0B7-574AB1982F03}"/>
+              </a:ext>
+            </a:extLst>
+          </p:cNvPr>
+          <p:cNvSpPr/>
+          <p:nvPr/>
+        </p:nvSpPr>
+        <p:spPr>
+          <a:xfrm>
+            <a:off x="6404849" y="4956280"/>
+            <a:ext cx="1143000" cy="685800"/>
+          </a:xfrm>
+          <a:prstGeom prst="roundRect">
+            <a:avLst/>
+          </a:prstGeom>
+          <a:solidFill>
+            <a:srgbClr val="00B0F0"/>
+          </a:solidFill>
+          <a:ln>
+            <a:noFill/>
+          </a:ln>
+          <a:effectLst/>
+        </p:spPr>
+        <p:style>
+          <a:lnRef idx="1">
+            <a:schemeClr val="accent1"/>
+          </a:lnRef>
+          <a:fillRef idx="3">
+            <a:schemeClr val="accent1"/>
+          </a:fillRef>
+          <a:effectRef idx="2">
+            <a:schemeClr val="accent1"/>
+          </a:effectRef>
+          <a:fontRef idx="minor">
+            <a:schemeClr val="lt1"/>
+          </a:fontRef>
+        </p:style>
+        <p:txBody>
+          <a:bodyPr rtlCol="0" anchor="ctr"/>
+          <a:lstStyle/>
+          <a:p>
+            <a:pPr algn="ctr"/>
+            <a:r>
+              <a:rPr lang="en-US" sz="1400" dirty="0"/>
+              <a:t>Notification </a:t>
+            </a:r>
+            <a:r>
+              <a:rPr lang="en-US" sz="1600" dirty="0"/>
+              <a:t>(Slack)</a:t>
+            </a:r>
+            <a:endParaRPr lang="en-US" sz="1400" dirty="0"/>
+          </a:p>
+        </p:txBody>
+      </p:sp>
+      <p:sp>
+        <p:nvSpPr>
+          <p:cNvPr id="61" name="TextBox 60">
+            <a:extLst>
+              <a:ext uri="{FF2B5EF4-FFF2-40B4-BE49-F238E27FC236}">
+                <a16:creationId xmlns:a16="http://schemas.microsoft.com/office/drawing/2014/main" id="{CD8ACFFE-F6D1-E442-BE1E-639AA558E35A}"/>
+              </a:ext>
+            </a:extLst>
+          </p:cNvPr>
+          <p:cNvSpPr txBox="1"/>
+          <p:nvPr/>
+        </p:nvSpPr>
+        <p:spPr>
+          <a:xfrm>
+            <a:off x="5056942" y="4823558"/>
+            <a:ext cx="890308" cy="215444"/>
+          </a:xfrm>
+          <a:prstGeom prst="rect">
+            <a:avLst/>
+          </a:prstGeom>
+          <a:noFill/>
+          <a:ln>
+            <a:noFill/>
+          </a:ln>
+        </p:spPr>
+        <p:txBody>
+          <a:bodyPr wrap="none" lIns="0" tIns="0" rIns="0" bIns="0" rtlCol="0">
+            <a:spAutoFit/>
+          </a:bodyPr>
+          <a:lstStyle/>
+          <a:p>
+            <a:r>
+              <a:rPr lang="en-US" sz="1400" i="1" kern="0" spc="-30" dirty="0">
+                <a:latin typeface="Arial"/>
+                <a:cs typeface="Arial"/>
+              </a:rPr>
+              <a:t>onMessage</a:t>
+            </a:r>
+          </a:p>
+        </p:txBody>
+      </p:sp>
+      <p:sp>
+        <p:nvSpPr>
+          <p:cNvPr id="63" name="Rounded Rectangle 62">
+            <a:extLst>
+              <a:ext uri="{FF2B5EF4-FFF2-40B4-BE49-F238E27FC236}">
+                <a16:creationId xmlns:a16="http://schemas.microsoft.com/office/drawing/2014/main" id="{02AFB515-7DE1-6940-9E22-5C26D4D2F603}"/>
+              </a:ext>
+            </a:extLst>
+          </p:cNvPr>
+          <p:cNvSpPr/>
+          <p:nvPr/>
+        </p:nvSpPr>
+        <p:spPr>
+          <a:xfrm>
+            <a:off x="6404849" y="6064264"/>
+            <a:ext cx="1143000" cy="685800"/>
+          </a:xfrm>
+          <a:prstGeom prst="roundRect">
+            <a:avLst/>
+          </a:prstGeom>
+          <a:solidFill>
+            <a:srgbClr val="7030A0"/>
+          </a:solidFill>
+          <a:ln>
+            <a:noFill/>
+          </a:ln>
+          <a:effectLst/>
+        </p:spPr>
+        <p:style>
+          <a:lnRef idx="1">
+            <a:schemeClr val="accent1"/>
+          </a:lnRef>
+          <a:fillRef idx="3">
+            <a:schemeClr val="accent1"/>
+          </a:fillRef>
+          <a:effectRef idx="2">
+            <a:schemeClr val="accent1"/>
+          </a:effectRef>
+          <a:fontRef idx="minor">
+            <a:schemeClr val="lt1"/>
+          </a:fontRef>
+        </p:style>
+        <p:txBody>
+          <a:bodyPr rtlCol="0" anchor="ctr"/>
+          <a:lstStyle/>
+          <a:p>
+            <a:pPr algn="ctr"/>
+            <a:r>
+              <a:rPr lang="en-US" sz="1400" dirty="0"/>
+              <a:t>Notification </a:t>
+            </a:r>
+            <a:r>
+              <a:rPr lang="en-US" sz="1600" dirty="0"/>
+              <a:t>(Twitter)</a:t>
+            </a:r>
+            <a:endParaRPr lang="en-US" sz="1400" dirty="0"/>
+          </a:p>
+        </p:txBody>
+      </p:sp>
+      <p:sp>
+        <p:nvSpPr>
+          <p:cNvPr id="65" name="TextBox 64">
+            <a:extLst>
+              <a:ext uri="{FF2B5EF4-FFF2-40B4-BE49-F238E27FC236}">
+                <a16:creationId xmlns:a16="http://schemas.microsoft.com/office/drawing/2014/main" id="{D06C92DC-44E4-9E48-9D9B-A0C376868592}"/>
+              </a:ext>
+            </a:extLst>
+          </p:cNvPr>
+          <p:cNvSpPr txBox="1"/>
+          <p:nvPr/>
+        </p:nvSpPr>
+        <p:spPr>
+          <a:xfrm>
+            <a:off x="4417627" y="1539507"/>
+            <a:ext cx="454292" cy="215444"/>
+          </a:xfrm>
+          <a:prstGeom prst="rect">
+            <a:avLst/>
+          </a:prstGeom>
+          <a:noFill/>
+          <a:ln>
+            <a:noFill/>
+          </a:ln>
+        </p:spPr>
+        <p:txBody>
+          <a:bodyPr wrap="none" lIns="0" tIns="0" rIns="0" bIns="0" rtlCol="0">
+            <a:spAutoFit/>
+          </a:bodyPr>
+          <a:lstStyle/>
+          <a:p>
+            <a:r>
+              <a:rPr lang="en-US" sz="1400" i="1" kern="0" spc="-30" dirty="0">
+                <a:latin typeface="Arial"/>
+                <a:cs typeface="Arial"/>
+              </a:rPr>
+              <a:t>JDBC</a:t>
+            </a:r>
+          </a:p>
+        </p:txBody>
+      </p:sp>
+      <p:sp>
+        <p:nvSpPr>
+          <p:cNvPr id="67" name="Rounded Rectangle 66">
+            <a:extLst>
+              <a:ext uri="{FF2B5EF4-FFF2-40B4-BE49-F238E27FC236}">
+                <a16:creationId xmlns:a16="http://schemas.microsoft.com/office/drawing/2014/main" id="{501F8815-6DE0-EC4F-A9D3-4FF22B0DD633}"/>
+              </a:ext>
+            </a:extLst>
+          </p:cNvPr>
+          <p:cNvSpPr/>
+          <p:nvPr/>
+        </p:nvSpPr>
+        <p:spPr>
+          <a:xfrm>
+            <a:off x="10906811" y="6064264"/>
+            <a:ext cx="990458" cy="685800"/>
+          </a:xfrm>
+          <a:prstGeom prst="roundRect">
+            <a:avLst/>
+          </a:prstGeom>
+          <a:solidFill>
+            <a:srgbClr val="FFC000"/>
+          </a:solidFill>
+          <a:ln>
+            <a:noFill/>
+          </a:ln>
+          <a:effectLst/>
+        </p:spPr>
+        <p:style>
+          <a:lnRef idx="1">
+            <a:schemeClr val="accent1"/>
+          </a:lnRef>
+          <a:fillRef idx="3">
+            <a:schemeClr val="accent1"/>
+          </a:fillRef>
+          <a:effectRef idx="2">
+            <a:schemeClr val="accent1"/>
+          </a:effectRef>
+          <a:fontRef idx="minor">
+            <a:schemeClr val="lt1"/>
+          </a:fontRef>
+        </p:style>
+        <p:txBody>
+          <a:bodyPr rtlCol="0" anchor="ctr"/>
+          <a:lstStyle/>
+          <a:p>
+            <a:pPr algn="ctr"/>
+            <a:r>
+              <a:rPr lang="en-US" dirty="0"/>
+              <a:t>Twitter</a:t>
+            </a:r>
+          </a:p>
+        </p:txBody>
+      </p:sp>
+      <p:cxnSp>
+        <p:nvCxnSpPr>
+          <p:cNvPr id="68" name="Straight Connector 67">
+            <a:extLst>
+              <a:ext uri="{FF2B5EF4-FFF2-40B4-BE49-F238E27FC236}">
+                <a16:creationId xmlns:a16="http://schemas.microsoft.com/office/drawing/2014/main" id="{027E334C-F5C4-CA41-AA29-8C5070EB55B4}"/>
+              </a:ext>
+            </a:extLst>
+          </p:cNvPr>
+          <p:cNvCxnSpPr>
+            <a:cxnSpLocks/>
+            <a:stCxn id="63" idx="3"/>
+            <a:endCxn id="67" idx="1"/>
+          </p:cNvCxnSpPr>
+          <p:nvPr/>
+        </p:nvCxnSpPr>
+        <p:spPr>
+          <a:xfrm>
+            <a:off x="7547849" y="6407164"/>
+            <a:ext cx="3358962" cy="0"/>
+          </a:xfrm>
+          <a:prstGeom prst="line">
+            <a:avLst/>
+          </a:prstGeom>
+          <a:ln w="19050">
+            <a:solidFill>
+              <a:schemeClr val="tx1"/>
+            </a:solidFill>
+            <a:tailEnd type="arrow"/>
+          </a:ln>
+        </p:spPr>
+        <p:style>
+          <a:lnRef idx="1">
+            <a:schemeClr val="accent1"/>
+          </a:lnRef>
+          <a:fillRef idx="0">
+            <a:schemeClr val="accent1"/>
+          </a:fillRef>
+          <a:effectRef idx="0">
+            <a:schemeClr val="accent1"/>
+          </a:effectRef>
+          <a:fontRef idx="minor">
+            <a:schemeClr val="tx1"/>
+          </a:fontRef>
+        </p:style>
+      </p:cxnSp>
+      <p:sp>
+        <p:nvSpPr>
+          <p:cNvPr id="77" name="TextBox 76">
+            <a:extLst>
+              <a:ext uri="{FF2B5EF4-FFF2-40B4-BE49-F238E27FC236}">
+                <a16:creationId xmlns:a16="http://schemas.microsoft.com/office/drawing/2014/main" id="{A45ACD54-B04B-B049-934D-790A98750F7D}"/>
+              </a:ext>
+            </a:extLst>
+          </p:cNvPr>
+          <p:cNvSpPr txBox="1"/>
+          <p:nvPr/>
+        </p:nvSpPr>
+        <p:spPr>
+          <a:xfrm>
+            <a:off x="5040274" y="3771106"/>
+            <a:ext cx="257763" cy="215444"/>
+          </a:xfrm>
+          <a:prstGeom prst="rect">
+            <a:avLst/>
+          </a:prstGeom>
+          <a:noFill/>
+          <a:ln>
+            <a:noFill/>
+          </a:ln>
+        </p:spPr>
+        <p:txBody>
+          <a:bodyPr wrap="none" lIns="0" tIns="0" rIns="0" bIns="0" rtlCol="0">
+            <a:spAutoFit/>
+          </a:bodyPr>
+          <a:lstStyle/>
+          <a:p>
+            <a:r>
+              <a:rPr lang="en-US" sz="1400" i="1" kern="0" spc="-30" dirty="0">
+                <a:latin typeface="Arial"/>
+                <a:cs typeface="Arial"/>
+              </a:rPr>
+              <a:t>Put</a:t>
+            </a:r>
+          </a:p>
+        </p:txBody>
+      </p:sp>
+      <p:cxnSp>
+        <p:nvCxnSpPr>
+          <p:cNvPr id="81" name="Straight Connector 80">
+            <a:extLst>
+              <a:ext uri="{FF2B5EF4-FFF2-40B4-BE49-F238E27FC236}">
+                <a16:creationId xmlns:a16="http://schemas.microsoft.com/office/drawing/2014/main" id="{DBA844AA-1D28-FE4F-8C83-CE8EAEF89BB5}"/>
+              </a:ext>
+            </a:extLst>
+          </p:cNvPr>
+          <p:cNvCxnSpPr>
+            <a:cxnSpLocks/>
+            <a:stCxn id="74" idx="3"/>
+            <a:endCxn id="16" idx="1"/>
+          </p:cNvCxnSpPr>
+          <p:nvPr/>
+        </p:nvCxnSpPr>
+        <p:spPr>
+          <a:xfrm>
+            <a:off x="5586570" y="5363531"/>
+            <a:ext cx="609606" cy="369623"/>
+          </a:xfrm>
+          <a:prstGeom prst="line">
+            <a:avLst/>
+          </a:prstGeom>
+          <a:ln w="19050">
+            <a:solidFill>
+              <a:schemeClr val="tx1"/>
+            </a:solidFill>
+            <a:tailEnd type="arrow"/>
+          </a:ln>
+        </p:spPr>
+        <p:style>
+          <a:lnRef idx="1">
+            <a:schemeClr val="accent1"/>
+          </a:lnRef>
+          <a:fillRef idx="0">
+            <a:schemeClr val="accent1"/>
+          </a:fillRef>
+          <a:effectRef idx="0">
+            <a:schemeClr val="accent1"/>
+          </a:effectRef>
+          <a:fontRef idx="minor">
+            <a:schemeClr val="tx1"/>
+          </a:fontRef>
+        </p:style>
+      </p:cxnSp>
+      <p:sp>
+        <p:nvSpPr>
+          <p:cNvPr id="84" name="TextBox 83">
+            <a:extLst>
+              <a:ext uri="{FF2B5EF4-FFF2-40B4-BE49-F238E27FC236}">
+                <a16:creationId xmlns:a16="http://schemas.microsoft.com/office/drawing/2014/main" id="{1199C97A-C6D6-B34F-9DBA-486F3D79CFFC}"/>
+              </a:ext>
+            </a:extLst>
+          </p:cNvPr>
+          <p:cNvSpPr txBox="1"/>
+          <p:nvPr/>
+        </p:nvSpPr>
+        <p:spPr>
+          <a:xfrm>
+            <a:off x="4507899" y="4826802"/>
+            <a:ext cx="387607" cy="215444"/>
+          </a:xfrm>
+          <a:prstGeom prst="rect">
+            <a:avLst/>
+          </a:prstGeom>
+          <a:noFill/>
+          <a:ln>
+            <a:noFill/>
+          </a:ln>
+        </p:spPr>
+        <p:txBody>
+          <a:bodyPr wrap="none" lIns="0" tIns="0" rIns="0" bIns="0" rtlCol="0">
+            <a:spAutoFit/>
+          </a:bodyPr>
+          <a:lstStyle/>
+          <a:p>
+            <a:r>
+              <a:rPr lang="en-US" sz="1400" i="1" kern="0" spc="-30" dirty="0">
+                <a:latin typeface="Arial"/>
+                <a:cs typeface="Arial"/>
+              </a:rPr>
+              <a:t>MDB</a:t>
+            </a:r>
+          </a:p>
+        </p:txBody>
+      </p:sp>
+      <p:sp>
+        <p:nvSpPr>
+          <p:cNvPr id="85" name="TextBox 84">
+            <a:extLst>
+              <a:ext uri="{FF2B5EF4-FFF2-40B4-BE49-F238E27FC236}">
+                <a16:creationId xmlns:a16="http://schemas.microsoft.com/office/drawing/2014/main" id="{644BB809-9639-DA4F-85C0-09ECA15EF8B4}"/>
+              </a:ext>
+            </a:extLst>
+          </p:cNvPr>
+          <p:cNvSpPr txBox="1"/>
+          <p:nvPr/>
+        </p:nvSpPr>
+        <p:spPr>
+          <a:xfrm>
+            <a:off x="10520985" y="1981682"/>
+            <a:ext cx="357149" cy="215444"/>
+          </a:xfrm>
+          <a:prstGeom prst="rect">
+            <a:avLst/>
+          </a:prstGeom>
+          <a:noFill/>
+          <a:ln>
+            <a:noFill/>
+          </a:ln>
+        </p:spPr>
+        <p:txBody>
+          <a:bodyPr wrap="none" lIns="0" tIns="0" rIns="0" bIns="0" rtlCol="0">
+            <a:spAutoFit/>
+          </a:bodyPr>
+          <a:lstStyle/>
+          <a:p>
+            <a:r>
+              <a:rPr lang="en-US" sz="1400" i="1" kern="0" spc="-30" dirty="0">
+                <a:latin typeface="Arial"/>
+                <a:cs typeface="Arial"/>
+              </a:rPr>
+              <a:t>GET</a:t>
+            </a:r>
+          </a:p>
+        </p:txBody>
+      </p:sp>
+      <p:sp>
+        <p:nvSpPr>
+          <p:cNvPr id="86" name="TextBox 85">
+            <a:extLst>
+              <a:ext uri="{FF2B5EF4-FFF2-40B4-BE49-F238E27FC236}">
+                <a16:creationId xmlns:a16="http://schemas.microsoft.com/office/drawing/2014/main" id="{BE3AF497-D683-3F48-B7DC-0C053B83D835}"/>
+              </a:ext>
+            </a:extLst>
+          </p:cNvPr>
+          <p:cNvSpPr txBox="1"/>
+          <p:nvPr/>
+        </p:nvSpPr>
+        <p:spPr>
+          <a:xfrm>
+            <a:off x="10404606" y="5042246"/>
+            <a:ext cx="473528" cy="215444"/>
+          </a:xfrm>
+          <a:prstGeom prst="rect">
+            <a:avLst/>
+          </a:prstGeom>
+          <a:noFill/>
+          <a:ln>
+            <a:noFill/>
+          </a:ln>
+        </p:spPr>
+        <p:txBody>
+          <a:bodyPr wrap="none" lIns="0" tIns="0" rIns="0" bIns="0" rtlCol="0">
+            <a:spAutoFit/>
+          </a:bodyPr>
+          <a:lstStyle/>
+          <a:p>
+            <a:r>
+              <a:rPr lang="en-US" sz="1400" i="1" kern="0" spc="-30" dirty="0">
+                <a:latin typeface="Arial"/>
+                <a:cs typeface="Arial"/>
+              </a:rPr>
+              <a:t>POST</a:t>
+            </a:r>
+          </a:p>
+        </p:txBody>
+      </p:sp>
+      <p:sp>
+        <p:nvSpPr>
+          <p:cNvPr id="87" name="TextBox 86">
+            <a:extLst>
+              <a:ext uri="{FF2B5EF4-FFF2-40B4-BE49-F238E27FC236}">
+                <a16:creationId xmlns:a16="http://schemas.microsoft.com/office/drawing/2014/main" id="{2580C5C6-EF99-D741-9952-4C416BCFBFA6}"/>
+              </a:ext>
+            </a:extLst>
+          </p:cNvPr>
+          <p:cNvSpPr txBox="1"/>
+          <p:nvPr/>
+        </p:nvSpPr>
+        <p:spPr>
+          <a:xfrm>
+            <a:off x="10404778" y="6141235"/>
+            <a:ext cx="473528" cy="215444"/>
+          </a:xfrm>
+          <a:prstGeom prst="rect">
+            <a:avLst/>
+          </a:prstGeom>
+          <a:noFill/>
+          <a:ln>
+            <a:noFill/>
+          </a:ln>
+        </p:spPr>
+        <p:txBody>
+          <a:bodyPr wrap="none" lIns="0" tIns="0" rIns="0" bIns="0" rtlCol="0">
+            <a:spAutoFit/>
+          </a:bodyPr>
+          <a:lstStyle/>
+          <a:p>
+            <a:r>
+              <a:rPr lang="en-US" sz="1400" i="1" kern="0" spc="-30" dirty="0">
+                <a:latin typeface="Arial"/>
+                <a:cs typeface="Arial"/>
+              </a:rPr>
+              <a:t>POST</a:t>
+            </a:r>
+          </a:p>
+        </p:txBody>
+      </p:sp>
+      <p:sp>
+        <p:nvSpPr>
+          <p:cNvPr id="88" name="TextBox 87">
+            <a:extLst>
+              <a:ext uri="{FF2B5EF4-FFF2-40B4-BE49-F238E27FC236}">
+                <a16:creationId xmlns:a16="http://schemas.microsoft.com/office/drawing/2014/main" id="{B48411D0-B9C4-4B4D-8DF4-C66BFF5A3365}"/>
+              </a:ext>
+            </a:extLst>
+          </p:cNvPr>
+          <p:cNvSpPr txBox="1"/>
+          <p:nvPr/>
+        </p:nvSpPr>
+        <p:spPr>
+          <a:xfrm>
+            <a:off x="5717090" y="5726132"/>
+            <a:ext cx="473528" cy="215444"/>
+          </a:xfrm>
+          <a:prstGeom prst="rect">
+            <a:avLst/>
+          </a:prstGeom>
+          <a:noFill/>
+          <a:ln>
+            <a:noFill/>
+          </a:ln>
+        </p:spPr>
+        <p:txBody>
+          <a:bodyPr wrap="none" lIns="0" tIns="0" rIns="0" bIns="0" rtlCol="0">
+            <a:spAutoFit/>
+          </a:bodyPr>
+          <a:lstStyle/>
+          <a:p>
+            <a:r>
+              <a:rPr lang="en-US" sz="1400" i="1" kern="0" spc="-30" dirty="0">
+                <a:latin typeface="Arial"/>
+                <a:cs typeface="Arial"/>
+              </a:rPr>
+              <a:t>POST</a:t>
+            </a:r>
+          </a:p>
+        </p:txBody>
+      </p:sp>
+      <p:sp>
+        <p:nvSpPr>
+          <p:cNvPr id="64" name="TextBox 63">
+            <a:extLst>
+              <a:ext uri="{FF2B5EF4-FFF2-40B4-BE49-F238E27FC236}">
+                <a16:creationId xmlns:a16="http://schemas.microsoft.com/office/drawing/2014/main" id="{7A524877-A211-AB45-A0B9-443A95C3A15C}"/>
+              </a:ext>
+            </a:extLst>
+          </p:cNvPr>
+          <p:cNvSpPr txBox="1"/>
+          <p:nvPr/>
+        </p:nvSpPr>
+        <p:spPr>
+          <a:xfrm>
+            <a:off x="8360628" y="5021345"/>
+            <a:ext cx="473528" cy="215444"/>
+          </a:xfrm>
+          <a:prstGeom prst="rect">
+            <a:avLst/>
+          </a:prstGeom>
+          <a:noFill/>
+          <a:ln>
+            <a:noFill/>
+          </a:ln>
+        </p:spPr>
+        <p:txBody>
+          <a:bodyPr wrap="none" lIns="0" tIns="0" rIns="0" bIns="0" rtlCol="0">
+            <a:spAutoFit/>
+          </a:bodyPr>
+          <a:lstStyle/>
+          <a:p>
+            <a:r>
+              <a:rPr lang="en-US" sz="1400" i="1" kern="0" spc="-30" dirty="0">
+                <a:latin typeface="Arial"/>
+                <a:cs typeface="Arial"/>
+              </a:rPr>
+              <a:t>POST</a:t>
+            </a:r>
+          </a:p>
+        </p:txBody>
+      </p:sp>
+      <p:sp>
+        <p:nvSpPr>
+          <p:cNvPr id="56" name="Rounded Rectangle 55">
+            <a:extLst>
+              <a:ext uri="{FF2B5EF4-FFF2-40B4-BE49-F238E27FC236}">
+                <a16:creationId xmlns:a16="http://schemas.microsoft.com/office/drawing/2014/main" id="{65265DEA-B38E-B945-805A-539C6E694BC3}"/>
+              </a:ext>
+            </a:extLst>
+          </p:cNvPr>
+          <p:cNvSpPr/>
+          <p:nvPr/>
+        </p:nvSpPr>
+        <p:spPr>
+          <a:xfrm>
+            <a:off x="8819188" y="3293308"/>
+            <a:ext cx="1276618" cy="927783"/>
+          </a:xfrm>
+          <a:prstGeom prst="roundRect">
+            <a:avLst/>
+          </a:prstGeom>
+          <a:solidFill>
+            <a:schemeClr val="accent5">
+              <a:lumMod val="40000"/>
+              <a:lumOff val="60000"/>
+            </a:schemeClr>
+          </a:solidFill>
+          <a:ln>
+            <a:noFill/>
+          </a:ln>
+          <a:effectLst/>
+        </p:spPr>
+        <p:style>
+          <a:lnRef idx="1">
+            <a:schemeClr val="accent1"/>
+          </a:lnRef>
+          <a:fillRef idx="3">
+            <a:schemeClr val="accent1"/>
+          </a:fillRef>
+          <a:effectRef idx="2">
+            <a:schemeClr val="accent1"/>
+          </a:effectRef>
+          <a:fontRef idx="minor">
+            <a:schemeClr val="lt1"/>
+          </a:fontRef>
+        </p:style>
+        <p:txBody>
+          <a:bodyPr rtlCol="0" anchor="ctr"/>
+          <a:lstStyle/>
+          <a:p>
+            <a:pPr algn="ctr"/>
+            <a:r>
+              <a:rPr lang="en-US" dirty="0"/>
+              <a:t>Watson Tone Analyzer</a:t>
+            </a:r>
+          </a:p>
+        </p:txBody>
+      </p:sp>
+      <p:cxnSp>
+        <p:nvCxnSpPr>
+          <p:cNvPr id="57" name="Straight Connector 56">
+            <a:extLst>
+              <a:ext uri="{FF2B5EF4-FFF2-40B4-BE49-F238E27FC236}">
+                <a16:creationId xmlns:a16="http://schemas.microsoft.com/office/drawing/2014/main" id="{A7BE60BD-04CD-8746-837E-7F1CA1949281}"/>
+              </a:ext>
+            </a:extLst>
+          </p:cNvPr>
+          <p:cNvCxnSpPr>
+            <a:cxnSpLocks/>
+          </p:cNvCxnSpPr>
+          <p:nvPr/>
+        </p:nvCxnSpPr>
+        <p:spPr>
+          <a:xfrm>
+            <a:off x="5281339" y="3589985"/>
+            <a:ext cx="0" cy="165836"/>
+          </a:xfrm>
+          <a:prstGeom prst="line">
+            <a:avLst/>
+          </a:prstGeom>
+          <a:ln w="19050">
+            <a:solidFill>
+              <a:schemeClr val="tx1"/>
+            </a:solidFill>
+            <a:tailEnd type="arrow"/>
+          </a:ln>
+        </p:spPr>
+        <p:style>
+          <a:lnRef idx="1">
+            <a:schemeClr val="accent1"/>
+          </a:lnRef>
+          <a:fillRef idx="0">
+            <a:schemeClr val="accent1"/>
+          </a:fillRef>
+          <a:effectRef idx="0">
+            <a:schemeClr val="accent1"/>
+          </a:effectRef>
+          <a:fontRef idx="minor">
+            <a:schemeClr val="tx1"/>
+          </a:fontRef>
+        </p:style>
+      </p:cxnSp>
+      <p:sp>
+        <p:nvSpPr>
+          <p:cNvPr id="66" name="TextBox 65">
+            <a:extLst>
+              <a:ext uri="{FF2B5EF4-FFF2-40B4-BE49-F238E27FC236}">
+                <a16:creationId xmlns:a16="http://schemas.microsoft.com/office/drawing/2014/main" id="{FB0C1DF8-1A77-BE42-8D9F-8D8B4CD9C41D}"/>
+              </a:ext>
+            </a:extLst>
+          </p:cNvPr>
+          <p:cNvSpPr txBox="1"/>
+          <p:nvPr/>
+        </p:nvSpPr>
+        <p:spPr>
+          <a:xfrm>
+            <a:off x="8361338" y="3806712"/>
+            <a:ext cx="473528" cy="215444"/>
+          </a:xfrm>
+          <a:prstGeom prst="rect">
+            <a:avLst/>
+          </a:prstGeom>
+          <a:noFill/>
+          <a:ln>
+            <a:noFill/>
+          </a:ln>
+        </p:spPr>
+        <p:txBody>
+          <a:bodyPr wrap="none" lIns="0" tIns="0" rIns="0" bIns="0" rtlCol="0">
+            <a:spAutoFit/>
+          </a:bodyPr>
+          <a:lstStyle/>
+          <a:p>
+            <a:r>
+              <a:rPr lang="en-US" sz="1400" i="1" kern="0" spc="-30" dirty="0">
+                <a:latin typeface="Arial"/>
+                <a:cs typeface="Arial"/>
+              </a:rPr>
+              <a:t>POST</a:t>
+            </a:r>
+          </a:p>
+        </p:txBody>
+      </p:sp>
+      <p:sp>
+        <p:nvSpPr>
+          <p:cNvPr id="10" name="TextBox 9">
+            <a:extLst>
+              <a:ext uri="{FF2B5EF4-FFF2-40B4-BE49-F238E27FC236}">
+                <a16:creationId xmlns:a16="http://schemas.microsoft.com/office/drawing/2014/main" id="{4C386602-77AC-1B4C-AC35-FC4A9F5EB5F9}"/>
+              </a:ext>
+            </a:extLst>
+          </p:cNvPr>
+          <p:cNvSpPr txBox="1"/>
+          <p:nvPr/>
+        </p:nvSpPr>
+        <p:spPr>
+          <a:xfrm>
+            <a:off x="6330292" y="5633377"/>
+            <a:ext cx="1290652" cy="430887"/>
+          </a:xfrm>
+          <a:prstGeom prst="rect">
+            <a:avLst/>
+          </a:prstGeom>
+          <a:noFill/>
+          <a:ln>
+            <a:noFill/>
+          </a:ln>
+        </p:spPr>
+        <p:txBody>
+          <a:bodyPr wrap="square" lIns="0" tIns="0" rIns="0" bIns="0" rtlCol="0">
+            <a:spAutoFit/>
+          </a:bodyPr>
+          <a:lstStyle/>
+          <a:p>
+            <a:pPr algn="ctr"/>
+            <a:r>
+              <a:rPr lang="en-US" sz="1400" i="1" kern="0" spc="-30" dirty="0">
+                <a:solidFill>
+                  <a:srgbClr val="FF0000"/>
+                </a:solidFill>
+                <a:latin typeface="Arial"/>
+                <a:cs typeface="Arial"/>
+              </a:rPr>
+              <a:t>Uses an Istio routing rule here</a:t>
+            </a:r>
+          </a:p>
+        </p:txBody>
+      </p:sp>
+      <p:sp>
+        <p:nvSpPr>
+          <p:cNvPr id="69" name="Rounded Rectangle 68">
+            <a:extLst>
+              <a:ext uri="{FF2B5EF4-FFF2-40B4-BE49-F238E27FC236}">
+                <a16:creationId xmlns:a16="http://schemas.microsoft.com/office/drawing/2014/main" id="{F4549238-D184-3344-923B-2273598BE4D6}"/>
+              </a:ext>
+            </a:extLst>
+          </p:cNvPr>
+          <p:cNvSpPr/>
+          <p:nvPr/>
+        </p:nvSpPr>
+        <p:spPr>
+          <a:xfrm>
+            <a:off x="2182566" y="4994647"/>
+            <a:ext cx="1380994" cy="685800"/>
+          </a:xfrm>
+          <a:prstGeom prst="roundRect">
+            <a:avLst/>
+          </a:prstGeom>
+          <a:solidFill>
+            <a:srgbClr val="00B050"/>
+          </a:solidFill>
+          <a:ln>
+            <a:noFill/>
+          </a:ln>
+          <a:effectLst/>
+        </p:spPr>
+        <p:style>
+          <a:lnRef idx="1">
+            <a:schemeClr val="accent1"/>
+          </a:lnRef>
+          <a:fillRef idx="3">
+            <a:schemeClr val="accent1"/>
+          </a:fillRef>
+          <a:effectRef idx="2">
+            <a:schemeClr val="accent1"/>
+          </a:effectRef>
+          <a:fontRef idx="minor">
+            <a:schemeClr val="lt1"/>
+          </a:fontRef>
+        </p:style>
+        <p:txBody>
+          <a:bodyPr rtlCol="0" anchor="ctr"/>
+          <a:lstStyle/>
+          <a:p>
+            <a:pPr algn="ctr"/>
+            <a:r>
+              <a:rPr lang="en-US" dirty="0"/>
+              <a:t>IBM Event Streams</a:t>
+            </a:r>
+          </a:p>
+        </p:txBody>
+      </p:sp>
+      <p:cxnSp>
+        <p:nvCxnSpPr>
+          <p:cNvPr id="70" name="Straight Connector 69">
+            <a:extLst>
+              <a:ext uri="{FF2B5EF4-FFF2-40B4-BE49-F238E27FC236}">
+                <a16:creationId xmlns:a16="http://schemas.microsoft.com/office/drawing/2014/main" id="{7FB4CCD6-E22A-F84C-882C-F8EEDACBBD67}"/>
+              </a:ext>
+            </a:extLst>
+          </p:cNvPr>
+          <p:cNvCxnSpPr>
+            <a:cxnSpLocks/>
+            <a:endCxn id="69" idx="3"/>
+          </p:cNvCxnSpPr>
+          <p:nvPr/>
+        </p:nvCxnSpPr>
+        <p:spPr>
+          <a:xfrm flipH="1">
+            <a:off x="3563560" y="2454584"/>
+            <a:ext cx="864704" cy="2882963"/>
+          </a:xfrm>
+          <a:prstGeom prst="line">
+            <a:avLst/>
+          </a:prstGeom>
+          <a:ln w="19050">
+            <a:solidFill>
+              <a:schemeClr val="tx1"/>
+            </a:solidFill>
+            <a:tailEnd type="arrow"/>
+          </a:ln>
+        </p:spPr>
+        <p:style>
+          <a:lnRef idx="1">
+            <a:schemeClr val="accent1"/>
+          </a:lnRef>
+          <a:fillRef idx="0">
+            <a:schemeClr val="accent1"/>
+          </a:fillRef>
+          <a:effectRef idx="0">
+            <a:schemeClr val="accent1"/>
+          </a:effectRef>
+          <a:fontRef idx="minor">
+            <a:schemeClr val="tx1"/>
+          </a:fontRef>
+        </p:style>
+      </p:cxnSp>
+      <p:sp>
+        <p:nvSpPr>
+          <p:cNvPr id="71" name="Rounded Rectangle 70">
+            <a:extLst>
+              <a:ext uri="{FF2B5EF4-FFF2-40B4-BE49-F238E27FC236}">
+                <a16:creationId xmlns:a16="http://schemas.microsoft.com/office/drawing/2014/main" id="{FF9AAA7A-4EEB-DF45-8959-9570607788C0}"/>
+              </a:ext>
+            </a:extLst>
+          </p:cNvPr>
+          <p:cNvSpPr/>
+          <p:nvPr/>
+        </p:nvSpPr>
+        <p:spPr>
+          <a:xfrm>
+            <a:off x="2302431" y="6023998"/>
+            <a:ext cx="1143000" cy="685800"/>
+          </a:xfrm>
+          <a:prstGeom prst="roundRect">
+            <a:avLst/>
+          </a:prstGeom>
+          <a:solidFill>
+            <a:schemeClr val="accent1"/>
+          </a:solidFill>
+          <a:ln>
+            <a:noFill/>
+          </a:ln>
+          <a:effectLst/>
+        </p:spPr>
+        <p:style>
+          <a:lnRef idx="1">
+            <a:schemeClr val="accent1"/>
+          </a:lnRef>
+          <a:fillRef idx="3">
+            <a:schemeClr val="accent1"/>
+          </a:fillRef>
+          <a:effectRef idx="2">
+            <a:schemeClr val="accent1"/>
+          </a:effectRef>
+          <a:fontRef idx="minor">
+            <a:schemeClr val="lt1"/>
+          </a:fontRef>
+        </p:style>
+        <p:txBody>
+          <a:bodyPr rtlCol="0" anchor="ctr"/>
+          <a:lstStyle/>
+          <a:p>
+            <a:pPr algn="ctr"/>
+            <a:r>
+              <a:rPr lang="en-US" dirty="0"/>
+              <a:t>Trade History</a:t>
+            </a:r>
+          </a:p>
+        </p:txBody>
+      </p:sp>
+      <p:cxnSp>
+        <p:nvCxnSpPr>
+          <p:cNvPr id="72" name="Straight Connector 71">
+            <a:extLst>
+              <a:ext uri="{FF2B5EF4-FFF2-40B4-BE49-F238E27FC236}">
+                <a16:creationId xmlns:a16="http://schemas.microsoft.com/office/drawing/2014/main" id="{E98C988F-14AB-854D-BC2A-22E936FB1AFA}"/>
+              </a:ext>
+            </a:extLst>
+          </p:cNvPr>
+          <p:cNvCxnSpPr>
+            <a:cxnSpLocks/>
+            <a:stCxn id="69" idx="2"/>
+            <a:endCxn id="71" idx="0"/>
+          </p:cNvCxnSpPr>
+          <p:nvPr/>
+        </p:nvCxnSpPr>
+        <p:spPr>
+          <a:xfrm>
+            <a:off x="2873063" y="5680447"/>
+            <a:ext cx="868" cy="343551"/>
+          </a:xfrm>
+          <a:prstGeom prst="line">
+            <a:avLst/>
+          </a:prstGeom>
+          <a:ln w="19050">
+            <a:solidFill>
+              <a:schemeClr val="tx1"/>
+            </a:solidFill>
+            <a:tailEnd type="arrow"/>
+          </a:ln>
+        </p:spPr>
+        <p:style>
+          <a:lnRef idx="1">
+            <a:schemeClr val="accent1"/>
+          </a:lnRef>
+          <a:fillRef idx="0">
+            <a:schemeClr val="accent1"/>
+          </a:fillRef>
+          <a:effectRef idx="0">
+            <a:schemeClr val="accent1"/>
+          </a:effectRef>
+          <a:fontRef idx="minor">
+            <a:schemeClr val="tx1"/>
+          </a:fontRef>
+        </p:style>
+      </p:cxnSp>
+      <p:sp>
+        <p:nvSpPr>
+          <p:cNvPr id="73" name="Rounded Rectangle 72">
+            <a:extLst>
+              <a:ext uri="{FF2B5EF4-FFF2-40B4-BE49-F238E27FC236}">
+                <a16:creationId xmlns:a16="http://schemas.microsoft.com/office/drawing/2014/main" id="{8D02D35D-39AB-5F48-998E-B1D1E747432B}"/>
+              </a:ext>
+            </a:extLst>
+          </p:cNvPr>
+          <p:cNvSpPr/>
+          <p:nvPr/>
+        </p:nvSpPr>
+        <p:spPr>
+          <a:xfrm>
+            <a:off x="4410731" y="6026321"/>
+            <a:ext cx="1137466" cy="685800"/>
+          </a:xfrm>
+          <a:prstGeom prst="roundRect">
+            <a:avLst/>
+          </a:prstGeom>
+          <a:solidFill>
+            <a:srgbClr val="00B050"/>
+          </a:solidFill>
+          <a:ln>
+            <a:noFill/>
+          </a:ln>
+          <a:effectLst/>
+        </p:spPr>
+        <p:style>
+          <a:lnRef idx="1">
+            <a:schemeClr val="accent1"/>
+          </a:lnRef>
+          <a:fillRef idx="3">
+            <a:schemeClr val="accent1"/>
+          </a:fillRef>
+          <a:effectRef idx="2">
+            <a:schemeClr val="accent1"/>
+          </a:effectRef>
+          <a:fontRef idx="minor">
+            <a:schemeClr val="lt1"/>
+          </a:fontRef>
+        </p:style>
+        <p:txBody>
+          <a:bodyPr rtlCol="0" anchor="ctr"/>
+          <a:lstStyle/>
+          <a:p>
+            <a:pPr algn="ctr"/>
+            <a:r>
+              <a:rPr lang="en-US" dirty="0"/>
+              <a:t>Mongo</a:t>
+            </a:r>
+          </a:p>
+        </p:txBody>
+      </p:sp>
+      <p:cxnSp>
+        <p:nvCxnSpPr>
+          <p:cNvPr id="80" name="Straight Connector 79">
+            <a:extLst>
+              <a:ext uri="{FF2B5EF4-FFF2-40B4-BE49-F238E27FC236}">
+                <a16:creationId xmlns:a16="http://schemas.microsoft.com/office/drawing/2014/main" id="{B1CAD3B5-51CB-594A-B21B-55D4AB420DCD}"/>
+              </a:ext>
+            </a:extLst>
+          </p:cNvPr>
+          <p:cNvCxnSpPr>
+            <a:cxnSpLocks/>
+            <a:stCxn id="71" idx="3"/>
+            <a:endCxn id="73" idx="1"/>
+          </p:cNvCxnSpPr>
+          <p:nvPr/>
+        </p:nvCxnSpPr>
+        <p:spPr>
+          <a:xfrm>
+            <a:off x="3445431" y="6366898"/>
+            <a:ext cx="965300" cy="2323"/>
+          </a:xfrm>
+          <a:prstGeom prst="line">
+            <a:avLst/>
+          </a:prstGeom>
+          <a:ln w="19050">
+            <a:solidFill>
+              <a:schemeClr val="tx1"/>
+            </a:solidFill>
+            <a:tailEnd type="arrow"/>
+          </a:ln>
+        </p:spPr>
+        <p:style>
+          <a:lnRef idx="1">
+            <a:schemeClr val="accent1"/>
+          </a:lnRef>
+          <a:fillRef idx="0">
+            <a:schemeClr val="accent1"/>
+          </a:fillRef>
+          <a:effectRef idx="0">
+            <a:schemeClr val="accent1"/>
+          </a:effectRef>
+          <a:fontRef idx="minor">
+            <a:schemeClr val="tx1"/>
+          </a:fontRef>
+        </p:style>
+      </p:cxnSp>
+      <p:sp>
+        <p:nvSpPr>
+          <p:cNvPr id="82" name="TextBox 81">
+            <a:extLst>
+              <a:ext uri="{FF2B5EF4-FFF2-40B4-BE49-F238E27FC236}">
+                <a16:creationId xmlns:a16="http://schemas.microsoft.com/office/drawing/2014/main" id="{AAFC9165-46E3-4B4B-9E81-A7744AE6857C}"/>
+              </a:ext>
+            </a:extLst>
+          </p:cNvPr>
+          <p:cNvSpPr txBox="1"/>
+          <p:nvPr/>
+        </p:nvSpPr>
+        <p:spPr>
+          <a:xfrm>
+            <a:off x="2900145" y="5814198"/>
+            <a:ext cx="620683" cy="215444"/>
+          </a:xfrm>
+          <a:prstGeom prst="rect">
+            <a:avLst/>
+          </a:prstGeom>
+          <a:noFill/>
+          <a:ln>
+            <a:noFill/>
+          </a:ln>
+        </p:spPr>
+        <p:txBody>
+          <a:bodyPr wrap="none" lIns="0" tIns="0" rIns="0" bIns="0" rtlCol="0">
+            <a:spAutoFit/>
+          </a:bodyPr>
+          <a:lstStyle/>
+          <a:p>
+            <a:r>
+              <a:rPr lang="en-US" sz="1400" i="1" kern="0" spc="-30" dirty="0">
+                <a:latin typeface="Arial"/>
+                <a:cs typeface="Arial"/>
+              </a:rPr>
+              <a:t>Receive</a:t>
+            </a:r>
+          </a:p>
+        </p:txBody>
+      </p:sp>
+      <p:sp>
+        <p:nvSpPr>
+          <p:cNvPr id="83" name="TextBox 82">
+            <a:extLst>
+              <a:ext uri="{FF2B5EF4-FFF2-40B4-BE49-F238E27FC236}">
+                <a16:creationId xmlns:a16="http://schemas.microsoft.com/office/drawing/2014/main" id="{C08C2D88-4A4C-B344-9544-DC7A4EC902DD}"/>
+              </a:ext>
+            </a:extLst>
+          </p:cNvPr>
+          <p:cNvSpPr txBox="1"/>
+          <p:nvPr/>
+        </p:nvSpPr>
+        <p:spPr>
+          <a:xfrm>
+            <a:off x="2628715" y="4794686"/>
+            <a:ext cx="1245279" cy="215444"/>
+          </a:xfrm>
+          <a:prstGeom prst="rect">
+            <a:avLst/>
+          </a:prstGeom>
+          <a:noFill/>
+          <a:ln>
+            <a:noFill/>
+          </a:ln>
+        </p:spPr>
+        <p:txBody>
+          <a:bodyPr wrap="square" lIns="0" tIns="0" rIns="0" bIns="0" rtlCol="0">
+            <a:spAutoFit/>
+          </a:bodyPr>
+          <a:lstStyle/>
+          <a:p>
+            <a:r>
+              <a:rPr lang="en-US" sz="1400" i="1" kern="0" spc="-30" dirty="0">
+                <a:latin typeface="Arial"/>
+                <a:cs typeface="Arial"/>
+              </a:rPr>
+              <a:t>Kafka Send</a:t>
+            </a:r>
+          </a:p>
+        </p:txBody>
+      </p:sp>
+      <p:sp>
+        <p:nvSpPr>
+          <p:cNvPr id="91" name="TextBox 90">
+            <a:extLst>
+              <a:ext uri="{FF2B5EF4-FFF2-40B4-BE49-F238E27FC236}">
+                <a16:creationId xmlns:a16="http://schemas.microsoft.com/office/drawing/2014/main" id="{74E68E03-9F05-6E4E-A556-44A60E00DCD1}"/>
+              </a:ext>
+            </a:extLst>
+          </p:cNvPr>
+          <p:cNvSpPr txBox="1"/>
+          <p:nvPr/>
+        </p:nvSpPr>
+        <p:spPr>
+          <a:xfrm>
+            <a:off x="4012383" y="6115743"/>
+            <a:ext cx="357149" cy="215444"/>
+          </a:xfrm>
+          <a:prstGeom prst="rect">
+            <a:avLst/>
+          </a:prstGeom>
+          <a:noFill/>
+          <a:ln>
+            <a:noFill/>
+          </a:ln>
+        </p:spPr>
+        <p:txBody>
+          <a:bodyPr wrap="none" lIns="0" tIns="0" rIns="0" bIns="0" rtlCol="0">
+            <a:spAutoFit/>
+          </a:bodyPr>
+          <a:lstStyle/>
+          <a:p>
+            <a:r>
+              <a:rPr lang="en-US" sz="1400" i="1" kern="0" spc="-30" dirty="0">
+                <a:latin typeface="Arial"/>
+                <a:cs typeface="Arial"/>
+              </a:rPr>
+              <a:t>GET</a:t>
+            </a:r>
+          </a:p>
+        </p:txBody>
+      </p:sp>
+      <p:sp>
+        <p:nvSpPr>
+          <p:cNvPr id="92" name="TextBox 91">
+            <a:extLst>
+              <a:ext uri="{FF2B5EF4-FFF2-40B4-BE49-F238E27FC236}">
+                <a16:creationId xmlns:a16="http://schemas.microsoft.com/office/drawing/2014/main" id="{31FF369E-F0C9-AC44-9E87-B94C5057962C}"/>
+              </a:ext>
+            </a:extLst>
+          </p:cNvPr>
+          <p:cNvSpPr txBox="1"/>
+          <p:nvPr/>
+        </p:nvSpPr>
+        <p:spPr>
+          <a:xfrm>
+            <a:off x="6488260" y="1519561"/>
+            <a:ext cx="399148" cy="215444"/>
+          </a:xfrm>
+          <a:prstGeom prst="rect">
+            <a:avLst/>
+          </a:prstGeom>
+          <a:noFill/>
+          <a:ln>
+            <a:noFill/>
+          </a:ln>
+        </p:spPr>
+        <p:txBody>
+          <a:bodyPr wrap="none" lIns="0" tIns="0" rIns="0" bIns="0" rtlCol="0">
+            <a:spAutoFit/>
+          </a:bodyPr>
+          <a:lstStyle/>
+          <a:p>
+            <a:r>
+              <a:rPr lang="en-US" sz="1400" i="1" kern="0" spc="-30" dirty="0">
+                <a:latin typeface="Arial"/>
+                <a:cs typeface="Arial"/>
+              </a:rPr>
+              <a:t>Jedis</a:t>
+            </a:r>
+          </a:p>
+        </p:txBody>
+      </p:sp>
+      <p:sp>
+        <p:nvSpPr>
+          <p:cNvPr id="93" name="TextBox 92">
+            <a:extLst>
+              <a:ext uri="{FF2B5EF4-FFF2-40B4-BE49-F238E27FC236}">
+                <a16:creationId xmlns:a16="http://schemas.microsoft.com/office/drawing/2014/main" id="{6317A6A6-BF4B-7C42-9D29-B8308EF81A4B}"/>
+              </a:ext>
+            </a:extLst>
+          </p:cNvPr>
+          <p:cNvSpPr txBox="1"/>
+          <p:nvPr/>
+        </p:nvSpPr>
+        <p:spPr>
+          <a:xfrm>
+            <a:off x="10175217" y="6465297"/>
+            <a:ext cx="691536" cy="215444"/>
+          </a:xfrm>
+          <a:prstGeom prst="rect">
+            <a:avLst/>
+          </a:prstGeom>
+          <a:noFill/>
+          <a:ln>
+            <a:noFill/>
+          </a:ln>
+        </p:spPr>
+        <p:txBody>
+          <a:bodyPr wrap="none" lIns="0" tIns="0" rIns="0" bIns="0" rtlCol="0">
+            <a:spAutoFit/>
+          </a:bodyPr>
+          <a:lstStyle/>
+          <a:p>
+            <a:r>
+              <a:rPr lang="en-US" sz="1400" i="1" kern="0" spc="-30" dirty="0">
+                <a:latin typeface="Arial"/>
+                <a:cs typeface="Arial"/>
+              </a:rPr>
+              <a:t>Twitter4J</a:t>
+            </a:r>
+          </a:p>
+        </p:txBody>
+      </p:sp>
+      <p:sp>
+        <p:nvSpPr>
+          <p:cNvPr id="94" name="TextBox 93">
+            <a:extLst>
+              <a:ext uri="{FF2B5EF4-FFF2-40B4-BE49-F238E27FC236}">
+                <a16:creationId xmlns:a16="http://schemas.microsoft.com/office/drawing/2014/main" id="{93182461-58C8-BB45-8E2E-218F038A2342}"/>
+              </a:ext>
+            </a:extLst>
+          </p:cNvPr>
+          <p:cNvSpPr txBox="1"/>
+          <p:nvPr/>
+        </p:nvSpPr>
+        <p:spPr>
+          <a:xfrm>
+            <a:off x="2373023" y="5818767"/>
+            <a:ext cx="439223" cy="215444"/>
+          </a:xfrm>
+          <a:prstGeom prst="rect">
+            <a:avLst/>
+          </a:prstGeom>
+          <a:noFill/>
+          <a:ln>
+            <a:noFill/>
+          </a:ln>
+        </p:spPr>
+        <p:txBody>
+          <a:bodyPr wrap="none" lIns="0" tIns="0" rIns="0" bIns="0" rtlCol="0">
+            <a:spAutoFit/>
+          </a:bodyPr>
+          <a:lstStyle/>
+          <a:p>
+            <a:r>
+              <a:rPr lang="en-US" sz="1400" i="1" kern="0" spc="-30" dirty="0">
+                <a:latin typeface="Arial"/>
+                <a:cs typeface="Arial"/>
+              </a:rPr>
+              <a:t>Kafka</a:t>
+            </a:r>
+          </a:p>
+        </p:txBody>
+      </p:sp>
+      <p:sp>
+        <p:nvSpPr>
+          <p:cNvPr id="106" name="Rounded Rectangle 105">
+            <a:extLst>
+              <a:ext uri="{FF2B5EF4-FFF2-40B4-BE49-F238E27FC236}">
+                <a16:creationId xmlns:a16="http://schemas.microsoft.com/office/drawing/2014/main" id="{442742A7-2F47-E841-904D-3656BC7B7989}"/>
+              </a:ext>
+            </a:extLst>
+          </p:cNvPr>
+          <p:cNvSpPr/>
+          <p:nvPr/>
+        </p:nvSpPr>
+        <p:spPr>
+          <a:xfrm>
+            <a:off x="228381" y="887338"/>
+            <a:ext cx="1143000" cy="685800"/>
+          </a:xfrm>
+          <a:prstGeom prst="roundRect">
+            <a:avLst/>
+          </a:prstGeom>
+          <a:solidFill>
+            <a:schemeClr val="tx1">
+              <a:lumMod val="50000"/>
+              <a:lumOff val="50000"/>
+            </a:schemeClr>
+          </a:solidFill>
+          <a:ln>
+            <a:noFill/>
+          </a:ln>
+          <a:effectLst/>
+        </p:spPr>
+        <p:style>
+          <a:lnRef idx="1">
+            <a:schemeClr val="accent1"/>
+          </a:lnRef>
+          <a:fillRef idx="3">
+            <a:schemeClr val="accent1"/>
+          </a:fillRef>
+          <a:effectRef idx="2">
+            <a:schemeClr val="accent1"/>
+          </a:effectRef>
+          <a:fontRef idx="minor">
+            <a:schemeClr val="lt1"/>
+          </a:fontRef>
+        </p:style>
+        <p:txBody>
+          <a:bodyPr rtlCol="0" anchor="ctr"/>
+          <a:lstStyle/>
+          <a:p>
+            <a:pPr algn="ctr"/>
+            <a:r>
+              <a:rPr lang="en-US" dirty="0"/>
+              <a:t>loopctl</a:t>
+            </a:r>
+          </a:p>
+        </p:txBody>
+      </p:sp>
+      <p:sp>
+        <p:nvSpPr>
+          <p:cNvPr id="121" name="Rounded Rectangle 120">
+            <a:extLst>
+              <a:ext uri="{FF2B5EF4-FFF2-40B4-BE49-F238E27FC236}">
+                <a16:creationId xmlns:a16="http://schemas.microsoft.com/office/drawing/2014/main" id="{A801E2D3-A919-E34D-8405-34B3E3AE0B43}"/>
+              </a:ext>
+            </a:extLst>
+          </p:cNvPr>
+          <p:cNvSpPr/>
+          <p:nvPr/>
+        </p:nvSpPr>
+        <p:spPr>
+          <a:xfrm>
+            <a:off x="2271526" y="936564"/>
+            <a:ext cx="1143000" cy="587349"/>
+          </a:xfrm>
+          <a:prstGeom prst="roundRect">
+            <a:avLst/>
+          </a:prstGeom>
+          <a:solidFill>
+            <a:schemeClr val="accent1"/>
+          </a:solidFill>
+          <a:ln>
+            <a:noFill/>
+          </a:ln>
+          <a:effectLst/>
+        </p:spPr>
+        <p:style>
+          <a:lnRef idx="1">
+            <a:schemeClr val="accent1"/>
+          </a:lnRef>
+          <a:fillRef idx="3">
+            <a:schemeClr val="accent1"/>
+          </a:fillRef>
+          <a:effectRef idx="2">
+            <a:schemeClr val="accent1"/>
+          </a:effectRef>
+          <a:fontRef idx="minor">
+            <a:schemeClr val="lt1"/>
+          </a:fontRef>
+        </p:style>
+        <p:txBody>
+          <a:bodyPr rtlCol="0" anchor="ctr"/>
+          <a:lstStyle/>
+          <a:p>
+            <a:pPr algn="ctr"/>
+            <a:r>
+              <a:rPr lang="en-US" dirty="0"/>
+              <a:t>Looper</a:t>
+            </a:r>
+          </a:p>
+        </p:txBody>
+      </p:sp>
+      <p:cxnSp>
+        <p:nvCxnSpPr>
+          <p:cNvPr id="122" name="Straight Connector 121">
+            <a:extLst>
+              <a:ext uri="{FF2B5EF4-FFF2-40B4-BE49-F238E27FC236}">
+                <a16:creationId xmlns:a16="http://schemas.microsoft.com/office/drawing/2014/main" id="{98D97BF9-C35E-E946-A391-F3739F40AC99}"/>
+              </a:ext>
+            </a:extLst>
+          </p:cNvPr>
+          <p:cNvCxnSpPr>
+            <a:cxnSpLocks/>
+            <a:stCxn id="106" idx="3"/>
+            <a:endCxn id="121" idx="1"/>
+          </p:cNvCxnSpPr>
+          <p:nvPr/>
+        </p:nvCxnSpPr>
+        <p:spPr>
+          <a:xfrm>
+            <a:off x="1371381" y="1230238"/>
+            <a:ext cx="900145" cy="1"/>
+          </a:xfrm>
+          <a:prstGeom prst="line">
+            <a:avLst/>
+          </a:prstGeom>
+          <a:ln w="19050">
+            <a:solidFill>
+              <a:schemeClr val="tx1"/>
+            </a:solidFill>
+            <a:tailEnd type="arrow"/>
+          </a:ln>
+        </p:spPr>
+        <p:style>
+          <a:lnRef idx="1">
+            <a:schemeClr val="accent1"/>
+          </a:lnRef>
+          <a:fillRef idx="0">
+            <a:schemeClr val="accent1"/>
+          </a:fillRef>
+          <a:effectRef idx="0">
+            <a:schemeClr val="accent1"/>
+          </a:effectRef>
+          <a:fontRef idx="minor">
+            <a:schemeClr val="tx1"/>
+          </a:fontRef>
+        </p:style>
+      </p:cxnSp>
+      <p:cxnSp>
+        <p:nvCxnSpPr>
+          <p:cNvPr id="126" name="Straight Connector 125">
+            <a:extLst>
+              <a:ext uri="{FF2B5EF4-FFF2-40B4-BE49-F238E27FC236}">
+                <a16:creationId xmlns:a16="http://schemas.microsoft.com/office/drawing/2014/main" id="{412A4646-9E9A-7E49-97D6-A677D52B3A8F}"/>
+              </a:ext>
+            </a:extLst>
+          </p:cNvPr>
+          <p:cNvCxnSpPr>
+            <a:cxnSpLocks/>
+            <a:stCxn id="121" idx="2"/>
+          </p:cNvCxnSpPr>
+          <p:nvPr/>
+        </p:nvCxnSpPr>
+        <p:spPr>
+          <a:xfrm>
+            <a:off x="2843026" y="1523913"/>
+            <a:ext cx="0" cy="228557"/>
+          </a:xfrm>
+          <a:prstGeom prst="line">
+            <a:avLst/>
+          </a:prstGeom>
+          <a:ln w="19050">
+            <a:solidFill>
+              <a:schemeClr val="tx1"/>
+            </a:solidFill>
+            <a:tailEnd type="arrow"/>
+          </a:ln>
+        </p:spPr>
+        <p:style>
+          <a:lnRef idx="1">
+            <a:schemeClr val="accent1"/>
+          </a:lnRef>
+          <a:fillRef idx="0">
+            <a:schemeClr val="accent1"/>
+          </a:fillRef>
+          <a:effectRef idx="0">
+            <a:schemeClr val="accent1"/>
+          </a:effectRef>
+          <a:fontRef idx="minor">
+            <a:schemeClr val="tx1"/>
+          </a:fontRef>
+        </p:style>
+      </p:cxnSp>
+      <p:cxnSp>
+        <p:nvCxnSpPr>
+          <p:cNvPr id="79" name="Straight Connector 78">
+            <a:extLst>
+              <a:ext uri="{FF2B5EF4-FFF2-40B4-BE49-F238E27FC236}">
+                <a16:creationId xmlns:a16="http://schemas.microsoft.com/office/drawing/2014/main" id="{BAF1A127-328C-AF45-A345-B926999C6103}"/>
+              </a:ext>
+            </a:extLst>
+          </p:cNvPr>
+          <p:cNvCxnSpPr>
+            <a:cxnSpLocks/>
+          </p:cNvCxnSpPr>
+          <p:nvPr/>
+        </p:nvCxnSpPr>
+        <p:spPr>
+          <a:xfrm>
+            <a:off x="1956089" y="3477633"/>
+            <a:ext cx="12790" cy="2889265"/>
+          </a:xfrm>
+          <a:prstGeom prst="line">
+            <a:avLst/>
+          </a:prstGeom>
+          <a:ln w="19050">
+            <a:solidFill>
+              <a:schemeClr val="tx1"/>
+            </a:solidFill>
+            <a:tailEnd type="arrow"/>
+          </a:ln>
+        </p:spPr>
+        <p:style>
+          <a:lnRef idx="1">
+            <a:schemeClr val="accent1"/>
+          </a:lnRef>
+          <a:fillRef idx="0">
+            <a:schemeClr val="accent1"/>
+          </a:fillRef>
+          <a:effectRef idx="0">
+            <a:schemeClr val="accent1"/>
+          </a:effectRef>
+          <a:fontRef idx="minor">
+            <a:schemeClr val="tx1"/>
+          </a:fontRef>
+        </p:style>
+      </p:cxnSp>
+      <p:sp>
+        <p:nvSpPr>
+          <p:cNvPr id="95" name="TextBox 94">
+            <a:extLst>
+              <a:ext uri="{FF2B5EF4-FFF2-40B4-BE49-F238E27FC236}">
+                <a16:creationId xmlns:a16="http://schemas.microsoft.com/office/drawing/2014/main" id="{1F3846B8-9F7C-B349-97A4-CB3799D8AA40}"/>
+              </a:ext>
+            </a:extLst>
+          </p:cNvPr>
+          <p:cNvSpPr txBox="1"/>
+          <p:nvPr/>
+        </p:nvSpPr>
+        <p:spPr>
+          <a:xfrm>
+            <a:off x="2006984" y="6146847"/>
+            <a:ext cx="305853" cy="184666"/>
+          </a:xfrm>
+          <a:prstGeom prst="rect">
+            <a:avLst/>
+          </a:prstGeom>
+          <a:noFill/>
+          <a:ln>
+            <a:noFill/>
+          </a:ln>
+        </p:spPr>
+        <p:txBody>
+          <a:bodyPr wrap="none" lIns="0" tIns="0" rIns="0" bIns="0" rtlCol="0">
+            <a:spAutoFit/>
+          </a:bodyPr>
+          <a:lstStyle/>
+          <a:p>
+            <a:r>
+              <a:rPr lang="en-US" sz="1200" i="1" kern="0" spc="-30" dirty="0">
+                <a:latin typeface="Arial"/>
+                <a:cs typeface="Arial"/>
+              </a:rPr>
+              <a:t>GET</a:t>
+            </a:r>
+          </a:p>
+        </p:txBody>
+      </p:sp>
+      <p:sp>
+        <p:nvSpPr>
+          <p:cNvPr id="16" name="Rounded Rectangle 15">
+            <a:extLst>
+              <a:ext uri="{FF2B5EF4-FFF2-40B4-BE49-F238E27FC236}">
+                <a16:creationId xmlns:a16="http://schemas.microsoft.com/office/drawing/2014/main" id="{5795AE4E-CE2B-6D4F-A105-5A725C137F3B}"/>
+              </a:ext>
+            </a:extLst>
+          </p:cNvPr>
+          <p:cNvSpPr/>
+          <p:nvPr/>
+        </p:nvSpPr>
+        <p:spPr>
+          <a:xfrm>
+            <a:off x="6196176" y="4671191"/>
+            <a:ext cx="1518272" cy="2123925"/>
+          </a:xfrm>
+          <a:prstGeom prst="roundRect">
+            <a:avLst/>
+          </a:prstGeom>
+          <a:noFill/>
+          <a:ln w="12700">
+            <a:solidFill>
+              <a:srgbClr val="FF0000"/>
+            </a:solidFill>
+          </a:ln>
+          <a:effectLst/>
+        </p:spPr>
+        <p:style>
+          <a:lnRef idx="1">
+            <a:schemeClr val="accent1"/>
+          </a:lnRef>
+          <a:fillRef idx="3">
+            <a:schemeClr val="accent1"/>
+          </a:fillRef>
+          <a:effectRef idx="2">
+            <a:schemeClr val="accent1"/>
+          </a:effectRef>
+          <a:fontRef idx="minor">
+            <a:schemeClr val="lt1"/>
+          </a:fontRef>
+        </p:style>
+        <p:txBody>
+          <a:bodyPr rtlCol="0" anchor="t" anchorCtr="0"/>
+          <a:lstStyle/>
+          <a:p>
+            <a:pPr algn="ctr"/>
+            <a:r>
+              <a:rPr lang="en-US" sz="1050" dirty="0">
+                <a:solidFill>
+                  <a:srgbClr val="FF0000"/>
+                </a:solidFill>
+              </a:rPr>
+              <a:t>Notification</a:t>
+            </a:r>
+            <a:r>
+              <a:rPr lang="en-US" sz="1050" dirty="0"/>
+              <a:t> </a:t>
+            </a:r>
+            <a:r>
+              <a:rPr lang="en-US" sz="1050" dirty="0">
+                <a:solidFill>
+                  <a:srgbClr val="FF0000"/>
+                </a:solidFill>
+              </a:rPr>
+              <a:t>Service</a:t>
+            </a:r>
+          </a:p>
+        </p:txBody>
+      </p:sp>
+      <p:sp>
+        <p:nvSpPr>
+          <p:cNvPr id="96" name="TextBox 95">
+            <a:extLst>
+              <a:ext uri="{FF2B5EF4-FFF2-40B4-BE49-F238E27FC236}">
+                <a16:creationId xmlns:a16="http://schemas.microsoft.com/office/drawing/2014/main" id="{72922834-EFF1-3349-BC81-574F1F285EFE}"/>
+              </a:ext>
+            </a:extLst>
+          </p:cNvPr>
+          <p:cNvSpPr txBox="1"/>
+          <p:nvPr/>
+        </p:nvSpPr>
+        <p:spPr>
+          <a:xfrm>
+            <a:off x="3910989" y="6406520"/>
+            <a:ext cx="473528" cy="215444"/>
+          </a:xfrm>
+          <a:prstGeom prst="rect">
+            <a:avLst/>
+          </a:prstGeom>
+          <a:noFill/>
+          <a:ln>
+            <a:noFill/>
+          </a:ln>
+        </p:spPr>
+        <p:txBody>
+          <a:bodyPr wrap="none" lIns="0" tIns="0" rIns="0" bIns="0" rtlCol="0">
+            <a:spAutoFit/>
+          </a:bodyPr>
+          <a:lstStyle/>
+          <a:p>
+            <a:r>
+              <a:rPr lang="en-US" sz="1400" i="1" kern="0" spc="-30" dirty="0">
+                <a:latin typeface="Arial"/>
+                <a:cs typeface="Arial"/>
+              </a:rPr>
+              <a:t>POST</a:t>
+            </a:r>
+          </a:p>
+        </p:txBody>
+      </p:sp>
+      <p:sp>
+        <p:nvSpPr>
+          <p:cNvPr id="12" name="TextBox 11">
+            <a:extLst>
+              <a:ext uri="{FF2B5EF4-FFF2-40B4-BE49-F238E27FC236}">
+                <a16:creationId xmlns:a16="http://schemas.microsoft.com/office/drawing/2014/main" id="{776A5A3E-7DB3-074D-A9DC-70929F0FC51A}"/>
+              </a:ext>
+            </a:extLst>
+          </p:cNvPr>
+          <p:cNvSpPr txBox="1"/>
+          <p:nvPr/>
+        </p:nvSpPr>
+        <p:spPr>
+          <a:xfrm>
+            <a:off x="59484" y="4050469"/>
+            <a:ext cx="1571257" cy="2831544"/>
+          </a:xfrm>
+          <a:prstGeom prst="rect">
+            <a:avLst/>
+          </a:prstGeom>
+          <a:noFill/>
+          <a:ln>
+            <a:noFill/>
+          </a:ln>
+        </p:spPr>
+        <p:txBody>
+          <a:bodyPr wrap="square" lIns="0" tIns="0" rIns="0" bIns="0" rtlCol="0">
+            <a:spAutoFit/>
+          </a:bodyPr>
+          <a:lstStyle/>
+          <a:p>
+            <a:pPr algn="ctr"/>
+            <a:r>
+              <a:rPr lang="en-US" sz="2000" b="1" i="1" kern="0" spc="-30" dirty="0">
+                <a:latin typeface="Arial"/>
+                <a:cs typeface="Arial"/>
+              </a:rPr>
+              <a:t>Legend:</a:t>
+            </a:r>
+          </a:p>
+          <a:p>
+            <a:pPr marL="342900" indent="-342900">
+              <a:buFont typeface="Wingdings" pitchFamily="2" charset="2"/>
+              <a:buChar char="Ø"/>
+            </a:pPr>
+            <a:r>
+              <a:rPr lang="en-US" sz="1600" b="1" kern="0" spc="-30" dirty="0">
+                <a:latin typeface="Arial"/>
+                <a:cs typeface="Arial"/>
+              </a:rPr>
+              <a:t>Blue</a:t>
+            </a:r>
+            <a:r>
+              <a:rPr lang="en-US" sz="1600" kern="0" spc="-30" dirty="0">
+                <a:latin typeface="Arial"/>
+                <a:cs typeface="Arial"/>
+              </a:rPr>
+              <a:t>:</a:t>
+            </a:r>
+            <a:br>
+              <a:rPr lang="en-US" sz="1600" kern="0" spc="-30" dirty="0">
+                <a:latin typeface="Arial"/>
+                <a:cs typeface="Arial"/>
+              </a:rPr>
+            </a:br>
+            <a:r>
+              <a:rPr lang="en-US" sz="1600" kern="0" spc="-30" dirty="0">
+                <a:latin typeface="Arial"/>
+                <a:cs typeface="Arial"/>
+              </a:rPr>
+              <a:t>  Liberty</a:t>
+            </a:r>
+          </a:p>
+          <a:p>
+            <a:pPr marL="342900" indent="-342900">
+              <a:buFont typeface="Wingdings" pitchFamily="2" charset="2"/>
+              <a:buChar char="Ø"/>
+            </a:pPr>
+            <a:r>
+              <a:rPr lang="en-US" sz="1600" b="1" kern="0" spc="-30" dirty="0">
+                <a:latin typeface="Arial"/>
+                <a:cs typeface="Arial"/>
+              </a:rPr>
+              <a:t>Purple</a:t>
+            </a:r>
+            <a:r>
+              <a:rPr lang="en-US" sz="1600" kern="0" spc="-30" dirty="0">
+                <a:latin typeface="Arial"/>
+                <a:cs typeface="Arial"/>
+              </a:rPr>
+              <a:t>:</a:t>
+            </a:r>
+            <a:br>
+              <a:rPr lang="en-US" sz="1600" kern="0" spc="-30" dirty="0">
+                <a:latin typeface="Arial"/>
+                <a:cs typeface="Arial"/>
+              </a:rPr>
+            </a:br>
+            <a:r>
+              <a:rPr lang="en-US" sz="1600" kern="0" spc="-30" dirty="0">
+                <a:latin typeface="Arial"/>
+                <a:cs typeface="Arial"/>
+              </a:rPr>
+              <a:t>  tWAS</a:t>
+            </a:r>
+          </a:p>
+          <a:p>
+            <a:pPr marL="342900" indent="-342900">
+              <a:buFont typeface="Wingdings" pitchFamily="2" charset="2"/>
+              <a:buChar char="Ø"/>
+            </a:pPr>
+            <a:r>
+              <a:rPr lang="en-US" sz="1600" b="1" kern="0" spc="-30" dirty="0">
+                <a:latin typeface="Arial"/>
+                <a:cs typeface="Arial"/>
+              </a:rPr>
+              <a:t>Red</a:t>
+            </a:r>
+            <a:r>
+              <a:rPr lang="en-US" sz="1600" kern="0" spc="-30" dirty="0">
+                <a:latin typeface="Arial"/>
+                <a:cs typeface="Arial"/>
+              </a:rPr>
+              <a:t>:</a:t>
+            </a:r>
+            <a:br>
+              <a:rPr lang="en-US" sz="1600" kern="0" spc="-30" dirty="0">
+                <a:latin typeface="Arial"/>
+                <a:cs typeface="Arial"/>
+              </a:rPr>
+            </a:br>
+            <a:r>
+              <a:rPr lang="en-US" sz="1600" kern="0" spc="-30" dirty="0">
+                <a:latin typeface="Arial"/>
+                <a:cs typeface="Arial"/>
+              </a:rPr>
+              <a:t>  Quarkus</a:t>
+            </a:r>
+          </a:p>
+          <a:p>
+            <a:pPr marL="342900" indent="-342900">
+              <a:buFont typeface="Wingdings" pitchFamily="2" charset="2"/>
+              <a:buChar char="Ø"/>
+            </a:pPr>
+            <a:r>
+              <a:rPr lang="en-US" sz="1600" b="1" kern="0" spc="-30" dirty="0">
+                <a:latin typeface="Arial"/>
+                <a:cs typeface="Arial"/>
+              </a:rPr>
+              <a:t>Yellow</a:t>
+            </a:r>
+            <a:r>
+              <a:rPr lang="en-US" sz="1600" kern="0" spc="-30" dirty="0">
+                <a:latin typeface="Arial"/>
+                <a:cs typeface="Arial"/>
+              </a:rPr>
+              <a:t>:</a:t>
+            </a:r>
+            <a:br>
+              <a:rPr lang="en-US" sz="1600" kern="0" spc="-30" dirty="0">
+                <a:latin typeface="Arial"/>
+                <a:cs typeface="Arial"/>
+              </a:rPr>
+            </a:br>
+            <a:r>
+              <a:rPr lang="en-US" sz="1600" kern="0" spc="-30" dirty="0">
+                <a:latin typeface="Arial"/>
+                <a:cs typeface="Arial"/>
+              </a:rPr>
+              <a:t>  Node.js</a:t>
+            </a:r>
+          </a:p>
+          <a:p>
+            <a:pPr marL="342900" indent="-342900">
+              <a:buFont typeface="Wingdings" pitchFamily="2" charset="2"/>
+              <a:buChar char="Ø"/>
+            </a:pPr>
+            <a:r>
+              <a:rPr lang="en-US" sz="1600" b="1" kern="0" spc="-30" dirty="0">
+                <a:latin typeface="Arial"/>
+                <a:cs typeface="Arial"/>
+              </a:rPr>
+              <a:t>Green</a:t>
+            </a:r>
+            <a:r>
+              <a:rPr lang="en-US" sz="1600" kern="0" spc="-30" dirty="0">
+                <a:latin typeface="Arial"/>
+                <a:cs typeface="Arial"/>
+              </a:rPr>
+              <a:t>:</a:t>
+            </a:r>
+            <a:br>
+              <a:rPr lang="en-US" sz="1600" kern="0" spc="-30" dirty="0">
+                <a:latin typeface="Arial"/>
+                <a:cs typeface="Arial"/>
+              </a:rPr>
+            </a:br>
+            <a:r>
+              <a:rPr lang="en-US" sz="1600" kern="0" spc="-30" dirty="0">
+                <a:latin typeface="Arial"/>
+                <a:cs typeface="Arial"/>
+              </a:rPr>
+              <a:t>  Dependency</a:t>
+            </a:r>
+          </a:p>
+        </p:txBody>
+      </p:sp>
+      <p:sp>
+        <p:nvSpPr>
+          <p:cNvPr id="97" name="Rounded Rectangle 96">
+            <a:extLst>
+              <a:ext uri="{FF2B5EF4-FFF2-40B4-BE49-F238E27FC236}">
+                <a16:creationId xmlns:a16="http://schemas.microsoft.com/office/drawing/2014/main" id="{17E8847F-07EA-5D49-B20B-D1A4C643FE61}"/>
+              </a:ext>
+            </a:extLst>
+          </p:cNvPr>
+          <p:cNvSpPr/>
+          <p:nvPr/>
+        </p:nvSpPr>
+        <p:spPr>
+          <a:xfrm>
+            <a:off x="2244180" y="2914105"/>
+            <a:ext cx="1201251" cy="685800"/>
+          </a:xfrm>
+          <a:prstGeom prst="roundRect">
+            <a:avLst/>
+          </a:prstGeom>
+          <a:solidFill>
+            <a:schemeClr val="accent1"/>
+          </a:solidFill>
+          <a:ln>
+            <a:noFill/>
+          </a:ln>
+          <a:effectLst/>
+        </p:spPr>
+        <p:style>
+          <a:lnRef idx="1">
+            <a:schemeClr val="accent1"/>
+          </a:lnRef>
+          <a:fillRef idx="3">
+            <a:schemeClr val="accent1"/>
+          </a:fillRef>
+          <a:effectRef idx="2">
+            <a:schemeClr val="accent1"/>
+          </a:effectRef>
+          <a:fontRef idx="minor">
+            <a:schemeClr val="lt1"/>
+          </a:fontRef>
+        </p:style>
+        <p:txBody>
+          <a:bodyPr rtlCol="0" anchor="ctr"/>
+          <a:lstStyle/>
+          <a:p>
+            <a:pPr algn="ctr"/>
+            <a:r>
+              <a:rPr lang="en-US" dirty="0"/>
+              <a:t>Broker</a:t>
+            </a:r>
+          </a:p>
+        </p:txBody>
+      </p:sp>
+      <p:sp>
+        <p:nvSpPr>
+          <p:cNvPr id="142" name="Rounded Rectangle 141">
+            <a:extLst>
+              <a:ext uri="{FF2B5EF4-FFF2-40B4-BE49-F238E27FC236}">
+                <a16:creationId xmlns:a16="http://schemas.microsoft.com/office/drawing/2014/main" id="{6C649C92-31C1-5047-A205-2BE1E0E0E3B0}"/>
+              </a:ext>
+            </a:extLst>
+          </p:cNvPr>
+          <p:cNvSpPr/>
+          <p:nvPr/>
+        </p:nvSpPr>
+        <p:spPr>
+          <a:xfrm>
+            <a:off x="4397433" y="1876679"/>
+            <a:ext cx="1143000" cy="685800"/>
+          </a:xfrm>
+          <a:prstGeom prst="roundRect">
+            <a:avLst/>
+          </a:prstGeom>
+          <a:solidFill>
+            <a:schemeClr val="accent1"/>
+          </a:solidFill>
+          <a:ln>
+            <a:noFill/>
+          </a:ln>
+          <a:effectLst/>
+        </p:spPr>
+        <p:style>
+          <a:lnRef idx="1">
+            <a:schemeClr val="accent1"/>
+          </a:lnRef>
+          <a:fillRef idx="3">
+            <a:schemeClr val="accent1"/>
+          </a:fillRef>
+          <a:effectRef idx="2">
+            <a:schemeClr val="accent1"/>
+          </a:effectRef>
+          <a:fontRef idx="minor">
+            <a:schemeClr val="lt1"/>
+          </a:fontRef>
+        </p:style>
+        <p:txBody>
+          <a:bodyPr rtlCol="0" anchor="ctr"/>
+          <a:lstStyle/>
+          <a:p>
+            <a:pPr algn="ctr"/>
+            <a:r>
+              <a:rPr lang="en-US" dirty="0"/>
+              <a:t>Portfolio</a:t>
+            </a:r>
+          </a:p>
+        </p:txBody>
+      </p:sp>
+      <p:cxnSp>
+        <p:nvCxnSpPr>
+          <p:cNvPr id="161" name="Straight Connector 160">
+            <a:extLst>
+              <a:ext uri="{FF2B5EF4-FFF2-40B4-BE49-F238E27FC236}">
+                <a16:creationId xmlns:a16="http://schemas.microsoft.com/office/drawing/2014/main" id="{13AC1BE4-2459-9944-9EE2-536B751ACD98}"/>
+              </a:ext>
+            </a:extLst>
+          </p:cNvPr>
+          <p:cNvCxnSpPr>
+            <a:cxnSpLocks/>
+          </p:cNvCxnSpPr>
+          <p:nvPr/>
+        </p:nvCxnSpPr>
+        <p:spPr>
+          <a:xfrm flipH="1">
+            <a:off x="1942471" y="1735005"/>
+            <a:ext cx="930594" cy="0"/>
+          </a:xfrm>
+          <a:prstGeom prst="line">
+            <a:avLst/>
+          </a:prstGeom>
+          <a:ln w="19050">
+            <a:solidFill>
+              <a:schemeClr val="tx1"/>
+            </a:solidFill>
+            <a:tailEnd type="arrow"/>
+          </a:ln>
+        </p:spPr>
+        <p:style>
+          <a:lnRef idx="1">
+            <a:schemeClr val="accent1"/>
+          </a:lnRef>
+          <a:fillRef idx="0">
+            <a:schemeClr val="accent1"/>
+          </a:fillRef>
+          <a:effectRef idx="0">
+            <a:schemeClr val="accent1"/>
+          </a:effectRef>
+          <a:fontRef idx="minor">
+            <a:schemeClr val="tx1"/>
+          </a:fontRef>
+        </p:style>
+      </p:cxnSp>
+      <p:cxnSp>
+        <p:nvCxnSpPr>
+          <p:cNvPr id="164" name="Straight Connector 163">
+            <a:extLst>
+              <a:ext uri="{FF2B5EF4-FFF2-40B4-BE49-F238E27FC236}">
+                <a16:creationId xmlns:a16="http://schemas.microsoft.com/office/drawing/2014/main" id="{AC98386A-8211-274F-8ED7-95BE1633B1DF}"/>
+              </a:ext>
+            </a:extLst>
+          </p:cNvPr>
+          <p:cNvCxnSpPr>
+            <a:cxnSpLocks/>
+          </p:cNvCxnSpPr>
+          <p:nvPr/>
+        </p:nvCxnSpPr>
+        <p:spPr>
+          <a:xfrm>
+            <a:off x="1942471" y="1762577"/>
+            <a:ext cx="0" cy="1363251"/>
+          </a:xfrm>
+          <a:prstGeom prst="line">
+            <a:avLst/>
+          </a:prstGeom>
+          <a:ln w="19050">
+            <a:solidFill>
+              <a:schemeClr val="tx1"/>
+            </a:solidFill>
+            <a:tailEnd type="arrow"/>
+          </a:ln>
+        </p:spPr>
+        <p:style>
+          <a:lnRef idx="1">
+            <a:schemeClr val="accent1"/>
+          </a:lnRef>
+          <a:fillRef idx="0">
+            <a:schemeClr val="accent1"/>
+          </a:fillRef>
+          <a:effectRef idx="0">
+            <a:schemeClr val="accent1"/>
+          </a:effectRef>
+          <a:fontRef idx="minor">
+            <a:schemeClr val="tx1"/>
+          </a:fontRef>
+        </p:style>
+      </p:cxnSp>
+      <p:cxnSp>
+        <p:nvCxnSpPr>
+          <p:cNvPr id="167" name="Straight Connector 166">
+            <a:extLst>
+              <a:ext uri="{FF2B5EF4-FFF2-40B4-BE49-F238E27FC236}">
+                <a16:creationId xmlns:a16="http://schemas.microsoft.com/office/drawing/2014/main" id="{84A90C44-69E1-A74F-9EDD-2D7F0EB6E0BC}"/>
+              </a:ext>
+            </a:extLst>
+          </p:cNvPr>
+          <p:cNvCxnSpPr>
+            <a:cxnSpLocks/>
+          </p:cNvCxnSpPr>
+          <p:nvPr/>
+        </p:nvCxnSpPr>
+        <p:spPr>
+          <a:xfrm flipV="1">
+            <a:off x="1950390" y="3118940"/>
+            <a:ext cx="284926" cy="6888"/>
+          </a:xfrm>
+          <a:prstGeom prst="line">
+            <a:avLst/>
+          </a:prstGeom>
+          <a:ln w="19050">
+            <a:solidFill>
+              <a:schemeClr val="tx1"/>
+            </a:solidFill>
+            <a:tailEnd type="arrow"/>
+          </a:ln>
+        </p:spPr>
+        <p:style>
+          <a:lnRef idx="1">
+            <a:schemeClr val="accent1"/>
+          </a:lnRef>
+          <a:fillRef idx="0">
+            <a:schemeClr val="accent1"/>
+          </a:fillRef>
+          <a:effectRef idx="0">
+            <a:schemeClr val="accent1"/>
+          </a:effectRef>
+          <a:fontRef idx="minor">
+            <a:schemeClr val="tx1"/>
+          </a:fontRef>
+        </p:style>
+      </p:cxnSp>
+      <p:cxnSp>
+        <p:nvCxnSpPr>
+          <p:cNvPr id="192" name="Straight Connector 191">
+            <a:extLst>
+              <a:ext uri="{FF2B5EF4-FFF2-40B4-BE49-F238E27FC236}">
+                <a16:creationId xmlns:a16="http://schemas.microsoft.com/office/drawing/2014/main" id="{5D7EE6C4-D39A-3C42-899E-5822BACE67BE}"/>
+              </a:ext>
+            </a:extLst>
+          </p:cNvPr>
+          <p:cNvCxnSpPr>
+            <a:cxnSpLocks/>
+            <a:stCxn id="97" idx="3"/>
+            <a:endCxn id="142" idx="1"/>
+          </p:cNvCxnSpPr>
+          <p:nvPr/>
+        </p:nvCxnSpPr>
+        <p:spPr>
+          <a:xfrm flipV="1">
+            <a:off x="3445431" y="2219579"/>
+            <a:ext cx="952002" cy="1037426"/>
+          </a:xfrm>
+          <a:prstGeom prst="line">
+            <a:avLst/>
+          </a:prstGeom>
+          <a:ln w="19050">
+            <a:solidFill>
+              <a:schemeClr val="tx1"/>
+            </a:solidFill>
+            <a:tailEnd type="arrow"/>
+          </a:ln>
+        </p:spPr>
+        <p:style>
+          <a:lnRef idx="1">
+            <a:schemeClr val="accent1"/>
+          </a:lnRef>
+          <a:fillRef idx="0">
+            <a:schemeClr val="accent1"/>
+          </a:fillRef>
+          <a:effectRef idx="0">
+            <a:schemeClr val="accent1"/>
+          </a:effectRef>
+          <a:fontRef idx="minor">
+            <a:schemeClr val="tx1"/>
+          </a:fontRef>
+        </p:style>
+      </p:cxnSp>
+      <p:cxnSp>
+        <p:nvCxnSpPr>
+          <p:cNvPr id="195" name="Straight Connector 194">
+            <a:extLst>
+              <a:ext uri="{FF2B5EF4-FFF2-40B4-BE49-F238E27FC236}">
+                <a16:creationId xmlns:a16="http://schemas.microsoft.com/office/drawing/2014/main" id="{DC36B9F1-48FA-5940-B5F7-A10B173B7C50}"/>
+              </a:ext>
+            </a:extLst>
+          </p:cNvPr>
+          <p:cNvCxnSpPr>
+            <a:cxnSpLocks/>
+            <a:stCxn id="97" idx="3"/>
+            <a:endCxn id="5" idx="1"/>
+          </p:cNvCxnSpPr>
+          <p:nvPr/>
+        </p:nvCxnSpPr>
+        <p:spPr>
+          <a:xfrm flipV="1">
+            <a:off x="3445431" y="3255907"/>
+            <a:ext cx="951215" cy="1098"/>
+          </a:xfrm>
+          <a:prstGeom prst="line">
+            <a:avLst/>
+          </a:prstGeom>
+          <a:ln w="19050">
+            <a:solidFill>
+              <a:schemeClr val="tx1"/>
+            </a:solidFill>
+            <a:tailEnd type="arrow"/>
+          </a:ln>
+        </p:spPr>
+        <p:style>
+          <a:lnRef idx="1">
+            <a:schemeClr val="accent1"/>
+          </a:lnRef>
+          <a:fillRef idx="0">
+            <a:schemeClr val="accent1"/>
+          </a:fillRef>
+          <a:effectRef idx="0">
+            <a:schemeClr val="accent1"/>
+          </a:effectRef>
+          <a:fontRef idx="minor">
+            <a:schemeClr val="tx1"/>
+          </a:fontRef>
+        </p:style>
+      </p:cxnSp>
+      <p:sp>
+        <p:nvSpPr>
+          <p:cNvPr id="198" name="TextBox 197">
+            <a:extLst>
+              <a:ext uri="{FF2B5EF4-FFF2-40B4-BE49-F238E27FC236}">
+                <a16:creationId xmlns:a16="http://schemas.microsoft.com/office/drawing/2014/main" id="{14A3D391-DA4F-F941-A2F9-40014DB6E3CA}"/>
+              </a:ext>
+            </a:extLst>
+          </p:cNvPr>
+          <p:cNvSpPr txBox="1"/>
+          <p:nvPr/>
+        </p:nvSpPr>
+        <p:spPr>
+          <a:xfrm>
+            <a:off x="2894056" y="2720712"/>
+            <a:ext cx="910506" cy="184666"/>
+          </a:xfrm>
+          <a:prstGeom prst="rect">
+            <a:avLst/>
+          </a:prstGeom>
+          <a:noFill/>
+          <a:ln>
+            <a:noFill/>
+          </a:ln>
+        </p:spPr>
+        <p:txBody>
+          <a:bodyPr wrap="none" lIns="0" tIns="0" rIns="0" bIns="0" rtlCol="0">
+            <a:spAutoFit/>
+          </a:bodyPr>
+          <a:lstStyle/>
+          <a:p>
+            <a:pPr algn="r"/>
+            <a:r>
+              <a:rPr lang="en-US" sz="1200" i="1" kern="0" spc="-30" dirty="0">
+                <a:latin typeface="Arial"/>
+                <a:cs typeface="Arial"/>
+              </a:rPr>
+              <a:t>PUT/DELETE</a:t>
+            </a:r>
+          </a:p>
+        </p:txBody>
+      </p:sp>
+      <p:sp>
+        <p:nvSpPr>
+          <p:cNvPr id="210" name="Rounded Rectangle 209">
+            <a:extLst>
+              <a:ext uri="{FF2B5EF4-FFF2-40B4-BE49-F238E27FC236}">
+                <a16:creationId xmlns:a16="http://schemas.microsoft.com/office/drawing/2014/main" id="{ADC9FC54-978B-8248-94CA-89F32849C317}"/>
+              </a:ext>
+            </a:extLst>
+          </p:cNvPr>
+          <p:cNvSpPr/>
+          <p:nvPr/>
+        </p:nvSpPr>
+        <p:spPr>
+          <a:xfrm>
+            <a:off x="6317827" y="2918734"/>
+            <a:ext cx="1261065" cy="685800"/>
+          </a:xfrm>
+          <a:prstGeom prst="roundRect">
+            <a:avLst/>
+          </a:prstGeom>
+          <a:solidFill>
+            <a:srgbClr val="00B050"/>
+          </a:solidFill>
+          <a:ln>
+            <a:noFill/>
+          </a:ln>
+          <a:effectLst/>
+        </p:spPr>
+        <p:style>
+          <a:lnRef idx="1">
+            <a:schemeClr val="accent1"/>
+          </a:lnRef>
+          <a:fillRef idx="3">
+            <a:schemeClr val="accent1"/>
+          </a:fillRef>
+          <a:effectRef idx="2">
+            <a:schemeClr val="accent1"/>
+          </a:effectRef>
+          <a:fontRef idx="minor">
+            <a:schemeClr val="lt1"/>
+          </a:fontRef>
+        </p:style>
+        <p:txBody>
+          <a:bodyPr rtlCol="0" anchor="ctr"/>
+          <a:lstStyle/>
+          <a:p>
+            <a:pPr algn="ctr"/>
+            <a:r>
+              <a:rPr lang="en-US" dirty="0"/>
+              <a:t>IBM Cloudant</a:t>
+            </a:r>
+          </a:p>
+        </p:txBody>
+      </p:sp>
+      <p:cxnSp>
+        <p:nvCxnSpPr>
+          <p:cNvPr id="211" name="Straight Connector 210">
+            <a:extLst>
+              <a:ext uri="{FF2B5EF4-FFF2-40B4-BE49-F238E27FC236}">
+                <a16:creationId xmlns:a16="http://schemas.microsoft.com/office/drawing/2014/main" id="{F3605A93-4320-9C43-9B75-AA22335FB92E}"/>
+              </a:ext>
+            </a:extLst>
+          </p:cNvPr>
+          <p:cNvCxnSpPr>
+            <a:cxnSpLocks/>
+            <a:stCxn id="5" idx="3"/>
+            <a:endCxn id="210" idx="1"/>
+          </p:cNvCxnSpPr>
+          <p:nvPr/>
+        </p:nvCxnSpPr>
+        <p:spPr>
+          <a:xfrm>
+            <a:off x="5539646" y="3255907"/>
+            <a:ext cx="778181" cy="5727"/>
+          </a:xfrm>
+          <a:prstGeom prst="line">
+            <a:avLst/>
+          </a:prstGeom>
+          <a:ln w="19050">
+            <a:solidFill>
+              <a:schemeClr val="tx1"/>
+            </a:solidFill>
+            <a:tailEnd type="arrow"/>
+          </a:ln>
+        </p:spPr>
+        <p:style>
+          <a:lnRef idx="1">
+            <a:schemeClr val="accent1"/>
+          </a:lnRef>
+          <a:fillRef idx="0">
+            <a:schemeClr val="accent1"/>
+          </a:fillRef>
+          <a:effectRef idx="0">
+            <a:schemeClr val="accent1"/>
+          </a:effectRef>
+          <a:fontRef idx="minor">
+            <a:schemeClr val="tx1"/>
+          </a:fontRef>
+        </p:style>
+      </p:cxnSp>
+      <p:cxnSp>
+        <p:nvCxnSpPr>
+          <p:cNvPr id="218" name="Straight Connector 217">
+            <a:extLst>
+              <a:ext uri="{FF2B5EF4-FFF2-40B4-BE49-F238E27FC236}">
+                <a16:creationId xmlns:a16="http://schemas.microsoft.com/office/drawing/2014/main" id="{3AC8B399-9EBA-424C-A070-EC1287D029D7}"/>
+              </a:ext>
+            </a:extLst>
+          </p:cNvPr>
+          <p:cNvCxnSpPr>
+            <a:cxnSpLocks/>
+            <a:endCxn id="56" idx="1"/>
+          </p:cNvCxnSpPr>
+          <p:nvPr/>
+        </p:nvCxnSpPr>
+        <p:spPr>
+          <a:xfrm>
+            <a:off x="5264358" y="3750913"/>
+            <a:ext cx="3554830" cy="6287"/>
+          </a:xfrm>
+          <a:prstGeom prst="line">
+            <a:avLst/>
+          </a:prstGeom>
+          <a:ln w="19050">
+            <a:solidFill>
+              <a:schemeClr val="tx1"/>
+            </a:solidFill>
+            <a:tailEnd type="arrow"/>
+          </a:ln>
+        </p:spPr>
+        <p:style>
+          <a:lnRef idx="1">
+            <a:schemeClr val="accent1"/>
+          </a:lnRef>
+          <a:fillRef idx="0">
+            <a:schemeClr val="accent1"/>
+          </a:fillRef>
+          <a:effectRef idx="0">
+            <a:schemeClr val="accent1"/>
+          </a:effectRef>
+          <a:fontRef idx="minor">
+            <a:schemeClr val="tx1"/>
+          </a:fontRef>
+        </p:style>
+      </p:cxnSp>
+      <p:cxnSp>
+        <p:nvCxnSpPr>
+          <p:cNvPr id="107" name="Straight Connector 106">
+            <a:extLst>
+              <a:ext uri="{FF2B5EF4-FFF2-40B4-BE49-F238E27FC236}">
+                <a16:creationId xmlns:a16="http://schemas.microsoft.com/office/drawing/2014/main" id="{5A4E3BDF-98CB-5841-B9FF-7D1DCC6598F0}"/>
+              </a:ext>
+            </a:extLst>
+          </p:cNvPr>
+          <p:cNvCxnSpPr>
+            <a:cxnSpLocks/>
+          </p:cNvCxnSpPr>
+          <p:nvPr/>
+        </p:nvCxnSpPr>
+        <p:spPr>
+          <a:xfrm flipH="1">
+            <a:off x="1950390" y="3451334"/>
+            <a:ext cx="303596" cy="0"/>
+          </a:xfrm>
+          <a:prstGeom prst="line">
+            <a:avLst/>
+          </a:prstGeom>
+          <a:ln w="19050">
+            <a:solidFill>
+              <a:schemeClr val="tx1"/>
+            </a:solidFill>
+            <a:tailEnd type="arrow"/>
+          </a:ln>
+        </p:spPr>
+        <p:style>
+          <a:lnRef idx="1">
+            <a:schemeClr val="accent1"/>
+          </a:lnRef>
+          <a:fillRef idx="0">
+            <a:schemeClr val="accent1"/>
+          </a:fillRef>
+          <a:effectRef idx="0">
+            <a:schemeClr val="accent1"/>
+          </a:effectRef>
+          <a:fontRef idx="minor">
+            <a:schemeClr val="tx1"/>
+          </a:fontRef>
+        </p:style>
+      </p:cxnSp>
+      <p:cxnSp>
+        <p:nvCxnSpPr>
+          <p:cNvPr id="110" name="Straight Connector 109">
+            <a:extLst>
+              <a:ext uri="{FF2B5EF4-FFF2-40B4-BE49-F238E27FC236}">
+                <a16:creationId xmlns:a16="http://schemas.microsoft.com/office/drawing/2014/main" id="{F3B9FF64-D00D-9443-8B40-3DCD7300C55A}"/>
+              </a:ext>
+            </a:extLst>
+          </p:cNvPr>
+          <p:cNvCxnSpPr>
+            <a:cxnSpLocks/>
+            <a:endCxn id="71" idx="1"/>
+          </p:cNvCxnSpPr>
+          <p:nvPr/>
+        </p:nvCxnSpPr>
+        <p:spPr>
+          <a:xfrm>
+            <a:off x="1967185" y="6366898"/>
+            <a:ext cx="335246" cy="0"/>
+          </a:xfrm>
+          <a:prstGeom prst="line">
+            <a:avLst/>
+          </a:prstGeom>
+          <a:ln w="19050">
+            <a:solidFill>
+              <a:schemeClr val="tx1"/>
+            </a:solidFill>
+            <a:tailEnd type="arrow"/>
+          </a:ln>
+        </p:spPr>
+        <p:style>
+          <a:lnRef idx="1">
+            <a:schemeClr val="accent1"/>
+          </a:lnRef>
+          <a:fillRef idx="0">
+            <a:schemeClr val="accent1"/>
+          </a:fillRef>
+          <a:effectRef idx="0">
+            <a:schemeClr val="accent1"/>
+          </a:effectRef>
+          <a:fontRef idx="minor">
+            <a:schemeClr val="tx1"/>
+          </a:fontRef>
+        </p:style>
+      </p:cxnSp>
+      <p:cxnSp>
+        <p:nvCxnSpPr>
+          <p:cNvPr id="123" name="Straight Connector 122">
+            <a:extLst>
+              <a:ext uri="{FF2B5EF4-FFF2-40B4-BE49-F238E27FC236}">
+                <a16:creationId xmlns:a16="http://schemas.microsoft.com/office/drawing/2014/main" id="{9CC73E6F-AE3A-1642-9E12-60F8FDDBA9AA}"/>
+              </a:ext>
+            </a:extLst>
+          </p:cNvPr>
+          <p:cNvCxnSpPr>
+            <a:cxnSpLocks/>
+          </p:cNvCxnSpPr>
+          <p:nvPr/>
+        </p:nvCxnSpPr>
+        <p:spPr>
+          <a:xfrm>
+            <a:off x="3404668" y="3576895"/>
+            <a:ext cx="281752" cy="840595"/>
+          </a:xfrm>
+          <a:prstGeom prst="line">
+            <a:avLst/>
+          </a:prstGeom>
+          <a:ln w="19050">
+            <a:solidFill>
+              <a:schemeClr val="tx1"/>
+            </a:solidFill>
+            <a:tailEnd type="arrow"/>
+          </a:ln>
+        </p:spPr>
+        <p:style>
+          <a:lnRef idx="1">
+            <a:schemeClr val="accent1"/>
+          </a:lnRef>
+          <a:fillRef idx="0">
+            <a:schemeClr val="accent1"/>
+          </a:fillRef>
+          <a:effectRef idx="0">
+            <a:schemeClr val="accent1"/>
+          </a:effectRef>
+          <a:fontRef idx="minor">
+            <a:schemeClr val="tx1"/>
+          </a:fontRef>
+        </p:style>
+      </p:cxnSp>
+      <p:cxnSp>
+        <p:nvCxnSpPr>
+          <p:cNvPr id="127" name="Straight Connector 126">
+            <a:extLst>
+              <a:ext uri="{FF2B5EF4-FFF2-40B4-BE49-F238E27FC236}">
+                <a16:creationId xmlns:a16="http://schemas.microsoft.com/office/drawing/2014/main" id="{28DBE78E-2401-0E43-865E-337E7E2E4780}"/>
+              </a:ext>
+            </a:extLst>
+          </p:cNvPr>
+          <p:cNvCxnSpPr>
+            <a:cxnSpLocks/>
+          </p:cNvCxnSpPr>
+          <p:nvPr/>
+        </p:nvCxnSpPr>
+        <p:spPr>
+          <a:xfrm flipH="1">
+            <a:off x="3532095" y="4386291"/>
+            <a:ext cx="134254" cy="652711"/>
+          </a:xfrm>
+          <a:prstGeom prst="line">
+            <a:avLst/>
+          </a:prstGeom>
+          <a:ln w="19050">
+            <a:solidFill>
+              <a:schemeClr val="tx1"/>
+            </a:solidFill>
+            <a:tailEnd type="arrow"/>
+          </a:ln>
+        </p:spPr>
+        <p:style>
+          <a:lnRef idx="1">
+            <a:schemeClr val="accent1"/>
+          </a:lnRef>
+          <a:fillRef idx="0">
+            <a:schemeClr val="accent1"/>
+          </a:fillRef>
+          <a:effectRef idx="0">
+            <a:schemeClr val="accent1"/>
+          </a:effectRef>
+          <a:fontRef idx="minor">
+            <a:schemeClr val="tx1"/>
+          </a:fontRef>
+        </p:style>
+      </p:cxnSp>
+      <p:cxnSp>
+        <p:nvCxnSpPr>
+          <p:cNvPr id="129" name="Straight Connector 128">
+            <a:extLst>
+              <a:ext uri="{FF2B5EF4-FFF2-40B4-BE49-F238E27FC236}">
+                <a16:creationId xmlns:a16="http://schemas.microsoft.com/office/drawing/2014/main" id="{DC3A0D99-112C-7246-8BCE-D03E43EA8E3B}"/>
+              </a:ext>
+            </a:extLst>
+          </p:cNvPr>
+          <p:cNvCxnSpPr>
+            <a:cxnSpLocks/>
+            <a:endCxn id="69" idx="3"/>
+          </p:cNvCxnSpPr>
+          <p:nvPr/>
+        </p:nvCxnSpPr>
+        <p:spPr>
+          <a:xfrm flipH="1">
+            <a:off x="3563560" y="3576895"/>
+            <a:ext cx="893255" cy="1760652"/>
+          </a:xfrm>
+          <a:prstGeom prst="line">
+            <a:avLst/>
+          </a:prstGeom>
+          <a:ln w="19050">
+            <a:solidFill>
+              <a:schemeClr val="tx1"/>
+            </a:solidFill>
+            <a:tailEnd type="arrow"/>
+          </a:ln>
+        </p:spPr>
+        <p:style>
+          <a:lnRef idx="1">
+            <a:schemeClr val="accent1"/>
+          </a:lnRef>
+          <a:fillRef idx="0">
+            <a:schemeClr val="accent1"/>
+          </a:fillRef>
+          <a:effectRef idx="0">
+            <a:schemeClr val="accent1"/>
+          </a:effectRef>
+          <a:fontRef idx="minor">
+            <a:schemeClr val="tx1"/>
+          </a:fontRef>
+        </p:style>
+      </p:cxnSp>
+    </p:spTree>
+    <p:extLst>
+      <p:ext uri="{BB962C8B-B14F-4D97-AF65-F5344CB8AC3E}">
+        <p14:creationId xmlns:p14="http://schemas.microsoft.com/office/powerpoint/2010/main" val="1440502367"/>
+      </p:ext>
+    </p:extLst>
+  </p:cSld>
+  <p:clrMapOvr>
+    <a:masterClrMapping/>
+  </p:clrMapOvr>
+</p:sld>
+</file>
+
+<file path=ppt/slides/slide4.xml><?xml version="1.0" encoding="utf-8"?>
 <p:sld xmlns:a="http://schemas.openxmlformats.org/drawingml/2006/main" xmlns:r="http://schemas.openxmlformats.org/officeDocument/2006/relationships" xmlns:p="http://schemas.openxmlformats.org/presentationml/2006/main">
   <p:cSld>
     <p:spTree>
@@ -18923,7 +23706,7 @@
 </p:sld>
 </file>
 
-<file path=ppt/slides/slide3.xml><?xml version="1.0" encoding="utf-8"?>
+<file path=ppt/slides/slide5.xml><?xml version="1.0" encoding="utf-8"?>
 <p:sld xmlns:a="http://schemas.openxmlformats.org/drawingml/2006/main" xmlns:r="http://schemas.openxmlformats.org/officeDocument/2006/relationships" xmlns:p="http://schemas.openxmlformats.org/presentationml/2006/main">
   <p:cSld>
     <p:spTree>

--- a/Stock Trader Sample - Diagram.pptx
+++ b/Stock Trader Sample - Diagram.pptx
@@ -7,17 +7,16 @@
     <p:sldMasterId id="2147483742" r:id="rId3"/>
   </p:sldMasterIdLst>
   <p:notesMasterIdLst>
-    <p:notesMasterId r:id="rId9"/>
+    <p:notesMasterId r:id="rId8"/>
   </p:notesMasterIdLst>
   <p:handoutMasterIdLst>
-    <p:handoutMasterId r:id="rId10"/>
+    <p:handoutMasterId r:id="rId9"/>
   </p:handoutMasterIdLst>
   <p:sldIdLst>
-    <p:sldId id="373" r:id="rId4"/>
+    <p:sldId id="521" r:id="rId4"/>
     <p:sldId id="520" r:id="rId5"/>
-    <p:sldId id="521" r:id="rId6"/>
-    <p:sldId id="518" r:id="rId7"/>
-    <p:sldId id="519" r:id="rId8"/>
+    <p:sldId id="518" r:id="rId6"/>
+    <p:sldId id="519" r:id="rId7"/>
   </p:sldIdLst>
   <p:sldSz cx="12188825" cy="6858000"/>
   <p:notesSz cx="7102475" cy="9388475"/>
@@ -231,7 +230,7 @@
             <a:fld id="{D0752B3F-16DD-4F19-ACDD-F2069BC5BD4E}" type="datetimeFigureOut">
               <a:rPr lang="en-US" smtClean="0"/>
               <a:pPr/>
-              <a:t>10/8/20</a:t>
+              <a:t>2/17/21</a:t>
             </a:fld>
             <a:endParaRPr lang="en-US"/>
           </a:p>
@@ -398,7 +397,7 @@
             <a:fld id="{9FA6D163-A0F5-498D-A72B-50DE16555140}" type="datetimeFigureOut">
               <a:rPr lang="en-US" smtClean="0"/>
               <a:pPr/>
-              <a:t>10/8/20</a:t>
+              <a:t>2/17/21</a:t>
             </a:fld>
             <a:endParaRPr lang="en-US"/>
           </a:p>
@@ -4914,7 +4913,7 @@
           </a:ln>
           <a:extLst>
             <a:ext uri="{C572A759-6A51-4108-AA02-DFA0A04FC94B}">
-              <ma14:wrappingTextBoxFlag xmlns="" xmlns:ma14="http://schemas.microsoft.com/office/mac/drawingml/2011/main" val="1"/>
+              <ma14:wrappingTextBoxFlag xmlns:ma14="http://schemas.microsoft.com/office/mac/drawingml/2011/main" xmlns="" val="1"/>
             </a:ext>
           </a:extLst>
         </p:spPr>
@@ -5403,17 +5402,17 @@
           </a:ln>
           <a:extLst>
             <a:ext uri="{FAA26D3D-D897-4be2-8F04-BA451C77F1D7}">
-              <ma14:placeholderFlag xmlns:ma14="http://schemas.microsoft.com/office/mac/drawingml/2011/main" xmlns="" val="1"/>
+              <ma14:placeholderFlag xmlns="" xmlns:ma14="http://schemas.microsoft.com/office/mac/drawingml/2011/main" val="1"/>
             </a:ext>
             <a:ext uri="{909E8E84-426E-40dd-AFC4-6F175D3DCCD1}">
-              <a14:hiddenFill xmlns:a14="http://schemas.microsoft.com/office/drawing/2010/main" xmlns="">
+              <a14:hiddenFill xmlns="" xmlns:a14="http://schemas.microsoft.com/office/drawing/2010/main">
                 <a:solidFill>
                   <a:srgbClr val="FFFFFF"/>
                 </a:solidFill>
               </a14:hiddenFill>
             </a:ext>
             <a:ext uri="{91240B29-F687-4f45-9708-019B960494DF}">
-              <a14:hiddenLine xmlns:a14="http://schemas.microsoft.com/office/drawing/2010/main" xmlns="" w="9525">
+              <a14:hiddenLine xmlns="" xmlns:a14="http://schemas.microsoft.com/office/drawing/2010/main" w="9525">
                 <a:solidFill>
                   <a:srgbClr val="000000"/>
                 </a:solidFill>
@@ -5947,17 +5946,17 @@
           </a:ln>
           <a:extLst>
             <a:ext uri="{FAA26D3D-D897-4be2-8F04-BA451C77F1D7}">
-              <ma14:placeholderFlag xmlns:ma14="http://schemas.microsoft.com/office/mac/drawingml/2011/main" xmlns="" val="1"/>
+              <ma14:placeholderFlag xmlns="" xmlns:ma14="http://schemas.microsoft.com/office/mac/drawingml/2011/main" val="1"/>
             </a:ext>
             <a:ext uri="{909E8E84-426E-40dd-AFC4-6F175D3DCCD1}">
-              <a14:hiddenFill xmlns:a14="http://schemas.microsoft.com/office/drawing/2010/main" xmlns="">
+              <a14:hiddenFill xmlns="" xmlns:a14="http://schemas.microsoft.com/office/drawing/2010/main">
                 <a:solidFill>
                   <a:srgbClr val="FFFFFF"/>
                 </a:solidFill>
               </a14:hiddenFill>
             </a:ext>
             <a:ext uri="{91240B29-F687-4f45-9708-019B960494DF}">
-              <a14:hiddenLine xmlns:a14="http://schemas.microsoft.com/office/drawing/2010/main" xmlns="" w="9525">
+              <a14:hiddenLine xmlns="" xmlns:a14="http://schemas.microsoft.com/office/drawing/2010/main" w="9525">
                 <a:solidFill>
                   <a:srgbClr val="000000"/>
                 </a:solidFill>
@@ -6431,17 +6430,17 @@
           </a:ln>
           <a:extLst>
             <a:ext uri="{FAA26D3D-D897-4be2-8F04-BA451C77F1D7}">
-              <ma14:placeholderFlag xmlns:ma14="http://schemas.microsoft.com/office/mac/drawingml/2011/main" xmlns="" val="1"/>
+              <ma14:placeholderFlag xmlns="" xmlns:ma14="http://schemas.microsoft.com/office/mac/drawingml/2011/main" val="1"/>
             </a:ext>
             <a:ext uri="{909E8E84-426E-40dd-AFC4-6F175D3DCCD1}">
-              <a14:hiddenFill xmlns:a14="http://schemas.microsoft.com/office/drawing/2010/main" xmlns="">
+              <a14:hiddenFill xmlns="" xmlns:a14="http://schemas.microsoft.com/office/drawing/2010/main">
                 <a:solidFill>
                   <a:srgbClr val="FFFFFF"/>
                 </a:solidFill>
               </a14:hiddenFill>
             </a:ext>
             <a:ext uri="{91240B29-F687-4f45-9708-019B960494DF}">
-              <a14:hiddenLine xmlns:a14="http://schemas.microsoft.com/office/drawing/2010/main" xmlns="" w="9525">
+              <a14:hiddenLine xmlns="" xmlns:a14="http://schemas.microsoft.com/office/drawing/2010/main" w="9525">
                 <a:solidFill>
                   <a:srgbClr val="000000"/>
                 </a:solidFill>
@@ -6545,17 +6544,17 @@
           </a:ln>
           <a:extLst>
             <a:ext uri="{FAA26D3D-D897-4be2-8F04-BA451C77F1D7}">
-              <ma14:placeholderFlag xmlns:ma14="http://schemas.microsoft.com/office/mac/drawingml/2011/main" xmlns="" val="1"/>
+              <ma14:placeholderFlag xmlns="" xmlns:ma14="http://schemas.microsoft.com/office/mac/drawingml/2011/main" val="1"/>
             </a:ext>
             <a:ext uri="{909E8E84-426E-40dd-AFC4-6F175D3DCCD1}">
-              <a14:hiddenFill xmlns:a14="http://schemas.microsoft.com/office/drawing/2010/main" xmlns="">
+              <a14:hiddenFill xmlns="" xmlns:a14="http://schemas.microsoft.com/office/drawing/2010/main">
                 <a:solidFill>
                   <a:srgbClr val="FFFFFF"/>
                 </a:solidFill>
               </a14:hiddenFill>
             </a:ext>
             <a:ext uri="{91240B29-F687-4f45-9708-019B960494DF}">
-              <a14:hiddenLine xmlns:a14="http://schemas.microsoft.com/office/drawing/2010/main" xmlns="" w="9525">
+              <a14:hiddenLine xmlns="" xmlns:a14="http://schemas.microsoft.com/office/drawing/2010/main" w="9525">
                 <a:solidFill>
                   <a:srgbClr val="000000"/>
                 </a:solidFill>
@@ -7772,17 +7771,17 @@
           </a:ln>
           <a:extLst>
             <a:ext uri="{FAA26D3D-D897-4be2-8F04-BA451C77F1D7}">
-              <ma14:placeholderFlag xmlns:ma14="http://schemas.microsoft.com/office/mac/drawingml/2011/main" xmlns="" val="1"/>
+              <ma14:placeholderFlag xmlns="" xmlns:ma14="http://schemas.microsoft.com/office/mac/drawingml/2011/main" val="1"/>
             </a:ext>
             <a:ext uri="{909E8E84-426E-40dd-AFC4-6F175D3DCCD1}">
-              <a14:hiddenFill xmlns:a14="http://schemas.microsoft.com/office/drawing/2010/main" xmlns="">
+              <a14:hiddenFill xmlns="" xmlns:a14="http://schemas.microsoft.com/office/drawing/2010/main">
                 <a:solidFill>
                   <a:srgbClr val="FFFFFF"/>
                 </a:solidFill>
               </a14:hiddenFill>
             </a:ext>
             <a:ext uri="{91240B29-F687-4f45-9708-019B960494DF}">
-              <a14:hiddenLine xmlns:a14="http://schemas.microsoft.com/office/drawing/2010/main" xmlns="" w="9525">
+              <a14:hiddenLine xmlns="" xmlns:a14="http://schemas.microsoft.com/office/drawing/2010/main" w="9525">
                 <a:solidFill>
                   <a:srgbClr val="000000"/>
                 </a:solidFill>
@@ -8665,17 +8664,17 @@
           </a:ln>
           <a:extLst>
             <a:ext uri="{FAA26D3D-D897-4be2-8F04-BA451C77F1D7}">
-              <ma14:placeholderFlag xmlns:ma14="http://schemas.microsoft.com/office/mac/drawingml/2011/main" xmlns="" val="1"/>
+              <ma14:placeholderFlag xmlns="" xmlns:ma14="http://schemas.microsoft.com/office/mac/drawingml/2011/main" val="1"/>
             </a:ext>
             <a:ext uri="{909E8E84-426E-40dd-AFC4-6F175D3DCCD1}">
-              <a14:hiddenFill xmlns:a14="http://schemas.microsoft.com/office/drawing/2010/main" xmlns="">
+              <a14:hiddenFill xmlns="" xmlns:a14="http://schemas.microsoft.com/office/drawing/2010/main">
                 <a:solidFill>
                   <a:srgbClr val="FFFFFF"/>
                 </a:solidFill>
               </a14:hiddenFill>
             </a:ext>
             <a:ext uri="{91240B29-F687-4f45-9708-019B960494DF}">
-              <a14:hiddenLine xmlns:a14="http://schemas.microsoft.com/office/drawing/2010/main" xmlns="" w="9525">
+              <a14:hiddenLine xmlns="" xmlns:a14="http://schemas.microsoft.com/office/drawing/2010/main" w="9525">
                 <a:solidFill>
                   <a:srgbClr val="000000"/>
                 </a:solidFill>
@@ -9392,17 +9391,17 @@
           </a:ln>
           <a:extLst>
             <a:ext uri="{FAA26D3D-D897-4be2-8F04-BA451C77F1D7}">
-              <ma14:placeholderFlag xmlns:ma14="http://schemas.microsoft.com/office/mac/drawingml/2011/main" xmlns="" val="1"/>
+              <ma14:placeholderFlag xmlns="" xmlns:ma14="http://schemas.microsoft.com/office/mac/drawingml/2011/main" val="1"/>
             </a:ext>
             <a:ext uri="{909E8E84-426E-40dd-AFC4-6F175D3DCCD1}">
-              <a14:hiddenFill xmlns:a14="http://schemas.microsoft.com/office/drawing/2010/main" xmlns="">
+              <a14:hiddenFill xmlns="" xmlns:a14="http://schemas.microsoft.com/office/drawing/2010/main">
                 <a:solidFill>
                   <a:srgbClr val="FFFFFF"/>
                 </a:solidFill>
               </a14:hiddenFill>
             </a:ext>
             <a:ext uri="{91240B29-F687-4f45-9708-019B960494DF}">
-              <a14:hiddenLine xmlns:a14="http://schemas.microsoft.com/office/drawing/2010/main" xmlns="" w="9525">
+              <a14:hiddenLine xmlns="" xmlns:a14="http://schemas.microsoft.com/office/drawing/2010/main" w="9525">
                 <a:solidFill>
                   <a:srgbClr val="000000"/>
                 </a:solidFill>
@@ -9876,17 +9875,17 @@
           </a:ln>
           <a:extLst>
             <a:ext uri="{FAA26D3D-D897-4be2-8F04-BA451C77F1D7}">
-              <ma14:placeholderFlag xmlns:ma14="http://schemas.microsoft.com/office/mac/drawingml/2011/main" xmlns="" val="1"/>
+              <ma14:placeholderFlag xmlns="" xmlns:ma14="http://schemas.microsoft.com/office/mac/drawingml/2011/main" val="1"/>
             </a:ext>
             <a:ext uri="{909E8E84-426E-40dd-AFC4-6F175D3DCCD1}">
-              <a14:hiddenFill xmlns:a14="http://schemas.microsoft.com/office/drawing/2010/main" xmlns="">
+              <a14:hiddenFill xmlns="" xmlns:a14="http://schemas.microsoft.com/office/drawing/2010/main">
                 <a:solidFill>
                   <a:srgbClr val="FFFFFF"/>
                 </a:solidFill>
               </a14:hiddenFill>
             </a:ext>
             <a:ext uri="{91240B29-F687-4f45-9708-019B960494DF}">
-              <a14:hiddenLine xmlns:a14="http://schemas.microsoft.com/office/drawing/2010/main" xmlns="" w="9525">
+              <a14:hiddenLine xmlns="" xmlns:a14="http://schemas.microsoft.com/office/drawing/2010/main" w="9525">
                 <a:solidFill>
                   <a:srgbClr val="000000"/>
                 </a:solidFill>
@@ -9990,17 +9989,17 @@
           </a:ln>
           <a:extLst>
             <a:ext uri="{FAA26D3D-D897-4be2-8F04-BA451C77F1D7}">
-              <ma14:placeholderFlag xmlns:ma14="http://schemas.microsoft.com/office/mac/drawingml/2011/main" xmlns="" val="1"/>
+              <ma14:placeholderFlag xmlns="" xmlns:ma14="http://schemas.microsoft.com/office/mac/drawingml/2011/main" val="1"/>
             </a:ext>
             <a:ext uri="{909E8E84-426E-40dd-AFC4-6F175D3DCCD1}">
-              <a14:hiddenFill xmlns:a14="http://schemas.microsoft.com/office/drawing/2010/main" xmlns="">
+              <a14:hiddenFill xmlns="" xmlns:a14="http://schemas.microsoft.com/office/drawing/2010/main">
                 <a:solidFill>
                   <a:srgbClr val="FFFFFF"/>
                 </a:solidFill>
               </a14:hiddenFill>
             </a:ext>
             <a:ext uri="{91240B29-F687-4f45-9708-019B960494DF}">
-              <a14:hiddenLine xmlns:a14="http://schemas.microsoft.com/office/drawing/2010/main" xmlns="" w="9525">
+              <a14:hiddenLine xmlns="" xmlns:a14="http://schemas.microsoft.com/office/drawing/2010/main" w="9525">
                 <a:solidFill>
                   <a:srgbClr val="000000"/>
                 </a:solidFill>
@@ -10941,17 +10940,17 @@
           </a:ln>
           <a:extLst>
             <a:ext uri="{FAA26D3D-D897-4be2-8F04-BA451C77F1D7}">
-              <ma14:placeholderFlag xmlns:ma14="http://schemas.microsoft.com/office/mac/drawingml/2011/main" xmlns="" val="1"/>
+              <ma14:placeholderFlag xmlns="" xmlns:ma14="http://schemas.microsoft.com/office/mac/drawingml/2011/main" val="1"/>
             </a:ext>
             <a:ext uri="{909E8E84-426E-40dd-AFC4-6F175D3DCCD1}">
-              <a14:hiddenFill xmlns:a14="http://schemas.microsoft.com/office/drawing/2010/main" xmlns="">
+              <a14:hiddenFill xmlns="" xmlns:a14="http://schemas.microsoft.com/office/drawing/2010/main">
                 <a:solidFill>
                   <a:srgbClr val="FFFFFF"/>
                 </a:solidFill>
               </a14:hiddenFill>
             </a:ext>
             <a:ext uri="{91240B29-F687-4f45-9708-019B960494DF}">
-              <a14:hiddenLine xmlns:a14="http://schemas.microsoft.com/office/drawing/2010/main" xmlns="" w="9525">
+              <a14:hiddenLine xmlns="" xmlns:a14="http://schemas.microsoft.com/office/drawing/2010/main" w="9525">
                 <a:solidFill>
                   <a:srgbClr val="000000"/>
                 </a:solidFill>
@@ -13290,17 +13289,17 @@
           </a:ln>
           <a:extLst>
             <a:ext uri="{FAA26D3D-D897-4be2-8F04-BA451C77F1D7}">
-              <ma14:placeholderFlag xmlns:ma14="http://schemas.microsoft.com/office/mac/drawingml/2011/main" xmlns="" val="1"/>
+              <ma14:placeholderFlag xmlns="" xmlns:ma14="http://schemas.microsoft.com/office/mac/drawingml/2011/main" val="1"/>
             </a:ext>
             <a:ext uri="{909E8E84-426E-40dd-AFC4-6F175D3DCCD1}">
-              <a14:hiddenFill xmlns:a14="http://schemas.microsoft.com/office/drawing/2010/main" xmlns="">
+              <a14:hiddenFill xmlns="" xmlns:a14="http://schemas.microsoft.com/office/drawing/2010/main">
                 <a:solidFill>
                   <a:srgbClr val="FFFFFF"/>
                 </a:solidFill>
               </a14:hiddenFill>
             </a:ext>
             <a:ext uri="{91240B29-F687-4f45-9708-019B960494DF}">
-              <a14:hiddenLine xmlns:a14="http://schemas.microsoft.com/office/drawing/2010/main" xmlns="" w="9525">
+              <a14:hiddenLine xmlns="" xmlns:a14="http://schemas.microsoft.com/office/drawing/2010/main" w="9525">
                 <a:solidFill>
                   <a:srgbClr val="000000"/>
                 </a:solidFill>
@@ -13384,14 +13383,14 @@
           </a:ln>
           <a:extLst>
             <a:ext uri="{909E8E84-426E-40dd-AFC4-6F175D3DCCD1}">
-              <a14:hiddenFill xmlns:a14="http://schemas.microsoft.com/office/drawing/2010/main" xmlns="">
+              <a14:hiddenFill xmlns="" xmlns:a14="http://schemas.microsoft.com/office/drawing/2010/main">
                 <a:solidFill>
                   <a:srgbClr val="FFFFFF"/>
                 </a:solidFill>
               </a14:hiddenFill>
             </a:ext>
             <a:ext uri="{91240B29-F687-4f45-9708-019B960494DF}">
-              <a14:hiddenLine xmlns:a14="http://schemas.microsoft.com/office/drawing/2010/main" xmlns="" w="9525">
+              <a14:hiddenLine xmlns="" xmlns:a14="http://schemas.microsoft.com/office/drawing/2010/main" w="9525">
                 <a:solidFill>
                   <a:srgbClr val="000000"/>
                 </a:solidFill>
@@ -13478,14 +13477,14 @@
           </a:ln>
           <a:extLst>
             <a:ext uri="{909E8E84-426E-40dd-AFC4-6F175D3DCCD1}">
-              <a14:hiddenFill xmlns:a14="http://schemas.microsoft.com/office/drawing/2010/main" xmlns="">
+              <a14:hiddenFill xmlns="" xmlns:a14="http://schemas.microsoft.com/office/drawing/2010/main">
                 <a:solidFill>
                   <a:srgbClr val="FFFFFF"/>
                 </a:solidFill>
               </a14:hiddenFill>
             </a:ext>
             <a:ext uri="{91240B29-F687-4f45-9708-019B960494DF}">
-              <a14:hiddenLine xmlns:a14="http://schemas.microsoft.com/office/drawing/2010/main" xmlns="" w="9525">
+              <a14:hiddenLine xmlns="" xmlns:a14="http://schemas.microsoft.com/office/drawing/2010/main" w="9525">
                 <a:solidFill>
                   <a:srgbClr val="000000"/>
                 </a:solidFill>
@@ -13565,14 +13564,14 @@
           </a:ln>
           <a:extLst>
             <a:ext uri="{909E8E84-426E-40dd-AFC4-6F175D3DCCD1}">
-              <a14:hiddenFill xmlns:a14="http://schemas.microsoft.com/office/drawing/2010/main" xmlns="">
+              <a14:hiddenFill xmlns="" xmlns:a14="http://schemas.microsoft.com/office/drawing/2010/main">
                 <a:solidFill>
                   <a:srgbClr val="FFFFFF"/>
                 </a:solidFill>
               </a14:hiddenFill>
             </a:ext>
             <a:ext uri="{91240B29-F687-4f45-9708-019B960494DF}">
-              <a14:hiddenLine xmlns:a14="http://schemas.microsoft.com/office/drawing/2010/main" xmlns="" w="9525">
+              <a14:hiddenLine xmlns="" xmlns:a14="http://schemas.microsoft.com/office/drawing/2010/main" w="9525">
                 <a:solidFill>
                   <a:srgbClr val="000000"/>
                 </a:solidFill>
@@ -14160,17 +14159,17 @@
           </a:ln>
           <a:extLst>
             <a:ext uri="{FAA26D3D-D897-4be2-8F04-BA451C77F1D7}">
-              <ma14:placeholderFlag xmlns:ma14="http://schemas.microsoft.com/office/mac/drawingml/2011/main" xmlns="" val="1"/>
+              <ma14:placeholderFlag xmlns="" xmlns:ma14="http://schemas.microsoft.com/office/mac/drawingml/2011/main" val="1"/>
             </a:ext>
             <a:ext uri="{909E8E84-426E-40dd-AFC4-6F175D3DCCD1}">
-              <a14:hiddenFill xmlns:a14="http://schemas.microsoft.com/office/drawing/2010/main" xmlns="">
+              <a14:hiddenFill xmlns="" xmlns:a14="http://schemas.microsoft.com/office/drawing/2010/main">
                 <a:solidFill>
                   <a:srgbClr val="FFFFFF"/>
                 </a:solidFill>
               </a14:hiddenFill>
             </a:ext>
             <a:ext uri="{91240B29-F687-4f45-9708-019B960494DF}">
-              <a14:hiddenLine xmlns:a14="http://schemas.microsoft.com/office/drawing/2010/main" xmlns="" w="9525">
+              <a14:hiddenLine xmlns="" xmlns:a14="http://schemas.microsoft.com/office/drawing/2010/main" w="9525">
                 <a:solidFill>
                   <a:srgbClr val="000000"/>
                 </a:solidFill>
@@ -14254,14 +14253,14 @@
           </a:ln>
           <a:extLst>
             <a:ext uri="{909E8E84-426E-40dd-AFC4-6F175D3DCCD1}">
-              <a14:hiddenFill xmlns:a14="http://schemas.microsoft.com/office/drawing/2010/main" xmlns="">
+              <a14:hiddenFill xmlns="" xmlns:a14="http://schemas.microsoft.com/office/drawing/2010/main">
                 <a:solidFill>
                   <a:srgbClr val="FFFFFF"/>
                 </a:solidFill>
               </a14:hiddenFill>
             </a:ext>
             <a:ext uri="{91240B29-F687-4f45-9708-019B960494DF}">
-              <a14:hiddenLine xmlns:a14="http://schemas.microsoft.com/office/drawing/2010/main" xmlns="" w="9525">
+              <a14:hiddenLine xmlns="" xmlns:a14="http://schemas.microsoft.com/office/drawing/2010/main" w="9525">
                 <a:solidFill>
                   <a:srgbClr val="000000"/>
                 </a:solidFill>
@@ -14348,14 +14347,14 @@
           </a:ln>
           <a:extLst>
             <a:ext uri="{909E8E84-426E-40dd-AFC4-6F175D3DCCD1}">
-              <a14:hiddenFill xmlns:a14="http://schemas.microsoft.com/office/drawing/2010/main" xmlns="">
+              <a14:hiddenFill xmlns="" xmlns:a14="http://schemas.microsoft.com/office/drawing/2010/main">
                 <a:solidFill>
                   <a:srgbClr val="FFFFFF"/>
                 </a:solidFill>
               </a14:hiddenFill>
             </a:ext>
             <a:ext uri="{91240B29-F687-4f45-9708-019B960494DF}">
-              <a14:hiddenLine xmlns:a14="http://schemas.microsoft.com/office/drawing/2010/main" xmlns="" w="9525">
+              <a14:hiddenLine xmlns="" xmlns:a14="http://schemas.microsoft.com/office/drawing/2010/main" w="9525">
                 <a:solidFill>
                   <a:srgbClr val="000000"/>
                 </a:solidFill>
@@ -14435,14 +14434,14 @@
           </a:ln>
           <a:extLst>
             <a:ext uri="{909E8E84-426E-40dd-AFC4-6F175D3DCCD1}">
-              <a14:hiddenFill xmlns:a14="http://schemas.microsoft.com/office/drawing/2010/main" xmlns="">
+              <a14:hiddenFill xmlns="" xmlns:a14="http://schemas.microsoft.com/office/drawing/2010/main">
                 <a:solidFill>
                   <a:srgbClr val="FFFFFF"/>
                 </a:solidFill>
               </a14:hiddenFill>
             </a:ext>
             <a:ext uri="{91240B29-F687-4f45-9708-019B960494DF}">
-              <a14:hiddenLine xmlns:a14="http://schemas.microsoft.com/office/drawing/2010/main" xmlns="" w="9525">
+              <a14:hiddenLine xmlns="" xmlns:a14="http://schemas.microsoft.com/office/drawing/2010/main" w="9525">
                 <a:solidFill>
                   <a:srgbClr val="000000"/>
                 </a:solidFill>
@@ -15006,7 +15005,7 @@
         </p:nvSpPr>
         <p:spPr>
           <a:xfrm>
-            <a:off x="8241352" y="812800"/>
+            <a:off x="8401611" y="812800"/>
             <a:ext cx="1986014" cy="5077578"/>
           </a:xfrm>
           <a:prstGeom prst="rect">
@@ -15058,8 +15057,8 @@
         </p:nvSpPr>
         <p:spPr>
           <a:xfrm>
-            <a:off x="1828595" y="767098"/>
-            <a:ext cx="5969483" cy="6045200"/>
+            <a:off x="1828595" y="545341"/>
+            <a:ext cx="5969483" cy="6266957"/>
           </a:xfrm>
           <a:prstGeom prst="rect">
             <a:avLst/>
@@ -15117,8 +15116,8 @@
         </p:nvSpPr>
         <p:spPr>
           <a:xfrm>
-            <a:off x="317500" y="243843"/>
-            <a:ext cx="11896725" cy="415498"/>
+            <a:off x="169176" y="93121"/>
+            <a:ext cx="10803624" cy="415498"/>
           </a:xfrm>
         </p:spPr>
         <p:txBody>
@@ -15140,7 +15139,7 @@
         </p:nvSpPr>
         <p:spPr>
           <a:xfrm>
-            <a:off x="2262370" y="2431994"/>
+            <a:off x="2270966" y="1874971"/>
             <a:ext cx="1143000" cy="685800"/>
           </a:xfrm>
           <a:prstGeom prst="roundRect">
@@ -15149,8 +15148,11 @@
           <a:solidFill>
             <a:schemeClr val="accent1"/>
           </a:solidFill>
-          <a:ln>
-            <a:noFill/>
+          <a:ln w="12700">
+            <a:solidFill>
+              <a:schemeClr val="tx1"/>
+            </a:solidFill>
+            <a:prstDash val="solid"/>
           </a:ln>
           <a:effectLst/>
         </p:spPr>
@@ -15188,8 +15190,8 @@
         </p:nvSpPr>
         <p:spPr>
           <a:xfrm>
-            <a:off x="4405196" y="2402219"/>
-            <a:ext cx="1143000" cy="685800"/>
+            <a:off x="4405197" y="3049214"/>
+            <a:ext cx="1143000" cy="574699"/>
           </a:xfrm>
           <a:prstGeom prst="roundRect">
             <a:avLst/>
@@ -15197,8 +15199,11 @@
           <a:solidFill>
             <a:schemeClr val="accent1"/>
           </a:solidFill>
-          <a:ln>
-            <a:noFill/>
+          <a:ln w="12700">
+            <a:solidFill>
+              <a:schemeClr val="tx1"/>
+            </a:solidFill>
+            <a:prstDash val="lgDash"/>
           </a:ln>
           <a:effectLst/>
         </p:spPr>
@@ -15223,7 +15228,7 @@
             <a:pPr algn="ctr"/>
             <a:r>
               <a:rPr lang="en-US" dirty="0"/>
-              <a:t>Portfolio</a:t>
+              <a:t>Account</a:t>
             </a:r>
           </a:p>
         </p:txBody>
@@ -15236,7 +15241,7 @@
         </p:nvSpPr>
         <p:spPr>
           <a:xfrm>
-            <a:off x="6404849" y="2400300"/>
+            <a:off x="6376860" y="1881398"/>
             <a:ext cx="1143000" cy="685800"/>
           </a:xfrm>
           <a:prstGeom prst="roundRect">
@@ -15245,8 +15250,10 @@
           <a:solidFill>
             <a:srgbClr val="FF0000"/>
           </a:solidFill>
-          <a:ln>
-            <a:noFill/>
+          <a:ln w="12700">
+            <a:solidFill>
+              <a:schemeClr val="tx1"/>
+            </a:solidFill>
           </a:ln>
           <a:effectLst/>
         </p:spPr>
@@ -15284,7 +15291,7 @@
         </p:nvSpPr>
         <p:spPr>
           <a:xfrm>
-            <a:off x="6404865" y="3716020"/>
+            <a:off x="6399412" y="3962172"/>
             <a:ext cx="1143000" cy="685800"/>
           </a:xfrm>
           <a:prstGeom prst="roundRect">
@@ -15293,8 +15300,11 @@
           <a:solidFill>
             <a:srgbClr val="00B050"/>
           </a:solidFill>
-          <a:ln>
-            <a:noFill/>
+          <a:ln w="12700">
+            <a:solidFill>
+              <a:schemeClr val="tx1"/>
+            </a:solidFill>
+            <a:prstDash val="lgDash"/>
           </a:ln>
           <a:effectLst/>
         </p:spPr>
@@ -15339,8 +15349,8 @@
         </p:nvSpPr>
         <p:spPr>
           <a:xfrm>
-            <a:off x="10754270" y="2402219"/>
-            <a:ext cx="1143000" cy="685800"/>
+            <a:off x="10937806" y="1647229"/>
+            <a:ext cx="990459" cy="685800"/>
           </a:xfrm>
           <a:prstGeom prst="roundRect">
             <a:avLst/>
@@ -15348,8 +15358,10 @@
           <a:solidFill>
             <a:srgbClr val="FFC000"/>
           </a:solidFill>
-          <a:ln>
-            <a:noFill/>
+          <a:ln w="12700">
+            <a:solidFill>
+              <a:schemeClr val="tx1"/>
+            </a:solidFill>
           </a:ln>
           <a:effectLst/>
         </p:spPr>
@@ -15387,8 +15399,8 @@
         </p:nvSpPr>
         <p:spPr>
           <a:xfrm>
-            <a:off x="10754270" y="4899718"/>
-            <a:ext cx="1143000" cy="685800"/>
+            <a:off x="10906812" y="4956280"/>
+            <a:ext cx="990458" cy="685800"/>
           </a:xfrm>
           <a:prstGeom prst="roundRect">
             <a:avLst/>
@@ -15396,8 +15408,11 @@
           <a:solidFill>
             <a:srgbClr val="FFC000"/>
           </a:solidFill>
-          <a:ln>
-            <a:noFill/>
+          <a:ln w="12700">
+            <a:solidFill>
+              <a:schemeClr val="tx1"/>
+            </a:solidFill>
+            <a:prstDash val="lgDash"/>
           </a:ln>
           <a:effectLst/>
         </p:spPr>
@@ -15432,15 +15447,15 @@
           <p:cNvPr id="11" name="Straight Connector 10"/>
           <p:cNvCxnSpPr>
             <a:cxnSpLocks/>
-            <a:stCxn id="3" idx="3"/>
-            <a:endCxn id="5" idx="1"/>
+            <a:stCxn id="3" idx="2"/>
+            <a:endCxn id="97" idx="0"/>
           </p:cNvCxnSpPr>
           <p:nvPr/>
         </p:nvCxnSpPr>
         <p:spPr>
-          <a:xfrm flipV="1">
-            <a:off x="3405370" y="2745119"/>
-            <a:ext cx="999826" cy="29775"/>
+          <a:xfrm>
+            <a:off x="2842466" y="2560771"/>
+            <a:ext cx="2340" cy="353334"/>
           </a:xfrm>
           <a:prstGeom prst="line">
             <a:avLst/>
@@ -15471,15 +15486,16 @@
         <p:nvCxnSpPr>
           <p:cNvPr id="15" name="Straight Connector 14"/>
           <p:cNvCxnSpPr>
-            <a:stCxn id="5" idx="3"/>
+            <a:cxnSpLocks/>
+            <a:stCxn id="142" idx="3"/>
             <a:endCxn id="6" idx="1"/>
           </p:cNvCxnSpPr>
           <p:nvPr/>
         </p:nvCxnSpPr>
         <p:spPr>
-          <a:xfrm flipV="1">
-            <a:off x="5548196" y="2743200"/>
-            <a:ext cx="856653" cy="1919"/>
+          <a:xfrm>
+            <a:off x="5540433" y="2219579"/>
+            <a:ext cx="836427" cy="4719"/>
           </a:xfrm>
           <a:prstGeom prst="line">
             <a:avLst/>
@@ -15517,8 +15533,8 @@
         </p:nvCxnSpPr>
         <p:spPr>
           <a:xfrm>
-            <a:off x="5508137" y="3052345"/>
-            <a:ext cx="896728" cy="1006575"/>
+            <a:off x="5486581" y="3612301"/>
+            <a:ext cx="912831" cy="692771"/>
           </a:xfrm>
           <a:prstGeom prst="line">
             <a:avLst/>
@@ -15553,7 +15569,7 @@
         </p:nvSpPr>
         <p:spPr>
           <a:xfrm>
-            <a:off x="317500" y="3120912"/>
+            <a:off x="217935" y="2912265"/>
             <a:ext cx="1143000" cy="685800"/>
           </a:xfrm>
           <a:prstGeom prst="roundRect">
@@ -15565,8 +15581,11 @@
               <a:lumOff val="50000"/>
             </a:schemeClr>
           </a:solidFill>
-          <a:ln>
-            <a:noFill/>
+          <a:ln w="12700">
+            <a:solidFill>
+              <a:schemeClr val="tx1"/>
+            </a:solidFill>
+            <a:prstDash val="lgDash"/>
           </a:ln>
           <a:effectLst/>
         </p:spPr>
@@ -15607,8 +15626,8 @@
         </p:nvCxnSpPr>
         <p:spPr>
           <a:xfrm flipV="1">
-            <a:off x="1460500" y="2774894"/>
-            <a:ext cx="801870" cy="688918"/>
+            <a:off x="1360935" y="2217871"/>
+            <a:ext cx="910031" cy="1037294"/>
           </a:xfrm>
           <a:prstGeom prst="line">
             <a:avLst/>
@@ -15643,8 +15662,8 @@
         </p:nvSpPr>
         <p:spPr>
           <a:xfrm>
-            <a:off x="3718484" y="2164236"/>
-            <a:ext cx="675826" cy="1231106"/>
+            <a:off x="1890573" y="2718694"/>
+            <a:ext cx="903923" cy="184666"/>
           </a:xfrm>
           <a:prstGeom prst="rect">
             <a:avLst/>
@@ -15655,66 +15674,18 @@
           </a:ln>
         </p:spPr>
         <p:txBody>
-          <a:bodyPr wrap="none" lIns="0" tIns="0" rIns="0" bIns="0" rtlCol="0">
+          <a:bodyPr wrap="square" lIns="0" tIns="0" rIns="0" bIns="0" rtlCol="0">
             <a:spAutoFit/>
           </a:bodyPr>
           <a:lstStyle/>
           <a:p>
             <a:pPr algn="r"/>
             <a:r>
-              <a:rPr lang="en-US" sz="1400" i="1" kern="0" spc="-30" dirty="0">
+              <a:rPr lang="en-US" sz="1200" i="1" kern="0" spc="-30" dirty="0">
                 <a:latin typeface="Arial"/>
                 <a:cs typeface="Arial"/>
               </a:rPr>
-              <a:t>POST</a:t>
-            </a:r>
-          </a:p>
-          <a:p>
-            <a:pPr algn="r"/>
-            <a:r>
-              <a:rPr lang="en-US" sz="1400" i="1" kern="0" spc="-30" dirty="0">
-                <a:latin typeface="Arial"/>
-                <a:cs typeface="Arial"/>
-              </a:rPr>
-              <a:t>GET</a:t>
-            </a:r>
-            <a:endParaRPr lang="en-US" sz="1600" i="1" kern="0" spc="-30" dirty="0">
-              <a:latin typeface="Arial"/>
-              <a:cs typeface="Arial"/>
-            </a:endParaRPr>
-          </a:p>
-          <a:p>
-            <a:pPr algn="r"/>
-            <a:r>
-              <a:rPr lang="en-US" sz="2400" i="1" kern="0" spc="-30" dirty="0">
-                <a:latin typeface="Arial"/>
-                <a:cs typeface="Arial"/>
-              </a:rPr>
-              <a:t> </a:t>
-            </a:r>
-            <a:endParaRPr lang="en-US" sz="1100" i="1" kern="0" spc="-30" dirty="0">
-              <a:latin typeface="Arial"/>
-              <a:cs typeface="Arial"/>
-            </a:endParaRPr>
-          </a:p>
-          <a:p>
-            <a:pPr algn="r"/>
-            <a:r>
-              <a:rPr lang="en-US" sz="1400" i="1" kern="0" spc="-30" dirty="0">
-                <a:latin typeface="Arial"/>
-                <a:cs typeface="Arial"/>
-              </a:rPr>
-              <a:t>PUT</a:t>
-            </a:r>
-          </a:p>
-          <a:p>
-            <a:pPr algn="r"/>
-            <a:r>
-              <a:rPr lang="en-US" sz="1400" i="1" kern="0" spc="-30" dirty="0">
-                <a:latin typeface="Arial"/>
-                <a:cs typeface="Arial"/>
-              </a:rPr>
-              <a:t>DELETE</a:t>
+              <a:t>POST/GET</a:t>
             </a:r>
           </a:p>
         </p:txBody>
@@ -15727,7 +15698,7 @@
         </p:nvSpPr>
         <p:spPr>
           <a:xfrm>
-            <a:off x="8665484" y="2401094"/>
+            <a:off x="8825742" y="1309897"/>
             <a:ext cx="1276618" cy="685800"/>
           </a:xfrm>
           <a:prstGeom prst="roundRect">
@@ -15739,8 +15710,11 @@
               <a:lumOff val="60000"/>
             </a:schemeClr>
           </a:solidFill>
-          <a:ln>
-            <a:noFill/>
+          <a:ln w="12700">
+            <a:solidFill>
+              <a:schemeClr val="tx1"/>
+            </a:solidFill>
+            <a:prstDash val="solid"/>
           </a:ln>
           <a:effectLst/>
         </p:spPr>
@@ -15778,7 +15752,7 @@
         </p:nvSpPr>
         <p:spPr>
           <a:xfrm>
-            <a:off x="8690879" y="4899718"/>
+            <a:off x="8851137" y="4956280"/>
             <a:ext cx="1225829" cy="685800"/>
           </a:xfrm>
           <a:prstGeom prst="roundRect">
@@ -15790,8 +15764,11 @@
               <a:lumOff val="60000"/>
             </a:schemeClr>
           </a:solidFill>
-          <a:ln>
-            <a:noFill/>
+          <a:ln w="12700">
+            <a:solidFill>
+              <a:schemeClr val="tx1"/>
+            </a:solidFill>
+            <a:prstDash val="lgDash"/>
           </a:ln>
           <a:effectLst/>
         </p:spPr>
@@ -15834,8 +15811,8 @@
         </p:nvCxnSpPr>
         <p:spPr>
           <a:xfrm>
-            <a:off x="9942102" y="2743994"/>
-            <a:ext cx="812168" cy="1125"/>
+            <a:off x="10102360" y="1652797"/>
+            <a:ext cx="835446" cy="337332"/>
           </a:xfrm>
           <a:prstGeom prst="line">
             <a:avLst/>
@@ -15874,8 +15851,8 @@
         </p:nvCxnSpPr>
         <p:spPr>
           <a:xfrm>
-            <a:off x="9916708" y="5242618"/>
-            <a:ext cx="837562" cy="0"/>
+            <a:off x="10076966" y="5299180"/>
+            <a:ext cx="829846" cy="0"/>
           </a:xfrm>
           <a:prstGeom prst="line">
             <a:avLst/>
@@ -15910,7 +15887,7 @@
         </p:nvSpPr>
         <p:spPr>
           <a:xfrm>
-            <a:off x="6022300" y="2527756"/>
+            <a:off x="6002730" y="2266558"/>
             <a:ext cx="357149" cy="215444"/>
           </a:xfrm>
           <a:prstGeom prst="rect">
@@ -15945,7 +15922,7 @@
         </p:nvSpPr>
         <p:spPr>
           <a:xfrm>
-            <a:off x="6128512" y="3532369"/>
+            <a:off x="5919309" y="4286029"/>
             <a:ext cx="473528" cy="215444"/>
           </a:xfrm>
           <a:prstGeom prst="rect">
@@ -15980,8 +15957,8 @@
         </p:nvSpPr>
         <p:spPr>
           <a:xfrm>
-            <a:off x="8272182" y="2465955"/>
-            <a:ext cx="357149" cy="215444"/>
+            <a:off x="6376265" y="2752158"/>
+            <a:ext cx="473528" cy="215444"/>
           </a:xfrm>
           <a:prstGeom prst="rect">
             <a:avLst/>
@@ -16002,7 +15979,7 @@
                 <a:latin typeface="Arial"/>
                 <a:cs typeface="Arial"/>
               </a:rPr>
-              <a:t>GET</a:t>
+              <a:t>POST</a:t>
             </a:r>
           </a:p>
         </p:txBody>
@@ -16015,8 +15992,8 @@
         </p:nvSpPr>
         <p:spPr>
           <a:xfrm>
-            <a:off x="4405250" y="1153043"/>
-            <a:ext cx="1143000" cy="685800"/>
+            <a:off x="4396823" y="925868"/>
+            <a:ext cx="1143000" cy="613639"/>
           </a:xfrm>
           <a:prstGeom prst="roundRect">
             <a:avLst/>
@@ -16024,8 +16001,10 @@
           <a:solidFill>
             <a:srgbClr val="00B050"/>
           </a:solidFill>
-          <a:ln>
-            <a:noFill/>
+          <a:ln w="12700">
+            <a:solidFill>
+              <a:schemeClr val="tx1"/>
+            </a:solidFill>
           </a:ln>
           <a:effectLst/>
         </p:spPr>
@@ -16066,15 +16045,16 @@
         <p:nvCxnSpPr>
           <p:cNvPr id="32" name="Straight Connector 31"/>
           <p:cNvCxnSpPr>
-            <a:stCxn id="5" idx="0"/>
+            <a:cxnSpLocks/>
+            <a:stCxn id="142" idx="0"/>
             <a:endCxn id="30" idx="2"/>
           </p:cNvCxnSpPr>
           <p:nvPr/>
         </p:nvCxnSpPr>
         <p:spPr>
-          <a:xfrm flipV="1">
-            <a:off x="4976696" y="1838843"/>
-            <a:ext cx="54" cy="563376"/>
+          <a:xfrm flipH="1" flipV="1">
+            <a:off x="4968323" y="1539507"/>
+            <a:ext cx="610" cy="337172"/>
           </a:xfrm>
           <a:prstGeom prst="line">
             <a:avLst/>
@@ -16109,7 +16089,7 @@
         </p:nvSpPr>
         <p:spPr>
           <a:xfrm>
-            <a:off x="4398846" y="3714542"/>
+            <a:off x="4401205" y="3964243"/>
             <a:ext cx="1143000" cy="685800"/>
           </a:xfrm>
           <a:prstGeom prst="roundRect">
@@ -16118,8 +16098,11 @@
           <a:solidFill>
             <a:srgbClr val="00B050"/>
           </a:solidFill>
-          <a:ln>
-            <a:noFill/>
+          <a:ln w="12700">
+            <a:solidFill>
+              <a:schemeClr val="tx1"/>
+            </a:solidFill>
+            <a:prstDash val="lgDash"/>
           </a:ln>
           <a:effectLst/>
         </p:spPr>
@@ -16161,14 +16144,15 @@
           <p:cNvPr id="34" name="Straight Connector 33"/>
           <p:cNvCxnSpPr>
             <a:cxnSpLocks/>
+            <a:stCxn id="5" idx="2"/>
             <a:endCxn id="33" idx="0"/>
           </p:cNvCxnSpPr>
           <p:nvPr/>
         </p:nvCxnSpPr>
         <p:spPr>
-          <a:xfrm>
-            <a:off x="4970346" y="3088019"/>
-            <a:ext cx="0" cy="626523"/>
+          <a:xfrm flipH="1">
+            <a:off x="4972705" y="3623913"/>
+            <a:ext cx="3992" cy="340330"/>
           </a:xfrm>
           <a:prstGeom prst="line">
             <a:avLst/>
@@ -16203,7 +16187,7 @@
         </p:nvSpPr>
         <p:spPr>
           <a:xfrm>
-            <a:off x="4546629" y="3506270"/>
+            <a:off x="4535517" y="3771106"/>
             <a:ext cx="347531" cy="215444"/>
           </a:xfrm>
           <a:prstGeom prst="rect">
@@ -16238,7 +16222,7 @@
         </p:nvSpPr>
         <p:spPr>
           <a:xfrm>
-            <a:off x="5039385" y="1852521"/>
+            <a:off x="5053637" y="1519561"/>
             <a:ext cx="968855" cy="369332"/>
           </a:xfrm>
           <a:prstGeom prst="rect">
@@ -16282,8 +16266,8 @@
         </p:nvSpPr>
         <p:spPr>
           <a:xfrm>
-            <a:off x="6404849" y="1085232"/>
-            <a:ext cx="1143000" cy="685800"/>
+            <a:off x="6376860" y="932515"/>
+            <a:ext cx="1143000" cy="591398"/>
           </a:xfrm>
           <a:prstGeom prst="roundRect">
             <a:avLst/>
@@ -16291,8 +16275,11 @@
           <a:solidFill>
             <a:srgbClr val="00B050"/>
           </a:solidFill>
-          <a:ln>
-            <a:noFill/>
+          <a:ln w="12700">
+            <a:solidFill>
+              <a:schemeClr val="tx1"/>
+            </a:solidFill>
+            <a:prstDash val="lgDash"/>
           </a:ln>
           <a:effectLst/>
         </p:spPr>
@@ -16326,6 +16313,7 @@
         <p:nvCxnSpPr>
           <p:cNvPr id="46" name="Straight Connector 45"/>
           <p:cNvCxnSpPr>
+            <a:cxnSpLocks/>
             <a:stCxn id="6" idx="0"/>
             <a:endCxn id="45" idx="2"/>
           </p:cNvCxnSpPr>
@@ -16333,8 +16321,8 @@
         </p:nvCxnSpPr>
         <p:spPr>
           <a:xfrm flipV="1">
-            <a:off x="6976349" y="1771032"/>
-            <a:ext cx="0" cy="629268"/>
+            <a:off x="6948360" y="1523913"/>
+            <a:ext cx="0" cy="357485"/>
           </a:xfrm>
           <a:prstGeom prst="line">
             <a:avLst/>
@@ -16369,8 +16357,8 @@
         </p:nvSpPr>
         <p:spPr>
           <a:xfrm>
-            <a:off x="7017206" y="1755401"/>
-            <a:ext cx="357149" cy="430887"/>
+            <a:off x="7012565" y="1528404"/>
+            <a:ext cx="305853" cy="369332"/>
           </a:xfrm>
           <a:prstGeom prst="rect">
             <a:avLst/>
@@ -16387,7 +16375,7 @@
           <a:lstStyle/>
           <a:p>
             <a:r>
-              <a:rPr lang="en-US" sz="1400" i="1" kern="0" spc="-30" dirty="0">
+              <a:rPr lang="en-US" sz="1200" i="1" kern="0" spc="-30" dirty="0">
                 <a:latin typeface="Arial"/>
                 <a:cs typeface="Arial"/>
               </a:rPr>
@@ -16396,7 +16384,7 @@
           </a:p>
           <a:p>
             <a:r>
-              <a:rPr lang="en-US" sz="1400" i="1" kern="0" spc="-30" dirty="0">
+              <a:rPr lang="en-US" sz="1200" i="1" kern="0" spc="-30" dirty="0">
                 <a:latin typeface="Arial"/>
                 <a:cs typeface="Arial"/>
               </a:rPr>
@@ -16416,9 +16404,9 @@
           <p:nvPr/>
         </p:nvCxnSpPr>
         <p:spPr>
-          <a:xfrm>
-            <a:off x="7547849" y="2743200"/>
-            <a:ext cx="1117635" cy="794"/>
+          <a:xfrm flipV="1">
+            <a:off x="7519860" y="1652797"/>
+            <a:ext cx="1305882" cy="571501"/>
           </a:xfrm>
           <a:prstGeom prst="line">
             <a:avLst/>
@@ -16457,8 +16445,8 @@
         </p:nvCxnSpPr>
         <p:spPr>
           <a:xfrm>
-            <a:off x="7547849" y="5242618"/>
-            <a:ext cx="1143030" cy="0"/>
+            <a:off x="7547849" y="5299180"/>
+            <a:ext cx="1303288" cy="0"/>
           </a:xfrm>
           <a:prstGeom prst="line">
             <a:avLst/>
@@ -16493,7 +16481,7 @@
         </p:nvSpPr>
         <p:spPr>
           <a:xfrm>
-            <a:off x="4363553" y="4914471"/>
+            <a:off x="4372915" y="5020631"/>
             <a:ext cx="1213655" cy="685800"/>
           </a:xfrm>
           <a:prstGeom prst="roundRect">
@@ -16502,8 +16490,11 @@
           <a:solidFill>
             <a:schemeClr val="accent1"/>
           </a:solidFill>
-          <a:ln>
-            <a:noFill/>
+          <a:ln w="12700">
+            <a:solidFill>
+              <a:schemeClr val="tx1"/>
+            </a:solidFill>
+            <a:prstDash val="lgDash"/>
           </a:ln>
           <a:effectLst/>
         </p:spPr>
@@ -16545,8 +16536,8 @@
         </p:nvCxnSpPr>
         <p:spPr>
           <a:xfrm>
-            <a:off x="4970346" y="4400342"/>
-            <a:ext cx="35" cy="514129"/>
+            <a:off x="4972705" y="4650043"/>
+            <a:ext cx="7038" cy="370588"/>
           </a:xfrm>
           <a:prstGeom prst="line">
             <a:avLst/>
@@ -16587,7 +16578,7 @@
         </p:nvSpPr>
         <p:spPr>
           <a:xfrm>
-            <a:off x="2260496" y="3714542"/>
+            <a:off x="2273573" y="3977759"/>
             <a:ext cx="1143000" cy="685800"/>
           </a:xfrm>
           <a:prstGeom prst="roundRect">
@@ -16596,8 +16587,11 @@
           <a:solidFill>
             <a:srgbClr val="F8EE00"/>
           </a:solidFill>
-          <a:ln>
-            <a:noFill/>
+          <a:ln w="12700">
+            <a:solidFill>
+              <a:schemeClr val="tx1"/>
+            </a:solidFill>
+            <a:prstDash val="lgDash"/>
           </a:ln>
           <a:effectLst/>
         </p:spPr>
@@ -16639,14 +16633,14 @@
           <p:cNvCxnSpPr>
             <a:cxnSpLocks/>
             <a:stCxn id="50" idx="0"/>
-            <a:endCxn id="5" idx="1"/>
+            <a:endCxn id="97" idx="2"/>
           </p:cNvCxnSpPr>
           <p:nvPr/>
         </p:nvCxnSpPr>
         <p:spPr>
-          <a:xfrm flipV="1">
-            <a:off x="2831996" y="2745119"/>
-            <a:ext cx="1573200" cy="969423"/>
+          <a:xfrm flipH="1" flipV="1">
+            <a:off x="2844806" y="3599905"/>
+            <a:ext cx="267" cy="377854"/>
           </a:xfrm>
           <a:prstGeom prst="line">
             <a:avLst/>
@@ -16691,8 +16685,8 @@
         </p:nvCxnSpPr>
         <p:spPr>
           <a:xfrm>
-            <a:off x="1460500" y="3463812"/>
-            <a:ext cx="799996" cy="593630"/>
+            <a:off x="1360935" y="3255165"/>
+            <a:ext cx="912638" cy="1065494"/>
           </a:xfrm>
           <a:prstGeom prst="line">
             <a:avLst/>
@@ -16733,7 +16727,7 @@
         </p:nvSpPr>
         <p:spPr>
           <a:xfrm>
-            <a:off x="6404849" y="4899718"/>
+            <a:off x="6404849" y="4956280"/>
             <a:ext cx="1143000" cy="685800"/>
           </a:xfrm>
           <a:prstGeom prst="roundRect">
@@ -16742,8 +16736,11 @@
           <a:solidFill>
             <a:srgbClr val="00B0F0"/>
           </a:solidFill>
-          <a:ln>
-            <a:noFill/>
+          <a:ln w="12700">
+            <a:solidFill>
+              <a:schemeClr val="tx1"/>
+            </a:solidFill>
+            <a:prstDash val="lgDash"/>
           </a:ln>
           <a:effectLst/>
         </p:spPr>
@@ -16792,7 +16789,7 @@
         </p:nvSpPr>
         <p:spPr>
           <a:xfrm>
-            <a:off x="5028866" y="4709487"/>
+            <a:off x="5056942" y="4823558"/>
             <a:ext cx="890308" cy="215444"/>
           </a:xfrm>
           <a:prstGeom prst="rect">
@@ -16833,7 +16830,7 @@
         </p:nvSpPr>
         <p:spPr>
           <a:xfrm>
-            <a:off x="6404849" y="6007702"/>
+            <a:off x="6404849" y="6064264"/>
             <a:ext cx="1143000" cy="685800"/>
           </a:xfrm>
           <a:prstGeom prst="roundRect">
@@ -16842,8 +16839,11 @@
           <a:solidFill>
             <a:srgbClr val="7030A0"/>
           </a:solidFill>
-          <a:ln>
-            <a:noFill/>
+          <a:ln w="12700">
+            <a:solidFill>
+              <a:schemeClr val="tx1"/>
+            </a:solidFill>
+            <a:prstDash val="lgDash"/>
           </a:ln>
           <a:effectLst/>
         </p:spPr>
@@ -16892,7 +16892,7 @@
         </p:nvSpPr>
         <p:spPr>
           <a:xfrm>
-            <a:off x="4439252" y="1852521"/>
+            <a:off x="4417627" y="1539507"/>
             <a:ext cx="454292" cy="215444"/>
           </a:xfrm>
           <a:prstGeom prst="rect">
@@ -16933,8 +16933,8 @@
         </p:nvSpPr>
         <p:spPr>
           <a:xfrm>
-            <a:off x="10754270" y="6010112"/>
-            <a:ext cx="1143000" cy="685800"/>
+            <a:off x="10906811" y="6064264"/>
+            <a:ext cx="990458" cy="685800"/>
           </a:xfrm>
           <a:prstGeom prst="roundRect">
             <a:avLst/>
@@ -16942,8 +16942,11 @@
           <a:solidFill>
             <a:srgbClr val="FFC000"/>
           </a:solidFill>
-          <a:ln>
-            <a:noFill/>
+          <a:ln w="12700">
+            <a:solidFill>
+              <a:schemeClr val="tx1"/>
+            </a:solidFill>
+            <a:prstDash val="lgDash"/>
           </a:ln>
           <a:effectLst/>
         </p:spPr>
@@ -16991,8 +16994,8 @@
         </p:nvCxnSpPr>
         <p:spPr>
           <a:xfrm>
-            <a:off x="7547849" y="6350602"/>
-            <a:ext cx="3206421" cy="2410"/>
+            <a:off x="7547849" y="6407164"/>
+            <a:ext cx="3358962" cy="0"/>
           </a:xfrm>
           <a:prstGeom prst="line">
             <a:avLst/>
@@ -17033,7 +17036,7 @@
         </p:nvSpPr>
         <p:spPr>
           <a:xfrm>
-            <a:off x="5041792" y="3506270"/>
+            <a:off x="5040274" y="3771106"/>
             <a:ext cx="257763" cy="215444"/>
           </a:xfrm>
           <a:prstGeom prst="rect">
@@ -17078,8 +17081,8 @@
         </p:nvCxnSpPr>
         <p:spPr>
           <a:xfrm>
-            <a:off x="5577208" y="5257371"/>
-            <a:ext cx="618968" cy="417741"/>
+            <a:off x="5586570" y="5363531"/>
+            <a:ext cx="609606" cy="376374"/>
           </a:xfrm>
           <a:prstGeom prst="line">
             <a:avLst/>
@@ -17120,7 +17123,7 @@
         </p:nvSpPr>
         <p:spPr>
           <a:xfrm>
-            <a:off x="4507166" y="4713855"/>
+            <a:off x="4507899" y="4826802"/>
             <a:ext cx="387607" cy="215444"/>
           </a:xfrm>
           <a:prstGeom prst="rect">
@@ -17161,7 +17164,7 @@
         </p:nvSpPr>
         <p:spPr>
           <a:xfrm>
-            <a:off x="10366181" y="2461923"/>
+            <a:off x="10520985" y="1981682"/>
             <a:ext cx="357149" cy="215444"/>
           </a:xfrm>
           <a:prstGeom prst="rect">
@@ -17202,7 +17205,7 @@
         </p:nvSpPr>
         <p:spPr>
           <a:xfrm>
-            <a:off x="10246028" y="5005486"/>
+            <a:off x="10404606" y="5042246"/>
             <a:ext cx="473528" cy="215444"/>
           </a:xfrm>
           <a:prstGeom prst="rect">
@@ -17243,7 +17246,7 @@
         </p:nvSpPr>
         <p:spPr>
           <a:xfrm>
-            <a:off x="10250899" y="6108740"/>
+            <a:off x="10404778" y="6141235"/>
             <a:ext cx="473528" cy="215444"/>
           </a:xfrm>
           <a:prstGeom prst="rect">
@@ -17284,7 +17287,7 @@
         </p:nvSpPr>
         <p:spPr>
           <a:xfrm>
-            <a:off x="5717090" y="5669570"/>
+            <a:off x="5717090" y="5726132"/>
             <a:ext cx="473528" cy="215444"/>
           </a:xfrm>
           <a:prstGeom prst="rect">
@@ -17325,7 +17328,7 @@
         </p:nvSpPr>
         <p:spPr>
           <a:xfrm>
-            <a:off x="8200369" y="5002491"/>
+            <a:off x="8348585" y="5042246"/>
             <a:ext cx="473528" cy="215444"/>
           </a:xfrm>
           <a:prstGeom prst="rect">
@@ -17366,7 +17369,7 @@
         </p:nvSpPr>
         <p:spPr>
           <a:xfrm>
-            <a:off x="8668257" y="3771106"/>
+            <a:off x="8825742" y="3895775"/>
             <a:ext cx="1276618" cy="927783"/>
           </a:xfrm>
           <a:prstGeom prst="roundRect">
@@ -17378,8 +17381,11 @@
               <a:lumOff val="60000"/>
             </a:schemeClr>
           </a:solidFill>
-          <a:ln>
-            <a:noFill/>
+          <a:ln w="12700">
+            <a:solidFill>
+              <a:schemeClr val="tx1"/>
+            </a:solidFill>
+            <a:prstDash val="lgDash"/>
           </a:ln>
           <a:effectLst/>
         </p:spPr>
@@ -17409,52 +17415,6 @@
           </a:p>
         </p:txBody>
       </p:sp>
-      <p:cxnSp>
-        <p:nvCxnSpPr>
-          <p:cNvPr id="57" name="Straight Connector 56">
-            <a:extLst>
-              <a:ext uri="{FF2B5EF4-FFF2-40B4-BE49-F238E27FC236}">
-                <a16:creationId xmlns:a16="http://schemas.microsoft.com/office/drawing/2014/main" id="{A7BE60BD-04CD-8746-837E-7F1CA1949281}"/>
-              </a:ext>
-            </a:extLst>
-          </p:cNvPr>
-          <p:cNvCxnSpPr>
-            <a:cxnSpLocks/>
-            <a:stCxn id="5" idx="3"/>
-            <a:endCxn id="56" idx="1"/>
-          </p:cNvCxnSpPr>
-          <p:nvPr/>
-        </p:nvCxnSpPr>
-        <p:spPr>
-          <a:xfrm>
-            <a:off x="5548196" y="2745119"/>
-            <a:ext cx="3120061" cy="1489879"/>
-          </a:xfrm>
-          <a:prstGeom prst="line">
-            <a:avLst/>
-          </a:prstGeom>
-          <a:ln w="19050">
-            <a:solidFill>
-              <a:schemeClr val="tx1"/>
-            </a:solidFill>
-            <a:tailEnd type="arrow"/>
-          </a:ln>
-        </p:spPr>
-        <p:style>
-          <a:lnRef idx="1">
-            <a:schemeClr val="accent1"/>
-          </a:lnRef>
-          <a:fillRef idx="0">
-            <a:schemeClr val="accent1"/>
-          </a:fillRef>
-          <a:effectRef idx="0">
-            <a:schemeClr val="accent1"/>
-          </a:effectRef>
-          <a:fontRef idx="minor">
-            <a:schemeClr val="tx1"/>
-          </a:fontRef>
-        </p:style>
-      </p:cxnSp>
       <p:sp>
         <p:nvSpPr>
           <p:cNvPr id="66" name="TextBox 65">
@@ -17469,8 +17429,8 @@
         </p:nvSpPr>
         <p:spPr>
           <a:xfrm>
-            <a:off x="8201079" y="3806712"/>
-            <a:ext cx="473528" cy="215444"/>
+            <a:off x="7882424" y="3428401"/>
+            <a:ext cx="922368" cy="215444"/>
           </a:xfrm>
           <a:prstGeom prst="rect">
             <a:avLst/>
@@ -17491,7 +17451,7 @@
                 <a:latin typeface="Arial"/>
                 <a:cs typeface="Arial"/>
               </a:rPr>
-              <a:t>POST</a:t>
+              <a:t>GET, POST</a:t>
             </a:r>
           </a:p>
         </p:txBody>
@@ -17510,7 +17470,7 @@
         </p:nvSpPr>
         <p:spPr>
           <a:xfrm>
-            <a:off x="6330292" y="5576815"/>
+            <a:off x="6330292" y="5633377"/>
             <a:ext cx="1290652" cy="430887"/>
           </a:xfrm>
           <a:prstGeom prst="rect">
@@ -17555,7 +17515,7 @@
         </p:nvSpPr>
         <p:spPr>
           <a:xfrm>
-            <a:off x="2182566" y="4901348"/>
+            <a:off x="2182566" y="4994647"/>
             <a:ext cx="1380994" cy="685800"/>
           </a:xfrm>
           <a:prstGeom prst="roundRect">
@@ -17565,7 +17525,10 @@
             <a:srgbClr val="00B050"/>
           </a:solidFill>
           <a:ln>
-            <a:noFill/>
+            <a:solidFill>
+              <a:schemeClr val="tx1"/>
+            </a:solidFill>
+            <a:prstDash val="lgDash"/>
           </a:ln>
           <a:effectLst/>
         </p:spPr>
@@ -17611,8 +17574,8 @@
         </p:nvCxnSpPr>
         <p:spPr>
           <a:xfrm flipH="1">
-            <a:off x="3532645" y="3086100"/>
-            <a:ext cx="974521" cy="1916391"/>
+            <a:off x="3543422" y="2454584"/>
+            <a:ext cx="884842" cy="2643444"/>
           </a:xfrm>
           <a:prstGeom prst="line">
             <a:avLst/>
@@ -17653,7 +17616,7 @@
         </p:nvSpPr>
         <p:spPr>
           <a:xfrm>
-            <a:off x="2302431" y="5967436"/>
+            <a:off x="2302431" y="6023998"/>
             <a:ext cx="1143000" cy="685800"/>
           </a:xfrm>
           <a:prstGeom prst="roundRect">
@@ -17662,8 +17625,11 @@
           <a:solidFill>
             <a:schemeClr val="accent1"/>
           </a:solidFill>
-          <a:ln>
-            <a:noFill/>
+          <a:ln w="12700">
+            <a:solidFill>
+              <a:schemeClr val="tx1"/>
+            </a:solidFill>
+            <a:prstDash val="lgDash"/>
           </a:ln>
           <a:effectLst/>
         </p:spPr>
@@ -17711,8 +17677,8 @@
         </p:nvCxnSpPr>
         <p:spPr>
           <a:xfrm>
-            <a:off x="2873063" y="5587148"/>
-            <a:ext cx="868" cy="380288"/>
+            <a:off x="2873063" y="5680447"/>
+            <a:ext cx="868" cy="343551"/>
           </a:xfrm>
           <a:prstGeom prst="line">
             <a:avLst/>
@@ -17753,7 +17719,7 @@
         </p:nvSpPr>
         <p:spPr>
           <a:xfrm>
-            <a:off x="4410731" y="5969759"/>
+            <a:off x="4410731" y="6026321"/>
             <a:ext cx="1137466" cy="685800"/>
           </a:xfrm>
           <a:prstGeom prst="roundRect">
@@ -17762,8 +17728,11 @@
           <a:solidFill>
             <a:srgbClr val="00B050"/>
           </a:solidFill>
-          <a:ln>
-            <a:noFill/>
+          <a:ln w="12700">
+            <a:solidFill>
+              <a:schemeClr val="tx1"/>
+            </a:solidFill>
+            <a:prstDash val="lgDash"/>
           </a:ln>
           <a:effectLst/>
         </p:spPr>
@@ -17811,7 +17780,7 @@
         </p:nvCxnSpPr>
         <p:spPr>
           <a:xfrm>
-            <a:off x="3445431" y="6310336"/>
+            <a:off x="3445431" y="6366898"/>
             <a:ext cx="965300" cy="2323"/>
           </a:xfrm>
           <a:prstGeom prst="line">
@@ -17853,7 +17822,7 @@
         </p:nvSpPr>
         <p:spPr>
           <a:xfrm>
-            <a:off x="2928332" y="5767475"/>
+            <a:off x="2929630" y="5822968"/>
             <a:ext cx="620683" cy="215444"/>
           </a:xfrm>
           <a:prstGeom prst="rect">
@@ -17894,8 +17863,8 @@
         </p:nvSpPr>
         <p:spPr>
           <a:xfrm>
-            <a:off x="3149939" y="4504107"/>
-            <a:ext cx="439223" cy="430887"/>
+            <a:off x="2682802" y="4773322"/>
+            <a:ext cx="1245279" cy="215444"/>
           </a:xfrm>
           <a:prstGeom prst="rect">
             <a:avLst/>
@@ -17906,7 +17875,7 @@
           </a:ln>
         </p:spPr>
         <p:txBody>
-          <a:bodyPr wrap="none" lIns="0" tIns="0" rIns="0" bIns="0" rtlCol="0">
+          <a:bodyPr wrap="square" lIns="0" tIns="0" rIns="0" bIns="0" rtlCol="0">
             <a:spAutoFit/>
           </a:bodyPr>
           <a:lstStyle/>
@@ -17916,16 +17885,7 @@
                 <a:latin typeface="Arial"/>
                 <a:cs typeface="Arial"/>
               </a:rPr>
-              <a:t>Kafka</a:t>
-            </a:r>
-          </a:p>
-          <a:p>
-            <a:r>
-              <a:rPr lang="en-US" sz="1400" i="1" kern="0" spc="-30" dirty="0">
-                <a:latin typeface="Arial"/>
-                <a:cs typeface="Arial"/>
-              </a:rPr>
-              <a:t>Send</a:t>
+              <a:t>Kafka Send</a:t>
             </a:r>
           </a:p>
         </p:txBody>
@@ -17944,7 +17904,7 @@
         </p:nvSpPr>
         <p:spPr>
           <a:xfrm>
-            <a:off x="4012383" y="6059181"/>
+            <a:off x="4012383" y="6115743"/>
             <a:ext cx="357149" cy="215444"/>
           </a:xfrm>
           <a:prstGeom prst="rect">
@@ -17985,7 +17945,7 @@
         </p:nvSpPr>
         <p:spPr>
           <a:xfrm>
-            <a:off x="6501944" y="1742543"/>
+            <a:off x="6477374" y="1519561"/>
             <a:ext cx="399148" cy="215444"/>
           </a:xfrm>
           <a:prstGeom prst="rect">
@@ -18026,7 +17986,7 @@
         </p:nvSpPr>
         <p:spPr>
           <a:xfrm>
-            <a:off x="10035125" y="6392126"/>
+            <a:off x="10175217" y="6465297"/>
             <a:ext cx="691536" cy="215444"/>
           </a:xfrm>
           <a:prstGeom prst="rect">
@@ -18067,7 +18027,7 @@
         </p:nvSpPr>
         <p:spPr>
           <a:xfrm>
-            <a:off x="2373023" y="5762205"/>
+            <a:off x="2373023" y="5828194"/>
             <a:ext cx="439223" cy="215444"/>
           </a:xfrm>
           <a:prstGeom prst="rect">
@@ -18108,7 +18068,7 @@
         </p:nvSpPr>
         <p:spPr>
           <a:xfrm>
-            <a:off x="317500" y="1181252"/>
+            <a:off x="228381" y="887338"/>
             <a:ext cx="1143000" cy="685800"/>
           </a:xfrm>
           <a:prstGeom prst="roundRect">
@@ -18120,8 +18080,11 @@
               <a:lumOff val="50000"/>
             </a:schemeClr>
           </a:solidFill>
-          <a:ln>
-            <a:noFill/>
+          <a:ln w="12700">
+            <a:solidFill>
+              <a:schemeClr val="tx1"/>
+            </a:solidFill>
+            <a:prstDash val="lgDash"/>
           </a:ln>
           <a:effectLst/>
         </p:spPr>
@@ -18165,8 +18128,8 @@
         </p:nvSpPr>
         <p:spPr>
           <a:xfrm>
-            <a:off x="2261561" y="1181252"/>
-            <a:ext cx="1143000" cy="685800"/>
+            <a:off x="2271526" y="936564"/>
+            <a:ext cx="1143000" cy="587349"/>
           </a:xfrm>
           <a:prstGeom prst="roundRect">
             <a:avLst/>
@@ -18174,8 +18137,11 @@
           <a:solidFill>
             <a:schemeClr val="accent1"/>
           </a:solidFill>
-          <a:ln>
-            <a:noFill/>
+          <a:ln w="12700">
+            <a:solidFill>
+              <a:schemeClr val="tx1"/>
+            </a:solidFill>
+            <a:prstDash val="lgDash"/>
           </a:ln>
           <a:effectLst/>
         </p:spPr>
@@ -18223,8 +18189,8 @@
         </p:nvCxnSpPr>
         <p:spPr>
           <a:xfrm>
-            <a:off x="1460500" y="1524152"/>
-            <a:ext cx="801061" cy="0"/>
+            <a:off x="1371381" y="1230238"/>
+            <a:ext cx="900145" cy="1"/>
           </a:xfrm>
           <a:prstGeom prst="line">
             <a:avLst/>
@@ -18263,14 +18229,13 @@
           <p:cNvCxnSpPr>
             <a:cxnSpLocks/>
             <a:stCxn id="121" idx="2"/>
-            <a:endCxn id="5" idx="1"/>
           </p:cNvCxnSpPr>
           <p:nvPr/>
         </p:nvCxnSpPr>
         <p:spPr>
           <a:xfrm>
-            <a:off x="2833061" y="1867052"/>
-            <a:ext cx="1572135" cy="878067"/>
+            <a:off x="2843026" y="1523913"/>
+            <a:ext cx="0" cy="228557"/>
           </a:xfrm>
           <a:prstGeom prst="line">
             <a:avLst/>
@@ -18312,9 +18277,9 @@
           <p:nvPr/>
         </p:nvCxnSpPr>
         <p:spPr>
-          <a:xfrm flipH="1">
-            <a:off x="3423659" y="3086100"/>
-            <a:ext cx="1213655" cy="3176024"/>
+          <a:xfrm>
+            <a:off x="1956089" y="3477633"/>
+            <a:ext cx="12790" cy="2889265"/>
           </a:xfrm>
           <a:prstGeom prst="line">
             <a:avLst/>
@@ -18355,8 +18320,8 @@
         </p:nvSpPr>
         <p:spPr>
           <a:xfrm>
-            <a:off x="3495313" y="5997447"/>
-            <a:ext cx="357149" cy="215444"/>
+            <a:off x="2006984" y="6146847"/>
+            <a:ext cx="305853" cy="184666"/>
           </a:xfrm>
           <a:prstGeom prst="rect">
             <a:avLst/>
@@ -18373,7 +18338,7 @@
           <a:lstStyle/>
           <a:p>
             <a:r>
-              <a:rPr lang="en-US" sz="1400" i="1" kern="0" spc="-30" dirty="0">
+              <a:rPr lang="en-US" sz="1200" i="1" kern="0" spc="-30" dirty="0">
                 <a:latin typeface="Arial"/>
                 <a:cs typeface="Arial"/>
               </a:rPr>
@@ -18396,8 +18361,8 @@
         </p:nvSpPr>
         <p:spPr>
           <a:xfrm>
-            <a:off x="6196176" y="4621097"/>
-            <a:ext cx="1518272" cy="2108030"/>
+            <a:off x="6196176" y="4684694"/>
+            <a:ext cx="1518272" cy="2110422"/>
           </a:xfrm>
           <a:prstGeom prst="roundRect">
             <a:avLst/>
@@ -18466,7 +18431,7 @@
         </p:nvSpPr>
         <p:spPr>
           <a:xfrm>
-            <a:off x="3910989" y="6349958"/>
+            <a:off x="3910989" y="6406520"/>
             <a:ext cx="473528" cy="215444"/>
           </a:xfrm>
           <a:prstGeom prst="rect">
@@ -18507,15 +18472,17 @@
         </p:nvSpPr>
         <p:spPr>
           <a:xfrm>
-            <a:off x="153754" y="4050469"/>
-            <a:ext cx="1571257" cy="2831544"/>
+            <a:off x="59484" y="3982397"/>
+            <a:ext cx="1651042" cy="2831544"/>
           </a:xfrm>
           <a:prstGeom prst="rect">
             <a:avLst/>
           </a:prstGeom>
           <a:noFill/>
-          <a:ln>
-            <a:noFill/>
+          <a:ln w="12700">
+            <a:solidFill>
+              <a:schemeClr val="tx1"/>
+            </a:solidFill>
           </a:ln>
         </p:spPr>
         <p:txBody>
@@ -18700,10 +18667,1129 @@
           </a:p>
         </p:txBody>
       </p:sp>
+      <p:sp>
+        <p:nvSpPr>
+          <p:cNvPr id="97" name="Rounded Rectangle 96">
+            <a:extLst>
+              <a:ext uri="{FF2B5EF4-FFF2-40B4-BE49-F238E27FC236}">
+                <a16:creationId xmlns:a16="http://schemas.microsoft.com/office/drawing/2014/main" id="{17E8847F-07EA-5D49-B20B-D1A4C643FE61}"/>
+              </a:ext>
+            </a:extLst>
+          </p:cNvPr>
+          <p:cNvSpPr/>
+          <p:nvPr/>
+        </p:nvSpPr>
+        <p:spPr>
+          <a:xfrm>
+            <a:off x="2244180" y="2914105"/>
+            <a:ext cx="1201251" cy="685800"/>
+          </a:xfrm>
+          <a:prstGeom prst="roundRect">
+            <a:avLst/>
+          </a:prstGeom>
+          <a:solidFill>
+            <a:schemeClr val="accent1"/>
+          </a:solidFill>
+          <a:ln w="12700">
+            <a:solidFill>
+              <a:schemeClr val="tx1"/>
+            </a:solidFill>
+          </a:ln>
+          <a:effectLst/>
+        </p:spPr>
+        <p:style>
+          <a:lnRef idx="1">
+            <a:schemeClr val="accent1"/>
+          </a:lnRef>
+          <a:fillRef idx="3">
+            <a:schemeClr val="accent1"/>
+          </a:fillRef>
+          <a:effectRef idx="2">
+            <a:schemeClr val="accent1"/>
+          </a:effectRef>
+          <a:fontRef idx="minor">
+            <a:schemeClr val="lt1"/>
+          </a:fontRef>
+        </p:style>
+        <p:txBody>
+          <a:bodyPr rtlCol="0" anchor="ctr"/>
+          <a:lstStyle/>
+          <a:p>
+            <a:pPr algn="ctr"/>
+            <a:r>
+              <a:rPr lang="en-US" dirty="0"/>
+              <a:t>Broker</a:t>
+            </a:r>
+          </a:p>
+        </p:txBody>
+      </p:sp>
+      <p:sp>
+        <p:nvSpPr>
+          <p:cNvPr id="142" name="Rounded Rectangle 141">
+            <a:extLst>
+              <a:ext uri="{FF2B5EF4-FFF2-40B4-BE49-F238E27FC236}">
+                <a16:creationId xmlns:a16="http://schemas.microsoft.com/office/drawing/2014/main" id="{6C649C92-31C1-5047-A205-2BE1E0E0E3B0}"/>
+              </a:ext>
+            </a:extLst>
+          </p:cNvPr>
+          <p:cNvSpPr/>
+          <p:nvPr/>
+        </p:nvSpPr>
+        <p:spPr>
+          <a:xfrm>
+            <a:off x="4397433" y="1876679"/>
+            <a:ext cx="1143000" cy="685800"/>
+          </a:xfrm>
+          <a:prstGeom prst="roundRect">
+            <a:avLst/>
+          </a:prstGeom>
+          <a:solidFill>
+            <a:schemeClr val="accent1"/>
+          </a:solidFill>
+          <a:ln w="12700">
+            <a:solidFill>
+              <a:schemeClr val="tx1"/>
+            </a:solidFill>
+          </a:ln>
+          <a:effectLst/>
+        </p:spPr>
+        <p:style>
+          <a:lnRef idx="1">
+            <a:schemeClr val="accent1"/>
+          </a:lnRef>
+          <a:fillRef idx="3">
+            <a:schemeClr val="accent1"/>
+          </a:fillRef>
+          <a:effectRef idx="2">
+            <a:schemeClr val="accent1"/>
+          </a:effectRef>
+          <a:fontRef idx="minor">
+            <a:schemeClr val="lt1"/>
+          </a:fontRef>
+        </p:style>
+        <p:txBody>
+          <a:bodyPr rtlCol="0" anchor="ctr"/>
+          <a:lstStyle/>
+          <a:p>
+            <a:pPr algn="ctr"/>
+            <a:r>
+              <a:rPr lang="en-US" dirty="0"/>
+              <a:t>Portfolio</a:t>
+            </a:r>
+          </a:p>
+        </p:txBody>
+      </p:sp>
+      <p:cxnSp>
+        <p:nvCxnSpPr>
+          <p:cNvPr id="161" name="Straight Connector 160">
+            <a:extLst>
+              <a:ext uri="{FF2B5EF4-FFF2-40B4-BE49-F238E27FC236}">
+                <a16:creationId xmlns:a16="http://schemas.microsoft.com/office/drawing/2014/main" id="{13AC1BE4-2459-9944-9EE2-536B751ACD98}"/>
+              </a:ext>
+            </a:extLst>
+          </p:cNvPr>
+          <p:cNvCxnSpPr>
+            <a:cxnSpLocks/>
+          </p:cNvCxnSpPr>
+          <p:nvPr/>
+        </p:nvCxnSpPr>
+        <p:spPr>
+          <a:xfrm flipH="1">
+            <a:off x="1942471" y="1735005"/>
+            <a:ext cx="930594" cy="0"/>
+          </a:xfrm>
+          <a:prstGeom prst="line">
+            <a:avLst/>
+          </a:prstGeom>
+          <a:ln w="19050">
+            <a:solidFill>
+              <a:schemeClr val="tx1"/>
+            </a:solidFill>
+            <a:tailEnd type="arrow"/>
+          </a:ln>
+        </p:spPr>
+        <p:style>
+          <a:lnRef idx="1">
+            <a:schemeClr val="accent1"/>
+          </a:lnRef>
+          <a:fillRef idx="0">
+            <a:schemeClr val="accent1"/>
+          </a:fillRef>
+          <a:effectRef idx="0">
+            <a:schemeClr val="accent1"/>
+          </a:effectRef>
+          <a:fontRef idx="minor">
+            <a:schemeClr val="tx1"/>
+          </a:fontRef>
+        </p:style>
+      </p:cxnSp>
+      <p:cxnSp>
+        <p:nvCxnSpPr>
+          <p:cNvPr id="164" name="Straight Connector 163">
+            <a:extLst>
+              <a:ext uri="{FF2B5EF4-FFF2-40B4-BE49-F238E27FC236}">
+                <a16:creationId xmlns:a16="http://schemas.microsoft.com/office/drawing/2014/main" id="{AC98386A-8211-274F-8ED7-95BE1633B1DF}"/>
+              </a:ext>
+            </a:extLst>
+          </p:cNvPr>
+          <p:cNvCxnSpPr>
+            <a:cxnSpLocks/>
+          </p:cNvCxnSpPr>
+          <p:nvPr/>
+        </p:nvCxnSpPr>
+        <p:spPr>
+          <a:xfrm>
+            <a:off x="1942471" y="1762577"/>
+            <a:ext cx="0" cy="1363251"/>
+          </a:xfrm>
+          <a:prstGeom prst="line">
+            <a:avLst/>
+          </a:prstGeom>
+          <a:ln w="19050">
+            <a:solidFill>
+              <a:schemeClr val="tx1"/>
+            </a:solidFill>
+            <a:tailEnd type="arrow"/>
+          </a:ln>
+        </p:spPr>
+        <p:style>
+          <a:lnRef idx="1">
+            <a:schemeClr val="accent1"/>
+          </a:lnRef>
+          <a:fillRef idx="0">
+            <a:schemeClr val="accent1"/>
+          </a:fillRef>
+          <a:effectRef idx="0">
+            <a:schemeClr val="accent1"/>
+          </a:effectRef>
+          <a:fontRef idx="minor">
+            <a:schemeClr val="tx1"/>
+          </a:fontRef>
+        </p:style>
+      </p:cxnSp>
+      <p:cxnSp>
+        <p:nvCxnSpPr>
+          <p:cNvPr id="167" name="Straight Connector 166">
+            <a:extLst>
+              <a:ext uri="{FF2B5EF4-FFF2-40B4-BE49-F238E27FC236}">
+                <a16:creationId xmlns:a16="http://schemas.microsoft.com/office/drawing/2014/main" id="{84A90C44-69E1-A74F-9EDD-2D7F0EB6E0BC}"/>
+              </a:ext>
+            </a:extLst>
+          </p:cNvPr>
+          <p:cNvCxnSpPr>
+            <a:cxnSpLocks/>
+          </p:cNvCxnSpPr>
+          <p:nvPr/>
+        </p:nvCxnSpPr>
+        <p:spPr>
+          <a:xfrm flipV="1">
+            <a:off x="1950390" y="3118940"/>
+            <a:ext cx="284926" cy="6888"/>
+          </a:xfrm>
+          <a:prstGeom prst="line">
+            <a:avLst/>
+          </a:prstGeom>
+          <a:ln w="19050">
+            <a:solidFill>
+              <a:schemeClr val="tx1"/>
+            </a:solidFill>
+            <a:tailEnd type="arrow"/>
+          </a:ln>
+        </p:spPr>
+        <p:style>
+          <a:lnRef idx="1">
+            <a:schemeClr val="accent1"/>
+          </a:lnRef>
+          <a:fillRef idx="0">
+            <a:schemeClr val="accent1"/>
+          </a:fillRef>
+          <a:effectRef idx="0">
+            <a:schemeClr val="accent1"/>
+          </a:effectRef>
+          <a:fontRef idx="minor">
+            <a:schemeClr val="tx1"/>
+          </a:fontRef>
+        </p:style>
+      </p:cxnSp>
+      <p:cxnSp>
+        <p:nvCxnSpPr>
+          <p:cNvPr id="192" name="Straight Connector 191">
+            <a:extLst>
+              <a:ext uri="{FF2B5EF4-FFF2-40B4-BE49-F238E27FC236}">
+                <a16:creationId xmlns:a16="http://schemas.microsoft.com/office/drawing/2014/main" id="{5D7EE6C4-D39A-3C42-899E-5822BACE67BE}"/>
+              </a:ext>
+            </a:extLst>
+          </p:cNvPr>
+          <p:cNvCxnSpPr>
+            <a:cxnSpLocks/>
+            <a:stCxn id="97" idx="3"/>
+            <a:endCxn id="142" idx="1"/>
+          </p:cNvCxnSpPr>
+          <p:nvPr/>
+        </p:nvCxnSpPr>
+        <p:spPr>
+          <a:xfrm flipV="1">
+            <a:off x="3445431" y="2219579"/>
+            <a:ext cx="952002" cy="1037426"/>
+          </a:xfrm>
+          <a:prstGeom prst="line">
+            <a:avLst/>
+          </a:prstGeom>
+          <a:ln w="19050">
+            <a:solidFill>
+              <a:schemeClr val="tx1"/>
+            </a:solidFill>
+            <a:tailEnd type="arrow"/>
+          </a:ln>
+        </p:spPr>
+        <p:style>
+          <a:lnRef idx="1">
+            <a:schemeClr val="accent1"/>
+          </a:lnRef>
+          <a:fillRef idx="0">
+            <a:schemeClr val="accent1"/>
+          </a:fillRef>
+          <a:effectRef idx="0">
+            <a:schemeClr val="accent1"/>
+          </a:effectRef>
+          <a:fontRef idx="minor">
+            <a:schemeClr val="tx1"/>
+          </a:fontRef>
+        </p:style>
+      </p:cxnSp>
+      <p:cxnSp>
+        <p:nvCxnSpPr>
+          <p:cNvPr id="195" name="Straight Connector 194">
+            <a:extLst>
+              <a:ext uri="{FF2B5EF4-FFF2-40B4-BE49-F238E27FC236}">
+                <a16:creationId xmlns:a16="http://schemas.microsoft.com/office/drawing/2014/main" id="{DC36B9F1-48FA-5940-B5F7-A10B173B7C50}"/>
+              </a:ext>
+            </a:extLst>
+          </p:cNvPr>
+          <p:cNvCxnSpPr>
+            <a:cxnSpLocks/>
+            <a:stCxn id="97" idx="3"/>
+            <a:endCxn id="5" idx="1"/>
+          </p:cNvCxnSpPr>
+          <p:nvPr/>
+        </p:nvCxnSpPr>
+        <p:spPr>
+          <a:xfrm>
+            <a:off x="3445431" y="3257005"/>
+            <a:ext cx="959766" cy="79559"/>
+          </a:xfrm>
+          <a:prstGeom prst="line">
+            <a:avLst/>
+          </a:prstGeom>
+          <a:ln w="19050">
+            <a:solidFill>
+              <a:schemeClr val="tx1"/>
+            </a:solidFill>
+            <a:tailEnd type="arrow"/>
+          </a:ln>
+        </p:spPr>
+        <p:style>
+          <a:lnRef idx="1">
+            <a:schemeClr val="accent1"/>
+          </a:lnRef>
+          <a:fillRef idx="0">
+            <a:schemeClr val="accent1"/>
+          </a:fillRef>
+          <a:effectRef idx="0">
+            <a:schemeClr val="accent1"/>
+          </a:effectRef>
+          <a:fontRef idx="minor">
+            <a:schemeClr val="tx1"/>
+          </a:fontRef>
+        </p:style>
+      </p:cxnSp>
+      <p:sp>
+        <p:nvSpPr>
+          <p:cNvPr id="198" name="TextBox 197">
+            <a:extLst>
+              <a:ext uri="{FF2B5EF4-FFF2-40B4-BE49-F238E27FC236}">
+                <a16:creationId xmlns:a16="http://schemas.microsoft.com/office/drawing/2014/main" id="{14A3D391-DA4F-F941-A2F9-40014DB6E3CA}"/>
+              </a:ext>
+            </a:extLst>
+          </p:cNvPr>
+          <p:cNvSpPr txBox="1"/>
+          <p:nvPr/>
+        </p:nvSpPr>
+        <p:spPr>
+          <a:xfrm>
+            <a:off x="2894056" y="2711285"/>
+            <a:ext cx="910506" cy="184666"/>
+          </a:xfrm>
+          <a:prstGeom prst="rect">
+            <a:avLst/>
+          </a:prstGeom>
+          <a:noFill/>
+          <a:ln>
+            <a:noFill/>
+          </a:ln>
+        </p:spPr>
+        <p:txBody>
+          <a:bodyPr wrap="none" lIns="0" tIns="0" rIns="0" bIns="0" rtlCol="0">
+            <a:spAutoFit/>
+          </a:bodyPr>
+          <a:lstStyle/>
+          <a:p>
+            <a:pPr algn="r"/>
+            <a:r>
+              <a:rPr lang="en-US" sz="1200" i="1" kern="0" spc="-30" dirty="0">
+                <a:latin typeface="Arial"/>
+                <a:cs typeface="Arial"/>
+              </a:rPr>
+              <a:t>PUT/DELETE</a:t>
+            </a:r>
+          </a:p>
+        </p:txBody>
+      </p:sp>
+      <p:sp>
+        <p:nvSpPr>
+          <p:cNvPr id="210" name="Rounded Rectangle 209">
+            <a:extLst>
+              <a:ext uri="{FF2B5EF4-FFF2-40B4-BE49-F238E27FC236}">
+                <a16:creationId xmlns:a16="http://schemas.microsoft.com/office/drawing/2014/main" id="{ADC9FC54-978B-8248-94CA-89F32849C317}"/>
+              </a:ext>
+            </a:extLst>
+          </p:cNvPr>
+          <p:cNvSpPr/>
+          <p:nvPr/>
+        </p:nvSpPr>
+        <p:spPr>
+          <a:xfrm>
+            <a:off x="8833769" y="3051155"/>
+            <a:ext cx="1261065" cy="685800"/>
+          </a:xfrm>
+          <a:prstGeom prst="roundRect">
+            <a:avLst/>
+          </a:prstGeom>
+          <a:solidFill>
+            <a:schemeClr val="accent5">
+              <a:lumMod val="40000"/>
+              <a:lumOff val="60000"/>
+            </a:schemeClr>
+          </a:solidFill>
+          <a:ln w="12700">
+            <a:solidFill>
+              <a:schemeClr val="tx1"/>
+            </a:solidFill>
+            <a:prstDash val="lgDash"/>
+          </a:ln>
+          <a:effectLst/>
+        </p:spPr>
+        <p:style>
+          <a:lnRef idx="1">
+            <a:schemeClr val="accent1"/>
+          </a:lnRef>
+          <a:fillRef idx="3">
+            <a:schemeClr val="accent1"/>
+          </a:fillRef>
+          <a:effectRef idx="2">
+            <a:schemeClr val="accent1"/>
+          </a:effectRef>
+          <a:fontRef idx="minor">
+            <a:schemeClr val="lt1"/>
+          </a:fontRef>
+        </p:style>
+        <p:txBody>
+          <a:bodyPr rtlCol="0" anchor="ctr"/>
+          <a:lstStyle/>
+          <a:p>
+            <a:pPr algn="ctr"/>
+            <a:r>
+              <a:rPr lang="en-US" dirty="0"/>
+              <a:t>Cloudant</a:t>
+            </a:r>
+          </a:p>
+        </p:txBody>
+      </p:sp>
+      <p:cxnSp>
+        <p:nvCxnSpPr>
+          <p:cNvPr id="211" name="Straight Connector 210">
+            <a:extLst>
+              <a:ext uri="{FF2B5EF4-FFF2-40B4-BE49-F238E27FC236}">
+                <a16:creationId xmlns:a16="http://schemas.microsoft.com/office/drawing/2014/main" id="{F3605A93-4320-9C43-9B75-AA22335FB92E}"/>
+              </a:ext>
+            </a:extLst>
+          </p:cNvPr>
+          <p:cNvCxnSpPr>
+            <a:cxnSpLocks/>
+            <a:stCxn id="115" idx="3"/>
+            <a:endCxn id="210" idx="1"/>
+          </p:cNvCxnSpPr>
+          <p:nvPr/>
+        </p:nvCxnSpPr>
+        <p:spPr>
+          <a:xfrm>
+            <a:off x="7563401" y="3266627"/>
+            <a:ext cx="1270368" cy="127428"/>
+          </a:xfrm>
+          <a:prstGeom prst="line">
+            <a:avLst/>
+          </a:prstGeom>
+          <a:ln w="19050">
+            <a:solidFill>
+              <a:schemeClr val="tx1"/>
+            </a:solidFill>
+            <a:tailEnd type="arrow"/>
+          </a:ln>
+        </p:spPr>
+        <p:style>
+          <a:lnRef idx="1">
+            <a:schemeClr val="accent1"/>
+          </a:lnRef>
+          <a:fillRef idx="0">
+            <a:schemeClr val="accent1"/>
+          </a:fillRef>
+          <a:effectRef idx="0">
+            <a:schemeClr val="accent1"/>
+          </a:effectRef>
+          <a:fontRef idx="minor">
+            <a:schemeClr val="tx1"/>
+          </a:fontRef>
+        </p:style>
+      </p:cxnSp>
+      <p:cxnSp>
+        <p:nvCxnSpPr>
+          <p:cNvPr id="218" name="Straight Connector 217">
+            <a:extLst>
+              <a:ext uri="{FF2B5EF4-FFF2-40B4-BE49-F238E27FC236}">
+                <a16:creationId xmlns:a16="http://schemas.microsoft.com/office/drawing/2014/main" id="{3AC8B399-9EBA-424C-A070-EC1287D029D7}"/>
+              </a:ext>
+            </a:extLst>
+          </p:cNvPr>
+          <p:cNvCxnSpPr>
+            <a:cxnSpLocks/>
+            <a:stCxn id="5" idx="3"/>
+            <a:endCxn id="56" idx="1"/>
+          </p:cNvCxnSpPr>
+          <p:nvPr/>
+        </p:nvCxnSpPr>
+        <p:spPr>
+          <a:xfrm>
+            <a:off x="5548197" y="3336564"/>
+            <a:ext cx="3277545" cy="1023103"/>
+          </a:xfrm>
+          <a:prstGeom prst="line">
+            <a:avLst/>
+          </a:prstGeom>
+          <a:ln w="19050">
+            <a:solidFill>
+              <a:schemeClr val="tx1"/>
+            </a:solidFill>
+            <a:tailEnd type="arrow"/>
+          </a:ln>
+        </p:spPr>
+        <p:style>
+          <a:lnRef idx="1">
+            <a:schemeClr val="accent1"/>
+          </a:lnRef>
+          <a:fillRef idx="0">
+            <a:schemeClr val="accent1"/>
+          </a:fillRef>
+          <a:effectRef idx="0">
+            <a:schemeClr val="accent1"/>
+          </a:effectRef>
+          <a:fontRef idx="minor">
+            <a:schemeClr val="tx1"/>
+          </a:fontRef>
+        </p:style>
+      </p:cxnSp>
+      <p:cxnSp>
+        <p:nvCxnSpPr>
+          <p:cNvPr id="107" name="Straight Connector 106">
+            <a:extLst>
+              <a:ext uri="{FF2B5EF4-FFF2-40B4-BE49-F238E27FC236}">
+                <a16:creationId xmlns:a16="http://schemas.microsoft.com/office/drawing/2014/main" id="{5A4E3BDF-98CB-5841-B9FF-7D1DCC6598F0}"/>
+              </a:ext>
+            </a:extLst>
+          </p:cNvPr>
+          <p:cNvCxnSpPr>
+            <a:cxnSpLocks/>
+          </p:cNvCxnSpPr>
+          <p:nvPr/>
+        </p:nvCxnSpPr>
+        <p:spPr>
+          <a:xfrm flipH="1">
+            <a:off x="1950390" y="3451334"/>
+            <a:ext cx="303596" cy="0"/>
+          </a:xfrm>
+          <a:prstGeom prst="line">
+            <a:avLst/>
+          </a:prstGeom>
+          <a:ln w="19050">
+            <a:solidFill>
+              <a:schemeClr val="tx1"/>
+            </a:solidFill>
+            <a:tailEnd type="arrow"/>
+          </a:ln>
+        </p:spPr>
+        <p:style>
+          <a:lnRef idx="1">
+            <a:schemeClr val="accent1"/>
+          </a:lnRef>
+          <a:fillRef idx="0">
+            <a:schemeClr val="accent1"/>
+          </a:fillRef>
+          <a:effectRef idx="0">
+            <a:schemeClr val="accent1"/>
+          </a:effectRef>
+          <a:fontRef idx="minor">
+            <a:schemeClr val="tx1"/>
+          </a:fontRef>
+        </p:style>
+      </p:cxnSp>
+      <p:cxnSp>
+        <p:nvCxnSpPr>
+          <p:cNvPr id="110" name="Straight Connector 109">
+            <a:extLst>
+              <a:ext uri="{FF2B5EF4-FFF2-40B4-BE49-F238E27FC236}">
+                <a16:creationId xmlns:a16="http://schemas.microsoft.com/office/drawing/2014/main" id="{F3B9FF64-D00D-9443-8B40-3DCD7300C55A}"/>
+              </a:ext>
+            </a:extLst>
+          </p:cNvPr>
+          <p:cNvCxnSpPr>
+            <a:cxnSpLocks/>
+            <a:endCxn id="71" idx="1"/>
+          </p:cNvCxnSpPr>
+          <p:nvPr/>
+        </p:nvCxnSpPr>
+        <p:spPr>
+          <a:xfrm>
+            <a:off x="1967185" y="6366898"/>
+            <a:ext cx="335246" cy="0"/>
+          </a:xfrm>
+          <a:prstGeom prst="line">
+            <a:avLst/>
+          </a:prstGeom>
+          <a:ln w="19050">
+            <a:solidFill>
+              <a:schemeClr val="tx1"/>
+            </a:solidFill>
+            <a:tailEnd type="arrow"/>
+          </a:ln>
+        </p:spPr>
+        <p:style>
+          <a:lnRef idx="1">
+            <a:schemeClr val="accent1"/>
+          </a:lnRef>
+          <a:fillRef idx="0">
+            <a:schemeClr val="accent1"/>
+          </a:fillRef>
+          <a:effectRef idx="0">
+            <a:schemeClr val="accent1"/>
+          </a:effectRef>
+          <a:fontRef idx="minor">
+            <a:schemeClr val="tx1"/>
+          </a:fontRef>
+        </p:style>
+      </p:cxnSp>
+      <p:sp>
+        <p:nvSpPr>
+          <p:cNvPr id="98" name="TextBox 97">
+            <a:extLst>
+              <a:ext uri="{FF2B5EF4-FFF2-40B4-BE49-F238E27FC236}">
+                <a16:creationId xmlns:a16="http://schemas.microsoft.com/office/drawing/2014/main" id="{366498C6-8CAE-7E4E-87D6-2E20F240AC69}"/>
+              </a:ext>
+            </a:extLst>
+          </p:cNvPr>
+          <p:cNvSpPr txBox="1"/>
+          <p:nvPr/>
+        </p:nvSpPr>
+        <p:spPr>
+          <a:xfrm>
+            <a:off x="10520985" y="61664"/>
+            <a:ext cx="1601346" cy="1231106"/>
+          </a:xfrm>
+          <a:prstGeom prst="rect">
+            <a:avLst/>
+          </a:prstGeom>
+          <a:noFill/>
+          <a:ln w="12700">
+            <a:solidFill>
+              <a:schemeClr val="tx1"/>
+            </a:solidFill>
+          </a:ln>
+        </p:spPr>
+        <p:txBody>
+          <a:bodyPr wrap="square" lIns="0" tIns="0" rIns="0" bIns="0" rtlCol="0">
+            <a:spAutoFit/>
+          </a:bodyPr>
+          <a:lstStyle/>
+          <a:p>
+            <a:r>
+              <a:rPr lang="en-US" sz="1600" b="1" kern="0" spc="-30" dirty="0">
+                <a:latin typeface="Arial"/>
+                <a:cs typeface="Arial"/>
+              </a:rPr>
+              <a:t> Solid Border:</a:t>
+            </a:r>
+          </a:p>
+          <a:p>
+            <a:r>
+              <a:rPr lang="en-US" sz="1600" i="1" kern="0" spc="-30" dirty="0">
+                <a:latin typeface="Arial"/>
+                <a:cs typeface="Arial"/>
+              </a:rPr>
+              <a:t> Required</a:t>
+            </a:r>
+          </a:p>
+          <a:p>
+            <a:endParaRPr lang="en-US" sz="1600" i="1" kern="0" spc="-30" dirty="0">
+              <a:latin typeface="Arial"/>
+              <a:cs typeface="Arial"/>
+            </a:endParaRPr>
+          </a:p>
+          <a:p>
+            <a:r>
+              <a:rPr lang="en-US" sz="1600" b="1" kern="0" spc="-30" dirty="0">
+                <a:latin typeface="Arial"/>
+                <a:cs typeface="Arial"/>
+              </a:rPr>
+              <a:t> Dashed Border:</a:t>
+            </a:r>
+          </a:p>
+          <a:p>
+            <a:r>
+              <a:rPr lang="en-US" sz="1600" i="1" kern="0" spc="-30" dirty="0">
+                <a:latin typeface="Arial"/>
+                <a:cs typeface="Arial"/>
+              </a:rPr>
+              <a:t> Optional</a:t>
+            </a:r>
+            <a:endParaRPr lang="en-US" sz="1200" kern="0" spc="-30" dirty="0">
+              <a:latin typeface="Arial"/>
+              <a:cs typeface="Arial"/>
+            </a:endParaRPr>
+          </a:p>
+        </p:txBody>
+      </p:sp>
+      <p:sp>
+        <p:nvSpPr>
+          <p:cNvPr id="99" name="Rounded Rectangle 98">
+            <a:extLst>
+              <a:ext uri="{FF2B5EF4-FFF2-40B4-BE49-F238E27FC236}">
+                <a16:creationId xmlns:a16="http://schemas.microsoft.com/office/drawing/2014/main" id="{5C598030-7E05-AD48-ADF3-FB41F4FE292D}"/>
+              </a:ext>
+            </a:extLst>
+          </p:cNvPr>
+          <p:cNvSpPr/>
+          <p:nvPr/>
+        </p:nvSpPr>
+        <p:spPr>
+          <a:xfrm>
+            <a:off x="8825742" y="2203274"/>
+            <a:ext cx="1276618" cy="685800"/>
+          </a:xfrm>
+          <a:prstGeom prst="roundRect">
+            <a:avLst/>
+          </a:prstGeom>
+          <a:solidFill>
+            <a:schemeClr val="accent5">
+              <a:lumMod val="40000"/>
+              <a:lumOff val="60000"/>
+            </a:schemeClr>
+          </a:solidFill>
+          <a:ln w="12700">
+            <a:solidFill>
+              <a:schemeClr val="tx1"/>
+            </a:solidFill>
+            <a:prstDash val="lgDash"/>
+          </a:ln>
+          <a:effectLst/>
+        </p:spPr>
+        <p:style>
+          <a:lnRef idx="1">
+            <a:schemeClr val="accent1"/>
+          </a:lnRef>
+          <a:fillRef idx="3">
+            <a:schemeClr val="accent1"/>
+          </a:fillRef>
+          <a:effectRef idx="2">
+            <a:schemeClr val="accent1"/>
+          </a:effectRef>
+          <a:fontRef idx="minor">
+            <a:schemeClr val="lt1"/>
+          </a:fontRef>
+        </p:style>
+        <p:txBody>
+          <a:bodyPr rtlCol="0" anchor="ctr"/>
+          <a:lstStyle/>
+          <a:p>
+            <a:pPr algn="ctr"/>
+            <a:r>
+              <a:rPr lang="en-US" dirty="0"/>
+              <a:t>SCC</a:t>
+            </a:r>
+          </a:p>
+        </p:txBody>
+      </p:sp>
+      <p:cxnSp>
+        <p:nvCxnSpPr>
+          <p:cNvPr id="100" name="Straight Connector 99">
+            <a:extLst>
+              <a:ext uri="{FF2B5EF4-FFF2-40B4-BE49-F238E27FC236}">
+                <a16:creationId xmlns:a16="http://schemas.microsoft.com/office/drawing/2014/main" id="{BD9B320A-138A-964B-8EF1-4ECD184FFCA5}"/>
+              </a:ext>
+            </a:extLst>
+          </p:cNvPr>
+          <p:cNvCxnSpPr>
+            <a:cxnSpLocks/>
+            <a:stCxn id="6" idx="2"/>
+            <a:endCxn id="115" idx="0"/>
+          </p:cNvCxnSpPr>
+          <p:nvPr/>
+        </p:nvCxnSpPr>
+        <p:spPr>
+          <a:xfrm flipH="1">
+            <a:off x="6947279" y="2567198"/>
+            <a:ext cx="1081" cy="403730"/>
+          </a:xfrm>
+          <a:prstGeom prst="line">
+            <a:avLst/>
+          </a:prstGeom>
+          <a:ln w="19050">
+            <a:solidFill>
+              <a:schemeClr val="tx1"/>
+            </a:solidFill>
+            <a:tailEnd type="arrow"/>
+          </a:ln>
+        </p:spPr>
+        <p:style>
+          <a:lnRef idx="1">
+            <a:schemeClr val="accent1"/>
+          </a:lnRef>
+          <a:fillRef idx="0">
+            <a:schemeClr val="accent1"/>
+          </a:fillRef>
+          <a:effectRef idx="0">
+            <a:schemeClr val="accent1"/>
+          </a:effectRef>
+          <a:fontRef idx="minor">
+            <a:schemeClr val="tx1"/>
+          </a:fontRef>
+        </p:style>
+      </p:cxnSp>
+      <p:sp>
+        <p:nvSpPr>
+          <p:cNvPr id="101" name="TextBox 100">
+            <a:extLst>
+              <a:ext uri="{FF2B5EF4-FFF2-40B4-BE49-F238E27FC236}">
+                <a16:creationId xmlns:a16="http://schemas.microsoft.com/office/drawing/2014/main" id="{E878EED7-0A14-B44F-A56B-8D6804003624}"/>
+              </a:ext>
+            </a:extLst>
+          </p:cNvPr>
+          <p:cNvSpPr txBox="1"/>
+          <p:nvPr/>
+        </p:nvSpPr>
+        <p:spPr>
+          <a:xfrm>
+            <a:off x="8445728" y="1426422"/>
+            <a:ext cx="357149" cy="215444"/>
+          </a:xfrm>
+          <a:prstGeom prst="rect">
+            <a:avLst/>
+          </a:prstGeom>
+          <a:noFill/>
+          <a:ln>
+            <a:noFill/>
+          </a:ln>
+        </p:spPr>
+        <p:txBody>
+          <a:bodyPr wrap="none" lIns="0" tIns="0" rIns="0" bIns="0" rtlCol="0">
+            <a:spAutoFit/>
+          </a:bodyPr>
+          <a:lstStyle/>
+          <a:p>
+            <a:r>
+              <a:rPr lang="en-US" sz="1400" i="1" kern="0" spc="-30" dirty="0">
+                <a:latin typeface="Arial"/>
+                <a:cs typeface="Arial"/>
+              </a:rPr>
+              <a:t>GET</a:t>
+            </a:r>
+          </a:p>
+        </p:txBody>
+      </p:sp>
+      <p:cxnSp>
+        <p:nvCxnSpPr>
+          <p:cNvPr id="102" name="Straight Connector 101">
+            <a:extLst>
+              <a:ext uri="{FF2B5EF4-FFF2-40B4-BE49-F238E27FC236}">
+                <a16:creationId xmlns:a16="http://schemas.microsoft.com/office/drawing/2014/main" id="{6E24080A-67DC-B34D-9D19-12135D947958}"/>
+              </a:ext>
+            </a:extLst>
+          </p:cNvPr>
+          <p:cNvCxnSpPr>
+            <a:cxnSpLocks/>
+          </p:cNvCxnSpPr>
+          <p:nvPr/>
+        </p:nvCxnSpPr>
+        <p:spPr>
+          <a:xfrm>
+            <a:off x="3305442" y="2546174"/>
+            <a:ext cx="3071418" cy="464765"/>
+          </a:xfrm>
+          <a:prstGeom prst="line">
+            <a:avLst/>
+          </a:prstGeom>
+          <a:ln w="19050">
+            <a:solidFill>
+              <a:schemeClr val="tx1"/>
+            </a:solidFill>
+            <a:tailEnd type="arrow"/>
+          </a:ln>
+        </p:spPr>
+        <p:style>
+          <a:lnRef idx="1">
+            <a:schemeClr val="accent1"/>
+          </a:lnRef>
+          <a:fillRef idx="0">
+            <a:schemeClr val="accent1"/>
+          </a:fillRef>
+          <a:effectRef idx="0">
+            <a:schemeClr val="accent1"/>
+          </a:effectRef>
+          <a:fontRef idx="minor">
+            <a:schemeClr val="tx1"/>
+          </a:fontRef>
+        </p:style>
+      </p:cxnSp>
+      <p:cxnSp>
+        <p:nvCxnSpPr>
+          <p:cNvPr id="103" name="Straight Connector 102">
+            <a:extLst>
+              <a:ext uri="{FF2B5EF4-FFF2-40B4-BE49-F238E27FC236}">
+                <a16:creationId xmlns:a16="http://schemas.microsoft.com/office/drawing/2014/main" id="{D16870EB-546B-9B4F-BC5E-06EB60A19AF5}"/>
+              </a:ext>
+            </a:extLst>
+          </p:cNvPr>
+          <p:cNvCxnSpPr>
+            <a:cxnSpLocks/>
+            <a:stCxn id="99" idx="1"/>
+            <a:endCxn id="115" idx="3"/>
+          </p:cNvCxnSpPr>
+          <p:nvPr/>
+        </p:nvCxnSpPr>
+        <p:spPr>
+          <a:xfrm flipH="1">
+            <a:off x="7563401" y="2546174"/>
+            <a:ext cx="1262341" cy="720453"/>
+          </a:xfrm>
+          <a:prstGeom prst="line">
+            <a:avLst/>
+          </a:prstGeom>
+          <a:ln w="19050">
+            <a:solidFill>
+              <a:schemeClr val="tx1"/>
+            </a:solidFill>
+            <a:tailEnd type="arrow"/>
+          </a:ln>
+        </p:spPr>
+        <p:style>
+          <a:lnRef idx="1">
+            <a:schemeClr val="accent1"/>
+          </a:lnRef>
+          <a:fillRef idx="0">
+            <a:schemeClr val="accent1"/>
+          </a:fillRef>
+          <a:effectRef idx="0">
+            <a:schemeClr val="accent1"/>
+          </a:effectRef>
+          <a:fontRef idx="minor">
+            <a:schemeClr val="tx1"/>
+          </a:fontRef>
+        </p:style>
+      </p:cxnSp>
+      <p:sp>
+        <p:nvSpPr>
+          <p:cNvPr id="115" name="Rounded Rectangle 114">
+            <a:extLst>
+              <a:ext uri="{FF2B5EF4-FFF2-40B4-BE49-F238E27FC236}">
+                <a16:creationId xmlns:a16="http://schemas.microsoft.com/office/drawing/2014/main" id="{DA1427DB-2D3C-CB43-B49A-81E938C17A0E}"/>
+              </a:ext>
+            </a:extLst>
+          </p:cNvPr>
+          <p:cNvSpPr/>
+          <p:nvPr/>
+        </p:nvSpPr>
+        <p:spPr>
+          <a:xfrm>
+            <a:off x="6331157" y="2970928"/>
+            <a:ext cx="1232244" cy="591398"/>
+          </a:xfrm>
+          <a:prstGeom prst="roundRect">
+            <a:avLst/>
+          </a:prstGeom>
+          <a:solidFill>
+            <a:schemeClr val="accent1"/>
+          </a:solidFill>
+          <a:ln w="12700">
+            <a:solidFill>
+              <a:schemeClr val="tx1"/>
+            </a:solidFill>
+            <a:prstDash val="lgDash"/>
+          </a:ln>
+          <a:effectLst/>
+        </p:spPr>
+        <p:style>
+          <a:lnRef idx="1">
+            <a:schemeClr val="accent1"/>
+          </a:lnRef>
+          <a:fillRef idx="3">
+            <a:schemeClr val="accent1"/>
+          </a:fillRef>
+          <a:effectRef idx="2">
+            <a:schemeClr val="accent1"/>
+          </a:effectRef>
+          <a:fontRef idx="minor">
+            <a:schemeClr val="lt1"/>
+          </a:fontRef>
+        </p:style>
+        <p:txBody>
+          <a:bodyPr rtlCol="0" anchor="ctr"/>
+          <a:lstStyle/>
+          <a:p>
+            <a:pPr algn="ctr"/>
+            <a:r>
+              <a:rPr lang="en-US" dirty="0"/>
+              <a:t>Collector</a:t>
+            </a:r>
+          </a:p>
+        </p:txBody>
+      </p:sp>
+      <p:sp>
+        <p:nvSpPr>
+          <p:cNvPr id="123" name="TextBox 122">
+            <a:extLst>
+              <a:ext uri="{FF2B5EF4-FFF2-40B4-BE49-F238E27FC236}">
+                <a16:creationId xmlns:a16="http://schemas.microsoft.com/office/drawing/2014/main" id="{3462DA20-EEB3-EE4F-BF9A-BF5095E37022}"/>
+              </a:ext>
+            </a:extLst>
+          </p:cNvPr>
+          <p:cNvSpPr txBox="1"/>
+          <p:nvPr/>
+        </p:nvSpPr>
+        <p:spPr>
+          <a:xfrm>
+            <a:off x="7567778" y="2898671"/>
+            <a:ext cx="357149" cy="215444"/>
+          </a:xfrm>
+          <a:prstGeom prst="rect">
+            <a:avLst/>
+          </a:prstGeom>
+          <a:noFill/>
+          <a:ln>
+            <a:noFill/>
+          </a:ln>
+        </p:spPr>
+        <p:txBody>
+          <a:bodyPr wrap="none" lIns="0" tIns="0" rIns="0" bIns="0" rtlCol="0">
+            <a:spAutoFit/>
+          </a:bodyPr>
+          <a:lstStyle/>
+          <a:p>
+            <a:r>
+              <a:rPr lang="en-US" sz="1400" i="1" kern="0" spc="-30" dirty="0">
+                <a:latin typeface="Arial"/>
+                <a:cs typeface="Arial"/>
+              </a:rPr>
+              <a:t>GET</a:t>
+            </a:r>
+          </a:p>
+        </p:txBody>
+      </p:sp>
+      <p:sp>
+        <p:nvSpPr>
+          <p:cNvPr id="125" name="TextBox 124">
+            <a:extLst>
+              <a:ext uri="{FF2B5EF4-FFF2-40B4-BE49-F238E27FC236}">
+                <a16:creationId xmlns:a16="http://schemas.microsoft.com/office/drawing/2014/main" id="{C0E7BB4B-E33A-8045-AAF0-A63A37C9B0A1}"/>
+              </a:ext>
+            </a:extLst>
+          </p:cNvPr>
+          <p:cNvSpPr txBox="1"/>
+          <p:nvPr/>
+        </p:nvSpPr>
+        <p:spPr>
+          <a:xfrm>
+            <a:off x="8325701" y="4005963"/>
+            <a:ext cx="473528" cy="215444"/>
+          </a:xfrm>
+          <a:prstGeom prst="rect">
+            <a:avLst/>
+          </a:prstGeom>
+          <a:noFill/>
+          <a:ln>
+            <a:noFill/>
+          </a:ln>
+        </p:spPr>
+        <p:txBody>
+          <a:bodyPr wrap="none" lIns="0" tIns="0" rIns="0" bIns="0" rtlCol="0">
+            <a:spAutoFit/>
+          </a:bodyPr>
+          <a:lstStyle/>
+          <a:p>
+            <a:r>
+              <a:rPr lang="en-US" sz="1400" i="1" kern="0" spc="-30" dirty="0">
+                <a:latin typeface="Arial"/>
+                <a:cs typeface="Arial"/>
+              </a:rPr>
+              <a:t>POST</a:t>
+            </a:r>
+          </a:p>
+        </p:txBody>
+      </p:sp>
+      <p:cxnSp>
+        <p:nvCxnSpPr>
+          <p:cNvPr id="127" name="Straight Connector 126">
+            <a:extLst>
+              <a:ext uri="{FF2B5EF4-FFF2-40B4-BE49-F238E27FC236}">
+                <a16:creationId xmlns:a16="http://schemas.microsoft.com/office/drawing/2014/main" id="{A7B93057-2238-4442-9057-E9A7C13BB7CC}"/>
+              </a:ext>
+            </a:extLst>
+          </p:cNvPr>
+          <p:cNvCxnSpPr>
+            <a:cxnSpLocks/>
+          </p:cNvCxnSpPr>
+          <p:nvPr/>
+        </p:nvCxnSpPr>
+        <p:spPr>
+          <a:xfrm>
+            <a:off x="5512587" y="3565652"/>
+            <a:ext cx="3338550" cy="149923"/>
+          </a:xfrm>
+          <a:prstGeom prst="line">
+            <a:avLst/>
+          </a:prstGeom>
+          <a:ln w="19050">
+            <a:solidFill>
+              <a:schemeClr val="tx1"/>
+            </a:solidFill>
+            <a:tailEnd type="arrow"/>
+          </a:ln>
+        </p:spPr>
+        <p:style>
+          <a:lnRef idx="1">
+            <a:schemeClr val="accent1"/>
+          </a:lnRef>
+          <a:fillRef idx="0">
+            <a:schemeClr val="accent1"/>
+          </a:fillRef>
+          <a:effectRef idx="0">
+            <a:schemeClr val="accent1"/>
+          </a:effectRef>
+          <a:fontRef idx="minor">
+            <a:schemeClr val="tx1"/>
+          </a:fontRef>
+        </p:style>
+      </p:cxnSp>
     </p:spTree>
     <p:extLst>
       <p:ext uri="{BB962C8B-B14F-4D97-AF65-F5344CB8AC3E}">
-        <p14:creationId xmlns:p14="http://schemas.microsoft.com/office/powerpoint/2010/main" val="421734558"/>
+        <p14:creationId xmlns:p14="http://schemas.microsoft.com/office/powerpoint/2010/main" val="1440502367"/>
       </p:ext>
     </p:extLst>
   </p:cSld>
@@ -18924,7 +20010,7 @@
                 <a:latin typeface="Arial"/>
                 <a:cs typeface="Arial"/>
               </a:rPr>
-              <a:t>The application as a whole is described by the CR you create from the CRD</a:t>
+              <a:t>The application as-a-whole is described by the CR you create from the CRD</a:t>
             </a:r>
           </a:p>
           <a:p>
@@ -19079,4425 +20165,6 @@
 </file>
 
 <file path=ppt/slides/slide3.xml><?xml version="1.0" encoding="utf-8"?>
-<p:sld xmlns:a="http://schemas.openxmlformats.org/drawingml/2006/main" xmlns:r="http://schemas.openxmlformats.org/officeDocument/2006/relationships" xmlns:p="http://schemas.openxmlformats.org/presentationml/2006/main">
-  <p:cSld>
-    <p:spTree>
-      <p:nvGrpSpPr>
-        <p:cNvPr id="1" name=""/>
-        <p:cNvGrpSpPr/>
-        <p:nvPr/>
-      </p:nvGrpSpPr>
-      <p:grpSpPr>
-        <a:xfrm>
-          <a:off x="0" y="0"/>
-          <a:ext cx="0" cy="0"/>
-          <a:chOff x="0" y="0"/>
-          <a:chExt cx="0" cy="0"/>
-        </a:xfrm>
-      </p:grpSpPr>
-      <p:sp>
-        <p:nvSpPr>
-          <p:cNvPr id="25" name="Rectangle 24"/>
-          <p:cNvSpPr/>
-          <p:nvPr/>
-        </p:nvSpPr>
-        <p:spPr>
-          <a:xfrm>
-            <a:off x="8401611" y="812800"/>
-            <a:ext cx="1986014" cy="5077578"/>
-          </a:xfrm>
-          <a:prstGeom prst="rect">
-            <a:avLst/>
-          </a:prstGeom>
-          <a:solidFill>
-            <a:srgbClr val="00B0F0"/>
-          </a:solidFill>
-          <a:ln>
-            <a:noFill/>
-          </a:ln>
-          <a:effectLst/>
-        </p:spPr>
-        <p:style>
-          <a:lnRef idx="1">
-            <a:schemeClr val="accent1"/>
-          </a:lnRef>
-          <a:fillRef idx="3">
-            <a:schemeClr val="accent1"/>
-          </a:fillRef>
-          <a:effectRef idx="2">
-            <a:schemeClr val="accent1"/>
-          </a:effectRef>
-          <a:fontRef idx="minor">
-            <a:schemeClr val="lt1"/>
-          </a:fontRef>
-        </p:style>
-        <p:txBody>
-          <a:bodyPr rtlCol="0" anchor="t" anchorCtr="0"/>
-          <a:lstStyle/>
-          <a:p>
-            <a:pPr algn="ctr"/>
-            <a:r>
-              <a:rPr lang="en-US" dirty="0">
-                <a:solidFill>
-                  <a:schemeClr val="tx1"/>
-                </a:solidFill>
-              </a:rPr>
-              <a:t>IBM Cloud</a:t>
-            </a:r>
-          </a:p>
-        </p:txBody>
-      </p:sp>
-      <p:sp>
-        <p:nvSpPr>
-          <p:cNvPr id="4" name="Rectangle 3"/>
-          <p:cNvSpPr/>
-          <p:nvPr/>
-        </p:nvSpPr>
-        <p:spPr>
-          <a:xfrm>
-            <a:off x="1828595" y="545341"/>
-            <a:ext cx="5969483" cy="6266957"/>
-          </a:xfrm>
-          <a:prstGeom prst="rect">
-            <a:avLst/>
-          </a:prstGeom>
-          <a:solidFill>
-            <a:schemeClr val="bg2">
-              <a:lumMod val="60000"/>
-              <a:lumOff val="40000"/>
-            </a:schemeClr>
-          </a:solidFill>
-          <a:ln>
-            <a:noFill/>
-          </a:ln>
-          <a:effectLst/>
-        </p:spPr>
-        <p:style>
-          <a:lnRef idx="1">
-            <a:schemeClr val="accent1"/>
-          </a:lnRef>
-          <a:fillRef idx="3">
-            <a:schemeClr val="accent1"/>
-          </a:fillRef>
-          <a:effectRef idx="2">
-            <a:schemeClr val="accent1"/>
-          </a:effectRef>
-          <a:fontRef idx="minor">
-            <a:schemeClr val="lt1"/>
-          </a:fontRef>
-        </p:style>
-        <p:txBody>
-          <a:bodyPr rtlCol="0" anchor="t" anchorCtr="0"/>
-          <a:lstStyle/>
-          <a:p>
-            <a:pPr algn="ctr"/>
-            <a:r>
-              <a:rPr lang="en-US" dirty="0">
-                <a:solidFill>
-                  <a:schemeClr val="tx1"/>
-                </a:solidFill>
-              </a:rPr>
-              <a:t>Red Hat OpenShift Container Platform</a:t>
-            </a:r>
-          </a:p>
-        </p:txBody>
-      </p:sp>
-      <p:sp>
-        <p:nvSpPr>
-          <p:cNvPr id="2" name="Title 1"/>
-          <p:cNvSpPr>
-            <a:spLocks noGrp="1"/>
-          </p:cNvSpPr>
-          <p:nvPr>
-            <p:ph type="title"/>
-          </p:nvPr>
-        </p:nvSpPr>
-        <p:spPr>
-          <a:xfrm>
-            <a:off x="169176" y="93121"/>
-            <a:ext cx="10803624" cy="415498"/>
-          </a:xfrm>
-        </p:spPr>
-        <p:txBody>
-          <a:bodyPr/>
-          <a:lstStyle/>
-          <a:p>
-            <a:r>
-              <a:rPr lang="en-US" sz="2700" dirty="0"/>
-              <a:t>Proposal for Sagas, adding Broker, Account, and Cloudant</a:t>
-            </a:r>
-          </a:p>
-        </p:txBody>
-      </p:sp>
-      <p:sp>
-        <p:nvSpPr>
-          <p:cNvPr id="3" name="Rounded Rectangle 2"/>
-          <p:cNvSpPr/>
-          <p:nvPr/>
-        </p:nvSpPr>
-        <p:spPr>
-          <a:xfrm>
-            <a:off x="2270966" y="1874971"/>
-            <a:ext cx="1143000" cy="685800"/>
-          </a:xfrm>
-          <a:prstGeom prst="roundRect">
-            <a:avLst/>
-          </a:prstGeom>
-          <a:solidFill>
-            <a:schemeClr val="accent1"/>
-          </a:solidFill>
-          <a:ln>
-            <a:noFill/>
-          </a:ln>
-          <a:effectLst/>
-        </p:spPr>
-        <p:style>
-          <a:lnRef idx="1">
-            <a:schemeClr val="accent1"/>
-          </a:lnRef>
-          <a:fillRef idx="3">
-            <a:schemeClr val="accent1"/>
-          </a:fillRef>
-          <a:effectRef idx="2">
-            <a:schemeClr val="accent1"/>
-          </a:effectRef>
-          <a:fontRef idx="minor">
-            <a:schemeClr val="lt1"/>
-          </a:fontRef>
-        </p:style>
-        <p:txBody>
-          <a:bodyPr rtlCol="0" anchor="ctr"/>
-          <a:lstStyle/>
-          <a:p>
-            <a:pPr algn="ctr"/>
-            <a:r>
-              <a:rPr lang="en-US" dirty="0"/>
-              <a:t>Trader (Java)</a:t>
-            </a:r>
-          </a:p>
-        </p:txBody>
-      </p:sp>
-      <p:sp>
-        <p:nvSpPr>
-          <p:cNvPr id="5" name="Rounded Rectangle 4"/>
-          <p:cNvSpPr/>
-          <p:nvPr/>
-        </p:nvSpPr>
-        <p:spPr>
-          <a:xfrm>
-            <a:off x="4396646" y="2913007"/>
-            <a:ext cx="1143000" cy="685800"/>
-          </a:xfrm>
-          <a:prstGeom prst="roundRect">
-            <a:avLst/>
-          </a:prstGeom>
-          <a:solidFill>
-            <a:schemeClr val="accent1"/>
-          </a:solidFill>
-          <a:ln>
-            <a:noFill/>
-          </a:ln>
-          <a:effectLst/>
-        </p:spPr>
-        <p:style>
-          <a:lnRef idx="1">
-            <a:schemeClr val="accent1"/>
-          </a:lnRef>
-          <a:fillRef idx="3">
-            <a:schemeClr val="accent1"/>
-          </a:fillRef>
-          <a:effectRef idx="2">
-            <a:schemeClr val="accent1"/>
-          </a:effectRef>
-          <a:fontRef idx="minor">
-            <a:schemeClr val="lt1"/>
-          </a:fontRef>
-        </p:style>
-        <p:txBody>
-          <a:bodyPr rtlCol="0" anchor="ctr"/>
-          <a:lstStyle/>
-          <a:p>
-            <a:pPr algn="ctr"/>
-            <a:r>
-              <a:rPr lang="en-US" dirty="0"/>
-              <a:t>Account</a:t>
-            </a:r>
-          </a:p>
-        </p:txBody>
-      </p:sp>
-      <p:sp>
-        <p:nvSpPr>
-          <p:cNvPr id="6" name="Rounded Rectangle 5"/>
-          <p:cNvSpPr/>
-          <p:nvPr/>
-        </p:nvSpPr>
-        <p:spPr>
-          <a:xfrm>
-            <a:off x="6376860" y="1881398"/>
-            <a:ext cx="1143000" cy="685800"/>
-          </a:xfrm>
-          <a:prstGeom prst="roundRect">
-            <a:avLst/>
-          </a:prstGeom>
-          <a:solidFill>
-            <a:srgbClr val="FF0000"/>
-          </a:solidFill>
-          <a:ln>
-            <a:noFill/>
-          </a:ln>
-          <a:effectLst/>
-        </p:spPr>
-        <p:style>
-          <a:lnRef idx="1">
-            <a:schemeClr val="accent1"/>
-          </a:lnRef>
-          <a:fillRef idx="3">
-            <a:schemeClr val="accent1"/>
-          </a:fillRef>
-          <a:effectRef idx="2">
-            <a:schemeClr val="accent1"/>
-          </a:effectRef>
-          <a:fontRef idx="minor">
-            <a:schemeClr val="lt1"/>
-          </a:fontRef>
-        </p:style>
-        <p:txBody>
-          <a:bodyPr rtlCol="0" anchor="ctr"/>
-          <a:lstStyle/>
-          <a:p>
-            <a:pPr algn="ctr"/>
-            <a:r>
-              <a:rPr lang="en-US" dirty="0"/>
-              <a:t>Stock Quote</a:t>
-            </a:r>
-          </a:p>
-        </p:txBody>
-      </p:sp>
-      <p:sp>
-        <p:nvSpPr>
-          <p:cNvPr id="7" name="Rounded Rectangle 6"/>
-          <p:cNvSpPr/>
-          <p:nvPr/>
-        </p:nvSpPr>
-        <p:spPr>
-          <a:xfrm>
-            <a:off x="6399412" y="3962172"/>
-            <a:ext cx="1143000" cy="685800"/>
-          </a:xfrm>
-          <a:prstGeom prst="roundRect">
-            <a:avLst/>
-          </a:prstGeom>
-          <a:solidFill>
-            <a:srgbClr val="00B050"/>
-          </a:solidFill>
-          <a:ln>
-            <a:noFill/>
-          </a:ln>
-          <a:effectLst/>
-        </p:spPr>
-        <p:style>
-          <a:lnRef idx="1">
-            <a:schemeClr val="accent1"/>
-          </a:lnRef>
-          <a:fillRef idx="3">
-            <a:schemeClr val="accent1"/>
-          </a:fillRef>
-          <a:effectRef idx="2">
-            <a:schemeClr val="accent1"/>
-          </a:effectRef>
-          <a:fontRef idx="minor">
-            <a:schemeClr val="lt1"/>
-          </a:fontRef>
-        </p:style>
-        <p:txBody>
-          <a:bodyPr rtlCol="0" anchor="ctr"/>
-          <a:lstStyle/>
-          <a:p>
-            <a:pPr algn="ctr"/>
-            <a:r>
-              <a:rPr lang="en-US" dirty="0"/>
-              <a:t>IBM</a:t>
-            </a:r>
-          </a:p>
-          <a:p>
-            <a:pPr algn="ctr"/>
-            <a:r>
-              <a:rPr lang="en-US" dirty="0"/>
-              <a:t>ODM</a:t>
-            </a:r>
-          </a:p>
-        </p:txBody>
-      </p:sp>
-      <p:sp>
-        <p:nvSpPr>
-          <p:cNvPr id="8" name="Rounded Rectangle 7"/>
-          <p:cNvSpPr/>
-          <p:nvPr/>
-        </p:nvSpPr>
-        <p:spPr>
-          <a:xfrm>
-            <a:off x="10906811" y="1874971"/>
-            <a:ext cx="990459" cy="685800"/>
-          </a:xfrm>
-          <a:prstGeom prst="roundRect">
-            <a:avLst/>
-          </a:prstGeom>
-          <a:solidFill>
-            <a:srgbClr val="FFC000"/>
-          </a:solidFill>
-          <a:ln>
-            <a:noFill/>
-          </a:ln>
-          <a:effectLst/>
-        </p:spPr>
-        <p:style>
-          <a:lnRef idx="1">
-            <a:schemeClr val="accent1"/>
-          </a:lnRef>
-          <a:fillRef idx="3">
-            <a:schemeClr val="accent1"/>
-          </a:fillRef>
-          <a:effectRef idx="2">
-            <a:schemeClr val="accent1"/>
-          </a:effectRef>
-          <a:fontRef idx="minor">
-            <a:schemeClr val="lt1"/>
-          </a:fontRef>
-        </p:style>
-        <p:txBody>
-          <a:bodyPr rtlCol="0" anchor="ctr"/>
-          <a:lstStyle/>
-          <a:p>
-            <a:pPr algn="ctr"/>
-            <a:r>
-              <a:rPr lang="en-US" dirty="0"/>
-              <a:t>IEX</a:t>
-            </a:r>
-          </a:p>
-        </p:txBody>
-      </p:sp>
-      <p:sp>
-        <p:nvSpPr>
-          <p:cNvPr id="9" name="Rounded Rectangle 8"/>
-          <p:cNvSpPr/>
-          <p:nvPr/>
-        </p:nvSpPr>
-        <p:spPr>
-          <a:xfrm>
-            <a:off x="10906812" y="4956280"/>
-            <a:ext cx="990458" cy="685800"/>
-          </a:xfrm>
-          <a:prstGeom prst="roundRect">
-            <a:avLst/>
-          </a:prstGeom>
-          <a:solidFill>
-            <a:srgbClr val="FFC000"/>
-          </a:solidFill>
-          <a:ln>
-            <a:noFill/>
-          </a:ln>
-          <a:effectLst/>
-        </p:spPr>
-        <p:style>
-          <a:lnRef idx="1">
-            <a:schemeClr val="accent1"/>
-          </a:lnRef>
-          <a:fillRef idx="3">
-            <a:schemeClr val="accent1"/>
-          </a:fillRef>
-          <a:effectRef idx="2">
-            <a:schemeClr val="accent1"/>
-          </a:effectRef>
-          <a:fontRef idx="minor">
-            <a:schemeClr val="lt1"/>
-          </a:fontRef>
-        </p:style>
-        <p:txBody>
-          <a:bodyPr rtlCol="0" anchor="ctr"/>
-          <a:lstStyle/>
-          <a:p>
-            <a:pPr algn="ctr"/>
-            <a:r>
-              <a:rPr lang="en-US" dirty="0"/>
-              <a:t>Slack</a:t>
-            </a:r>
-          </a:p>
-        </p:txBody>
-      </p:sp>
-      <p:cxnSp>
-        <p:nvCxnSpPr>
-          <p:cNvPr id="11" name="Straight Connector 10"/>
-          <p:cNvCxnSpPr>
-            <a:cxnSpLocks/>
-            <a:stCxn id="3" idx="2"/>
-            <a:endCxn id="97" idx="0"/>
-          </p:cNvCxnSpPr>
-          <p:nvPr/>
-        </p:nvCxnSpPr>
-        <p:spPr>
-          <a:xfrm>
-            <a:off x="2842466" y="2560771"/>
-            <a:ext cx="2340" cy="353334"/>
-          </a:xfrm>
-          <a:prstGeom prst="line">
-            <a:avLst/>
-          </a:prstGeom>
-          <a:ln w="19050">
-            <a:solidFill>
-              <a:schemeClr val="tx1"/>
-            </a:solidFill>
-            <a:tailEnd type="arrow"/>
-          </a:ln>
-        </p:spPr>
-        <p:style>
-          <a:lnRef idx="1">
-            <a:schemeClr val="accent1"/>
-          </a:lnRef>
-          <a:fillRef idx="0">
-            <a:schemeClr val="accent1"/>
-          </a:fillRef>
-          <a:effectRef idx="0">
-            <a:schemeClr val="accent1"/>
-          </a:effectRef>
-          <a:fontRef idx="minor">
-            <a:schemeClr val="tx1"/>
-          </a:fontRef>
-        </p:style>
-      </p:cxnSp>
-      <p:cxnSp>
-        <p:nvCxnSpPr>
-          <p:cNvPr id="15" name="Straight Connector 14"/>
-          <p:cNvCxnSpPr>
-            <a:cxnSpLocks/>
-            <a:stCxn id="142" idx="3"/>
-            <a:endCxn id="6" idx="1"/>
-          </p:cNvCxnSpPr>
-          <p:nvPr/>
-        </p:nvCxnSpPr>
-        <p:spPr>
-          <a:xfrm>
-            <a:off x="5540433" y="2219579"/>
-            <a:ext cx="836427" cy="4719"/>
-          </a:xfrm>
-          <a:prstGeom prst="line">
-            <a:avLst/>
-          </a:prstGeom>
-          <a:ln w="19050">
-            <a:solidFill>
-              <a:schemeClr val="tx1"/>
-            </a:solidFill>
-            <a:tailEnd type="arrow"/>
-          </a:ln>
-        </p:spPr>
-        <p:style>
-          <a:lnRef idx="1">
-            <a:schemeClr val="accent1"/>
-          </a:lnRef>
-          <a:fillRef idx="0">
-            <a:schemeClr val="accent1"/>
-          </a:fillRef>
-          <a:effectRef idx="0">
-            <a:schemeClr val="accent1"/>
-          </a:effectRef>
-          <a:fontRef idx="minor">
-            <a:schemeClr val="tx1"/>
-          </a:fontRef>
-        </p:style>
-      </p:cxnSp>
-      <p:cxnSp>
-        <p:nvCxnSpPr>
-          <p:cNvPr id="18" name="Straight Connector 17"/>
-          <p:cNvCxnSpPr>
-            <a:cxnSpLocks/>
-            <a:stCxn id="5" idx="3"/>
-            <a:endCxn id="7" idx="1"/>
-          </p:cNvCxnSpPr>
-          <p:nvPr/>
-        </p:nvCxnSpPr>
-        <p:spPr>
-          <a:xfrm>
-            <a:off x="5539646" y="3255907"/>
-            <a:ext cx="859766" cy="1049165"/>
-          </a:xfrm>
-          <a:prstGeom prst="line">
-            <a:avLst/>
-          </a:prstGeom>
-          <a:ln w="19050">
-            <a:solidFill>
-              <a:schemeClr val="tx1"/>
-            </a:solidFill>
-            <a:tailEnd type="arrow"/>
-          </a:ln>
-        </p:spPr>
-        <p:style>
-          <a:lnRef idx="1">
-            <a:schemeClr val="accent1"/>
-          </a:lnRef>
-          <a:fillRef idx="0">
-            <a:schemeClr val="accent1"/>
-          </a:fillRef>
-          <a:effectRef idx="0">
-            <a:schemeClr val="accent1"/>
-          </a:effectRef>
-          <a:fontRef idx="minor">
-            <a:schemeClr val="tx1"/>
-          </a:fontRef>
-        </p:style>
-      </p:cxnSp>
-      <p:sp>
-        <p:nvSpPr>
-          <p:cNvPr id="27" name="Rounded Rectangle 26"/>
-          <p:cNvSpPr/>
-          <p:nvPr/>
-        </p:nvSpPr>
-        <p:spPr>
-          <a:xfrm>
-            <a:off x="217935" y="2912265"/>
-            <a:ext cx="1143000" cy="685800"/>
-          </a:xfrm>
-          <a:prstGeom prst="roundRect">
-            <a:avLst/>
-          </a:prstGeom>
-          <a:solidFill>
-            <a:schemeClr val="tx1">
-              <a:lumMod val="50000"/>
-              <a:lumOff val="50000"/>
-            </a:schemeClr>
-          </a:solidFill>
-          <a:ln>
-            <a:noFill/>
-          </a:ln>
-          <a:effectLst/>
-        </p:spPr>
-        <p:style>
-          <a:lnRef idx="1">
-            <a:schemeClr val="accent1"/>
-          </a:lnRef>
-          <a:fillRef idx="3">
-            <a:schemeClr val="accent1"/>
-          </a:fillRef>
-          <a:effectRef idx="2">
-            <a:schemeClr val="accent1"/>
-          </a:effectRef>
-          <a:fontRef idx="minor">
-            <a:schemeClr val="lt1"/>
-          </a:fontRef>
-        </p:style>
-        <p:txBody>
-          <a:bodyPr rtlCol="0" anchor="ctr"/>
-          <a:lstStyle/>
-          <a:p>
-            <a:pPr algn="ctr"/>
-            <a:r>
-              <a:rPr lang="en-US" dirty="0"/>
-              <a:t>Browser</a:t>
-            </a:r>
-          </a:p>
-        </p:txBody>
-      </p:sp>
-      <p:cxnSp>
-        <p:nvCxnSpPr>
-          <p:cNvPr id="28" name="Straight Connector 27"/>
-          <p:cNvCxnSpPr>
-            <a:stCxn id="27" idx="3"/>
-            <a:endCxn id="3" idx="1"/>
-          </p:cNvCxnSpPr>
-          <p:nvPr/>
-        </p:nvCxnSpPr>
-        <p:spPr>
-          <a:xfrm flipV="1">
-            <a:off x="1360935" y="2217871"/>
-            <a:ext cx="910031" cy="1037294"/>
-          </a:xfrm>
-          <a:prstGeom prst="line">
-            <a:avLst/>
-          </a:prstGeom>
-          <a:ln w="19050">
-            <a:solidFill>
-              <a:schemeClr val="tx1"/>
-            </a:solidFill>
-            <a:tailEnd type="arrow"/>
-          </a:ln>
-        </p:spPr>
-        <p:style>
-          <a:lnRef idx="1">
-            <a:schemeClr val="accent1"/>
-          </a:lnRef>
-          <a:fillRef idx="0">
-            <a:schemeClr val="accent1"/>
-          </a:fillRef>
-          <a:effectRef idx="0">
-            <a:schemeClr val="accent1"/>
-          </a:effectRef>
-          <a:fontRef idx="minor">
-            <a:schemeClr val="tx1"/>
-          </a:fontRef>
-        </p:style>
-      </p:cxnSp>
-      <p:sp>
-        <p:nvSpPr>
-          <p:cNvPr id="31" name="TextBox 30"/>
-          <p:cNvSpPr txBox="1"/>
-          <p:nvPr/>
-        </p:nvSpPr>
-        <p:spPr>
-          <a:xfrm>
-            <a:off x="1890573" y="2718694"/>
-            <a:ext cx="903923" cy="184666"/>
-          </a:xfrm>
-          <a:prstGeom prst="rect">
-            <a:avLst/>
-          </a:prstGeom>
-          <a:noFill/>
-          <a:ln>
-            <a:noFill/>
-          </a:ln>
-        </p:spPr>
-        <p:txBody>
-          <a:bodyPr wrap="square" lIns="0" tIns="0" rIns="0" bIns="0" rtlCol="0">
-            <a:spAutoFit/>
-          </a:bodyPr>
-          <a:lstStyle/>
-          <a:p>
-            <a:pPr algn="r"/>
-            <a:r>
-              <a:rPr lang="en-US" sz="1200" i="1" kern="0" spc="-30" dirty="0">
-                <a:latin typeface="Arial"/>
-                <a:cs typeface="Arial"/>
-              </a:rPr>
-              <a:t>POST/GET</a:t>
-            </a:r>
-          </a:p>
-        </p:txBody>
-      </p:sp>
-      <p:sp>
-        <p:nvSpPr>
-          <p:cNvPr id="26" name="Rounded Rectangle 25"/>
-          <p:cNvSpPr/>
-          <p:nvPr/>
-        </p:nvSpPr>
-        <p:spPr>
-          <a:xfrm>
-            <a:off x="8835173" y="1874971"/>
-            <a:ext cx="1276618" cy="685800"/>
-          </a:xfrm>
-          <a:prstGeom prst="roundRect">
-            <a:avLst/>
-          </a:prstGeom>
-          <a:solidFill>
-            <a:schemeClr val="accent5">
-              <a:lumMod val="40000"/>
-              <a:lumOff val="60000"/>
-            </a:schemeClr>
-          </a:solidFill>
-          <a:ln>
-            <a:noFill/>
-          </a:ln>
-          <a:effectLst/>
-        </p:spPr>
-        <p:style>
-          <a:lnRef idx="1">
-            <a:schemeClr val="accent1"/>
-          </a:lnRef>
-          <a:fillRef idx="3">
-            <a:schemeClr val="accent1"/>
-          </a:fillRef>
-          <a:effectRef idx="2">
-            <a:schemeClr val="accent1"/>
-          </a:effectRef>
-          <a:fontRef idx="minor">
-            <a:schemeClr val="lt1"/>
-          </a:fontRef>
-        </p:style>
-        <p:txBody>
-          <a:bodyPr rtlCol="0" anchor="ctr"/>
-          <a:lstStyle/>
-          <a:p>
-            <a:pPr algn="ctr"/>
-            <a:r>
-              <a:rPr lang="en-US" dirty="0"/>
-              <a:t>API Connect</a:t>
-            </a:r>
-          </a:p>
-        </p:txBody>
-      </p:sp>
-      <p:sp>
-        <p:nvSpPr>
-          <p:cNvPr id="29" name="Rounded Rectangle 28"/>
-          <p:cNvSpPr/>
-          <p:nvPr/>
-        </p:nvSpPr>
-        <p:spPr>
-          <a:xfrm>
-            <a:off x="8851137" y="4956280"/>
-            <a:ext cx="1225829" cy="685800"/>
-          </a:xfrm>
-          <a:prstGeom prst="roundRect">
-            <a:avLst/>
-          </a:prstGeom>
-          <a:solidFill>
-            <a:schemeClr val="accent5">
-              <a:lumMod val="40000"/>
-              <a:lumOff val="60000"/>
-            </a:schemeClr>
-          </a:solidFill>
-          <a:ln>
-            <a:noFill/>
-          </a:ln>
-          <a:effectLst/>
-        </p:spPr>
-        <p:style>
-          <a:lnRef idx="1">
-            <a:schemeClr val="accent1"/>
-          </a:lnRef>
-          <a:fillRef idx="3">
-            <a:schemeClr val="accent1"/>
-          </a:fillRef>
-          <a:effectRef idx="2">
-            <a:schemeClr val="accent1"/>
-          </a:effectRef>
-          <a:fontRef idx="minor">
-            <a:schemeClr val="lt1"/>
-          </a:fontRef>
-        </p:style>
-        <p:txBody>
-          <a:bodyPr rtlCol="0" anchor="ctr"/>
-          <a:lstStyle/>
-          <a:p>
-            <a:pPr algn="ctr"/>
-            <a:r>
-              <a:rPr lang="en-US" sz="1600" dirty="0"/>
-              <a:t>Functions</a:t>
-            </a:r>
-            <a:endParaRPr lang="en-US" sz="1300" dirty="0"/>
-          </a:p>
-        </p:txBody>
-      </p:sp>
-      <p:cxnSp>
-        <p:nvCxnSpPr>
-          <p:cNvPr id="37" name="Straight Connector 36"/>
-          <p:cNvCxnSpPr>
-            <a:cxnSpLocks/>
-            <a:stCxn id="26" idx="3"/>
-            <a:endCxn id="8" idx="1"/>
-          </p:cNvCxnSpPr>
-          <p:nvPr/>
-        </p:nvCxnSpPr>
-        <p:spPr>
-          <a:xfrm>
-            <a:off x="10111791" y="2217871"/>
-            <a:ext cx="795020" cy="0"/>
-          </a:xfrm>
-          <a:prstGeom prst="line">
-            <a:avLst/>
-          </a:prstGeom>
-          <a:ln w="19050">
-            <a:solidFill>
-              <a:schemeClr val="tx1"/>
-            </a:solidFill>
-            <a:tailEnd type="arrow"/>
-          </a:ln>
-        </p:spPr>
-        <p:style>
-          <a:lnRef idx="1">
-            <a:schemeClr val="accent1"/>
-          </a:lnRef>
-          <a:fillRef idx="0">
-            <a:schemeClr val="accent1"/>
-          </a:fillRef>
-          <a:effectRef idx="0">
-            <a:schemeClr val="accent1"/>
-          </a:effectRef>
-          <a:fontRef idx="minor">
-            <a:schemeClr val="tx1"/>
-          </a:fontRef>
-        </p:style>
-      </p:cxnSp>
-      <p:cxnSp>
-        <p:nvCxnSpPr>
-          <p:cNvPr id="40" name="Straight Connector 39"/>
-          <p:cNvCxnSpPr>
-            <a:cxnSpLocks/>
-            <a:stCxn id="29" idx="3"/>
-            <a:endCxn id="9" idx="1"/>
-          </p:cNvCxnSpPr>
-          <p:nvPr/>
-        </p:nvCxnSpPr>
-        <p:spPr>
-          <a:xfrm>
-            <a:off x="10076966" y="5299180"/>
-            <a:ext cx="829846" cy="0"/>
-          </a:xfrm>
-          <a:prstGeom prst="line">
-            <a:avLst/>
-          </a:prstGeom>
-          <a:ln w="19050">
-            <a:solidFill>
-              <a:schemeClr val="tx1"/>
-            </a:solidFill>
-            <a:tailEnd type="arrow"/>
-          </a:ln>
-        </p:spPr>
-        <p:style>
-          <a:lnRef idx="1">
-            <a:schemeClr val="accent1"/>
-          </a:lnRef>
-          <a:fillRef idx="0">
-            <a:schemeClr val="accent1"/>
-          </a:fillRef>
-          <a:effectRef idx="0">
-            <a:schemeClr val="accent1"/>
-          </a:effectRef>
-          <a:fontRef idx="minor">
-            <a:schemeClr val="tx1"/>
-          </a:fontRef>
-        </p:style>
-      </p:cxnSp>
-      <p:sp>
-        <p:nvSpPr>
-          <p:cNvPr id="43" name="TextBox 42"/>
-          <p:cNvSpPr txBox="1"/>
-          <p:nvPr/>
-        </p:nvSpPr>
-        <p:spPr>
-          <a:xfrm>
-            <a:off x="6002730" y="2266558"/>
-            <a:ext cx="357149" cy="215444"/>
-          </a:xfrm>
-          <a:prstGeom prst="rect">
-            <a:avLst/>
-          </a:prstGeom>
-          <a:noFill/>
-          <a:ln>
-            <a:noFill/>
-          </a:ln>
-        </p:spPr>
-        <p:txBody>
-          <a:bodyPr wrap="none" lIns="0" tIns="0" rIns="0" bIns="0" rtlCol="0">
-            <a:spAutoFit/>
-          </a:bodyPr>
-          <a:lstStyle/>
-          <a:p>
-            <a:r>
-              <a:rPr lang="en-US" sz="1400" i="1" kern="0" spc="-30" dirty="0">
-                <a:latin typeface="Arial"/>
-                <a:cs typeface="Arial"/>
-              </a:rPr>
-              <a:t>GET</a:t>
-            </a:r>
-          </a:p>
-        </p:txBody>
-      </p:sp>
-      <p:sp>
-        <p:nvSpPr>
-          <p:cNvPr id="44" name="TextBox 43"/>
-          <p:cNvSpPr txBox="1"/>
-          <p:nvPr/>
-        </p:nvSpPr>
-        <p:spPr>
-          <a:xfrm>
-            <a:off x="6107465" y="3786616"/>
-            <a:ext cx="473528" cy="215444"/>
-          </a:xfrm>
-          <a:prstGeom prst="rect">
-            <a:avLst/>
-          </a:prstGeom>
-          <a:noFill/>
-          <a:ln>
-            <a:noFill/>
-          </a:ln>
-        </p:spPr>
-        <p:txBody>
-          <a:bodyPr wrap="none" lIns="0" tIns="0" rIns="0" bIns="0" rtlCol="0">
-            <a:spAutoFit/>
-          </a:bodyPr>
-          <a:lstStyle/>
-          <a:p>
-            <a:r>
-              <a:rPr lang="en-US" sz="1400" i="1" kern="0" spc="-30" dirty="0">
-                <a:latin typeface="Arial"/>
-                <a:cs typeface="Arial"/>
-              </a:rPr>
-              <a:t>POST</a:t>
-            </a:r>
-          </a:p>
-        </p:txBody>
-      </p:sp>
-      <p:sp>
-        <p:nvSpPr>
-          <p:cNvPr id="48" name="TextBox 47"/>
-          <p:cNvSpPr txBox="1"/>
-          <p:nvPr/>
-        </p:nvSpPr>
-        <p:spPr>
-          <a:xfrm>
-            <a:off x="8432441" y="2277415"/>
-            <a:ext cx="357149" cy="215444"/>
-          </a:xfrm>
-          <a:prstGeom prst="rect">
-            <a:avLst/>
-          </a:prstGeom>
-          <a:noFill/>
-          <a:ln>
-            <a:noFill/>
-          </a:ln>
-        </p:spPr>
-        <p:txBody>
-          <a:bodyPr wrap="none" lIns="0" tIns="0" rIns="0" bIns="0" rtlCol="0">
-            <a:spAutoFit/>
-          </a:bodyPr>
-          <a:lstStyle/>
-          <a:p>
-            <a:r>
-              <a:rPr lang="en-US" sz="1400" i="1" kern="0" spc="-30" dirty="0">
-                <a:latin typeface="Arial"/>
-                <a:cs typeface="Arial"/>
-              </a:rPr>
-              <a:t>GET</a:t>
-            </a:r>
-          </a:p>
-        </p:txBody>
-      </p:sp>
-      <p:sp>
-        <p:nvSpPr>
-          <p:cNvPr id="30" name="Rounded Rectangle 29"/>
-          <p:cNvSpPr/>
-          <p:nvPr/>
-        </p:nvSpPr>
-        <p:spPr>
-          <a:xfrm>
-            <a:off x="4396823" y="925868"/>
-            <a:ext cx="1143000" cy="613639"/>
-          </a:xfrm>
-          <a:prstGeom prst="roundRect">
-            <a:avLst/>
-          </a:prstGeom>
-          <a:solidFill>
-            <a:srgbClr val="00B050"/>
-          </a:solidFill>
-          <a:ln>
-            <a:noFill/>
-          </a:ln>
-          <a:effectLst/>
-        </p:spPr>
-        <p:style>
-          <a:lnRef idx="1">
-            <a:schemeClr val="accent1"/>
-          </a:lnRef>
-          <a:fillRef idx="3">
-            <a:schemeClr val="accent1"/>
-          </a:fillRef>
-          <a:effectRef idx="2">
-            <a:schemeClr val="accent1"/>
-          </a:effectRef>
-          <a:fontRef idx="minor">
-            <a:schemeClr val="lt1"/>
-          </a:fontRef>
-        </p:style>
-        <p:txBody>
-          <a:bodyPr rtlCol="0" anchor="ctr"/>
-          <a:lstStyle/>
-          <a:p>
-            <a:pPr algn="ctr"/>
-            <a:r>
-              <a:rPr lang="en-US" dirty="0"/>
-              <a:t>IBM</a:t>
-            </a:r>
-          </a:p>
-          <a:p>
-            <a:pPr algn="ctr"/>
-            <a:r>
-              <a:rPr lang="en-US" dirty="0"/>
-              <a:t>DB2</a:t>
-            </a:r>
-          </a:p>
-        </p:txBody>
-      </p:sp>
-      <p:cxnSp>
-        <p:nvCxnSpPr>
-          <p:cNvPr id="32" name="Straight Connector 31"/>
-          <p:cNvCxnSpPr>
-            <a:cxnSpLocks/>
-            <a:stCxn id="142" idx="0"/>
-            <a:endCxn id="30" idx="2"/>
-          </p:cNvCxnSpPr>
-          <p:nvPr/>
-        </p:nvCxnSpPr>
-        <p:spPr>
-          <a:xfrm flipH="1" flipV="1">
-            <a:off x="4968323" y="1539507"/>
-            <a:ext cx="610" cy="337172"/>
-          </a:xfrm>
-          <a:prstGeom prst="line">
-            <a:avLst/>
-          </a:prstGeom>
-          <a:ln w="19050">
-            <a:solidFill>
-              <a:schemeClr val="tx1"/>
-            </a:solidFill>
-            <a:tailEnd type="arrow"/>
-          </a:ln>
-        </p:spPr>
-        <p:style>
-          <a:lnRef idx="1">
-            <a:schemeClr val="accent1"/>
-          </a:lnRef>
-          <a:fillRef idx="0">
-            <a:schemeClr val="accent1"/>
-          </a:fillRef>
-          <a:effectRef idx="0">
-            <a:schemeClr val="accent1"/>
-          </a:effectRef>
-          <a:fontRef idx="minor">
-            <a:schemeClr val="tx1"/>
-          </a:fontRef>
-        </p:style>
-      </p:cxnSp>
-      <p:sp>
-        <p:nvSpPr>
-          <p:cNvPr id="33" name="Rounded Rectangle 32"/>
-          <p:cNvSpPr/>
-          <p:nvPr/>
-        </p:nvSpPr>
-        <p:spPr>
-          <a:xfrm>
-            <a:off x="4401205" y="3964243"/>
-            <a:ext cx="1143000" cy="685800"/>
-          </a:xfrm>
-          <a:prstGeom prst="roundRect">
-            <a:avLst/>
-          </a:prstGeom>
-          <a:solidFill>
-            <a:srgbClr val="00B050"/>
-          </a:solidFill>
-          <a:ln>
-            <a:noFill/>
-          </a:ln>
-          <a:effectLst/>
-        </p:spPr>
-        <p:style>
-          <a:lnRef idx="1">
-            <a:schemeClr val="accent1"/>
-          </a:lnRef>
-          <a:fillRef idx="3">
-            <a:schemeClr val="accent1"/>
-          </a:fillRef>
-          <a:effectRef idx="2">
-            <a:schemeClr val="accent1"/>
-          </a:effectRef>
-          <a:fontRef idx="minor">
-            <a:schemeClr val="lt1"/>
-          </a:fontRef>
-        </p:style>
-        <p:txBody>
-          <a:bodyPr rtlCol="0" anchor="ctr"/>
-          <a:lstStyle/>
-          <a:p>
-            <a:pPr algn="ctr"/>
-            <a:r>
-              <a:rPr lang="en-US" dirty="0"/>
-              <a:t>IBM</a:t>
-            </a:r>
-          </a:p>
-          <a:p>
-            <a:pPr algn="ctr"/>
-            <a:r>
-              <a:rPr lang="en-US" dirty="0"/>
-              <a:t>MQ</a:t>
-            </a:r>
-          </a:p>
-        </p:txBody>
-      </p:sp>
-      <p:cxnSp>
-        <p:nvCxnSpPr>
-          <p:cNvPr id="34" name="Straight Connector 33"/>
-          <p:cNvCxnSpPr>
-            <a:cxnSpLocks/>
-            <a:stCxn id="5" idx="2"/>
-            <a:endCxn id="33" idx="0"/>
-          </p:cNvCxnSpPr>
-          <p:nvPr/>
-        </p:nvCxnSpPr>
-        <p:spPr>
-          <a:xfrm>
-            <a:off x="4968146" y="3598807"/>
-            <a:ext cx="4559" cy="365436"/>
-          </a:xfrm>
-          <a:prstGeom prst="line">
-            <a:avLst/>
-          </a:prstGeom>
-          <a:ln w="19050">
-            <a:solidFill>
-              <a:schemeClr val="tx1"/>
-            </a:solidFill>
-            <a:tailEnd type="arrow"/>
-          </a:ln>
-        </p:spPr>
-        <p:style>
-          <a:lnRef idx="1">
-            <a:schemeClr val="accent1"/>
-          </a:lnRef>
-          <a:fillRef idx="0">
-            <a:schemeClr val="accent1"/>
-          </a:fillRef>
-          <a:effectRef idx="0">
-            <a:schemeClr val="accent1"/>
-          </a:effectRef>
-          <a:fontRef idx="minor">
-            <a:schemeClr val="tx1"/>
-          </a:fontRef>
-        </p:style>
-      </p:cxnSp>
-      <p:sp>
-        <p:nvSpPr>
-          <p:cNvPr id="36" name="TextBox 35"/>
-          <p:cNvSpPr txBox="1"/>
-          <p:nvPr/>
-        </p:nvSpPr>
-        <p:spPr>
-          <a:xfrm>
-            <a:off x="4535517" y="3771106"/>
-            <a:ext cx="347531" cy="215444"/>
-          </a:xfrm>
-          <a:prstGeom prst="rect">
-            <a:avLst/>
-          </a:prstGeom>
-          <a:noFill/>
-          <a:ln>
-            <a:noFill/>
-          </a:ln>
-        </p:spPr>
-        <p:txBody>
-          <a:bodyPr wrap="none" lIns="0" tIns="0" rIns="0" bIns="0" rtlCol="0">
-            <a:spAutoFit/>
-          </a:bodyPr>
-          <a:lstStyle/>
-          <a:p>
-            <a:r>
-              <a:rPr lang="en-US" sz="1400" i="1" kern="0" spc="-30" dirty="0">
-                <a:latin typeface="Arial"/>
-                <a:cs typeface="Arial"/>
-              </a:rPr>
-              <a:t>JMS</a:t>
-            </a:r>
-          </a:p>
-        </p:txBody>
-      </p:sp>
-      <p:sp>
-        <p:nvSpPr>
-          <p:cNvPr id="42" name="TextBox 41"/>
-          <p:cNvSpPr txBox="1"/>
-          <p:nvPr/>
-        </p:nvSpPr>
-        <p:spPr>
-          <a:xfrm>
-            <a:off x="5053637" y="1519561"/>
-            <a:ext cx="968855" cy="369332"/>
-          </a:xfrm>
-          <a:prstGeom prst="rect">
-            <a:avLst/>
-          </a:prstGeom>
-          <a:noFill/>
-          <a:ln>
-            <a:noFill/>
-          </a:ln>
-        </p:spPr>
-        <p:txBody>
-          <a:bodyPr wrap="none" lIns="0" tIns="0" rIns="0" bIns="0" rtlCol="0">
-            <a:spAutoFit/>
-          </a:bodyPr>
-          <a:lstStyle/>
-          <a:p>
-            <a:r>
-              <a:rPr lang="en-US" sz="1200" i="1" kern="0" spc="-30" dirty="0">
-                <a:latin typeface="Arial"/>
-                <a:cs typeface="Arial"/>
-              </a:rPr>
-              <a:t>Insert, Select,</a:t>
-            </a:r>
-          </a:p>
-          <a:p>
-            <a:r>
-              <a:rPr lang="en-US" sz="1200" i="1" kern="0" spc="-30" dirty="0">
-                <a:latin typeface="Arial"/>
-                <a:cs typeface="Arial"/>
-              </a:rPr>
-              <a:t>Update, Delete</a:t>
-            </a:r>
-          </a:p>
-        </p:txBody>
-      </p:sp>
-      <p:sp>
-        <p:nvSpPr>
-          <p:cNvPr id="45" name="Rounded Rectangle 44"/>
-          <p:cNvSpPr/>
-          <p:nvPr/>
-        </p:nvSpPr>
-        <p:spPr>
-          <a:xfrm>
-            <a:off x="6376860" y="932515"/>
-            <a:ext cx="1143000" cy="591398"/>
-          </a:xfrm>
-          <a:prstGeom prst="roundRect">
-            <a:avLst/>
-          </a:prstGeom>
-          <a:solidFill>
-            <a:srgbClr val="00B050"/>
-          </a:solidFill>
-          <a:ln>
-            <a:noFill/>
-          </a:ln>
-          <a:effectLst/>
-        </p:spPr>
-        <p:style>
-          <a:lnRef idx="1">
-            <a:schemeClr val="accent1"/>
-          </a:lnRef>
-          <a:fillRef idx="3">
-            <a:schemeClr val="accent1"/>
-          </a:fillRef>
-          <a:effectRef idx="2">
-            <a:schemeClr val="accent1"/>
-          </a:effectRef>
-          <a:fontRef idx="minor">
-            <a:schemeClr val="lt1"/>
-          </a:fontRef>
-        </p:style>
-        <p:txBody>
-          <a:bodyPr rtlCol="0" anchor="ctr"/>
-          <a:lstStyle/>
-          <a:p>
-            <a:pPr algn="ctr"/>
-            <a:r>
-              <a:rPr lang="en-US" dirty="0"/>
-              <a:t>Redis</a:t>
-            </a:r>
-          </a:p>
-        </p:txBody>
-      </p:sp>
-      <p:cxnSp>
-        <p:nvCxnSpPr>
-          <p:cNvPr id="46" name="Straight Connector 45"/>
-          <p:cNvCxnSpPr>
-            <a:cxnSpLocks/>
-            <a:stCxn id="6" idx="0"/>
-            <a:endCxn id="45" idx="2"/>
-          </p:cNvCxnSpPr>
-          <p:nvPr/>
-        </p:nvCxnSpPr>
-        <p:spPr>
-          <a:xfrm flipV="1">
-            <a:off x="6948360" y="1523913"/>
-            <a:ext cx="0" cy="357485"/>
-          </a:xfrm>
-          <a:prstGeom prst="line">
-            <a:avLst/>
-          </a:prstGeom>
-          <a:ln w="19050">
-            <a:solidFill>
-              <a:schemeClr val="tx1"/>
-            </a:solidFill>
-            <a:tailEnd type="arrow"/>
-          </a:ln>
-        </p:spPr>
-        <p:style>
-          <a:lnRef idx="1">
-            <a:schemeClr val="accent1"/>
-          </a:lnRef>
-          <a:fillRef idx="0">
-            <a:schemeClr val="accent1"/>
-          </a:fillRef>
-          <a:effectRef idx="0">
-            <a:schemeClr val="accent1"/>
-          </a:effectRef>
-          <a:fontRef idx="minor">
-            <a:schemeClr val="tx1"/>
-          </a:fontRef>
-        </p:style>
-      </p:cxnSp>
-      <p:sp>
-        <p:nvSpPr>
-          <p:cNvPr id="47" name="TextBox 46"/>
-          <p:cNvSpPr txBox="1"/>
-          <p:nvPr/>
-        </p:nvSpPr>
-        <p:spPr>
-          <a:xfrm>
-            <a:off x="7015422" y="1488939"/>
-            <a:ext cx="305853" cy="369332"/>
-          </a:xfrm>
-          <a:prstGeom prst="rect">
-            <a:avLst/>
-          </a:prstGeom>
-          <a:noFill/>
-          <a:ln>
-            <a:noFill/>
-          </a:ln>
-        </p:spPr>
-        <p:txBody>
-          <a:bodyPr wrap="none" lIns="0" tIns="0" rIns="0" bIns="0" rtlCol="0">
-            <a:spAutoFit/>
-          </a:bodyPr>
-          <a:lstStyle/>
-          <a:p>
-            <a:r>
-              <a:rPr lang="en-US" sz="1200" i="1" kern="0" spc="-30" dirty="0">
-                <a:latin typeface="Arial"/>
-                <a:cs typeface="Arial"/>
-              </a:rPr>
-              <a:t>GET</a:t>
-            </a:r>
-          </a:p>
-          <a:p>
-            <a:r>
-              <a:rPr lang="en-US" sz="1200" i="1" kern="0" spc="-30" dirty="0">
-                <a:latin typeface="Arial"/>
-                <a:cs typeface="Arial"/>
-              </a:rPr>
-              <a:t>SET</a:t>
-            </a:r>
-          </a:p>
-        </p:txBody>
-      </p:sp>
-      <p:cxnSp>
-        <p:nvCxnSpPr>
-          <p:cNvPr id="59" name="Straight Connector 58"/>
-          <p:cNvCxnSpPr>
-            <a:cxnSpLocks/>
-            <a:stCxn id="6" idx="3"/>
-            <a:endCxn id="26" idx="1"/>
-          </p:cNvCxnSpPr>
-          <p:nvPr/>
-        </p:nvCxnSpPr>
-        <p:spPr>
-          <a:xfrm flipV="1">
-            <a:off x="7519860" y="2217871"/>
-            <a:ext cx="1315313" cy="6427"/>
-          </a:xfrm>
-          <a:prstGeom prst="line">
-            <a:avLst/>
-          </a:prstGeom>
-          <a:ln w="19050">
-            <a:solidFill>
-              <a:schemeClr val="tx1"/>
-            </a:solidFill>
-            <a:tailEnd type="arrow"/>
-          </a:ln>
-        </p:spPr>
-        <p:style>
-          <a:lnRef idx="1">
-            <a:schemeClr val="accent1"/>
-          </a:lnRef>
-          <a:fillRef idx="0">
-            <a:schemeClr val="accent1"/>
-          </a:fillRef>
-          <a:effectRef idx="0">
-            <a:schemeClr val="accent1"/>
-          </a:effectRef>
-          <a:fontRef idx="minor">
-            <a:schemeClr val="tx1"/>
-          </a:fontRef>
-        </p:style>
-      </p:cxnSp>
-      <p:cxnSp>
-        <p:nvCxnSpPr>
-          <p:cNvPr id="62" name="Straight Connector 61"/>
-          <p:cNvCxnSpPr>
-            <a:cxnSpLocks/>
-            <a:stCxn id="60" idx="3"/>
-            <a:endCxn id="29" idx="1"/>
-          </p:cNvCxnSpPr>
-          <p:nvPr/>
-        </p:nvCxnSpPr>
-        <p:spPr>
-          <a:xfrm>
-            <a:off x="7547849" y="5299180"/>
-            <a:ext cx="1303288" cy="0"/>
-          </a:xfrm>
-          <a:prstGeom prst="line">
-            <a:avLst/>
-          </a:prstGeom>
-          <a:ln w="19050">
-            <a:solidFill>
-              <a:schemeClr val="tx1"/>
-            </a:solidFill>
-            <a:tailEnd type="arrow"/>
-          </a:ln>
-        </p:spPr>
-        <p:style>
-          <a:lnRef idx="1">
-            <a:schemeClr val="accent1"/>
-          </a:lnRef>
-          <a:fillRef idx="0">
-            <a:schemeClr val="accent1"/>
-          </a:fillRef>
-          <a:effectRef idx="0">
-            <a:schemeClr val="accent1"/>
-          </a:effectRef>
-          <a:fontRef idx="minor">
-            <a:schemeClr val="tx1"/>
-          </a:fontRef>
-        </p:style>
-      </p:cxnSp>
-      <p:sp>
-        <p:nvSpPr>
-          <p:cNvPr id="74" name="Rounded Rectangle 73"/>
-          <p:cNvSpPr/>
-          <p:nvPr/>
-        </p:nvSpPr>
-        <p:spPr>
-          <a:xfrm>
-            <a:off x="4372915" y="5020631"/>
-            <a:ext cx="1213655" cy="685800"/>
-          </a:xfrm>
-          <a:prstGeom prst="roundRect">
-            <a:avLst/>
-          </a:prstGeom>
-          <a:solidFill>
-            <a:schemeClr val="accent1"/>
-          </a:solidFill>
-          <a:ln>
-            <a:noFill/>
-          </a:ln>
-          <a:effectLst/>
-        </p:spPr>
-        <p:style>
-          <a:lnRef idx="1">
-            <a:schemeClr val="accent1"/>
-          </a:lnRef>
-          <a:fillRef idx="3">
-            <a:schemeClr val="accent1"/>
-          </a:fillRef>
-          <a:effectRef idx="2">
-            <a:schemeClr val="accent1"/>
-          </a:effectRef>
-          <a:fontRef idx="minor">
-            <a:schemeClr val="lt1"/>
-          </a:fontRef>
-        </p:style>
-        <p:txBody>
-          <a:bodyPr rtlCol="0" anchor="ctr"/>
-          <a:lstStyle/>
-          <a:p>
-            <a:pPr algn="ctr"/>
-            <a:r>
-              <a:rPr lang="en-US" sz="1500" dirty="0"/>
-              <a:t>Messaging</a:t>
-            </a:r>
-          </a:p>
-        </p:txBody>
-      </p:sp>
-      <p:cxnSp>
-        <p:nvCxnSpPr>
-          <p:cNvPr id="75" name="Straight Connector 74"/>
-          <p:cNvCxnSpPr>
-            <a:cxnSpLocks/>
-            <a:stCxn id="33" idx="2"/>
-            <a:endCxn id="74" idx="0"/>
-          </p:cNvCxnSpPr>
-          <p:nvPr/>
-        </p:nvCxnSpPr>
-        <p:spPr>
-          <a:xfrm>
-            <a:off x="4972705" y="4650043"/>
-            <a:ext cx="7038" cy="370588"/>
-          </a:xfrm>
-          <a:prstGeom prst="line">
-            <a:avLst/>
-          </a:prstGeom>
-          <a:ln w="19050">
-            <a:solidFill>
-              <a:schemeClr val="tx1"/>
-            </a:solidFill>
-            <a:tailEnd type="arrow"/>
-          </a:ln>
-        </p:spPr>
-        <p:style>
-          <a:lnRef idx="1">
-            <a:schemeClr val="accent1"/>
-          </a:lnRef>
-          <a:fillRef idx="0">
-            <a:schemeClr val="accent1"/>
-          </a:fillRef>
-          <a:effectRef idx="0">
-            <a:schemeClr val="accent1"/>
-          </a:effectRef>
-          <a:fontRef idx="minor">
-            <a:schemeClr val="tx1"/>
-          </a:fontRef>
-        </p:style>
-      </p:cxnSp>
-      <p:sp>
-        <p:nvSpPr>
-          <p:cNvPr id="50" name="Rounded Rectangle 49">
-            <a:extLst>
-              <a:ext uri="{FF2B5EF4-FFF2-40B4-BE49-F238E27FC236}">
-                <a16:creationId xmlns:a16="http://schemas.microsoft.com/office/drawing/2014/main" id="{4FC357A0-B537-3846-9CB5-66D95B8D76A8}"/>
-              </a:ext>
-            </a:extLst>
-          </p:cNvPr>
-          <p:cNvSpPr/>
-          <p:nvPr/>
-        </p:nvSpPr>
-        <p:spPr>
-          <a:xfrm>
-            <a:off x="2270966" y="3965857"/>
-            <a:ext cx="1143000" cy="685800"/>
-          </a:xfrm>
-          <a:prstGeom prst="roundRect">
-            <a:avLst/>
-          </a:prstGeom>
-          <a:solidFill>
-            <a:srgbClr val="F8EE00"/>
-          </a:solidFill>
-          <a:ln>
-            <a:noFill/>
-          </a:ln>
-          <a:effectLst/>
-        </p:spPr>
-        <p:style>
-          <a:lnRef idx="1">
-            <a:schemeClr val="accent1"/>
-          </a:lnRef>
-          <a:fillRef idx="3">
-            <a:schemeClr val="accent1"/>
-          </a:fillRef>
-          <a:effectRef idx="2">
-            <a:schemeClr val="accent1"/>
-          </a:effectRef>
-          <a:fontRef idx="minor">
-            <a:schemeClr val="lt1"/>
-          </a:fontRef>
-        </p:style>
-        <p:txBody>
-          <a:bodyPr rtlCol="0" anchor="ctr"/>
-          <a:lstStyle/>
-          <a:p>
-            <a:pPr algn="ctr"/>
-            <a:r>
-              <a:rPr lang="en-US" dirty="0"/>
-              <a:t>Tradr (Node)</a:t>
-            </a:r>
-          </a:p>
-        </p:txBody>
-      </p:sp>
-      <p:cxnSp>
-        <p:nvCxnSpPr>
-          <p:cNvPr id="51" name="Straight Connector 50">
-            <a:extLst>
-              <a:ext uri="{FF2B5EF4-FFF2-40B4-BE49-F238E27FC236}">
-                <a16:creationId xmlns:a16="http://schemas.microsoft.com/office/drawing/2014/main" id="{46DB6833-EB7B-634E-8F79-7E9380D0A847}"/>
-              </a:ext>
-            </a:extLst>
-          </p:cNvPr>
-          <p:cNvCxnSpPr>
-            <a:cxnSpLocks/>
-            <a:stCxn id="50" idx="0"/>
-            <a:endCxn id="97" idx="2"/>
-          </p:cNvCxnSpPr>
-          <p:nvPr/>
-        </p:nvCxnSpPr>
-        <p:spPr>
-          <a:xfrm flipV="1">
-            <a:off x="2842466" y="3599905"/>
-            <a:ext cx="2340" cy="365952"/>
-          </a:xfrm>
-          <a:prstGeom prst="line">
-            <a:avLst/>
-          </a:prstGeom>
-          <a:ln w="19050">
-            <a:solidFill>
-              <a:schemeClr val="tx1"/>
-            </a:solidFill>
-            <a:tailEnd type="arrow"/>
-          </a:ln>
-        </p:spPr>
-        <p:style>
-          <a:lnRef idx="1">
-            <a:schemeClr val="accent1"/>
-          </a:lnRef>
-          <a:fillRef idx="0">
-            <a:schemeClr val="accent1"/>
-          </a:fillRef>
-          <a:effectRef idx="0">
-            <a:schemeClr val="accent1"/>
-          </a:effectRef>
-          <a:fontRef idx="minor">
-            <a:schemeClr val="tx1"/>
-          </a:fontRef>
-        </p:style>
-      </p:cxnSp>
-      <p:cxnSp>
-        <p:nvCxnSpPr>
-          <p:cNvPr id="53" name="Straight Connector 52">
-            <a:extLst>
-              <a:ext uri="{FF2B5EF4-FFF2-40B4-BE49-F238E27FC236}">
-                <a16:creationId xmlns:a16="http://schemas.microsoft.com/office/drawing/2014/main" id="{FA720D8A-AE86-BE49-9ED3-8FA31BB6976C}"/>
-              </a:ext>
-            </a:extLst>
-          </p:cNvPr>
-          <p:cNvCxnSpPr>
-            <a:cxnSpLocks/>
-            <a:stCxn id="27" idx="3"/>
-            <a:endCxn id="50" idx="1"/>
-          </p:cNvCxnSpPr>
-          <p:nvPr/>
-        </p:nvCxnSpPr>
-        <p:spPr>
-          <a:xfrm>
-            <a:off x="1360935" y="3255165"/>
-            <a:ext cx="910031" cy="1053592"/>
-          </a:xfrm>
-          <a:prstGeom prst="line">
-            <a:avLst/>
-          </a:prstGeom>
-          <a:ln w="19050">
-            <a:solidFill>
-              <a:schemeClr val="tx1"/>
-            </a:solidFill>
-            <a:tailEnd type="arrow"/>
-          </a:ln>
-        </p:spPr>
-        <p:style>
-          <a:lnRef idx="1">
-            <a:schemeClr val="accent1"/>
-          </a:lnRef>
-          <a:fillRef idx="0">
-            <a:schemeClr val="accent1"/>
-          </a:fillRef>
-          <a:effectRef idx="0">
-            <a:schemeClr val="accent1"/>
-          </a:effectRef>
-          <a:fontRef idx="minor">
-            <a:schemeClr val="tx1"/>
-          </a:fontRef>
-        </p:style>
-      </p:cxnSp>
-      <p:sp>
-        <p:nvSpPr>
-          <p:cNvPr id="60" name="Rounded Rectangle 59">
-            <a:extLst>
-              <a:ext uri="{FF2B5EF4-FFF2-40B4-BE49-F238E27FC236}">
-                <a16:creationId xmlns:a16="http://schemas.microsoft.com/office/drawing/2014/main" id="{15C62E23-9FA9-0344-B0B7-574AB1982F03}"/>
-              </a:ext>
-            </a:extLst>
-          </p:cNvPr>
-          <p:cNvSpPr/>
-          <p:nvPr/>
-        </p:nvSpPr>
-        <p:spPr>
-          <a:xfrm>
-            <a:off x="6404849" y="4956280"/>
-            <a:ext cx="1143000" cy="685800"/>
-          </a:xfrm>
-          <a:prstGeom prst="roundRect">
-            <a:avLst/>
-          </a:prstGeom>
-          <a:solidFill>
-            <a:srgbClr val="00B0F0"/>
-          </a:solidFill>
-          <a:ln>
-            <a:noFill/>
-          </a:ln>
-          <a:effectLst/>
-        </p:spPr>
-        <p:style>
-          <a:lnRef idx="1">
-            <a:schemeClr val="accent1"/>
-          </a:lnRef>
-          <a:fillRef idx="3">
-            <a:schemeClr val="accent1"/>
-          </a:fillRef>
-          <a:effectRef idx="2">
-            <a:schemeClr val="accent1"/>
-          </a:effectRef>
-          <a:fontRef idx="minor">
-            <a:schemeClr val="lt1"/>
-          </a:fontRef>
-        </p:style>
-        <p:txBody>
-          <a:bodyPr rtlCol="0" anchor="ctr"/>
-          <a:lstStyle/>
-          <a:p>
-            <a:pPr algn="ctr"/>
-            <a:r>
-              <a:rPr lang="en-US" sz="1400" dirty="0"/>
-              <a:t>Notification </a:t>
-            </a:r>
-            <a:r>
-              <a:rPr lang="en-US" sz="1600" dirty="0"/>
-              <a:t>(Slack)</a:t>
-            </a:r>
-            <a:endParaRPr lang="en-US" sz="1400" dirty="0"/>
-          </a:p>
-        </p:txBody>
-      </p:sp>
-      <p:sp>
-        <p:nvSpPr>
-          <p:cNvPr id="61" name="TextBox 60">
-            <a:extLst>
-              <a:ext uri="{FF2B5EF4-FFF2-40B4-BE49-F238E27FC236}">
-                <a16:creationId xmlns:a16="http://schemas.microsoft.com/office/drawing/2014/main" id="{CD8ACFFE-F6D1-E442-BE1E-639AA558E35A}"/>
-              </a:ext>
-            </a:extLst>
-          </p:cNvPr>
-          <p:cNvSpPr txBox="1"/>
-          <p:nvPr/>
-        </p:nvSpPr>
-        <p:spPr>
-          <a:xfrm>
-            <a:off x="5056942" y="4823558"/>
-            <a:ext cx="890308" cy="215444"/>
-          </a:xfrm>
-          <a:prstGeom prst="rect">
-            <a:avLst/>
-          </a:prstGeom>
-          <a:noFill/>
-          <a:ln>
-            <a:noFill/>
-          </a:ln>
-        </p:spPr>
-        <p:txBody>
-          <a:bodyPr wrap="none" lIns="0" tIns="0" rIns="0" bIns="0" rtlCol="0">
-            <a:spAutoFit/>
-          </a:bodyPr>
-          <a:lstStyle/>
-          <a:p>
-            <a:r>
-              <a:rPr lang="en-US" sz="1400" i="1" kern="0" spc="-30" dirty="0">
-                <a:latin typeface="Arial"/>
-                <a:cs typeface="Arial"/>
-              </a:rPr>
-              <a:t>onMessage</a:t>
-            </a:r>
-          </a:p>
-        </p:txBody>
-      </p:sp>
-      <p:sp>
-        <p:nvSpPr>
-          <p:cNvPr id="63" name="Rounded Rectangle 62">
-            <a:extLst>
-              <a:ext uri="{FF2B5EF4-FFF2-40B4-BE49-F238E27FC236}">
-                <a16:creationId xmlns:a16="http://schemas.microsoft.com/office/drawing/2014/main" id="{02AFB515-7DE1-6940-9E22-5C26D4D2F603}"/>
-              </a:ext>
-            </a:extLst>
-          </p:cNvPr>
-          <p:cNvSpPr/>
-          <p:nvPr/>
-        </p:nvSpPr>
-        <p:spPr>
-          <a:xfrm>
-            <a:off x="6404849" y="6064264"/>
-            <a:ext cx="1143000" cy="685800"/>
-          </a:xfrm>
-          <a:prstGeom prst="roundRect">
-            <a:avLst/>
-          </a:prstGeom>
-          <a:solidFill>
-            <a:srgbClr val="7030A0"/>
-          </a:solidFill>
-          <a:ln>
-            <a:noFill/>
-          </a:ln>
-          <a:effectLst/>
-        </p:spPr>
-        <p:style>
-          <a:lnRef idx="1">
-            <a:schemeClr val="accent1"/>
-          </a:lnRef>
-          <a:fillRef idx="3">
-            <a:schemeClr val="accent1"/>
-          </a:fillRef>
-          <a:effectRef idx="2">
-            <a:schemeClr val="accent1"/>
-          </a:effectRef>
-          <a:fontRef idx="minor">
-            <a:schemeClr val="lt1"/>
-          </a:fontRef>
-        </p:style>
-        <p:txBody>
-          <a:bodyPr rtlCol="0" anchor="ctr"/>
-          <a:lstStyle/>
-          <a:p>
-            <a:pPr algn="ctr"/>
-            <a:r>
-              <a:rPr lang="en-US" sz="1400" dirty="0"/>
-              <a:t>Notification </a:t>
-            </a:r>
-            <a:r>
-              <a:rPr lang="en-US" sz="1600" dirty="0"/>
-              <a:t>(Twitter)</a:t>
-            </a:r>
-            <a:endParaRPr lang="en-US" sz="1400" dirty="0"/>
-          </a:p>
-        </p:txBody>
-      </p:sp>
-      <p:sp>
-        <p:nvSpPr>
-          <p:cNvPr id="65" name="TextBox 64">
-            <a:extLst>
-              <a:ext uri="{FF2B5EF4-FFF2-40B4-BE49-F238E27FC236}">
-                <a16:creationId xmlns:a16="http://schemas.microsoft.com/office/drawing/2014/main" id="{D06C92DC-44E4-9E48-9D9B-A0C376868592}"/>
-              </a:ext>
-            </a:extLst>
-          </p:cNvPr>
-          <p:cNvSpPr txBox="1"/>
-          <p:nvPr/>
-        </p:nvSpPr>
-        <p:spPr>
-          <a:xfrm>
-            <a:off x="4417627" y="1539507"/>
-            <a:ext cx="454292" cy="215444"/>
-          </a:xfrm>
-          <a:prstGeom prst="rect">
-            <a:avLst/>
-          </a:prstGeom>
-          <a:noFill/>
-          <a:ln>
-            <a:noFill/>
-          </a:ln>
-        </p:spPr>
-        <p:txBody>
-          <a:bodyPr wrap="none" lIns="0" tIns="0" rIns="0" bIns="0" rtlCol="0">
-            <a:spAutoFit/>
-          </a:bodyPr>
-          <a:lstStyle/>
-          <a:p>
-            <a:r>
-              <a:rPr lang="en-US" sz="1400" i="1" kern="0" spc="-30" dirty="0">
-                <a:latin typeface="Arial"/>
-                <a:cs typeface="Arial"/>
-              </a:rPr>
-              <a:t>JDBC</a:t>
-            </a:r>
-          </a:p>
-        </p:txBody>
-      </p:sp>
-      <p:sp>
-        <p:nvSpPr>
-          <p:cNvPr id="67" name="Rounded Rectangle 66">
-            <a:extLst>
-              <a:ext uri="{FF2B5EF4-FFF2-40B4-BE49-F238E27FC236}">
-                <a16:creationId xmlns:a16="http://schemas.microsoft.com/office/drawing/2014/main" id="{501F8815-6DE0-EC4F-A9D3-4FF22B0DD633}"/>
-              </a:ext>
-            </a:extLst>
-          </p:cNvPr>
-          <p:cNvSpPr/>
-          <p:nvPr/>
-        </p:nvSpPr>
-        <p:spPr>
-          <a:xfrm>
-            <a:off x="10906811" y="6064264"/>
-            <a:ext cx="990458" cy="685800"/>
-          </a:xfrm>
-          <a:prstGeom prst="roundRect">
-            <a:avLst/>
-          </a:prstGeom>
-          <a:solidFill>
-            <a:srgbClr val="FFC000"/>
-          </a:solidFill>
-          <a:ln>
-            <a:noFill/>
-          </a:ln>
-          <a:effectLst/>
-        </p:spPr>
-        <p:style>
-          <a:lnRef idx="1">
-            <a:schemeClr val="accent1"/>
-          </a:lnRef>
-          <a:fillRef idx="3">
-            <a:schemeClr val="accent1"/>
-          </a:fillRef>
-          <a:effectRef idx="2">
-            <a:schemeClr val="accent1"/>
-          </a:effectRef>
-          <a:fontRef idx="minor">
-            <a:schemeClr val="lt1"/>
-          </a:fontRef>
-        </p:style>
-        <p:txBody>
-          <a:bodyPr rtlCol="0" anchor="ctr"/>
-          <a:lstStyle/>
-          <a:p>
-            <a:pPr algn="ctr"/>
-            <a:r>
-              <a:rPr lang="en-US" dirty="0"/>
-              <a:t>Twitter</a:t>
-            </a:r>
-          </a:p>
-        </p:txBody>
-      </p:sp>
-      <p:cxnSp>
-        <p:nvCxnSpPr>
-          <p:cNvPr id="68" name="Straight Connector 67">
-            <a:extLst>
-              <a:ext uri="{FF2B5EF4-FFF2-40B4-BE49-F238E27FC236}">
-                <a16:creationId xmlns:a16="http://schemas.microsoft.com/office/drawing/2014/main" id="{027E334C-F5C4-CA41-AA29-8C5070EB55B4}"/>
-              </a:ext>
-            </a:extLst>
-          </p:cNvPr>
-          <p:cNvCxnSpPr>
-            <a:cxnSpLocks/>
-            <a:stCxn id="63" idx="3"/>
-            <a:endCxn id="67" idx="1"/>
-          </p:cNvCxnSpPr>
-          <p:nvPr/>
-        </p:nvCxnSpPr>
-        <p:spPr>
-          <a:xfrm>
-            <a:off x="7547849" y="6407164"/>
-            <a:ext cx="3358962" cy="0"/>
-          </a:xfrm>
-          <a:prstGeom prst="line">
-            <a:avLst/>
-          </a:prstGeom>
-          <a:ln w="19050">
-            <a:solidFill>
-              <a:schemeClr val="tx1"/>
-            </a:solidFill>
-            <a:tailEnd type="arrow"/>
-          </a:ln>
-        </p:spPr>
-        <p:style>
-          <a:lnRef idx="1">
-            <a:schemeClr val="accent1"/>
-          </a:lnRef>
-          <a:fillRef idx="0">
-            <a:schemeClr val="accent1"/>
-          </a:fillRef>
-          <a:effectRef idx="0">
-            <a:schemeClr val="accent1"/>
-          </a:effectRef>
-          <a:fontRef idx="minor">
-            <a:schemeClr val="tx1"/>
-          </a:fontRef>
-        </p:style>
-      </p:cxnSp>
-      <p:sp>
-        <p:nvSpPr>
-          <p:cNvPr id="77" name="TextBox 76">
-            <a:extLst>
-              <a:ext uri="{FF2B5EF4-FFF2-40B4-BE49-F238E27FC236}">
-                <a16:creationId xmlns:a16="http://schemas.microsoft.com/office/drawing/2014/main" id="{A45ACD54-B04B-B049-934D-790A98750F7D}"/>
-              </a:ext>
-            </a:extLst>
-          </p:cNvPr>
-          <p:cNvSpPr txBox="1"/>
-          <p:nvPr/>
-        </p:nvSpPr>
-        <p:spPr>
-          <a:xfrm>
-            <a:off x="5040274" y="3771106"/>
-            <a:ext cx="257763" cy="215444"/>
-          </a:xfrm>
-          <a:prstGeom prst="rect">
-            <a:avLst/>
-          </a:prstGeom>
-          <a:noFill/>
-          <a:ln>
-            <a:noFill/>
-          </a:ln>
-        </p:spPr>
-        <p:txBody>
-          <a:bodyPr wrap="none" lIns="0" tIns="0" rIns="0" bIns="0" rtlCol="0">
-            <a:spAutoFit/>
-          </a:bodyPr>
-          <a:lstStyle/>
-          <a:p>
-            <a:r>
-              <a:rPr lang="en-US" sz="1400" i="1" kern="0" spc="-30" dirty="0">
-                <a:latin typeface="Arial"/>
-                <a:cs typeface="Arial"/>
-              </a:rPr>
-              <a:t>Put</a:t>
-            </a:r>
-          </a:p>
-        </p:txBody>
-      </p:sp>
-      <p:cxnSp>
-        <p:nvCxnSpPr>
-          <p:cNvPr id="81" name="Straight Connector 80">
-            <a:extLst>
-              <a:ext uri="{FF2B5EF4-FFF2-40B4-BE49-F238E27FC236}">
-                <a16:creationId xmlns:a16="http://schemas.microsoft.com/office/drawing/2014/main" id="{DBA844AA-1D28-FE4F-8C83-CE8EAEF89BB5}"/>
-              </a:ext>
-            </a:extLst>
-          </p:cNvPr>
-          <p:cNvCxnSpPr>
-            <a:cxnSpLocks/>
-            <a:stCxn id="74" idx="3"/>
-            <a:endCxn id="16" idx="1"/>
-          </p:cNvCxnSpPr>
-          <p:nvPr/>
-        </p:nvCxnSpPr>
-        <p:spPr>
-          <a:xfrm>
-            <a:off x="5586570" y="5363531"/>
-            <a:ext cx="609606" cy="369623"/>
-          </a:xfrm>
-          <a:prstGeom prst="line">
-            <a:avLst/>
-          </a:prstGeom>
-          <a:ln w="19050">
-            <a:solidFill>
-              <a:schemeClr val="tx1"/>
-            </a:solidFill>
-            <a:tailEnd type="arrow"/>
-          </a:ln>
-        </p:spPr>
-        <p:style>
-          <a:lnRef idx="1">
-            <a:schemeClr val="accent1"/>
-          </a:lnRef>
-          <a:fillRef idx="0">
-            <a:schemeClr val="accent1"/>
-          </a:fillRef>
-          <a:effectRef idx="0">
-            <a:schemeClr val="accent1"/>
-          </a:effectRef>
-          <a:fontRef idx="minor">
-            <a:schemeClr val="tx1"/>
-          </a:fontRef>
-        </p:style>
-      </p:cxnSp>
-      <p:sp>
-        <p:nvSpPr>
-          <p:cNvPr id="84" name="TextBox 83">
-            <a:extLst>
-              <a:ext uri="{FF2B5EF4-FFF2-40B4-BE49-F238E27FC236}">
-                <a16:creationId xmlns:a16="http://schemas.microsoft.com/office/drawing/2014/main" id="{1199C97A-C6D6-B34F-9DBA-486F3D79CFFC}"/>
-              </a:ext>
-            </a:extLst>
-          </p:cNvPr>
-          <p:cNvSpPr txBox="1"/>
-          <p:nvPr/>
-        </p:nvSpPr>
-        <p:spPr>
-          <a:xfrm>
-            <a:off x="4507899" y="4826802"/>
-            <a:ext cx="387607" cy="215444"/>
-          </a:xfrm>
-          <a:prstGeom prst="rect">
-            <a:avLst/>
-          </a:prstGeom>
-          <a:noFill/>
-          <a:ln>
-            <a:noFill/>
-          </a:ln>
-        </p:spPr>
-        <p:txBody>
-          <a:bodyPr wrap="none" lIns="0" tIns="0" rIns="0" bIns="0" rtlCol="0">
-            <a:spAutoFit/>
-          </a:bodyPr>
-          <a:lstStyle/>
-          <a:p>
-            <a:r>
-              <a:rPr lang="en-US" sz="1400" i="1" kern="0" spc="-30" dirty="0">
-                <a:latin typeface="Arial"/>
-                <a:cs typeface="Arial"/>
-              </a:rPr>
-              <a:t>MDB</a:t>
-            </a:r>
-          </a:p>
-        </p:txBody>
-      </p:sp>
-      <p:sp>
-        <p:nvSpPr>
-          <p:cNvPr id="85" name="TextBox 84">
-            <a:extLst>
-              <a:ext uri="{FF2B5EF4-FFF2-40B4-BE49-F238E27FC236}">
-                <a16:creationId xmlns:a16="http://schemas.microsoft.com/office/drawing/2014/main" id="{644BB809-9639-DA4F-85C0-09ECA15EF8B4}"/>
-              </a:ext>
-            </a:extLst>
-          </p:cNvPr>
-          <p:cNvSpPr txBox="1"/>
-          <p:nvPr/>
-        </p:nvSpPr>
-        <p:spPr>
-          <a:xfrm>
-            <a:off x="10520985" y="1981682"/>
-            <a:ext cx="357149" cy="215444"/>
-          </a:xfrm>
-          <a:prstGeom prst="rect">
-            <a:avLst/>
-          </a:prstGeom>
-          <a:noFill/>
-          <a:ln>
-            <a:noFill/>
-          </a:ln>
-        </p:spPr>
-        <p:txBody>
-          <a:bodyPr wrap="none" lIns="0" tIns="0" rIns="0" bIns="0" rtlCol="0">
-            <a:spAutoFit/>
-          </a:bodyPr>
-          <a:lstStyle/>
-          <a:p>
-            <a:r>
-              <a:rPr lang="en-US" sz="1400" i="1" kern="0" spc="-30" dirty="0">
-                <a:latin typeface="Arial"/>
-                <a:cs typeface="Arial"/>
-              </a:rPr>
-              <a:t>GET</a:t>
-            </a:r>
-          </a:p>
-        </p:txBody>
-      </p:sp>
-      <p:sp>
-        <p:nvSpPr>
-          <p:cNvPr id="86" name="TextBox 85">
-            <a:extLst>
-              <a:ext uri="{FF2B5EF4-FFF2-40B4-BE49-F238E27FC236}">
-                <a16:creationId xmlns:a16="http://schemas.microsoft.com/office/drawing/2014/main" id="{BE3AF497-D683-3F48-B7DC-0C053B83D835}"/>
-              </a:ext>
-            </a:extLst>
-          </p:cNvPr>
-          <p:cNvSpPr txBox="1"/>
-          <p:nvPr/>
-        </p:nvSpPr>
-        <p:spPr>
-          <a:xfrm>
-            <a:off x="10404606" y="5042246"/>
-            <a:ext cx="473528" cy="215444"/>
-          </a:xfrm>
-          <a:prstGeom prst="rect">
-            <a:avLst/>
-          </a:prstGeom>
-          <a:noFill/>
-          <a:ln>
-            <a:noFill/>
-          </a:ln>
-        </p:spPr>
-        <p:txBody>
-          <a:bodyPr wrap="none" lIns="0" tIns="0" rIns="0" bIns="0" rtlCol="0">
-            <a:spAutoFit/>
-          </a:bodyPr>
-          <a:lstStyle/>
-          <a:p>
-            <a:r>
-              <a:rPr lang="en-US" sz="1400" i="1" kern="0" spc="-30" dirty="0">
-                <a:latin typeface="Arial"/>
-                <a:cs typeface="Arial"/>
-              </a:rPr>
-              <a:t>POST</a:t>
-            </a:r>
-          </a:p>
-        </p:txBody>
-      </p:sp>
-      <p:sp>
-        <p:nvSpPr>
-          <p:cNvPr id="87" name="TextBox 86">
-            <a:extLst>
-              <a:ext uri="{FF2B5EF4-FFF2-40B4-BE49-F238E27FC236}">
-                <a16:creationId xmlns:a16="http://schemas.microsoft.com/office/drawing/2014/main" id="{2580C5C6-EF99-D741-9952-4C416BCFBFA6}"/>
-              </a:ext>
-            </a:extLst>
-          </p:cNvPr>
-          <p:cNvSpPr txBox="1"/>
-          <p:nvPr/>
-        </p:nvSpPr>
-        <p:spPr>
-          <a:xfrm>
-            <a:off x="10404778" y="6141235"/>
-            <a:ext cx="473528" cy="215444"/>
-          </a:xfrm>
-          <a:prstGeom prst="rect">
-            <a:avLst/>
-          </a:prstGeom>
-          <a:noFill/>
-          <a:ln>
-            <a:noFill/>
-          </a:ln>
-        </p:spPr>
-        <p:txBody>
-          <a:bodyPr wrap="none" lIns="0" tIns="0" rIns="0" bIns="0" rtlCol="0">
-            <a:spAutoFit/>
-          </a:bodyPr>
-          <a:lstStyle/>
-          <a:p>
-            <a:r>
-              <a:rPr lang="en-US" sz="1400" i="1" kern="0" spc="-30" dirty="0">
-                <a:latin typeface="Arial"/>
-                <a:cs typeface="Arial"/>
-              </a:rPr>
-              <a:t>POST</a:t>
-            </a:r>
-          </a:p>
-        </p:txBody>
-      </p:sp>
-      <p:sp>
-        <p:nvSpPr>
-          <p:cNvPr id="88" name="TextBox 87">
-            <a:extLst>
-              <a:ext uri="{FF2B5EF4-FFF2-40B4-BE49-F238E27FC236}">
-                <a16:creationId xmlns:a16="http://schemas.microsoft.com/office/drawing/2014/main" id="{B48411D0-B9C4-4B4D-8DF4-C66BFF5A3365}"/>
-              </a:ext>
-            </a:extLst>
-          </p:cNvPr>
-          <p:cNvSpPr txBox="1"/>
-          <p:nvPr/>
-        </p:nvSpPr>
-        <p:spPr>
-          <a:xfrm>
-            <a:off x="5717090" y="5726132"/>
-            <a:ext cx="473528" cy="215444"/>
-          </a:xfrm>
-          <a:prstGeom prst="rect">
-            <a:avLst/>
-          </a:prstGeom>
-          <a:noFill/>
-          <a:ln>
-            <a:noFill/>
-          </a:ln>
-        </p:spPr>
-        <p:txBody>
-          <a:bodyPr wrap="none" lIns="0" tIns="0" rIns="0" bIns="0" rtlCol="0">
-            <a:spAutoFit/>
-          </a:bodyPr>
-          <a:lstStyle/>
-          <a:p>
-            <a:r>
-              <a:rPr lang="en-US" sz="1400" i="1" kern="0" spc="-30" dirty="0">
-                <a:latin typeface="Arial"/>
-                <a:cs typeface="Arial"/>
-              </a:rPr>
-              <a:t>POST</a:t>
-            </a:r>
-          </a:p>
-        </p:txBody>
-      </p:sp>
-      <p:sp>
-        <p:nvSpPr>
-          <p:cNvPr id="64" name="TextBox 63">
-            <a:extLst>
-              <a:ext uri="{FF2B5EF4-FFF2-40B4-BE49-F238E27FC236}">
-                <a16:creationId xmlns:a16="http://schemas.microsoft.com/office/drawing/2014/main" id="{7A524877-A211-AB45-A0B9-443A95C3A15C}"/>
-              </a:ext>
-            </a:extLst>
-          </p:cNvPr>
-          <p:cNvSpPr txBox="1"/>
-          <p:nvPr/>
-        </p:nvSpPr>
-        <p:spPr>
-          <a:xfrm>
-            <a:off x="8360628" y="5021345"/>
-            <a:ext cx="473528" cy="215444"/>
-          </a:xfrm>
-          <a:prstGeom prst="rect">
-            <a:avLst/>
-          </a:prstGeom>
-          <a:noFill/>
-          <a:ln>
-            <a:noFill/>
-          </a:ln>
-        </p:spPr>
-        <p:txBody>
-          <a:bodyPr wrap="none" lIns="0" tIns="0" rIns="0" bIns="0" rtlCol="0">
-            <a:spAutoFit/>
-          </a:bodyPr>
-          <a:lstStyle/>
-          <a:p>
-            <a:r>
-              <a:rPr lang="en-US" sz="1400" i="1" kern="0" spc="-30" dirty="0">
-                <a:latin typeface="Arial"/>
-                <a:cs typeface="Arial"/>
-              </a:rPr>
-              <a:t>POST</a:t>
-            </a:r>
-          </a:p>
-        </p:txBody>
-      </p:sp>
-      <p:sp>
-        <p:nvSpPr>
-          <p:cNvPr id="56" name="Rounded Rectangle 55">
-            <a:extLst>
-              <a:ext uri="{FF2B5EF4-FFF2-40B4-BE49-F238E27FC236}">
-                <a16:creationId xmlns:a16="http://schemas.microsoft.com/office/drawing/2014/main" id="{65265DEA-B38E-B945-805A-539C6E694BC3}"/>
-              </a:ext>
-            </a:extLst>
-          </p:cNvPr>
-          <p:cNvSpPr/>
-          <p:nvPr/>
-        </p:nvSpPr>
-        <p:spPr>
-          <a:xfrm>
-            <a:off x="8819188" y="3293308"/>
-            <a:ext cx="1276618" cy="927783"/>
-          </a:xfrm>
-          <a:prstGeom prst="roundRect">
-            <a:avLst/>
-          </a:prstGeom>
-          <a:solidFill>
-            <a:schemeClr val="accent5">
-              <a:lumMod val="40000"/>
-              <a:lumOff val="60000"/>
-            </a:schemeClr>
-          </a:solidFill>
-          <a:ln>
-            <a:noFill/>
-          </a:ln>
-          <a:effectLst/>
-        </p:spPr>
-        <p:style>
-          <a:lnRef idx="1">
-            <a:schemeClr val="accent1"/>
-          </a:lnRef>
-          <a:fillRef idx="3">
-            <a:schemeClr val="accent1"/>
-          </a:fillRef>
-          <a:effectRef idx="2">
-            <a:schemeClr val="accent1"/>
-          </a:effectRef>
-          <a:fontRef idx="minor">
-            <a:schemeClr val="lt1"/>
-          </a:fontRef>
-        </p:style>
-        <p:txBody>
-          <a:bodyPr rtlCol="0" anchor="ctr"/>
-          <a:lstStyle/>
-          <a:p>
-            <a:pPr algn="ctr"/>
-            <a:r>
-              <a:rPr lang="en-US" dirty="0"/>
-              <a:t>Watson Tone Analyzer</a:t>
-            </a:r>
-          </a:p>
-        </p:txBody>
-      </p:sp>
-      <p:cxnSp>
-        <p:nvCxnSpPr>
-          <p:cNvPr id="57" name="Straight Connector 56">
-            <a:extLst>
-              <a:ext uri="{FF2B5EF4-FFF2-40B4-BE49-F238E27FC236}">
-                <a16:creationId xmlns:a16="http://schemas.microsoft.com/office/drawing/2014/main" id="{A7BE60BD-04CD-8746-837E-7F1CA1949281}"/>
-              </a:ext>
-            </a:extLst>
-          </p:cNvPr>
-          <p:cNvCxnSpPr>
-            <a:cxnSpLocks/>
-          </p:cNvCxnSpPr>
-          <p:nvPr/>
-        </p:nvCxnSpPr>
-        <p:spPr>
-          <a:xfrm>
-            <a:off x="5281339" y="3589985"/>
-            <a:ext cx="0" cy="165836"/>
-          </a:xfrm>
-          <a:prstGeom prst="line">
-            <a:avLst/>
-          </a:prstGeom>
-          <a:ln w="19050">
-            <a:solidFill>
-              <a:schemeClr val="tx1"/>
-            </a:solidFill>
-            <a:tailEnd type="arrow"/>
-          </a:ln>
-        </p:spPr>
-        <p:style>
-          <a:lnRef idx="1">
-            <a:schemeClr val="accent1"/>
-          </a:lnRef>
-          <a:fillRef idx="0">
-            <a:schemeClr val="accent1"/>
-          </a:fillRef>
-          <a:effectRef idx="0">
-            <a:schemeClr val="accent1"/>
-          </a:effectRef>
-          <a:fontRef idx="minor">
-            <a:schemeClr val="tx1"/>
-          </a:fontRef>
-        </p:style>
-      </p:cxnSp>
-      <p:sp>
-        <p:nvSpPr>
-          <p:cNvPr id="66" name="TextBox 65">
-            <a:extLst>
-              <a:ext uri="{FF2B5EF4-FFF2-40B4-BE49-F238E27FC236}">
-                <a16:creationId xmlns:a16="http://schemas.microsoft.com/office/drawing/2014/main" id="{FB0C1DF8-1A77-BE42-8D9F-8D8B4CD9C41D}"/>
-              </a:ext>
-            </a:extLst>
-          </p:cNvPr>
-          <p:cNvSpPr txBox="1"/>
-          <p:nvPr/>
-        </p:nvSpPr>
-        <p:spPr>
-          <a:xfrm>
-            <a:off x="8361338" y="3806712"/>
-            <a:ext cx="473528" cy="215444"/>
-          </a:xfrm>
-          <a:prstGeom prst="rect">
-            <a:avLst/>
-          </a:prstGeom>
-          <a:noFill/>
-          <a:ln>
-            <a:noFill/>
-          </a:ln>
-        </p:spPr>
-        <p:txBody>
-          <a:bodyPr wrap="none" lIns="0" tIns="0" rIns="0" bIns="0" rtlCol="0">
-            <a:spAutoFit/>
-          </a:bodyPr>
-          <a:lstStyle/>
-          <a:p>
-            <a:r>
-              <a:rPr lang="en-US" sz="1400" i="1" kern="0" spc="-30" dirty="0">
-                <a:latin typeface="Arial"/>
-                <a:cs typeface="Arial"/>
-              </a:rPr>
-              <a:t>POST</a:t>
-            </a:r>
-          </a:p>
-        </p:txBody>
-      </p:sp>
-      <p:sp>
-        <p:nvSpPr>
-          <p:cNvPr id="10" name="TextBox 9">
-            <a:extLst>
-              <a:ext uri="{FF2B5EF4-FFF2-40B4-BE49-F238E27FC236}">
-                <a16:creationId xmlns:a16="http://schemas.microsoft.com/office/drawing/2014/main" id="{4C386602-77AC-1B4C-AC35-FC4A9F5EB5F9}"/>
-              </a:ext>
-            </a:extLst>
-          </p:cNvPr>
-          <p:cNvSpPr txBox="1"/>
-          <p:nvPr/>
-        </p:nvSpPr>
-        <p:spPr>
-          <a:xfrm>
-            <a:off x="6330292" y="5633377"/>
-            <a:ext cx="1290652" cy="430887"/>
-          </a:xfrm>
-          <a:prstGeom prst="rect">
-            <a:avLst/>
-          </a:prstGeom>
-          <a:noFill/>
-          <a:ln>
-            <a:noFill/>
-          </a:ln>
-        </p:spPr>
-        <p:txBody>
-          <a:bodyPr wrap="square" lIns="0" tIns="0" rIns="0" bIns="0" rtlCol="0">
-            <a:spAutoFit/>
-          </a:bodyPr>
-          <a:lstStyle/>
-          <a:p>
-            <a:pPr algn="ctr"/>
-            <a:r>
-              <a:rPr lang="en-US" sz="1400" i="1" kern="0" spc="-30" dirty="0">
-                <a:solidFill>
-                  <a:srgbClr val="FF0000"/>
-                </a:solidFill>
-                <a:latin typeface="Arial"/>
-                <a:cs typeface="Arial"/>
-              </a:rPr>
-              <a:t>Uses an Istio routing rule here</a:t>
-            </a:r>
-          </a:p>
-        </p:txBody>
-      </p:sp>
-      <p:sp>
-        <p:nvSpPr>
-          <p:cNvPr id="69" name="Rounded Rectangle 68">
-            <a:extLst>
-              <a:ext uri="{FF2B5EF4-FFF2-40B4-BE49-F238E27FC236}">
-                <a16:creationId xmlns:a16="http://schemas.microsoft.com/office/drawing/2014/main" id="{F4549238-D184-3344-923B-2273598BE4D6}"/>
-              </a:ext>
-            </a:extLst>
-          </p:cNvPr>
-          <p:cNvSpPr/>
-          <p:nvPr/>
-        </p:nvSpPr>
-        <p:spPr>
-          <a:xfrm>
-            <a:off x="2182566" y="4994647"/>
-            <a:ext cx="1380994" cy="685800"/>
-          </a:xfrm>
-          <a:prstGeom prst="roundRect">
-            <a:avLst/>
-          </a:prstGeom>
-          <a:solidFill>
-            <a:srgbClr val="00B050"/>
-          </a:solidFill>
-          <a:ln>
-            <a:noFill/>
-          </a:ln>
-          <a:effectLst/>
-        </p:spPr>
-        <p:style>
-          <a:lnRef idx="1">
-            <a:schemeClr val="accent1"/>
-          </a:lnRef>
-          <a:fillRef idx="3">
-            <a:schemeClr val="accent1"/>
-          </a:fillRef>
-          <a:effectRef idx="2">
-            <a:schemeClr val="accent1"/>
-          </a:effectRef>
-          <a:fontRef idx="minor">
-            <a:schemeClr val="lt1"/>
-          </a:fontRef>
-        </p:style>
-        <p:txBody>
-          <a:bodyPr rtlCol="0" anchor="ctr"/>
-          <a:lstStyle/>
-          <a:p>
-            <a:pPr algn="ctr"/>
-            <a:r>
-              <a:rPr lang="en-US" dirty="0"/>
-              <a:t>IBM Event Streams</a:t>
-            </a:r>
-          </a:p>
-        </p:txBody>
-      </p:sp>
-      <p:cxnSp>
-        <p:nvCxnSpPr>
-          <p:cNvPr id="70" name="Straight Connector 69">
-            <a:extLst>
-              <a:ext uri="{FF2B5EF4-FFF2-40B4-BE49-F238E27FC236}">
-                <a16:creationId xmlns:a16="http://schemas.microsoft.com/office/drawing/2014/main" id="{7FB4CCD6-E22A-F84C-882C-F8EEDACBBD67}"/>
-              </a:ext>
-            </a:extLst>
-          </p:cNvPr>
-          <p:cNvCxnSpPr>
-            <a:cxnSpLocks/>
-            <a:endCxn id="69" idx="3"/>
-          </p:cNvCxnSpPr>
-          <p:nvPr/>
-        </p:nvCxnSpPr>
-        <p:spPr>
-          <a:xfrm flipH="1">
-            <a:off x="3563560" y="2454584"/>
-            <a:ext cx="864704" cy="2882963"/>
-          </a:xfrm>
-          <a:prstGeom prst="line">
-            <a:avLst/>
-          </a:prstGeom>
-          <a:ln w="19050">
-            <a:solidFill>
-              <a:schemeClr val="tx1"/>
-            </a:solidFill>
-            <a:tailEnd type="arrow"/>
-          </a:ln>
-        </p:spPr>
-        <p:style>
-          <a:lnRef idx="1">
-            <a:schemeClr val="accent1"/>
-          </a:lnRef>
-          <a:fillRef idx="0">
-            <a:schemeClr val="accent1"/>
-          </a:fillRef>
-          <a:effectRef idx="0">
-            <a:schemeClr val="accent1"/>
-          </a:effectRef>
-          <a:fontRef idx="minor">
-            <a:schemeClr val="tx1"/>
-          </a:fontRef>
-        </p:style>
-      </p:cxnSp>
-      <p:sp>
-        <p:nvSpPr>
-          <p:cNvPr id="71" name="Rounded Rectangle 70">
-            <a:extLst>
-              <a:ext uri="{FF2B5EF4-FFF2-40B4-BE49-F238E27FC236}">
-                <a16:creationId xmlns:a16="http://schemas.microsoft.com/office/drawing/2014/main" id="{FF9AAA7A-4EEB-DF45-8959-9570607788C0}"/>
-              </a:ext>
-            </a:extLst>
-          </p:cNvPr>
-          <p:cNvSpPr/>
-          <p:nvPr/>
-        </p:nvSpPr>
-        <p:spPr>
-          <a:xfrm>
-            <a:off x="2302431" y="6023998"/>
-            <a:ext cx="1143000" cy="685800"/>
-          </a:xfrm>
-          <a:prstGeom prst="roundRect">
-            <a:avLst/>
-          </a:prstGeom>
-          <a:solidFill>
-            <a:schemeClr val="accent1"/>
-          </a:solidFill>
-          <a:ln>
-            <a:noFill/>
-          </a:ln>
-          <a:effectLst/>
-        </p:spPr>
-        <p:style>
-          <a:lnRef idx="1">
-            <a:schemeClr val="accent1"/>
-          </a:lnRef>
-          <a:fillRef idx="3">
-            <a:schemeClr val="accent1"/>
-          </a:fillRef>
-          <a:effectRef idx="2">
-            <a:schemeClr val="accent1"/>
-          </a:effectRef>
-          <a:fontRef idx="minor">
-            <a:schemeClr val="lt1"/>
-          </a:fontRef>
-        </p:style>
-        <p:txBody>
-          <a:bodyPr rtlCol="0" anchor="ctr"/>
-          <a:lstStyle/>
-          <a:p>
-            <a:pPr algn="ctr"/>
-            <a:r>
-              <a:rPr lang="en-US" dirty="0"/>
-              <a:t>Trade History</a:t>
-            </a:r>
-          </a:p>
-        </p:txBody>
-      </p:sp>
-      <p:cxnSp>
-        <p:nvCxnSpPr>
-          <p:cNvPr id="72" name="Straight Connector 71">
-            <a:extLst>
-              <a:ext uri="{FF2B5EF4-FFF2-40B4-BE49-F238E27FC236}">
-                <a16:creationId xmlns:a16="http://schemas.microsoft.com/office/drawing/2014/main" id="{E98C988F-14AB-854D-BC2A-22E936FB1AFA}"/>
-              </a:ext>
-            </a:extLst>
-          </p:cNvPr>
-          <p:cNvCxnSpPr>
-            <a:cxnSpLocks/>
-            <a:stCxn id="69" idx="2"/>
-            <a:endCxn id="71" idx="0"/>
-          </p:cNvCxnSpPr>
-          <p:nvPr/>
-        </p:nvCxnSpPr>
-        <p:spPr>
-          <a:xfrm>
-            <a:off x="2873063" y="5680447"/>
-            <a:ext cx="868" cy="343551"/>
-          </a:xfrm>
-          <a:prstGeom prst="line">
-            <a:avLst/>
-          </a:prstGeom>
-          <a:ln w="19050">
-            <a:solidFill>
-              <a:schemeClr val="tx1"/>
-            </a:solidFill>
-            <a:tailEnd type="arrow"/>
-          </a:ln>
-        </p:spPr>
-        <p:style>
-          <a:lnRef idx="1">
-            <a:schemeClr val="accent1"/>
-          </a:lnRef>
-          <a:fillRef idx="0">
-            <a:schemeClr val="accent1"/>
-          </a:fillRef>
-          <a:effectRef idx="0">
-            <a:schemeClr val="accent1"/>
-          </a:effectRef>
-          <a:fontRef idx="minor">
-            <a:schemeClr val="tx1"/>
-          </a:fontRef>
-        </p:style>
-      </p:cxnSp>
-      <p:sp>
-        <p:nvSpPr>
-          <p:cNvPr id="73" name="Rounded Rectangle 72">
-            <a:extLst>
-              <a:ext uri="{FF2B5EF4-FFF2-40B4-BE49-F238E27FC236}">
-                <a16:creationId xmlns:a16="http://schemas.microsoft.com/office/drawing/2014/main" id="{8D02D35D-39AB-5F48-998E-B1D1E747432B}"/>
-              </a:ext>
-            </a:extLst>
-          </p:cNvPr>
-          <p:cNvSpPr/>
-          <p:nvPr/>
-        </p:nvSpPr>
-        <p:spPr>
-          <a:xfrm>
-            <a:off x="4410731" y="6026321"/>
-            <a:ext cx="1137466" cy="685800"/>
-          </a:xfrm>
-          <a:prstGeom prst="roundRect">
-            <a:avLst/>
-          </a:prstGeom>
-          <a:solidFill>
-            <a:srgbClr val="00B050"/>
-          </a:solidFill>
-          <a:ln>
-            <a:noFill/>
-          </a:ln>
-          <a:effectLst/>
-        </p:spPr>
-        <p:style>
-          <a:lnRef idx="1">
-            <a:schemeClr val="accent1"/>
-          </a:lnRef>
-          <a:fillRef idx="3">
-            <a:schemeClr val="accent1"/>
-          </a:fillRef>
-          <a:effectRef idx="2">
-            <a:schemeClr val="accent1"/>
-          </a:effectRef>
-          <a:fontRef idx="minor">
-            <a:schemeClr val="lt1"/>
-          </a:fontRef>
-        </p:style>
-        <p:txBody>
-          <a:bodyPr rtlCol="0" anchor="ctr"/>
-          <a:lstStyle/>
-          <a:p>
-            <a:pPr algn="ctr"/>
-            <a:r>
-              <a:rPr lang="en-US" dirty="0"/>
-              <a:t>Mongo</a:t>
-            </a:r>
-          </a:p>
-        </p:txBody>
-      </p:sp>
-      <p:cxnSp>
-        <p:nvCxnSpPr>
-          <p:cNvPr id="80" name="Straight Connector 79">
-            <a:extLst>
-              <a:ext uri="{FF2B5EF4-FFF2-40B4-BE49-F238E27FC236}">
-                <a16:creationId xmlns:a16="http://schemas.microsoft.com/office/drawing/2014/main" id="{B1CAD3B5-51CB-594A-B21B-55D4AB420DCD}"/>
-              </a:ext>
-            </a:extLst>
-          </p:cNvPr>
-          <p:cNvCxnSpPr>
-            <a:cxnSpLocks/>
-            <a:stCxn id="71" idx="3"/>
-            <a:endCxn id="73" idx="1"/>
-          </p:cNvCxnSpPr>
-          <p:nvPr/>
-        </p:nvCxnSpPr>
-        <p:spPr>
-          <a:xfrm>
-            <a:off x="3445431" y="6366898"/>
-            <a:ext cx="965300" cy="2323"/>
-          </a:xfrm>
-          <a:prstGeom prst="line">
-            <a:avLst/>
-          </a:prstGeom>
-          <a:ln w="19050">
-            <a:solidFill>
-              <a:schemeClr val="tx1"/>
-            </a:solidFill>
-            <a:tailEnd type="arrow"/>
-          </a:ln>
-        </p:spPr>
-        <p:style>
-          <a:lnRef idx="1">
-            <a:schemeClr val="accent1"/>
-          </a:lnRef>
-          <a:fillRef idx="0">
-            <a:schemeClr val="accent1"/>
-          </a:fillRef>
-          <a:effectRef idx="0">
-            <a:schemeClr val="accent1"/>
-          </a:effectRef>
-          <a:fontRef idx="minor">
-            <a:schemeClr val="tx1"/>
-          </a:fontRef>
-        </p:style>
-      </p:cxnSp>
-      <p:sp>
-        <p:nvSpPr>
-          <p:cNvPr id="82" name="TextBox 81">
-            <a:extLst>
-              <a:ext uri="{FF2B5EF4-FFF2-40B4-BE49-F238E27FC236}">
-                <a16:creationId xmlns:a16="http://schemas.microsoft.com/office/drawing/2014/main" id="{AAFC9165-46E3-4B4B-9E81-A7744AE6857C}"/>
-              </a:ext>
-            </a:extLst>
-          </p:cNvPr>
-          <p:cNvSpPr txBox="1"/>
-          <p:nvPr/>
-        </p:nvSpPr>
-        <p:spPr>
-          <a:xfrm>
-            <a:off x="2900145" y="5814198"/>
-            <a:ext cx="620683" cy="215444"/>
-          </a:xfrm>
-          <a:prstGeom prst="rect">
-            <a:avLst/>
-          </a:prstGeom>
-          <a:noFill/>
-          <a:ln>
-            <a:noFill/>
-          </a:ln>
-        </p:spPr>
-        <p:txBody>
-          <a:bodyPr wrap="none" lIns="0" tIns="0" rIns="0" bIns="0" rtlCol="0">
-            <a:spAutoFit/>
-          </a:bodyPr>
-          <a:lstStyle/>
-          <a:p>
-            <a:r>
-              <a:rPr lang="en-US" sz="1400" i="1" kern="0" spc="-30" dirty="0">
-                <a:latin typeface="Arial"/>
-                <a:cs typeface="Arial"/>
-              </a:rPr>
-              <a:t>Receive</a:t>
-            </a:r>
-          </a:p>
-        </p:txBody>
-      </p:sp>
-      <p:sp>
-        <p:nvSpPr>
-          <p:cNvPr id="83" name="TextBox 82">
-            <a:extLst>
-              <a:ext uri="{FF2B5EF4-FFF2-40B4-BE49-F238E27FC236}">
-                <a16:creationId xmlns:a16="http://schemas.microsoft.com/office/drawing/2014/main" id="{C08C2D88-4A4C-B344-9544-DC7A4EC902DD}"/>
-              </a:ext>
-            </a:extLst>
-          </p:cNvPr>
-          <p:cNvSpPr txBox="1"/>
-          <p:nvPr/>
-        </p:nvSpPr>
-        <p:spPr>
-          <a:xfrm>
-            <a:off x="2628715" y="4794686"/>
-            <a:ext cx="1245279" cy="215444"/>
-          </a:xfrm>
-          <a:prstGeom prst="rect">
-            <a:avLst/>
-          </a:prstGeom>
-          <a:noFill/>
-          <a:ln>
-            <a:noFill/>
-          </a:ln>
-        </p:spPr>
-        <p:txBody>
-          <a:bodyPr wrap="square" lIns="0" tIns="0" rIns="0" bIns="0" rtlCol="0">
-            <a:spAutoFit/>
-          </a:bodyPr>
-          <a:lstStyle/>
-          <a:p>
-            <a:r>
-              <a:rPr lang="en-US" sz="1400" i="1" kern="0" spc="-30" dirty="0">
-                <a:latin typeface="Arial"/>
-                <a:cs typeface="Arial"/>
-              </a:rPr>
-              <a:t>Kafka Send</a:t>
-            </a:r>
-          </a:p>
-        </p:txBody>
-      </p:sp>
-      <p:sp>
-        <p:nvSpPr>
-          <p:cNvPr id="91" name="TextBox 90">
-            <a:extLst>
-              <a:ext uri="{FF2B5EF4-FFF2-40B4-BE49-F238E27FC236}">
-                <a16:creationId xmlns:a16="http://schemas.microsoft.com/office/drawing/2014/main" id="{74E68E03-9F05-6E4E-A556-44A60E00DCD1}"/>
-              </a:ext>
-            </a:extLst>
-          </p:cNvPr>
-          <p:cNvSpPr txBox="1"/>
-          <p:nvPr/>
-        </p:nvSpPr>
-        <p:spPr>
-          <a:xfrm>
-            <a:off x="4012383" y="6115743"/>
-            <a:ext cx="357149" cy="215444"/>
-          </a:xfrm>
-          <a:prstGeom prst="rect">
-            <a:avLst/>
-          </a:prstGeom>
-          <a:noFill/>
-          <a:ln>
-            <a:noFill/>
-          </a:ln>
-        </p:spPr>
-        <p:txBody>
-          <a:bodyPr wrap="none" lIns="0" tIns="0" rIns="0" bIns="0" rtlCol="0">
-            <a:spAutoFit/>
-          </a:bodyPr>
-          <a:lstStyle/>
-          <a:p>
-            <a:r>
-              <a:rPr lang="en-US" sz="1400" i="1" kern="0" spc="-30" dirty="0">
-                <a:latin typeface="Arial"/>
-                <a:cs typeface="Arial"/>
-              </a:rPr>
-              <a:t>GET</a:t>
-            </a:r>
-          </a:p>
-        </p:txBody>
-      </p:sp>
-      <p:sp>
-        <p:nvSpPr>
-          <p:cNvPr id="92" name="TextBox 91">
-            <a:extLst>
-              <a:ext uri="{FF2B5EF4-FFF2-40B4-BE49-F238E27FC236}">
-                <a16:creationId xmlns:a16="http://schemas.microsoft.com/office/drawing/2014/main" id="{31FF369E-F0C9-AC44-9E87-B94C5057962C}"/>
-              </a:ext>
-            </a:extLst>
-          </p:cNvPr>
-          <p:cNvSpPr txBox="1"/>
-          <p:nvPr/>
-        </p:nvSpPr>
-        <p:spPr>
-          <a:xfrm>
-            <a:off x="6488260" y="1519561"/>
-            <a:ext cx="399148" cy="215444"/>
-          </a:xfrm>
-          <a:prstGeom prst="rect">
-            <a:avLst/>
-          </a:prstGeom>
-          <a:noFill/>
-          <a:ln>
-            <a:noFill/>
-          </a:ln>
-        </p:spPr>
-        <p:txBody>
-          <a:bodyPr wrap="none" lIns="0" tIns="0" rIns="0" bIns="0" rtlCol="0">
-            <a:spAutoFit/>
-          </a:bodyPr>
-          <a:lstStyle/>
-          <a:p>
-            <a:r>
-              <a:rPr lang="en-US" sz="1400" i="1" kern="0" spc="-30" dirty="0">
-                <a:latin typeface="Arial"/>
-                <a:cs typeface="Arial"/>
-              </a:rPr>
-              <a:t>Jedis</a:t>
-            </a:r>
-          </a:p>
-        </p:txBody>
-      </p:sp>
-      <p:sp>
-        <p:nvSpPr>
-          <p:cNvPr id="93" name="TextBox 92">
-            <a:extLst>
-              <a:ext uri="{FF2B5EF4-FFF2-40B4-BE49-F238E27FC236}">
-                <a16:creationId xmlns:a16="http://schemas.microsoft.com/office/drawing/2014/main" id="{6317A6A6-BF4B-7C42-9D29-B8308EF81A4B}"/>
-              </a:ext>
-            </a:extLst>
-          </p:cNvPr>
-          <p:cNvSpPr txBox="1"/>
-          <p:nvPr/>
-        </p:nvSpPr>
-        <p:spPr>
-          <a:xfrm>
-            <a:off x="10175217" y="6465297"/>
-            <a:ext cx="691536" cy="215444"/>
-          </a:xfrm>
-          <a:prstGeom prst="rect">
-            <a:avLst/>
-          </a:prstGeom>
-          <a:noFill/>
-          <a:ln>
-            <a:noFill/>
-          </a:ln>
-        </p:spPr>
-        <p:txBody>
-          <a:bodyPr wrap="none" lIns="0" tIns="0" rIns="0" bIns="0" rtlCol="0">
-            <a:spAutoFit/>
-          </a:bodyPr>
-          <a:lstStyle/>
-          <a:p>
-            <a:r>
-              <a:rPr lang="en-US" sz="1400" i="1" kern="0" spc="-30" dirty="0">
-                <a:latin typeface="Arial"/>
-                <a:cs typeface="Arial"/>
-              </a:rPr>
-              <a:t>Twitter4J</a:t>
-            </a:r>
-          </a:p>
-        </p:txBody>
-      </p:sp>
-      <p:sp>
-        <p:nvSpPr>
-          <p:cNvPr id="94" name="TextBox 93">
-            <a:extLst>
-              <a:ext uri="{FF2B5EF4-FFF2-40B4-BE49-F238E27FC236}">
-                <a16:creationId xmlns:a16="http://schemas.microsoft.com/office/drawing/2014/main" id="{93182461-58C8-BB45-8E2E-218F038A2342}"/>
-              </a:ext>
-            </a:extLst>
-          </p:cNvPr>
-          <p:cNvSpPr txBox="1"/>
-          <p:nvPr/>
-        </p:nvSpPr>
-        <p:spPr>
-          <a:xfrm>
-            <a:off x="2373023" y="5818767"/>
-            <a:ext cx="439223" cy="215444"/>
-          </a:xfrm>
-          <a:prstGeom prst="rect">
-            <a:avLst/>
-          </a:prstGeom>
-          <a:noFill/>
-          <a:ln>
-            <a:noFill/>
-          </a:ln>
-        </p:spPr>
-        <p:txBody>
-          <a:bodyPr wrap="none" lIns="0" tIns="0" rIns="0" bIns="0" rtlCol="0">
-            <a:spAutoFit/>
-          </a:bodyPr>
-          <a:lstStyle/>
-          <a:p>
-            <a:r>
-              <a:rPr lang="en-US" sz="1400" i="1" kern="0" spc="-30" dirty="0">
-                <a:latin typeface="Arial"/>
-                <a:cs typeface="Arial"/>
-              </a:rPr>
-              <a:t>Kafka</a:t>
-            </a:r>
-          </a:p>
-        </p:txBody>
-      </p:sp>
-      <p:sp>
-        <p:nvSpPr>
-          <p:cNvPr id="106" name="Rounded Rectangle 105">
-            <a:extLst>
-              <a:ext uri="{FF2B5EF4-FFF2-40B4-BE49-F238E27FC236}">
-                <a16:creationId xmlns:a16="http://schemas.microsoft.com/office/drawing/2014/main" id="{442742A7-2F47-E841-904D-3656BC7B7989}"/>
-              </a:ext>
-            </a:extLst>
-          </p:cNvPr>
-          <p:cNvSpPr/>
-          <p:nvPr/>
-        </p:nvSpPr>
-        <p:spPr>
-          <a:xfrm>
-            <a:off x="228381" y="887338"/>
-            <a:ext cx="1143000" cy="685800"/>
-          </a:xfrm>
-          <a:prstGeom prst="roundRect">
-            <a:avLst/>
-          </a:prstGeom>
-          <a:solidFill>
-            <a:schemeClr val="tx1">
-              <a:lumMod val="50000"/>
-              <a:lumOff val="50000"/>
-            </a:schemeClr>
-          </a:solidFill>
-          <a:ln>
-            <a:noFill/>
-          </a:ln>
-          <a:effectLst/>
-        </p:spPr>
-        <p:style>
-          <a:lnRef idx="1">
-            <a:schemeClr val="accent1"/>
-          </a:lnRef>
-          <a:fillRef idx="3">
-            <a:schemeClr val="accent1"/>
-          </a:fillRef>
-          <a:effectRef idx="2">
-            <a:schemeClr val="accent1"/>
-          </a:effectRef>
-          <a:fontRef idx="minor">
-            <a:schemeClr val="lt1"/>
-          </a:fontRef>
-        </p:style>
-        <p:txBody>
-          <a:bodyPr rtlCol="0" anchor="ctr"/>
-          <a:lstStyle/>
-          <a:p>
-            <a:pPr algn="ctr"/>
-            <a:r>
-              <a:rPr lang="en-US" dirty="0"/>
-              <a:t>loopctl</a:t>
-            </a:r>
-          </a:p>
-        </p:txBody>
-      </p:sp>
-      <p:sp>
-        <p:nvSpPr>
-          <p:cNvPr id="121" name="Rounded Rectangle 120">
-            <a:extLst>
-              <a:ext uri="{FF2B5EF4-FFF2-40B4-BE49-F238E27FC236}">
-                <a16:creationId xmlns:a16="http://schemas.microsoft.com/office/drawing/2014/main" id="{A801E2D3-A919-E34D-8405-34B3E3AE0B43}"/>
-              </a:ext>
-            </a:extLst>
-          </p:cNvPr>
-          <p:cNvSpPr/>
-          <p:nvPr/>
-        </p:nvSpPr>
-        <p:spPr>
-          <a:xfrm>
-            <a:off x="2271526" y="936564"/>
-            <a:ext cx="1143000" cy="587349"/>
-          </a:xfrm>
-          <a:prstGeom prst="roundRect">
-            <a:avLst/>
-          </a:prstGeom>
-          <a:solidFill>
-            <a:schemeClr val="accent1"/>
-          </a:solidFill>
-          <a:ln>
-            <a:noFill/>
-          </a:ln>
-          <a:effectLst/>
-        </p:spPr>
-        <p:style>
-          <a:lnRef idx="1">
-            <a:schemeClr val="accent1"/>
-          </a:lnRef>
-          <a:fillRef idx="3">
-            <a:schemeClr val="accent1"/>
-          </a:fillRef>
-          <a:effectRef idx="2">
-            <a:schemeClr val="accent1"/>
-          </a:effectRef>
-          <a:fontRef idx="minor">
-            <a:schemeClr val="lt1"/>
-          </a:fontRef>
-        </p:style>
-        <p:txBody>
-          <a:bodyPr rtlCol="0" anchor="ctr"/>
-          <a:lstStyle/>
-          <a:p>
-            <a:pPr algn="ctr"/>
-            <a:r>
-              <a:rPr lang="en-US" dirty="0"/>
-              <a:t>Looper</a:t>
-            </a:r>
-          </a:p>
-        </p:txBody>
-      </p:sp>
-      <p:cxnSp>
-        <p:nvCxnSpPr>
-          <p:cNvPr id="122" name="Straight Connector 121">
-            <a:extLst>
-              <a:ext uri="{FF2B5EF4-FFF2-40B4-BE49-F238E27FC236}">
-                <a16:creationId xmlns:a16="http://schemas.microsoft.com/office/drawing/2014/main" id="{98D97BF9-C35E-E946-A391-F3739F40AC99}"/>
-              </a:ext>
-            </a:extLst>
-          </p:cNvPr>
-          <p:cNvCxnSpPr>
-            <a:cxnSpLocks/>
-            <a:stCxn id="106" idx="3"/>
-            <a:endCxn id="121" idx="1"/>
-          </p:cNvCxnSpPr>
-          <p:nvPr/>
-        </p:nvCxnSpPr>
-        <p:spPr>
-          <a:xfrm>
-            <a:off x="1371381" y="1230238"/>
-            <a:ext cx="900145" cy="1"/>
-          </a:xfrm>
-          <a:prstGeom prst="line">
-            <a:avLst/>
-          </a:prstGeom>
-          <a:ln w="19050">
-            <a:solidFill>
-              <a:schemeClr val="tx1"/>
-            </a:solidFill>
-            <a:tailEnd type="arrow"/>
-          </a:ln>
-        </p:spPr>
-        <p:style>
-          <a:lnRef idx="1">
-            <a:schemeClr val="accent1"/>
-          </a:lnRef>
-          <a:fillRef idx="0">
-            <a:schemeClr val="accent1"/>
-          </a:fillRef>
-          <a:effectRef idx="0">
-            <a:schemeClr val="accent1"/>
-          </a:effectRef>
-          <a:fontRef idx="minor">
-            <a:schemeClr val="tx1"/>
-          </a:fontRef>
-        </p:style>
-      </p:cxnSp>
-      <p:cxnSp>
-        <p:nvCxnSpPr>
-          <p:cNvPr id="126" name="Straight Connector 125">
-            <a:extLst>
-              <a:ext uri="{FF2B5EF4-FFF2-40B4-BE49-F238E27FC236}">
-                <a16:creationId xmlns:a16="http://schemas.microsoft.com/office/drawing/2014/main" id="{412A4646-9E9A-7E49-97D6-A677D52B3A8F}"/>
-              </a:ext>
-            </a:extLst>
-          </p:cNvPr>
-          <p:cNvCxnSpPr>
-            <a:cxnSpLocks/>
-            <a:stCxn id="121" idx="2"/>
-          </p:cNvCxnSpPr>
-          <p:nvPr/>
-        </p:nvCxnSpPr>
-        <p:spPr>
-          <a:xfrm>
-            <a:off x="2843026" y="1523913"/>
-            <a:ext cx="0" cy="228557"/>
-          </a:xfrm>
-          <a:prstGeom prst="line">
-            <a:avLst/>
-          </a:prstGeom>
-          <a:ln w="19050">
-            <a:solidFill>
-              <a:schemeClr val="tx1"/>
-            </a:solidFill>
-            <a:tailEnd type="arrow"/>
-          </a:ln>
-        </p:spPr>
-        <p:style>
-          <a:lnRef idx="1">
-            <a:schemeClr val="accent1"/>
-          </a:lnRef>
-          <a:fillRef idx="0">
-            <a:schemeClr val="accent1"/>
-          </a:fillRef>
-          <a:effectRef idx="0">
-            <a:schemeClr val="accent1"/>
-          </a:effectRef>
-          <a:fontRef idx="minor">
-            <a:schemeClr val="tx1"/>
-          </a:fontRef>
-        </p:style>
-      </p:cxnSp>
-      <p:cxnSp>
-        <p:nvCxnSpPr>
-          <p:cNvPr id="79" name="Straight Connector 78">
-            <a:extLst>
-              <a:ext uri="{FF2B5EF4-FFF2-40B4-BE49-F238E27FC236}">
-                <a16:creationId xmlns:a16="http://schemas.microsoft.com/office/drawing/2014/main" id="{BAF1A127-328C-AF45-A345-B926999C6103}"/>
-              </a:ext>
-            </a:extLst>
-          </p:cNvPr>
-          <p:cNvCxnSpPr>
-            <a:cxnSpLocks/>
-          </p:cNvCxnSpPr>
-          <p:nvPr/>
-        </p:nvCxnSpPr>
-        <p:spPr>
-          <a:xfrm>
-            <a:off x="1956089" y="3477633"/>
-            <a:ext cx="12790" cy="2889265"/>
-          </a:xfrm>
-          <a:prstGeom prst="line">
-            <a:avLst/>
-          </a:prstGeom>
-          <a:ln w="19050">
-            <a:solidFill>
-              <a:schemeClr val="tx1"/>
-            </a:solidFill>
-            <a:tailEnd type="arrow"/>
-          </a:ln>
-        </p:spPr>
-        <p:style>
-          <a:lnRef idx="1">
-            <a:schemeClr val="accent1"/>
-          </a:lnRef>
-          <a:fillRef idx="0">
-            <a:schemeClr val="accent1"/>
-          </a:fillRef>
-          <a:effectRef idx="0">
-            <a:schemeClr val="accent1"/>
-          </a:effectRef>
-          <a:fontRef idx="minor">
-            <a:schemeClr val="tx1"/>
-          </a:fontRef>
-        </p:style>
-      </p:cxnSp>
-      <p:sp>
-        <p:nvSpPr>
-          <p:cNvPr id="95" name="TextBox 94">
-            <a:extLst>
-              <a:ext uri="{FF2B5EF4-FFF2-40B4-BE49-F238E27FC236}">
-                <a16:creationId xmlns:a16="http://schemas.microsoft.com/office/drawing/2014/main" id="{1F3846B8-9F7C-B349-97A4-CB3799D8AA40}"/>
-              </a:ext>
-            </a:extLst>
-          </p:cNvPr>
-          <p:cNvSpPr txBox="1"/>
-          <p:nvPr/>
-        </p:nvSpPr>
-        <p:spPr>
-          <a:xfrm>
-            <a:off x="2006984" y="6146847"/>
-            <a:ext cx="305853" cy="184666"/>
-          </a:xfrm>
-          <a:prstGeom prst="rect">
-            <a:avLst/>
-          </a:prstGeom>
-          <a:noFill/>
-          <a:ln>
-            <a:noFill/>
-          </a:ln>
-        </p:spPr>
-        <p:txBody>
-          <a:bodyPr wrap="none" lIns="0" tIns="0" rIns="0" bIns="0" rtlCol="0">
-            <a:spAutoFit/>
-          </a:bodyPr>
-          <a:lstStyle/>
-          <a:p>
-            <a:r>
-              <a:rPr lang="en-US" sz="1200" i="1" kern="0" spc="-30" dirty="0">
-                <a:latin typeface="Arial"/>
-                <a:cs typeface="Arial"/>
-              </a:rPr>
-              <a:t>GET</a:t>
-            </a:r>
-          </a:p>
-        </p:txBody>
-      </p:sp>
-      <p:sp>
-        <p:nvSpPr>
-          <p:cNvPr id="16" name="Rounded Rectangle 15">
-            <a:extLst>
-              <a:ext uri="{FF2B5EF4-FFF2-40B4-BE49-F238E27FC236}">
-                <a16:creationId xmlns:a16="http://schemas.microsoft.com/office/drawing/2014/main" id="{5795AE4E-CE2B-6D4F-A105-5A725C137F3B}"/>
-              </a:ext>
-            </a:extLst>
-          </p:cNvPr>
-          <p:cNvSpPr/>
-          <p:nvPr/>
-        </p:nvSpPr>
-        <p:spPr>
-          <a:xfrm>
-            <a:off x="6196176" y="4671191"/>
-            <a:ext cx="1518272" cy="2123925"/>
-          </a:xfrm>
-          <a:prstGeom prst="roundRect">
-            <a:avLst/>
-          </a:prstGeom>
-          <a:noFill/>
-          <a:ln w="12700">
-            <a:solidFill>
-              <a:srgbClr val="FF0000"/>
-            </a:solidFill>
-          </a:ln>
-          <a:effectLst/>
-        </p:spPr>
-        <p:style>
-          <a:lnRef idx="1">
-            <a:schemeClr val="accent1"/>
-          </a:lnRef>
-          <a:fillRef idx="3">
-            <a:schemeClr val="accent1"/>
-          </a:fillRef>
-          <a:effectRef idx="2">
-            <a:schemeClr val="accent1"/>
-          </a:effectRef>
-          <a:fontRef idx="minor">
-            <a:schemeClr val="lt1"/>
-          </a:fontRef>
-        </p:style>
-        <p:txBody>
-          <a:bodyPr rtlCol="0" anchor="t" anchorCtr="0"/>
-          <a:lstStyle/>
-          <a:p>
-            <a:pPr algn="ctr"/>
-            <a:r>
-              <a:rPr lang="en-US" sz="1050" dirty="0">
-                <a:solidFill>
-                  <a:srgbClr val="FF0000"/>
-                </a:solidFill>
-              </a:rPr>
-              <a:t>Notification</a:t>
-            </a:r>
-            <a:r>
-              <a:rPr lang="en-US" sz="1050" dirty="0"/>
-              <a:t> </a:t>
-            </a:r>
-            <a:r>
-              <a:rPr lang="en-US" sz="1050" dirty="0">
-                <a:solidFill>
-                  <a:srgbClr val="FF0000"/>
-                </a:solidFill>
-              </a:rPr>
-              <a:t>Service</a:t>
-            </a:r>
-          </a:p>
-        </p:txBody>
-      </p:sp>
-      <p:sp>
-        <p:nvSpPr>
-          <p:cNvPr id="96" name="TextBox 95">
-            <a:extLst>
-              <a:ext uri="{FF2B5EF4-FFF2-40B4-BE49-F238E27FC236}">
-                <a16:creationId xmlns:a16="http://schemas.microsoft.com/office/drawing/2014/main" id="{72922834-EFF1-3349-BC81-574F1F285EFE}"/>
-              </a:ext>
-            </a:extLst>
-          </p:cNvPr>
-          <p:cNvSpPr txBox="1"/>
-          <p:nvPr/>
-        </p:nvSpPr>
-        <p:spPr>
-          <a:xfrm>
-            <a:off x="3910989" y="6406520"/>
-            <a:ext cx="473528" cy="215444"/>
-          </a:xfrm>
-          <a:prstGeom prst="rect">
-            <a:avLst/>
-          </a:prstGeom>
-          <a:noFill/>
-          <a:ln>
-            <a:noFill/>
-          </a:ln>
-        </p:spPr>
-        <p:txBody>
-          <a:bodyPr wrap="none" lIns="0" tIns="0" rIns="0" bIns="0" rtlCol="0">
-            <a:spAutoFit/>
-          </a:bodyPr>
-          <a:lstStyle/>
-          <a:p>
-            <a:r>
-              <a:rPr lang="en-US" sz="1400" i="1" kern="0" spc="-30" dirty="0">
-                <a:latin typeface="Arial"/>
-                <a:cs typeface="Arial"/>
-              </a:rPr>
-              <a:t>POST</a:t>
-            </a:r>
-          </a:p>
-        </p:txBody>
-      </p:sp>
-      <p:sp>
-        <p:nvSpPr>
-          <p:cNvPr id="12" name="TextBox 11">
-            <a:extLst>
-              <a:ext uri="{FF2B5EF4-FFF2-40B4-BE49-F238E27FC236}">
-                <a16:creationId xmlns:a16="http://schemas.microsoft.com/office/drawing/2014/main" id="{776A5A3E-7DB3-074D-A9DC-70929F0FC51A}"/>
-              </a:ext>
-            </a:extLst>
-          </p:cNvPr>
-          <p:cNvSpPr txBox="1"/>
-          <p:nvPr/>
-        </p:nvSpPr>
-        <p:spPr>
-          <a:xfrm>
-            <a:off x="59484" y="4050469"/>
-            <a:ext cx="1571257" cy="2831544"/>
-          </a:xfrm>
-          <a:prstGeom prst="rect">
-            <a:avLst/>
-          </a:prstGeom>
-          <a:noFill/>
-          <a:ln>
-            <a:noFill/>
-          </a:ln>
-        </p:spPr>
-        <p:txBody>
-          <a:bodyPr wrap="square" lIns="0" tIns="0" rIns="0" bIns="0" rtlCol="0">
-            <a:spAutoFit/>
-          </a:bodyPr>
-          <a:lstStyle/>
-          <a:p>
-            <a:pPr algn="ctr"/>
-            <a:r>
-              <a:rPr lang="en-US" sz="2000" b="1" i="1" kern="0" spc="-30" dirty="0">
-                <a:latin typeface="Arial"/>
-                <a:cs typeface="Arial"/>
-              </a:rPr>
-              <a:t>Legend:</a:t>
-            </a:r>
-          </a:p>
-          <a:p>
-            <a:pPr marL="342900" indent="-342900">
-              <a:buFont typeface="Wingdings" pitchFamily="2" charset="2"/>
-              <a:buChar char="Ø"/>
-            </a:pPr>
-            <a:r>
-              <a:rPr lang="en-US" sz="1600" b="1" kern="0" spc="-30" dirty="0">
-                <a:latin typeface="Arial"/>
-                <a:cs typeface="Arial"/>
-              </a:rPr>
-              <a:t>Blue</a:t>
-            </a:r>
-            <a:r>
-              <a:rPr lang="en-US" sz="1600" kern="0" spc="-30" dirty="0">
-                <a:latin typeface="Arial"/>
-                <a:cs typeface="Arial"/>
-              </a:rPr>
-              <a:t>:</a:t>
-            </a:r>
-            <a:br>
-              <a:rPr lang="en-US" sz="1600" kern="0" spc="-30" dirty="0">
-                <a:latin typeface="Arial"/>
-                <a:cs typeface="Arial"/>
-              </a:rPr>
-            </a:br>
-            <a:r>
-              <a:rPr lang="en-US" sz="1600" kern="0" spc="-30" dirty="0">
-                <a:latin typeface="Arial"/>
-                <a:cs typeface="Arial"/>
-              </a:rPr>
-              <a:t>  Liberty</a:t>
-            </a:r>
-          </a:p>
-          <a:p>
-            <a:pPr marL="342900" indent="-342900">
-              <a:buFont typeface="Wingdings" pitchFamily="2" charset="2"/>
-              <a:buChar char="Ø"/>
-            </a:pPr>
-            <a:r>
-              <a:rPr lang="en-US" sz="1600" b="1" kern="0" spc="-30" dirty="0">
-                <a:latin typeface="Arial"/>
-                <a:cs typeface="Arial"/>
-              </a:rPr>
-              <a:t>Purple</a:t>
-            </a:r>
-            <a:r>
-              <a:rPr lang="en-US" sz="1600" kern="0" spc="-30" dirty="0">
-                <a:latin typeface="Arial"/>
-                <a:cs typeface="Arial"/>
-              </a:rPr>
-              <a:t>:</a:t>
-            </a:r>
-            <a:br>
-              <a:rPr lang="en-US" sz="1600" kern="0" spc="-30" dirty="0">
-                <a:latin typeface="Arial"/>
-                <a:cs typeface="Arial"/>
-              </a:rPr>
-            </a:br>
-            <a:r>
-              <a:rPr lang="en-US" sz="1600" kern="0" spc="-30" dirty="0">
-                <a:latin typeface="Arial"/>
-                <a:cs typeface="Arial"/>
-              </a:rPr>
-              <a:t>  tWAS</a:t>
-            </a:r>
-          </a:p>
-          <a:p>
-            <a:pPr marL="342900" indent="-342900">
-              <a:buFont typeface="Wingdings" pitchFamily="2" charset="2"/>
-              <a:buChar char="Ø"/>
-            </a:pPr>
-            <a:r>
-              <a:rPr lang="en-US" sz="1600" b="1" kern="0" spc="-30" dirty="0">
-                <a:latin typeface="Arial"/>
-                <a:cs typeface="Arial"/>
-              </a:rPr>
-              <a:t>Red</a:t>
-            </a:r>
-            <a:r>
-              <a:rPr lang="en-US" sz="1600" kern="0" spc="-30" dirty="0">
-                <a:latin typeface="Arial"/>
-                <a:cs typeface="Arial"/>
-              </a:rPr>
-              <a:t>:</a:t>
-            </a:r>
-            <a:br>
-              <a:rPr lang="en-US" sz="1600" kern="0" spc="-30" dirty="0">
-                <a:latin typeface="Arial"/>
-                <a:cs typeface="Arial"/>
-              </a:rPr>
-            </a:br>
-            <a:r>
-              <a:rPr lang="en-US" sz="1600" kern="0" spc="-30" dirty="0">
-                <a:latin typeface="Arial"/>
-                <a:cs typeface="Arial"/>
-              </a:rPr>
-              <a:t>  Quarkus</a:t>
-            </a:r>
-          </a:p>
-          <a:p>
-            <a:pPr marL="342900" indent="-342900">
-              <a:buFont typeface="Wingdings" pitchFamily="2" charset="2"/>
-              <a:buChar char="Ø"/>
-            </a:pPr>
-            <a:r>
-              <a:rPr lang="en-US" sz="1600" b="1" kern="0" spc="-30" dirty="0">
-                <a:latin typeface="Arial"/>
-                <a:cs typeface="Arial"/>
-              </a:rPr>
-              <a:t>Yellow</a:t>
-            </a:r>
-            <a:r>
-              <a:rPr lang="en-US" sz="1600" kern="0" spc="-30" dirty="0">
-                <a:latin typeface="Arial"/>
-                <a:cs typeface="Arial"/>
-              </a:rPr>
-              <a:t>:</a:t>
-            </a:r>
-            <a:br>
-              <a:rPr lang="en-US" sz="1600" kern="0" spc="-30" dirty="0">
-                <a:latin typeface="Arial"/>
-                <a:cs typeface="Arial"/>
-              </a:rPr>
-            </a:br>
-            <a:r>
-              <a:rPr lang="en-US" sz="1600" kern="0" spc="-30" dirty="0">
-                <a:latin typeface="Arial"/>
-                <a:cs typeface="Arial"/>
-              </a:rPr>
-              <a:t>  Node.js</a:t>
-            </a:r>
-          </a:p>
-          <a:p>
-            <a:pPr marL="342900" indent="-342900">
-              <a:buFont typeface="Wingdings" pitchFamily="2" charset="2"/>
-              <a:buChar char="Ø"/>
-            </a:pPr>
-            <a:r>
-              <a:rPr lang="en-US" sz="1600" b="1" kern="0" spc="-30" dirty="0">
-                <a:latin typeface="Arial"/>
-                <a:cs typeface="Arial"/>
-              </a:rPr>
-              <a:t>Green</a:t>
-            </a:r>
-            <a:r>
-              <a:rPr lang="en-US" sz="1600" kern="0" spc="-30" dirty="0">
-                <a:latin typeface="Arial"/>
-                <a:cs typeface="Arial"/>
-              </a:rPr>
-              <a:t>:</a:t>
-            </a:r>
-            <a:br>
-              <a:rPr lang="en-US" sz="1600" kern="0" spc="-30" dirty="0">
-                <a:latin typeface="Arial"/>
-                <a:cs typeface="Arial"/>
-              </a:rPr>
-            </a:br>
-            <a:r>
-              <a:rPr lang="en-US" sz="1600" kern="0" spc="-30" dirty="0">
-                <a:latin typeface="Arial"/>
-                <a:cs typeface="Arial"/>
-              </a:rPr>
-              <a:t>  Dependency</a:t>
-            </a:r>
-          </a:p>
-        </p:txBody>
-      </p:sp>
-      <p:sp>
-        <p:nvSpPr>
-          <p:cNvPr id="97" name="Rounded Rectangle 96">
-            <a:extLst>
-              <a:ext uri="{FF2B5EF4-FFF2-40B4-BE49-F238E27FC236}">
-                <a16:creationId xmlns:a16="http://schemas.microsoft.com/office/drawing/2014/main" id="{17E8847F-07EA-5D49-B20B-D1A4C643FE61}"/>
-              </a:ext>
-            </a:extLst>
-          </p:cNvPr>
-          <p:cNvSpPr/>
-          <p:nvPr/>
-        </p:nvSpPr>
-        <p:spPr>
-          <a:xfrm>
-            <a:off x="2244180" y="2914105"/>
-            <a:ext cx="1201251" cy="685800"/>
-          </a:xfrm>
-          <a:prstGeom prst="roundRect">
-            <a:avLst/>
-          </a:prstGeom>
-          <a:solidFill>
-            <a:schemeClr val="accent1"/>
-          </a:solidFill>
-          <a:ln>
-            <a:noFill/>
-          </a:ln>
-          <a:effectLst/>
-        </p:spPr>
-        <p:style>
-          <a:lnRef idx="1">
-            <a:schemeClr val="accent1"/>
-          </a:lnRef>
-          <a:fillRef idx="3">
-            <a:schemeClr val="accent1"/>
-          </a:fillRef>
-          <a:effectRef idx="2">
-            <a:schemeClr val="accent1"/>
-          </a:effectRef>
-          <a:fontRef idx="minor">
-            <a:schemeClr val="lt1"/>
-          </a:fontRef>
-        </p:style>
-        <p:txBody>
-          <a:bodyPr rtlCol="0" anchor="ctr"/>
-          <a:lstStyle/>
-          <a:p>
-            <a:pPr algn="ctr"/>
-            <a:r>
-              <a:rPr lang="en-US" dirty="0"/>
-              <a:t>Broker</a:t>
-            </a:r>
-          </a:p>
-        </p:txBody>
-      </p:sp>
-      <p:sp>
-        <p:nvSpPr>
-          <p:cNvPr id="142" name="Rounded Rectangle 141">
-            <a:extLst>
-              <a:ext uri="{FF2B5EF4-FFF2-40B4-BE49-F238E27FC236}">
-                <a16:creationId xmlns:a16="http://schemas.microsoft.com/office/drawing/2014/main" id="{6C649C92-31C1-5047-A205-2BE1E0E0E3B0}"/>
-              </a:ext>
-            </a:extLst>
-          </p:cNvPr>
-          <p:cNvSpPr/>
-          <p:nvPr/>
-        </p:nvSpPr>
-        <p:spPr>
-          <a:xfrm>
-            <a:off x="4397433" y="1876679"/>
-            <a:ext cx="1143000" cy="685800"/>
-          </a:xfrm>
-          <a:prstGeom prst="roundRect">
-            <a:avLst/>
-          </a:prstGeom>
-          <a:solidFill>
-            <a:schemeClr val="accent1"/>
-          </a:solidFill>
-          <a:ln>
-            <a:noFill/>
-          </a:ln>
-          <a:effectLst/>
-        </p:spPr>
-        <p:style>
-          <a:lnRef idx="1">
-            <a:schemeClr val="accent1"/>
-          </a:lnRef>
-          <a:fillRef idx="3">
-            <a:schemeClr val="accent1"/>
-          </a:fillRef>
-          <a:effectRef idx="2">
-            <a:schemeClr val="accent1"/>
-          </a:effectRef>
-          <a:fontRef idx="minor">
-            <a:schemeClr val="lt1"/>
-          </a:fontRef>
-        </p:style>
-        <p:txBody>
-          <a:bodyPr rtlCol="0" anchor="ctr"/>
-          <a:lstStyle/>
-          <a:p>
-            <a:pPr algn="ctr"/>
-            <a:r>
-              <a:rPr lang="en-US" dirty="0"/>
-              <a:t>Portfolio</a:t>
-            </a:r>
-          </a:p>
-        </p:txBody>
-      </p:sp>
-      <p:cxnSp>
-        <p:nvCxnSpPr>
-          <p:cNvPr id="161" name="Straight Connector 160">
-            <a:extLst>
-              <a:ext uri="{FF2B5EF4-FFF2-40B4-BE49-F238E27FC236}">
-                <a16:creationId xmlns:a16="http://schemas.microsoft.com/office/drawing/2014/main" id="{13AC1BE4-2459-9944-9EE2-536B751ACD98}"/>
-              </a:ext>
-            </a:extLst>
-          </p:cNvPr>
-          <p:cNvCxnSpPr>
-            <a:cxnSpLocks/>
-          </p:cNvCxnSpPr>
-          <p:nvPr/>
-        </p:nvCxnSpPr>
-        <p:spPr>
-          <a:xfrm flipH="1">
-            <a:off x="1942471" y="1735005"/>
-            <a:ext cx="930594" cy="0"/>
-          </a:xfrm>
-          <a:prstGeom prst="line">
-            <a:avLst/>
-          </a:prstGeom>
-          <a:ln w="19050">
-            <a:solidFill>
-              <a:schemeClr val="tx1"/>
-            </a:solidFill>
-            <a:tailEnd type="arrow"/>
-          </a:ln>
-        </p:spPr>
-        <p:style>
-          <a:lnRef idx="1">
-            <a:schemeClr val="accent1"/>
-          </a:lnRef>
-          <a:fillRef idx="0">
-            <a:schemeClr val="accent1"/>
-          </a:fillRef>
-          <a:effectRef idx="0">
-            <a:schemeClr val="accent1"/>
-          </a:effectRef>
-          <a:fontRef idx="minor">
-            <a:schemeClr val="tx1"/>
-          </a:fontRef>
-        </p:style>
-      </p:cxnSp>
-      <p:cxnSp>
-        <p:nvCxnSpPr>
-          <p:cNvPr id="164" name="Straight Connector 163">
-            <a:extLst>
-              <a:ext uri="{FF2B5EF4-FFF2-40B4-BE49-F238E27FC236}">
-                <a16:creationId xmlns:a16="http://schemas.microsoft.com/office/drawing/2014/main" id="{AC98386A-8211-274F-8ED7-95BE1633B1DF}"/>
-              </a:ext>
-            </a:extLst>
-          </p:cNvPr>
-          <p:cNvCxnSpPr>
-            <a:cxnSpLocks/>
-          </p:cNvCxnSpPr>
-          <p:nvPr/>
-        </p:nvCxnSpPr>
-        <p:spPr>
-          <a:xfrm>
-            <a:off x="1942471" y="1762577"/>
-            <a:ext cx="0" cy="1363251"/>
-          </a:xfrm>
-          <a:prstGeom prst="line">
-            <a:avLst/>
-          </a:prstGeom>
-          <a:ln w="19050">
-            <a:solidFill>
-              <a:schemeClr val="tx1"/>
-            </a:solidFill>
-            <a:tailEnd type="arrow"/>
-          </a:ln>
-        </p:spPr>
-        <p:style>
-          <a:lnRef idx="1">
-            <a:schemeClr val="accent1"/>
-          </a:lnRef>
-          <a:fillRef idx="0">
-            <a:schemeClr val="accent1"/>
-          </a:fillRef>
-          <a:effectRef idx="0">
-            <a:schemeClr val="accent1"/>
-          </a:effectRef>
-          <a:fontRef idx="minor">
-            <a:schemeClr val="tx1"/>
-          </a:fontRef>
-        </p:style>
-      </p:cxnSp>
-      <p:cxnSp>
-        <p:nvCxnSpPr>
-          <p:cNvPr id="167" name="Straight Connector 166">
-            <a:extLst>
-              <a:ext uri="{FF2B5EF4-FFF2-40B4-BE49-F238E27FC236}">
-                <a16:creationId xmlns:a16="http://schemas.microsoft.com/office/drawing/2014/main" id="{84A90C44-69E1-A74F-9EDD-2D7F0EB6E0BC}"/>
-              </a:ext>
-            </a:extLst>
-          </p:cNvPr>
-          <p:cNvCxnSpPr>
-            <a:cxnSpLocks/>
-          </p:cNvCxnSpPr>
-          <p:nvPr/>
-        </p:nvCxnSpPr>
-        <p:spPr>
-          <a:xfrm flipV="1">
-            <a:off x="1950390" y="3118940"/>
-            <a:ext cx="284926" cy="6888"/>
-          </a:xfrm>
-          <a:prstGeom prst="line">
-            <a:avLst/>
-          </a:prstGeom>
-          <a:ln w="19050">
-            <a:solidFill>
-              <a:schemeClr val="tx1"/>
-            </a:solidFill>
-            <a:tailEnd type="arrow"/>
-          </a:ln>
-        </p:spPr>
-        <p:style>
-          <a:lnRef idx="1">
-            <a:schemeClr val="accent1"/>
-          </a:lnRef>
-          <a:fillRef idx="0">
-            <a:schemeClr val="accent1"/>
-          </a:fillRef>
-          <a:effectRef idx="0">
-            <a:schemeClr val="accent1"/>
-          </a:effectRef>
-          <a:fontRef idx="minor">
-            <a:schemeClr val="tx1"/>
-          </a:fontRef>
-        </p:style>
-      </p:cxnSp>
-      <p:cxnSp>
-        <p:nvCxnSpPr>
-          <p:cNvPr id="192" name="Straight Connector 191">
-            <a:extLst>
-              <a:ext uri="{FF2B5EF4-FFF2-40B4-BE49-F238E27FC236}">
-                <a16:creationId xmlns:a16="http://schemas.microsoft.com/office/drawing/2014/main" id="{5D7EE6C4-D39A-3C42-899E-5822BACE67BE}"/>
-              </a:ext>
-            </a:extLst>
-          </p:cNvPr>
-          <p:cNvCxnSpPr>
-            <a:cxnSpLocks/>
-            <a:stCxn id="97" idx="3"/>
-            <a:endCxn id="142" idx="1"/>
-          </p:cNvCxnSpPr>
-          <p:nvPr/>
-        </p:nvCxnSpPr>
-        <p:spPr>
-          <a:xfrm flipV="1">
-            <a:off x="3445431" y="2219579"/>
-            <a:ext cx="952002" cy="1037426"/>
-          </a:xfrm>
-          <a:prstGeom prst="line">
-            <a:avLst/>
-          </a:prstGeom>
-          <a:ln w="19050">
-            <a:solidFill>
-              <a:schemeClr val="tx1"/>
-            </a:solidFill>
-            <a:tailEnd type="arrow"/>
-          </a:ln>
-        </p:spPr>
-        <p:style>
-          <a:lnRef idx="1">
-            <a:schemeClr val="accent1"/>
-          </a:lnRef>
-          <a:fillRef idx="0">
-            <a:schemeClr val="accent1"/>
-          </a:fillRef>
-          <a:effectRef idx="0">
-            <a:schemeClr val="accent1"/>
-          </a:effectRef>
-          <a:fontRef idx="minor">
-            <a:schemeClr val="tx1"/>
-          </a:fontRef>
-        </p:style>
-      </p:cxnSp>
-      <p:cxnSp>
-        <p:nvCxnSpPr>
-          <p:cNvPr id="195" name="Straight Connector 194">
-            <a:extLst>
-              <a:ext uri="{FF2B5EF4-FFF2-40B4-BE49-F238E27FC236}">
-                <a16:creationId xmlns:a16="http://schemas.microsoft.com/office/drawing/2014/main" id="{DC36B9F1-48FA-5940-B5F7-A10B173B7C50}"/>
-              </a:ext>
-            </a:extLst>
-          </p:cNvPr>
-          <p:cNvCxnSpPr>
-            <a:cxnSpLocks/>
-            <a:stCxn id="97" idx="3"/>
-            <a:endCxn id="5" idx="1"/>
-          </p:cNvCxnSpPr>
-          <p:nvPr/>
-        </p:nvCxnSpPr>
-        <p:spPr>
-          <a:xfrm flipV="1">
-            <a:off x="3445431" y="3255907"/>
-            <a:ext cx="951215" cy="1098"/>
-          </a:xfrm>
-          <a:prstGeom prst="line">
-            <a:avLst/>
-          </a:prstGeom>
-          <a:ln w="19050">
-            <a:solidFill>
-              <a:schemeClr val="tx1"/>
-            </a:solidFill>
-            <a:tailEnd type="arrow"/>
-          </a:ln>
-        </p:spPr>
-        <p:style>
-          <a:lnRef idx="1">
-            <a:schemeClr val="accent1"/>
-          </a:lnRef>
-          <a:fillRef idx="0">
-            <a:schemeClr val="accent1"/>
-          </a:fillRef>
-          <a:effectRef idx="0">
-            <a:schemeClr val="accent1"/>
-          </a:effectRef>
-          <a:fontRef idx="minor">
-            <a:schemeClr val="tx1"/>
-          </a:fontRef>
-        </p:style>
-      </p:cxnSp>
-      <p:sp>
-        <p:nvSpPr>
-          <p:cNvPr id="198" name="TextBox 197">
-            <a:extLst>
-              <a:ext uri="{FF2B5EF4-FFF2-40B4-BE49-F238E27FC236}">
-                <a16:creationId xmlns:a16="http://schemas.microsoft.com/office/drawing/2014/main" id="{14A3D391-DA4F-F941-A2F9-40014DB6E3CA}"/>
-              </a:ext>
-            </a:extLst>
-          </p:cNvPr>
-          <p:cNvSpPr txBox="1"/>
-          <p:nvPr/>
-        </p:nvSpPr>
-        <p:spPr>
-          <a:xfrm>
-            <a:off x="2894056" y="2720712"/>
-            <a:ext cx="910506" cy="184666"/>
-          </a:xfrm>
-          <a:prstGeom prst="rect">
-            <a:avLst/>
-          </a:prstGeom>
-          <a:noFill/>
-          <a:ln>
-            <a:noFill/>
-          </a:ln>
-        </p:spPr>
-        <p:txBody>
-          <a:bodyPr wrap="none" lIns="0" tIns="0" rIns="0" bIns="0" rtlCol="0">
-            <a:spAutoFit/>
-          </a:bodyPr>
-          <a:lstStyle/>
-          <a:p>
-            <a:pPr algn="r"/>
-            <a:r>
-              <a:rPr lang="en-US" sz="1200" i="1" kern="0" spc="-30" dirty="0">
-                <a:latin typeface="Arial"/>
-                <a:cs typeface="Arial"/>
-              </a:rPr>
-              <a:t>PUT/DELETE</a:t>
-            </a:r>
-          </a:p>
-        </p:txBody>
-      </p:sp>
-      <p:sp>
-        <p:nvSpPr>
-          <p:cNvPr id="210" name="Rounded Rectangle 209">
-            <a:extLst>
-              <a:ext uri="{FF2B5EF4-FFF2-40B4-BE49-F238E27FC236}">
-                <a16:creationId xmlns:a16="http://schemas.microsoft.com/office/drawing/2014/main" id="{ADC9FC54-978B-8248-94CA-89F32849C317}"/>
-              </a:ext>
-            </a:extLst>
-          </p:cNvPr>
-          <p:cNvSpPr/>
-          <p:nvPr/>
-        </p:nvSpPr>
-        <p:spPr>
-          <a:xfrm>
-            <a:off x="6317827" y="2918734"/>
-            <a:ext cx="1261065" cy="685800"/>
-          </a:xfrm>
-          <a:prstGeom prst="roundRect">
-            <a:avLst/>
-          </a:prstGeom>
-          <a:solidFill>
-            <a:srgbClr val="00B050"/>
-          </a:solidFill>
-          <a:ln>
-            <a:noFill/>
-          </a:ln>
-          <a:effectLst/>
-        </p:spPr>
-        <p:style>
-          <a:lnRef idx="1">
-            <a:schemeClr val="accent1"/>
-          </a:lnRef>
-          <a:fillRef idx="3">
-            <a:schemeClr val="accent1"/>
-          </a:fillRef>
-          <a:effectRef idx="2">
-            <a:schemeClr val="accent1"/>
-          </a:effectRef>
-          <a:fontRef idx="minor">
-            <a:schemeClr val="lt1"/>
-          </a:fontRef>
-        </p:style>
-        <p:txBody>
-          <a:bodyPr rtlCol="0" anchor="ctr"/>
-          <a:lstStyle/>
-          <a:p>
-            <a:pPr algn="ctr"/>
-            <a:r>
-              <a:rPr lang="en-US" dirty="0"/>
-              <a:t>IBM Cloudant</a:t>
-            </a:r>
-          </a:p>
-        </p:txBody>
-      </p:sp>
-      <p:cxnSp>
-        <p:nvCxnSpPr>
-          <p:cNvPr id="211" name="Straight Connector 210">
-            <a:extLst>
-              <a:ext uri="{FF2B5EF4-FFF2-40B4-BE49-F238E27FC236}">
-                <a16:creationId xmlns:a16="http://schemas.microsoft.com/office/drawing/2014/main" id="{F3605A93-4320-9C43-9B75-AA22335FB92E}"/>
-              </a:ext>
-            </a:extLst>
-          </p:cNvPr>
-          <p:cNvCxnSpPr>
-            <a:cxnSpLocks/>
-            <a:stCxn id="5" idx="3"/>
-            <a:endCxn id="210" idx="1"/>
-          </p:cNvCxnSpPr>
-          <p:nvPr/>
-        </p:nvCxnSpPr>
-        <p:spPr>
-          <a:xfrm>
-            <a:off x="5539646" y="3255907"/>
-            <a:ext cx="778181" cy="5727"/>
-          </a:xfrm>
-          <a:prstGeom prst="line">
-            <a:avLst/>
-          </a:prstGeom>
-          <a:ln w="19050">
-            <a:solidFill>
-              <a:schemeClr val="tx1"/>
-            </a:solidFill>
-            <a:tailEnd type="arrow"/>
-          </a:ln>
-        </p:spPr>
-        <p:style>
-          <a:lnRef idx="1">
-            <a:schemeClr val="accent1"/>
-          </a:lnRef>
-          <a:fillRef idx="0">
-            <a:schemeClr val="accent1"/>
-          </a:fillRef>
-          <a:effectRef idx="0">
-            <a:schemeClr val="accent1"/>
-          </a:effectRef>
-          <a:fontRef idx="minor">
-            <a:schemeClr val="tx1"/>
-          </a:fontRef>
-        </p:style>
-      </p:cxnSp>
-      <p:cxnSp>
-        <p:nvCxnSpPr>
-          <p:cNvPr id="218" name="Straight Connector 217">
-            <a:extLst>
-              <a:ext uri="{FF2B5EF4-FFF2-40B4-BE49-F238E27FC236}">
-                <a16:creationId xmlns:a16="http://schemas.microsoft.com/office/drawing/2014/main" id="{3AC8B399-9EBA-424C-A070-EC1287D029D7}"/>
-              </a:ext>
-            </a:extLst>
-          </p:cNvPr>
-          <p:cNvCxnSpPr>
-            <a:cxnSpLocks/>
-            <a:endCxn id="56" idx="1"/>
-          </p:cNvCxnSpPr>
-          <p:nvPr/>
-        </p:nvCxnSpPr>
-        <p:spPr>
-          <a:xfrm>
-            <a:off x="5264358" y="3750913"/>
-            <a:ext cx="3554830" cy="6287"/>
-          </a:xfrm>
-          <a:prstGeom prst="line">
-            <a:avLst/>
-          </a:prstGeom>
-          <a:ln w="19050">
-            <a:solidFill>
-              <a:schemeClr val="tx1"/>
-            </a:solidFill>
-            <a:tailEnd type="arrow"/>
-          </a:ln>
-        </p:spPr>
-        <p:style>
-          <a:lnRef idx="1">
-            <a:schemeClr val="accent1"/>
-          </a:lnRef>
-          <a:fillRef idx="0">
-            <a:schemeClr val="accent1"/>
-          </a:fillRef>
-          <a:effectRef idx="0">
-            <a:schemeClr val="accent1"/>
-          </a:effectRef>
-          <a:fontRef idx="minor">
-            <a:schemeClr val="tx1"/>
-          </a:fontRef>
-        </p:style>
-      </p:cxnSp>
-      <p:cxnSp>
-        <p:nvCxnSpPr>
-          <p:cNvPr id="107" name="Straight Connector 106">
-            <a:extLst>
-              <a:ext uri="{FF2B5EF4-FFF2-40B4-BE49-F238E27FC236}">
-                <a16:creationId xmlns:a16="http://schemas.microsoft.com/office/drawing/2014/main" id="{5A4E3BDF-98CB-5841-B9FF-7D1DCC6598F0}"/>
-              </a:ext>
-            </a:extLst>
-          </p:cNvPr>
-          <p:cNvCxnSpPr>
-            <a:cxnSpLocks/>
-          </p:cNvCxnSpPr>
-          <p:nvPr/>
-        </p:nvCxnSpPr>
-        <p:spPr>
-          <a:xfrm flipH="1">
-            <a:off x="1950390" y="3451334"/>
-            <a:ext cx="303596" cy="0"/>
-          </a:xfrm>
-          <a:prstGeom prst="line">
-            <a:avLst/>
-          </a:prstGeom>
-          <a:ln w="19050">
-            <a:solidFill>
-              <a:schemeClr val="tx1"/>
-            </a:solidFill>
-            <a:tailEnd type="arrow"/>
-          </a:ln>
-        </p:spPr>
-        <p:style>
-          <a:lnRef idx="1">
-            <a:schemeClr val="accent1"/>
-          </a:lnRef>
-          <a:fillRef idx="0">
-            <a:schemeClr val="accent1"/>
-          </a:fillRef>
-          <a:effectRef idx="0">
-            <a:schemeClr val="accent1"/>
-          </a:effectRef>
-          <a:fontRef idx="minor">
-            <a:schemeClr val="tx1"/>
-          </a:fontRef>
-        </p:style>
-      </p:cxnSp>
-      <p:cxnSp>
-        <p:nvCxnSpPr>
-          <p:cNvPr id="110" name="Straight Connector 109">
-            <a:extLst>
-              <a:ext uri="{FF2B5EF4-FFF2-40B4-BE49-F238E27FC236}">
-                <a16:creationId xmlns:a16="http://schemas.microsoft.com/office/drawing/2014/main" id="{F3B9FF64-D00D-9443-8B40-3DCD7300C55A}"/>
-              </a:ext>
-            </a:extLst>
-          </p:cNvPr>
-          <p:cNvCxnSpPr>
-            <a:cxnSpLocks/>
-            <a:endCxn id="71" idx="1"/>
-          </p:cNvCxnSpPr>
-          <p:nvPr/>
-        </p:nvCxnSpPr>
-        <p:spPr>
-          <a:xfrm>
-            <a:off x="1967185" y="6366898"/>
-            <a:ext cx="335246" cy="0"/>
-          </a:xfrm>
-          <a:prstGeom prst="line">
-            <a:avLst/>
-          </a:prstGeom>
-          <a:ln w="19050">
-            <a:solidFill>
-              <a:schemeClr val="tx1"/>
-            </a:solidFill>
-            <a:tailEnd type="arrow"/>
-          </a:ln>
-        </p:spPr>
-        <p:style>
-          <a:lnRef idx="1">
-            <a:schemeClr val="accent1"/>
-          </a:lnRef>
-          <a:fillRef idx="0">
-            <a:schemeClr val="accent1"/>
-          </a:fillRef>
-          <a:effectRef idx="0">
-            <a:schemeClr val="accent1"/>
-          </a:effectRef>
-          <a:fontRef idx="minor">
-            <a:schemeClr val="tx1"/>
-          </a:fontRef>
-        </p:style>
-      </p:cxnSp>
-      <p:cxnSp>
-        <p:nvCxnSpPr>
-          <p:cNvPr id="123" name="Straight Connector 122">
-            <a:extLst>
-              <a:ext uri="{FF2B5EF4-FFF2-40B4-BE49-F238E27FC236}">
-                <a16:creationId xmlns:a16="http://schemas.microsoft.com/office/drawing/2014/main" id="{9CC73E6F-AE3A-1642-9E12-60F8FDDBA9AA}"/>
-              </a:ext>
-            </a:extLst>
-          </p:cNvPr>
-          <p:cNvCxnSpPr>
-            <a:cxnSpLocks/>
-          </p:cNvCxnSpPr>
-          <p:nvPr/>
-        </p:nvCxnSpPr>
-        <p:spPr>
-          <a:xfrm>
-            <a:off x="3404668" y="3576895"/>
-            <a:ext cx="281752" cy="840595"/>
-          </a:xfrm>
-          <a:prstGeom prst="line">
-            <a:avLst/>
-          </a:prstGeom>
-          <a:ln w="19050">
-            <a:solidFill>
-              <a:schemeClr val="tx1"/>
-            </a:solidFill>
-            <a:tailEnd type="arrow"/>
-          </a:ln>
-        </p:spPr>
-        <p:style>
-          <a:lnRef idx="1">
-            <a:schemeClr val="accent1"/>
-          </a:lnRef>
-          <a:fillRef idx="0">
-            <a:schemeClr val="accent1"/>
-          </a:fillRef>
-          <a:effectRef idx="0">
-            <a:schemeClr val="accent1"/>
-          </a:effectRef>
-          <a:fontRef idx="minor">
-            <a:schemeClr val="tx1"/>
-          </a:fontRef>
-        </p:style>
-      </p:cxnSp>
-      <p:cxnSp>
-        <p:nvCxnSpPr>
-          <p:cNvPr id="127" name="Straight Connector 126">
-            <a:extLst>
-              <a:ext uri="{FF2B5EF4-FFF2-40B4-BE49-F238E27FC236}">
-                <a16:creationId xmlns:a16="http://schemas.microsoft.com/office/drawing/2014/main" id="{28DBE78E-2401-0E43-865E-337E7E2E4780}"/>
-              </a:ext>
-            </a:extLst>
-          </p:cNvPr>
-          <p:cNvCxnSpPr>
-            <a:cxnSpLocks/>
-          </p:cNvCxnSpPr>
-          <p:nvPr/>
-        </p:nvCxnSpPr>
-        <p:spPr>
-          <a:xfrm flipH="1">
-            <a:off x="3532095" y="4386291"/>
-            <a:ext cx="134254" cy="652711"/>
-          </a:xfrm>
-          <a:prstGeom prst="line">
-            <a:avLst/>
-          </a:prstGeom>
-          <a:ln w="19050">
-            <a:solidFill>
-              <a:schemeClr val="tx1"/>
-            </a:solidFill>
-            <a:tailEnd type="arrow"/>
-          </a:ln>
-        </p:spPr>
-        <p:style>
-          <a:lnRef idx="1">
-            <a:schemeClr val="accent1"/>
-          </a:lnRef>
-          <a:fillRef idx="0">
-            <a:schemeClr val="accent1"/>
-          </a:fillRef>
-          <a:effectRef idx="0">
-            <a:schemeClr val="accent1"/>
-          </a:effectRef>
-          <a:fontRef idx="minor">
-            <a:schemeClr val="tx1"/>
-          </a:fontRef>
-        </p:style>
-      </p:cxnSp>
-      <p:cxnSp>
-        <p:nvCxnSpPr>
-          <p:cNvPr id="129" name="Straight Connector 128">
-            <a:extLst>
-              <a:ext uri="{FF2B5EF4-FFF2-40B4-BE49-F238E27FC236}">
-                <a16:creationId xmlns:a16="http://schemas.microsoft.com/office/drawing/2014/main" id="{DC3A0D99-112C-7246-8BCE-D03E43EA8E3B}"/>
-              </a:ext>
-            </a:extLst>
-          </p:cNvPr>
-          <p:cNvCxnSpPr>
-            <a:cxnSpLocks/>
-            <a:endCxn id="69" idx="3"/>
-          </p:cNvCxnSpPr>
-          <p:nvPr/>
-        </p:nvCxnSpPr>
-        <p:spPr>
-          <a:xfrm flipH="1">
-            <a:off x="3563560" y="3576895"/>
-            <a:ext cx="893255" cy="1760652"/>
-          </a:xfrm>
-          <a:prstGeom prst="line">
-            <a:avLst/>
-          </a:prstGeom>
-          <a:ln w="19050">
-            <a:solidFill>
-              <a:schemeClr val="tx1"/>
-            </a:solidFill>
-            <a:tailEnd type="arrow"/>
-          </a:ln>
-        </p:spPr>
-        <p:style>
-          <a:lnRef idx="1">
-            <a:schemeClr val="accent1"/>
-          </a:lnRef>
-          <a:fillRef idx="0">
-            <a:schemeClr val="accent1"/>
-          </a:fillRef>
-          <a:effectRef idx="0">
-            <a:schemeClr val="accent1"/>
-          </a:effectRef>
-          <a:fontRef idx="minor">
-            <a:schemeClr val="tx1"/>
-          </a:fontRef>
-        </p:style>
-      </p:cxnSp>
-    </p:spTree>
-    <p:extLst>
-      <p:ext uri="{BB962C8B-B14F-4D97-AF65-F5344CB8AC3E}">
-        <p14:creationId xmlns:p14="http://schemas.microsoft.com/office/powerpoint/2010/main" val="1440502367"/>
-      </p:ext>
-    </p:extLst>
-  </p:cSld>
-  <p:clrMapOvr>
-    <a:masterClrMapping/>
-  </p:clrMapOvr>
-</p:sld>
-</file>
-
-<file path=ppt/slides/slide4.xml><?xml version="1.0" encoding="utf-8"?>
 <p:sld xmlns:a="http://schemas.openxmlformats.org/drawingml/2006/main" xmlns:r="http://schemas.openxmlformats.org/officeDocument/2006/relationships" xmlns:p="http://schemas.openxmlformats.org/presentationml/2006/main">
   <p:cSld>
     <p:spTree>
@@ -23706,7 +20373,7 @@
 </p:sld>
 </file>
 
-<file path=ppt/slides/slide5.xml><?xml version="1.0" encoding="utf-8"?>
+<file path=ppt/slides/slide4.xml><?xml version="1.0" encoding="utf-8"?>
 <p:sld xmlns:a="http://schemas.openxmlformats.org/drawingml/2006/main" xmlns:r="http://schemas.openxmlformats.org/officeDocument/2006/relationships" xmlns:p="http://schemas.openxmlformats.org/presentationml/2006/main">
   <p:cSld>
     <p:spTree>
